--- a/文件系统.pptx
+++ b/文件系统.pptx
@@ -9,6 +9,7 @@
     <p:sldId id="258" r:id="rId3"/>
     <p:sldId id="259" r:id="rId4"/>
     <p:sldId id="260" r:id="rId5"/>
+    <p:sldId id="263" r:id="rId6"/>
   </p:sldIdLst>
   <p:sldSz cx="12192000" cy="6858000"/>
   <p:notesSz cx="6858000" cy="9144000"/>
@@ -107,6 +108,11 @@
       </a:defRPr>
     </a:lvl9pPr>
   </p:defaultTextStyle>
+  <p:extLst>
+    <p:ext uri="{EFAFB233-063F-42B5-8137-9DF3F51BA10A}">
+      <p15:sldGuideLst xmlns:p15="http://schemas.microsoft.com/office/powerpoint/2012/main"/>
+    </p:ext>
+  </p:extLst>
 </p:presentation>
 </file>
 
@@ -257,7 +263,7 @@
           <a:p>
             <a:fld id="{3D71AFD6-832F-764F-A8C5-443411455556}" type="datetimeFigureOut">
               <a:rPr kumimoji="1" lang="zh-CN" altLang="en-US" smtClean="0"/>
-              <a:t>2019/9/16</a:t>
+              <a:t>2019/9/18</a:t>
             </a:fld>
             <a:endParaRPr kumimoji="1" lang="zh-CN" altLang="en-US"/>
           </a:p>
@@ -455,7 +461,7 @@
           <a:p>
             <a:fld id="{3D71AFD6-832F-764F-A8C5-443411455556}" type="datetimeFigureOut">
               <a:rPr kumimoji="1" lang="zh-CN" altLang="en-US" smtClean="0"/>
-              <a:t>2019/9/16</a:t>
+              <a:t>2019/9/18</a:t>
             </a:fld>
             <a:endParaRPr kumimoji="1" lang="zh-CN" altLang="en-US"/>
           </a:p>
@@ -663,7 +669,7 @@
           <a:p>
             <a:fld id="{3D71AFD6-832F-764F-A8C5-443411455556}" type="datetimeFigureOut">
               <a:rPr kumimoji="1" lang="zh-CN" altLang="en-US" smtClean="0"/>
-              <a:t>2019/9/16</a:t>
+              <a:t>2019/9/18</a:t>
             </a:fld>
             <a:endParaRPr kumimoji="1" lang="zh-CN" altLang="en-US"/>
           </a:p>
@@ -861,7 +867,7 @@
           <a:p>
             <a:fld id="{3D71AFD6-832F-764F-A8C5-443411455556}" type="datetimeFigureOut">
               <a:rPr kumimoji="1" lang="zh-CN" altLang="en-US" smtClean="0"/>
-              <a:t>2019/9/16</a:t>
+              <a:t>2019/9/18</a:t>
             </a:fld>
             <a:endParaRPr kumimoji="1" lang="zh-CN" altLang="en-US"/>
           </a:p>
@@ -1136,7 +1142,7 @@
           <a:p>
             <a:fld id="{3D71AFD6-832F-764F-A8C5-443411455556}" type="datetimeFigureOut">
               <a:rPr kumimoji="1" lang="zh-CN" altLang="en-US" smtClean="0"/>
-              <a:t>2019/9/16</a:t>
+              <a:t>2019/9/18</a:t>
             </a:fld>
             <a:endParaRPr kumimoji="1" lang="zh-CN" altLang="en-US"/>
           </a:p>
@@ -1401,7 +1407,7 @@
           <a:p>
             <a:fld id="{3D71AFD6-832F-764F-A8C5-443411455556}" type="datetimeFigureOut">
               <a:rPr kumimoji="1" lang="zh-CN" altLang="en-US" smtClean="0"/>
-              <a:t>2019/9/16</a:t>
+              <a:t>2019/9/18</a:t>
             </a:fld>
             <a:endParaRPr kumimoji="1" lang="zh-CN" altLang="en-US"/>
           </a:p>
@@ -1813,7 +1819,7 @@
           <a:p>
             <a:fld id="{3D71AFD6-832F-764F-A8C5-443411455556}" type="datetimeFigureOut">
               <a:rPr kumimoji="1" lang="zh-CN" altLang="en-US" smtClean="0"/>
-              <a:t>2019/9/16</a:t>
+              <a:t>2019/9/18</a:t>
             </a:fld>
             <a:endParaRPr kumimoji="1" lang="zh-CN" altLang="en-US"/>
           </a:p>
@@ -1954,7 +1960,7 @@
           <a:p>
             <a:fld id="{3D71AFD6-832F-764F-A8C5-443411455556}" type="datetimeFigureOut">
               <a:rPr kumimoji="1" lang="zh-CN" altLang="en-US" smtClean="0"/>
-              <a:t>2019/9/16</a:t>
+              <a:t>2019/9/18</a:t>
             </a:fld>
             <a:endParaRPr kumimoji="1" lang="zh-CN" altLang="en-US"/>
           </a:p>
@@ -2067,7 +2073,7 @@
           <a:p>
             <a:fld id="{3D71AFD6-832F-764F-A8C5-443411455556}" type="datetimeFigureOut">
               <a:rPr kumimoji="1" lang="zh-CN" altLang="en-US" smtClean="0"/>
-              <a:t>2019/9/16</a:t>
+              <a:t>2019/9/18</a:t>
             </a:fld>
             <a:endParaRPr kumimoji="1" lang="zh-CN" altLang="en-US"/>
           </a:p>
@@ -2378,7 +2384,7 @@
           <a:p>
             <a:fld id="{3D71AFD6-832F-764F-A8C5-443411455556}" type="datetimeFigureOut">
               <a:rPr kumimoji="1" lang="zh-CN" altLang="en-US" smtClean="0"/>
-              <a:t>2019/9/16</a:t>
+              <a:t>2019/9/18</a:t>
             </a:fld>
             <a:endParaRPr kumimoji="1" lang="zh-CN" altLang="en-US"/>
           </a:p>
@@ -2666,7 +2672,7 @@
           <a:p>
             <a:fld id="{3D71AFD6-832F-764F-A8C5-443411455556}" type="datetimeFigureOut">
               <a:rPr kumimoji="1" lang="zh-CN" altLang="en-US" smtClean="0"/>
-              <a:t>2019/9/16</a:t>
+              <a:t>2019/9/18</a:t>
             </a:fld>
             <a:endParaRPr kumimoji="1" lang="zh-CN" altLang="en-US"/>
           </a:p>
@@ -2907,7 +2913,7 @@
           <a:p>
             <a:fld id="{3D71AFD6-832F-764F-A8C5-443411455556}" type="datetimeFigureOut">
               <a:rPr kumimoji="1" lang="zh-CN" altLang="en-US" smtClean="0"/>
-              <a:t>2019/9/16</a:t>
+              <a:t>2019/9/18</a:t>
             </a:fld>
             <a:endParaRPr kumimoji="1" lang="zh-CN" altLang="en-US"/>
           </a:p>
@@ -6652,8 +6658,8 @@
         </p:nvCxnSpPr>
         <p:spPr>
           <a:xfrm flipV="1">
-            <a:off x="5303416" y="733620"/>
-            <a:ext cx="324971" cy="960739"/>
+            <a:off x="5303416" y="960984"/>
+            <a:ext cx="324971" cy="733375"/>
           </a:xfrm>
           <a:prstGeom prst="straightConnector1">
             <a:avLst/>
@@ -7063,7 +7069,7 @@
         </p:nvGrpSpPr>
         <p:grpSpPr>
           <a:xfrm>
-            <a:off x="5628385" y="73718"/>
+            <a:off x="5628385" y="301082"/>
             <a:ext cx="1660635" cy="1053223"/>
             <a:chOff x="1135116" y="220716"/>
             <a:chExt cx="1008994" cy="1053223"/>
@@ -7301,8 +7307,8 @@
         </p:nvCxnSpPr>
         <p:spPr>
           <a:xfrm>
-            <a:off x="7289020" y="733620"/>
-            <a:ext cx="1952416" cy="657560"/>
+            <a:off x="7289020" y="960984"/>
+            <a:ext cx="1952416" cy="430196"/>
           </a:xfrm>
           <a:prstGeom prst="straightConnector1">
             <a:avLst/>
@@ -8530,79 +8536,4697 @@
           <a:chExt cx="0" cy="0"/>
         </a:xfrm>
       </p:grpSpPr>
-      <p:sp>
-        <p:nvSpPr>
-          <p:cNvPr id="2" name="矩形 1">
+      <p:grpSp>
+        <p:nvGrpSpPr>
+          <p:cNvPr id="3" name="组合 2">
             <a:extLst>
               <a:ext uri="{FF2B5EF4-FFF2-40B4-BE49-F238E27FC236}">
-                <a16:creationId xmlns:a16="http://schemas.microsoft.com/office/drawing/2014/main" id="{FD92E0C8-0DE3-334B-A815-FE5CAE71913A}"/>
+                <a16:creationId xmlns:a16="http://schemas.microsoft.com/office/drawing/2014/main" id="{4A963FC6-5C3C-D346-B1DD-BA87AA4490C9}"/>
               </a:ext>
             </a:extLst>
           </p:cNvPr>
-          <p:cNvSpPr/>
+          <p:cNvGrpSpPr/>
+          <p:nvPr/>
+        </p:nvGrpSpPr>
+        <p:grpSpPr>
+          <a:xfrm>
+            <a:off x="1513490" y="2180538"/>
+            <a:ext cx="1166647" cy="1037787"/>
+            <a:chOff x="1124607" y="488373"/>
+            <a:chExt cx="1166647" cy="1037787"/>
+          </a:xfrm>
+        </p:grpSpPr>
+        <p:sp>
+          <p:nvSpPr>
+            <p:cNvPr id="4" name="矩形 3">
+              <a:extLst>
+                <a:ext uri="{FF2B5EF4-FFF2-40B4-BE49-F238E27FC236}">
+                  <a16:creationId xmlns:a16="http://schemas.microsoft.com/office/drawing/2014/main" id="{066C413C-751A-BD44-825A-BCB6EEE7F041}"/>
+                </a:ext>
+              </a:extLst>
+            </p:cNvPr>
+            <p:cNvSpPr/>
+            <p:nvPr/>
+          </p:nvSpPr>
+          <p:spPr>
+            <a:xfrm>
+              <a:off x="1124607" y="782270"/>
+              <a:ext cx="1166647" cy="743890"/>
+            </a:xfrm>
+            <a:prstGeom prst="rect">
+              <a:avLst/>
+            </a:prstGeom>
+            <a:noFill/>
+            <a:ln>
+              <a:solidFill>
+                <a:schemeClr val="tx1"/>
+              </a:solidFill>
+            </a:ln>
+          </p:spPr>
+          <p:style>
+            <a:lnRef idx="2">
+              <a:schemeClr val="accent1">
+                <a:shade val="50000"/>
+              </a:schemeClr>
+            </a:lnRef>
+            <a:fillRef idx="1">
+              <a:schemeClr val="accent1"/>
+            </a:fillRef>
+            <a:effectRef idx="0">
+              <a:schemeClr val="accent1"/>
+            </a:effectRef>
+            <a:fontRef idx="minor">
+              <a:schemeClr val="lt1"/>
+            </a:fontRef>
+          </p:style>
+          <p:txBody>
+            <a:bodyPr rtlCol="0" anchor="ctr"/>
+            <a:lstStyle/>
+            <a:p>
+              <a:pPr algn="ctr"/>
+              <a:endParaRPr kumimoji="1" lang="zh-CN" altLang="en-US" sz="1400">
+                <a:solidFill>
+                  <a:schemeClr val="tx1"/>
+                </a:solidFill>
+              </a:endParaRPr>
+            </a:p>
+          </p:txBody>
+        </p:sp>
+        <p:sp>
+          <p:nvSpPr>
+            <p:cNvPr id="5" name="矩形 4">
+              <a:extLst>
+                <a:ext uri="{FF2B5EF4-FFF2-40B4-BE49-F238E27FC236}">
+                  <a16:creationId xmlns:a16="http://schemas.microsoft.com/office/drawing/2014/main" id="{BA7C4116-1647-4340-AF69-2CC2FA178F39}"/>
+                </a:ext>
+              </a:extLst>
+            </p:cNvPr>
+            <p:cNvSpPr/>
+            <p:nvPr/>
+          </p:nvSpPr>
+          <p:spPr>
+            <a:xfrm>
+              <a:off x="1124607" y="977867"/>
+              <a:ext cx="1166647" cy="336331"/>
+            </a:xfrm>
+            <a:prstGeom prst="rect">
+              <a:avLst/>
+            </a:prstGeom>
+            <a:noFill/>
+            <a:ln>
+              <a:solidFill>
+                <a:schemeClr val="tx1"/>
+              </a:solidFill>
+            </a:ln>
+          </p:spPr>
+          <p:style>
+            <a:lnRef idx="2">
+              <a:schemeClr val="accent1">
+                <a:shade val="50000"/>
+              </a:schemeClr>
+            </a:lnRef>
+            <a:fillRef idx="1">
+              <a:schemeClr val="accent1"/>
+            </a:fillRef>
+            <a:effectRef idx="0">
+              <a:schemeClr val="accent1"/>
+            </a:effectRef>
+            <a:fontRef idx="minor">
+              <a:schemeClr val="lt1"/>
+            </a:fontRef>
+          </p:style>
+          <p:txBody>
+            <a:bodyPr rtlCol="0" anchor="ctr"/>
+            <a:lstStyle/>
+            <a:p>
+              <a:pPr algn="ctr"/>
+              <a:r>
+                <a:rPr lang="en-US" altLang="zh-CN" sz="1400">
+                  <a:solidFill>
+                    <a:schemeClr val="tx1"/>
+                  </a:solidFill>
+                </a:rPr>
+                <a:t>inode</a:t>
+              </a:r>
+              <a:r>
+                <a:rPr lang="zh-CN" altLang="en-US" sz="1400">
+                  <a:solidFill>
+                    <a:schemeClr val="tx1"/>
+                  </a:solidFill>
+                </a:rPr>
+                <a:t> *</a:t>
+              </a:r>
+              <a:r>
+                <a:rPr lang="en-US" altLang="zh-CN" sz="1400">
+                  <a:solidFill>
+                    <a:schemeClr val="tx1"/>
+                  </a:solidFill>
+                </a:rPr>
+                <a:t>in</a:t>
+              </a:r>
+            </a:p>
+          </p:txBody>
+        </p:sp>
+        <p:sp>
+          <p:nvSpPr>
+            <p:cNvPr id="6" name="同侧圆角矩形 5">
+              <a:extLst>
+                <a:ext uri="{FF2B5EF4-FFF2-40B4-BE49-F238E27FC236}">
+                  <a16:creationId xmlns:a16="http://schemas.microsoft.com/office/drawing/2014/main" id="{01EB9A88-F0DA-4B42-BB88-044D8FFD1B1F}"/>
+                </a:ext>
+              </a:extLst>
+            </p:cNvPr>
+            <p:cNvSpPr/>
+            <p:nvPr/>
+          </p:nvSpPr>
+          <p:spPr>
+            <a:xfrm>
+              <a:off x="1124607" y="488373"/>
+              <a:ext cx="1166647" cy="293897"/>
+            </a:xfrm>
+            <a:prstGeom prst="round2SameRect">
+              <a:avLst/>
+            </a:prstGeom>
+            <a:noFill/>
+            <a:ln>
+              <a:solidFill>
+                <a:schemeClr val="tx1"/>
+              </a:solidFill>
+            </a:ln>
+          </p:spPr>
+          <p:style>
+            <a:lnRef idx="2">
+              <a:schemeClr val="accent1">
+                <a:shade val="50000"/>
+              </a:schemeClr>
+            </a:lnRef>
+            <a:fillRef idx="1">
+              <a:schemeClr val="accent1"/>
+            </a:fillRef>
+            <a:effectRef idx="0">
+              <a:schemeClr val="accent1"/>
+            </a:effectRef>
+            <a:fontRef idx="minor">
+              <a:schemeClr val="lt1"/>
+            </a:fontRef>
+          </p:style>
+          <p:txBody>
+            <a:bodyPr rot="0" spcFirstLastPara="0" vertOverflow="overflow" horzOverflow="overflow" vert="horz" wrap="square" lIns="91440" tIns="45720" rIns="91440" bIns="45720" numCol="1" spcCol="0" rtlCol="0" fromWordArt="0" anchor="ctr" anchorCtr="0" forceAA="0" compatLnSpc="1">
+              <a:prstTxWarp prst="textNoShape">
+                <a:avLst/>
+              </a:prstTxWarp>
+              <a:noAutofit/>
+            </a:bodyPr>
+            <a:lstStyle/>
+            <a:p>
+              <a:pPr algn="ctr"/>
+              <a:r>
+                <a:rPr kumimoji="1" lang="en-US" altLang="zh-CN" sz="1400">
+                  <a:solidFill>
+                    <a:schemeClr val="tx1"/>
+                  </a:solidFill>
+                </a:rPr>
+                <a:t>file</a:t>
+              </a:r>
+              <a:endParaRPr kumimoji="1" lang="zh-CN" altLang="en-US" sz="1400">
+                <a:solidFill>
+                  <a:schemeClr val="tx1"/>
+                </a:solidFill>
+              </a:endParaRPr>
+            </a:p>
+          </p:txBody>
+        </p:sp>
+      </p:grpSp>
+      <p:grpSp>
+        <p:nvGrpSpPr>
+          <p:cNvPr id="11" name="组合 10">
+            <a:extLst>
+              <a:ext uri="{FF2B5EF4-FFF2-40B4-BE49-F238E27FC236}">
+                <a16:creationId xmlns:a16="http://schemas.microsoft.com/office/drawing/2014/main" id="{791D6EB7-B5E7-8B45-A67F-3899AFD1B685}"/>
+              </a:ext>
+            </a:extLst>
+          </p:cNvPr>
+          <p:cNvGrpSpPr/>
+          <p:nvPr/>
+        </p:nvGrpSpPr>
+        <p:grpSpPr>
+          <a:xfrm>
+            <a:off x="5286703" y="5991357"/>
+            <a:ext cx="4884282" cy="875570"/>
+            <a:chOff x="633649" y="5956154"/>
+            <a:chExt cx="2285048" cy="571500"/>
+          </a:xfrm>
+        </p:grpSpPr>
+        <p:sp>
+          <p:nvSpPr>
+            <p:cNvPr id="12" name="矩形 11">
+              <a:extLst>
+                <a:ext uri="{FF2B5EF4-FFF2-40B4-BE49-F238E27FC236}">
+                  <a16:creationId xmlns:a16="http://schemas.microsoft.com/office/drawing/2014/main" id="{4DDDB1C5-23AE-1340-825C-423CA7D32785}"/>
+                </a:ext>
+              </a:extLst>
+            </p:cNvPr>
+            <p:cNvSpPr/>
+            <p:nvPr/>
+          </p:nvSpPr>
+          <p:spPr>
+            <a:xfrm>
+              <a:off x="633649" y="5956154"/>
+              <a:ext cx="571500" cy="571500"/>
+            </a:xfrm>
+            <a:prstGeom prst="rect">
+              <a:avLst/>
+            </a:prstGeom>
+            <a:noFill/>
+            <a:ln>
+              <a:solidFill>
+                <a:schemeClr val="tx1"/>
+              </a:solidFill>
+            </a:ln>
+          </p:spPr>
+          <p:style>
+            <a:lnRef idx="2">
+              <a:schemeClr val="accent1">
+                <a:shade val="50000"/>
+              </a:schemeClr>
+            </a:lnRef>
+            <a:fillRef idx="1">
+              <a:schemeClr val="accent1"/>
+            </a:fillRef>
+            <a:effectRef idx="0">
+              <a:schemeClr val="accent1"/>
+            </a:effectRef>
+            <a:fontRef idx="minor">
+              <a:schemeClr val="lt1"/>
+            </a:fontRef>
+          </p:style>
+          <p:txBody>
+            <a:bodyPr rot="0" spcFirstLastPara="0" vertOverflow="overflow" horzOverflow="overflow" vert="horz" wrap="square" lIns="91440" tIns="45720" rIns="91440" bIns="45720" numCol="1" spcCol="0" rtlCol="0" fromWordArt="0" anchor="ctr" anchorCtr="0" forceAA="0" compatLnSpc="1">
+              <a:prstTxWarp prst="textNoShape">
+                <a:avLst/>
+              </a:prstTxWarp>
+              <a:noAutofit/>
+            </a:bodyPr>
+            <a:lstStyle/>
+            <a:p>
+              <a:pPr algn="ctr"/>
+              <a:endParaRPr kumimoji="1" lang="zh-CN" altLang="en-US" sz="1400">
+                <a:solidFill>
+                  <a:schemeClr val="tx1"/>
+                </a:solidFill>
+              </a:endParaRPr>
+            </a:p>
+          </p:txBody>
+        </p:sp>
+        <p:sp>
+          <p:nvSpPr>
+            <p:cNvPr id="13" name="矩形 12">
+              <a:extLst>
+                <a:ext uri="{FF2B5EF4-FFF2-40B4-BE49-F238E27FC236}">
+                  <a16:creationId xmlns:a16="http://schemas.microsoft.com/office/drawing/2014/main" id="{F1689CDF-E043-AC48-A2F6-EDC92449DFEC}"/>
+                </a:ext>
+              </a:extLst>
+            </p:cNvPr>
+            <p:cNvSpPr/>
+            <p:nvPr/>
+          </p:nvSpPr>
+          <p:spPr>
+            <a:xfrm>
+              <a:off x="1205149" y="5956154"/>
+              <a:ext cx="571500" cy="571500"/>
+            </a:xfrm>
+            <a:prstGeom prst="rect">
+              <a:avLst/>
+            </a:prstGeom>
+            <a:noFill/>
+            <a:ln>
+              <a:solidFill>
+                <a:schemeClr val="tx1"/>
+              </a:solidFill>
+            </a:ln>
+          </p:spPr>
+          <p:style>
+            <a:lnRef idx="2">
+              <a:schemeClr val="accent1">
+                <a:shade val="50000"/>
+              </a:schemeClr>
+            </a:lnRef>
+            <a:fillRef idx="1">
+              <a:schemeClr val="accent1"/>
+            </a:fillRef>
+            <a:effectRef idx="0">
+              <a:schemeClr val="accent1"/>
+            </a:effectRef>
+            <a:fontRef idx="minor">
+              <a:schemeClr val="lt1"/>
+            </a:fontRef>
+          </p:style>
+          <p:txBody>
+            <a:bodyPr rot="0" spcFirstLastPara="0" vertOverflow="overflow" horzOverflow="overflow" vert="horz" wrap="square" lIns="91440" tIns="45720" rIns="91440" bIns="45720" numCol="1" spcCol="0" rtlCol="0" fromWordArt="0" anchor="ctr" anchorCtr="0" forceAA="0" compatLnSpc="1">
+              <a:prstTxWarp prst="textNoShape">
+                <a:avLst/>
+              </a:prstTxWarp>
+              <a:noAutofit/>
+            </a:bodyPr>
+            <a:lstStyle/>
+            <a:p>
+              <a:pPr algn="ctr"/>
+              <a:endParaRPr kumimoji="1" lang="zh-CN" altLang="en-US" sz="1400">
+                <a:solidFill>
+                  <a:schemeClr val="tx1"/>
+                </a:solidFill>
+              </a:endParaRPr>
+            </a:p>
+          </p:txBody>
+        </p:sp>
+        <p:sp>
+          <p:nvSpPr>
+            <p:cNvPr id="14" name="矩形 13">
+              <a:extLst>
+                <a:ext uri="{FF2B5EF4-FFF2-40B4-BE49-F238E27FC236}">
+                  <a16:creationId xmlns:a16="http://schemas.microsoft.com/office/drawing/2014/main" id="{2C5BFB1A-3FD5-EE41-8E06-B0BDEFAEE5C9}"/>
+                </a:ext>
+              </a:extLst>
+            </p:cNvPr>
+            <p:cNvSpPr/>
+            <p:nvPr/>
+          </p:nvSpPr>
+          <p:spPr>
+            <a:xfrm>
+              <a:off x="1776173" y="5956154"/>
+              <a:ext cx="571500" cy="571500"/>
+            </a:xfrm>
+            <a:prstGeom prst="rect">
+              <a:avLst/>
+            </a:prstGeom>
+            <a:noFill/>
+            <a:ln>
+              <a:solidFill>
+                <a:schemeClr val="tx1"/>
+              </a:solidFill>
+            </a:ln>
+          </p:spPr>
+          <p:style>
+            <a:lnRef idx="2">
+              <a:schemeClr val="accent1">
+                <a:shade val="50000"/>
+              </a:schemeClr>
+            </a:lnRef>
+            <a:fillRef idx="1">
+              <a:schemeClr val="accent1"/>
+            </a:fillRef>
+            <a:effectRef idx="0">
+              <a:schemeClr val="accent1"/>
+            </a:effectRef>
+            <a:fontRef idx="minor">
+              <a:schemeClr val="lt1"/>
+            </a:fontRef>
+          </p:style>
+          <p:txBody>
+            <a:bodyPr rot="0" spcFirstLastPara="0" vertOverflow="overflow" horzOverflow="overflow" vert="horz" wrap="square" lIns="91440" tIns="45720" rIns="91440" bIns="45720" numCol="1" spcCol="0" rtlCol="0" fromWordArt="0" anchor="ctr" anchorCtr="0" forceAA="0" compatLnSpc="1">
+              <a:prstTxWarp prst="textNoShape">
+                <a:avLst/>
+              </a:prstTxWarp>
+              <a:noAutofit/>
+            </a:bodyPr>
+            <a:lstStyle/>
+            <a:p>
+              <a:pPr algn="ctr"/>
+              <a:endParaRPr kumimoji="1" lang="zh-CN" altLang="en-US" sz="1400">
+                <a:solidFill>
+                  <a:schemeClr val="tx1"/>
+                </a:solidFill>
+              </a:endParaRPr>
+            </a:p>
+          </p:txBody>
+        </p:sp>
+        <p:sp>
+          <p:nvSpPr>
+            <p:cNvPr id="15" name="矩形 14">
+              <a:extLst>
+                <a:ext uri="{FF2B5EF4-FFF2-40B4-BE49-F238E27FC236}">
+                  <a16:creationId xmlns:a16="http://schemas.microsoft.com/office/drawing/2014/main" id="{4442B166-3A91-AF48-9D43-C50B42A17B48}"/>
+                </a:ext>
+              </a:extLst>
+            </p:cNvPr>
+            <p:cNvSpPr/>
+            <p:nvPr/>
+          </p:nvSpPr>
+          <p:spPr>
+            <a:xfrm>
+              <a:off x="2347197" y="5956154"/>
+              <a:ext cx="571500" cy="571500"/>
+            </a:xfrm>
+            <a:prstGeom prst="rect">
+              <a:avLst/>
+            </a:prstGeom>
+            <a:noFill/>
+            <a:ln>
+              <a:solidFill>
+                <a:schemeClr val="tx1"/>
+              </a:solidFill>
+            </a:ln>
+          </p:spPr>
+          <p:style>
+            <a:lnRef idx="2">
+              <a:schemeClr val="accent1">
+                <a:shade val="50000"/>
+              </a:schemeClr>
+            </a:lnRef>
+            <a:fillRef idx="1">
+              <a:schemeClr val="accent1"/>
+            </a:fillRef>
+            <a:effectRef idx="0">
+              <a:schemeClr val="accent1"/>
+            </a:effectRef>
+            <a:fontRef idx="minor">
+              <a:schemeClr val="lt1"/>
+            </a:fontRef>
+          </p:style>
+          <p:txBody>
+            <a:bodyPr rot="0" spcFirstLastPara="0" vertOverflow="overflow" horzOverflow="overflow" vert="horz" wrap="square" lIns="91440" tIns="45720" rIns="91440" bIns="45720" numCol="1" spcCol="0" rtlCol="0" fromWordArt="0" anchor="ctr" anchorCtr="0" forceAA="0" compatLnSpc="1">
+              <a:prstTxWarp prst="textNoShape">
+                <a:avLst/>
+              </a:prstTxWarp>
+              <a:noAutofit/>
+            </a:bodyPr>
+            <a:lstStyle/>
+            <a:p>
+              <a:pPr algn="ctr"/>
+              <a:endParaRPr kumimoji="1" lang="zh-CN" altLang="en-US" sz="1400">
+                <a:solidFill>
+                  <a:schemeClr val="tx1"/>
+                </a:solidFill>
+              </a:endParaRPr>
+            </a:p>
+          </p:txBody>
+        </p:sp>
+      </p:grpSp>
+      <p:grpSp>
+        <p:nvGrpSpPr>
+          <p:cNvPr id="16" name="组合 15">
+            <a:extLst>
+              <a:ext uri="{FF2B5EF4-FFF2-40B4-BE49-F238E27FC236}">
+                <a16:creationId xmlns:a16="http://schemas.microsoft.com/office/drawing/2014/main" id="{9A75A27C-E481-1D42-A81C-953329289F32}"/>
+              </a:ext>
+            </a:extLst>
+          </p:cNvPr>
+          <p:cNvGrpSpPr/>
+          <p:nvPr/>
+        </p:nvGrpSpPr>
+        <p:grpSpPr>
+          <a:xfrm>
+            <a:off x="3665884" y="977104"/>
+            <a:ext cx="5283522" cy="3775200"/>
+            <a:chOff x="1124607" y="488373"/>
+            <a:chExt cx="1166647" cy="1135339"/>
+          </a:xfrm>
+        </p:grpSpPr>
+        <p:sp>
+          <p:nvSpPr>
+            <p:cNvPr id="17" name="矩形 16">
+              <a:extLst>
+                <a:ext uri="{FF2B5EF4-FFF2-40B4-BE49-F238E27FC236}">
+                  <a16:creationId xmlns:a16="http://schemas.microsoft.com/office/drawing/2014/main" id="{E7DE2AAE-A50A-9244-84E7-75A429DC0AAE}"/>
+                </a:ext>
+              </a:extLst>
+            </p:cNvPr>
+            <p:cNvSpPr/>
+            <p:nvPr/>
+          </p:nvSpPr>
+          <p:spPr>
+            <a:xfrm>
+              <a:off x="1124607" y="634542"/>
+              <a:ext cx="1166647" cy="989170"/>
+            </a:xfrm>
+            <a:prstGeom prst="rect">
+              <a:avLst/>
+            </a:prstGeom>
+            <a:noFill/>
+            <a:ln>
+              <a:solidFill>
+                <a:schemeClr val="tx1"/>
+              </a:solidFill>
+            </a:ln>
+          </p:spPr>
+          <p:style>
+            <a:lnRef idx="2">
+              <a:schemeClr val="accent1">
+                <a:shade val="50000"/>
+              </a:schemeClr>
+            </a:lnRef>
+            <a:fillRef idx="1">
+              <a:schemeClr val="accent1"/>
+            </a:fillRef>
+            <a:effectRef idx="0">
+              <a:schemeClr val="accent1"/>
+            </a:effectRef>
+            <a:fontRef idx="minor">
+              <a:schemeClr val="lt1"/>
+            </a:fontRef>
+          </p:style>
+          <p:txBody>
+            <a:bodyPr rtlCol="0" anchor="ctr"/>
+            <a:lstStyle/>
+            <a:p>
+              <a:pPr algn="ctr"/>
+              <a:endParaRPr kumimoji="1" lang="zh-CN" altLang="en-US" sz="1400">
+                <a:solidFill>
+                  <a:schemeClr val="tx1"/>
+                </a:solidFill>
+              </a:endParaRPr>
+            </a:p>
+          </p:txBody>
+        </p:sp>
+        <p:sp>
+          <p:nvSpPr>
+            <p:cNvPr id="18" name="矩形 17">
+              <a:extLst>
+                <a:ext uri="{FF2B5EF4-FFF2-40B4-BE49-F238E27FC236}">
+                  <a16:creationId xmlns:a16="http://schemas.microsoft.com/office/drawing/2014/main" id="{80EC6C45-91A3-1645-A3B2-13AFC330AF2B}"/>
+                </a:ext>
+              </a:extLst>
+            </p:cNvPr>
+            <p:cNvSpPr/>
+            <p:nvPr/>
+          </p:nvSpPr>
+          <p:spPr>
+            <a:xfrm>
+              <a:off x="1124607" y="740558"/>
+              <a:ext cx="1166647" cy="173310"/>
+            </a:xfrm>
+            <a:prstGeom prst="rect">
+              <a:avLst/>
+            </a:prstGeom>
+            <a:noFill/>
+            <a:ln>
+              <a:solidFill>
+                <a:schemeClr val="tx1"/>
+              </a:solidFill>
+            </a:ln>
+          </p:spPr>
+          <p:style>
+            <a:lnRef idx="2">
+              <a:schemeClr val="accent1">
+                <a:shade val="50000"/>
+              </a:schemeClr>
+            </a:lnRef>
+            <a:fillRef idx="1">
+              <a:schemeClr val="accent1"/>
+            </a:fillRef>
+            <a:effectRef idx="0">
+              <a:schemeClr val="accent1"/>
+            </a:effectRef>
+            <a:fontRef idx="minor">
+              <a:schemeClr val="lt1"/>
+            </a:fontRef>
+          </p:style>
+          <p:txBody>
+            <a:bodyPr rtlCol="0" anchor="ctr"/>
+            <a:lstStyle/>
+            <a:p>
+              <a:pPr algn="ctr"/>
+              <a:r>
+                <a:rPr lang="en-US" altLang="zh-CN" sz="1400">
+                  <a:solidFill>
+                    <a:schemeClr val="tx1"/>
+                  </a:solidFill>
+                </a:rPr>
+                <a:t>fd</a:t>
+              </a:r>
+            </a:p>
+          </p:txBody>
+        </p:sp>
+        <p:sp>
+          <p:nvSpPr>
+            <p:cNvPr id="19" name="同侧圆角矩形 18">
+              <a:extLst>
+                <a:ext uri="{FF2B5EF4-FFF2-40B4-BE49-F238E27FC236}">
+                  <a16:creationId xmlns:a16="http://schemas.microsoft.com/office/drawing/2014/main" id="{50B70546-919D-9446-BFA2-F2C0C96BAE30}"/>
+                </a:ext>
+              </a:extLst>
+            </p:cNvPr>
+            <p:cNvSpPr/>
+            <p:nvPr/>
+          </p:nvSpPr>
+          <p:spPr>
+            <a:xfrm>
+              <a:off x="1124607" y="488373"/>
+              <a:ext cx="1166647" cy="146169"/>
+            </a:xfrm>
+            <a:prstGeom prst="round2SameRect">
+              <a:avLst/>
+            </a:prstGeom>
+            <a:noFill/>
+            <a:ln>
+              <a:solidFill>
+                <a:schemeClr val="tx1"/>
+              </a:solidFill>
+            </a:ln>
+          </p:spPr>
+          <p:style>
+            <a:lnRef idx="2">
+              <a:schemeClr val="accent1">
+                <a:shade val="50000"/>
+              </a:schemeClr>
+            </a:lnRef>
+            <a:fillRef idx="1">
+              <a:schemeClr val="accent1"/>
+            </a:fillRef>
+            <a:effectRef idx="0">
+              <a:schemeClr val="accent1"/>
+            </a:effectRef>
+            <a:fontRef idx="minor">
+              <a:schemeClr val="lt1"/>
+            </a:fontRef>
+          </p:style>
+          <p:txBody>
+            <a:bodyPr rot="0" spcFirstLastPara="0" vertOverflow="overflow" horzOverflow="overflow" vert="horz" wrap="square" lIns="91440" tIns="45720" rIns="91440" bIns="45720" numCol="1" spcCol="0" rtlCol="0" fromWordArt="0" anchor="ctr" anchorCtr="0" forceAA="0" compatLnSpc="1">
+              <a:prstTxWarp prst="textNoShape">
+                <a:avLst/>
+              </a:prstTxWarp>
+              <a:noAutofit/>
+            </a:bodyPr>
+            <a:lstStyle/>
+            <a:p>
+              <a:pPr algn="ctr"/>
+              <a:r>
+                <a:rPr kumimoji="1" lang="en-US" altLang="zh-CN" sz="1400">
+                  <a:solidFill>
+                    <a:schemeClr val="tx1"/>
+                  </a:solidFill>
+                </a:rPr>
+                <a:t>DIR</a:t>
+              </a:r>
+              <a:endParaRPr kumimoji="1" lang="zh-CN" altLang="en-US" sz="1400">
+                <a:solidFill>
+                  <a:schemeClr val="tx1"/>
+                </a:solidFill>
+              </a:endParaRPr>
+            </a:p>
+          </p:txBody>
+        </p:sp>
+      </p:grpSp>
+      <p:grpSp>
+        <p:nvGrpSpPr>
+          <p:cNvPr id="26" name="组合 25">
+            <a:extLst>
+              <a:ext uri="{FF2B5EF4-FFF2-40B4-BE49-F238E27FC236}">
+                <a16:creationId xmlns:a16="http://schemas.microsoft.com/office/drawing/2014/main" id="{8B2E19D5-F626-C44F-B379-E89AC9F03CEA}"/>
+              </a:ext>
+            </a:extLst>
+          </p:cNvPr>
+          <p:cNvGrpSpPr/>
+          <p:nvPr/>
+        </p:nvGrpSpPr>
+        <p:grpSpPr>
+          <a:xfrm>
+            <a:off x="3877788" y="2605567"/>
+            <a:ext cx="1166649" cy="966559"/>
+            <a:chOff x="1686909" y="3881729"/>
+            <a:chExt cx="1166649" cy="966559"/>
+          </a:xfrm>
+        </p:grpSpPr>
+        <p:grpSp>
+          <p:nvGrpSpPr>
+            <p:cNvPr id="21" name="组合 20">
+              <a:extLst>
+                <a:ext uri="{FF2B5EF4-FFF2-40B4-BE49-F238E27FC236}">
+                  <a16:creationId xmlns:a16="http://schemas.microsoft.com/office/drawing/2014/main" id="{84BFB725-1A09-9347-8470-44B876959EB5}"/>
+                </a:ext>
+              </a:extLst>
+            </p:cNvPr>
+            <p:cNvGrpSpPr/>
+            <p:nvPr/>
+          </p:nvGrpSpPr>
+          <p:grpSpPr>
+            <a:xfrm>
+              <a:off x="1686910" y="3881729"/>
+              <a:ext cx="1166648" cy="966559"/>
+              <a:chOff x="1124606" y="488373"/>
+              <a:chExt cx="1166648" cy="966559"/>
+            </a:xfrm>
+          </p:grpSpPr>
+          <p:sp>
+            <p:nvSpPr>
+              <p:cNvPr id="22" name="矩形 21">
+                <a:extLst>
+                  <a:ext uri="{FF2B5EF4-FFF2-40B4-BE49-F238E27FC236}">
+                    <a16:creationId xmlns:a16="http://schemas.microsoft.com/office/drawing/2014/main" id="{5D30AA89-041B-3B47-967F-67A41A281965}"/>
+                  </a:ext>
+                </a:extLst>
+              </p:cNvPr>
+              <p:cNvSpPr/>
+              <p:nvPr/>
+            </p:nvSpPr>
+            <p:spPr>
+              <a:xfrm>
+                <a:off x="1124607" y="782270"/>
+                <a:ext cx="1166647" cy="672662"/>
+              </a:xfrm>
+              <a:prstGeom prst="rect">
+                <a:avLst/>
+              </a:prstGeom>
+              <a:noFill/>
+              <a:ln>
+                <a:solidFill>
+                  <a:schemeClr val="tx1"/>
+                </a:solidFill>
+              </a:ln>
+            </p:spPr>
+            <p:style>
+              <a:lnRef idx="2">
+                <a:schemeClr val="accent1">
+                  <a:shade val="50000"/>
+                </a:schemeClr>
+              </a:lnRef>
+              <a:fillRef idx="1">
+                <a:schemeClr val="accent1"/>
+              </a:fillRef>
+              <a:effectRef idx="0">
+                <a:schemeClr val="accent1"/>
+              </a:effectRef>
+              <a:fontRef idx="minor">
+                <a:schemeClr val="lt1"/>
+              </a:fontRef>
+            </p:style>
+            <p:txBody>
+              <a:bodyPr rtlCol="0" anchor="ctr"/>
+              <a:lstStyle/>
+              <a:p>
+                <a:pPr algn="ctr"/>
+                <a:endParaRPr kumimoji="1" lang="zh-CN" altLang="en-US" sz="1400">
+                  <a:solidFill>
+                    <a:schemeClr val="tx1"/>
+                  </a:solidFill>
+                </a:endParaRPr>
+              </a:p>
+            </p:txBody>
+          </p:sp>
+          <p:sp>
+            <p:nvSpPr>
+              <p:cNvPr id="23" name="矩形 22">
+                <a:extLst>
+                  <a:ext uri="{FF2B5EF4-FFF2-40B4-BE49-F238E27FC236}">
+                    <a16:creationId xmlns:a16="http://schemas.microsoft.com/office/drawing/2014/main" id="{2E2A668F-9165-D04E-B26E-539F908A020E}"/>
+                  </a:ext>
+                </a:extLst>
+              </p:cNvPr>
+              <p:cNvSpPr/>
+              <p:nvPr/>
+            </p:nvSpPr>
+            <p:spPr>
+              <a:xfrm>
+                <a:off x="1124606" y="782270"/>
+                <a:ext cx="1166647" cy="336331"/>
+              </a:xfrm>
+              <a:prstGeom prst="rect">
+                <a:avLst/>
+              </a:prstGeom>
+              <a:noFill/>
+              <a:ln>
+                <a:solidFill>
+                  <a:schemeClr val="tx1"/>
+                </a:solidFill>
+              </a:ln>
+            </p:spPr>
+            <p:style>
+              <a:lnRef idx="2">
+                <a:schemeClr val="accent1">
+                  <a:shade val="50000"/>
+                </a:schemeClr>
+              </a:lnRef>
+              <a:fillRef idx="1">
+                <a:schemeClr val="accent1"/>
+              </a:fillRef>
+              <a:effectRef idx="0">
+                <a:schemeClr val="accent1"/>
+              </a:effectRef>
+              <a:fontRef idx="minor">
+                <a:schemeClr val="lt1"/>
+              </a:fontRef>
+            </p:style>
+            <p:txBody>
+              <a:bodyPr rtlCol="0" anchor="ctr"/>
+              <a:lstStyle/>
+              <a:p>
+                <a:pPr algn="ctr"/>
+                <a:r>
+                  <a:rPr lang="en-US" altLang="zh-CN" sz="1400">
+                    <a:solidFill>
+                      <a:schemeClr val="tx1"/>
+                    </a:solidFill>
+                  </a:rPr>
+                  <a:t>offset</a:t>
+                </a:r>
+              </a:p>
+            </p:txBody>
+          </p:sp>
+          <p:sp>
+            <p:nvSpPr>
+              <p:cNvPr id="24" name="同侧圆角矩形 23">
+                <a:extLst>
+                  <a:ext uri="{FF2B5EF4-FFF2-40B4-BE49-F238E27FC236}">
+                    <a16:creationId xmlns:a16="http://schemas.microsoft.com/office/drawing/2014/main" id="{C008F1DD-8FFD-1F4F-8000-9B6A24D27348}"/>
+                  </a:ext>
+                </a:extLst>
+              </p:cNvPr>
+              <p:cNvSpPr/>
+              <p:nvPr/>
+            </p:nvSpPr>
+            <p:spPr>
+              <a:xfrm>
+                <a:off x="1124607" y="488373"/>
+                <a:ext cx="1166647" cy="293897"/>
+              </a:xfrm>
+              <a:prstGeom prst="round2SameRect">
+                <a:avLst/>
+              </a:prstGeom>
+              <a:noFill/>
+              <a:ln>
+                <a:solidFill>
+                  <a:schemeClr val="tx1"/>
+                </a:solidFill>
+              </a:ln>
+            </p:spPr>
+            <p:style>
+              <a:lnRef idx="2">
+                <a:schemeClr val="accent1">
+                  <a:shade val="50000"/>
+                </a:schemeClr>
+              </a:lnRef>
+              <a:fillRef idx="1">
+                <a:schemeClr val="accent1"/>
+              </a:fillRef>
+              <a:effectRef idx="0">
+                <a:schemeClr val="accent1"/>
+              </a:effectRef>
+              <a:fontRef idx="minor">
+                <a:schemeClr val="lt1"/>
+              </a:fontRef>
+            </p:style>
+            <p:txBody>
+              <a:bodyPr rot="0" spcFirstLastPara="0" vertOverflow="overflow" horzOverflow="overflow" vert="horz" wrap="square" lIns="91440" tIns="45720" rIns="91440" bIns="45720" numCol="1" spcCol="0" rtlCol="0" fromWordArt="0" anchor="ctr" anchorCtr="0" forceAA="0" compatLnSpc="1">
+                <a:prstTxWarp prst="textNoShape">
+                  <a:avLst/>
+                </a:prstTxWarp>
+                <a:noAutofit/>
+              </a:bodyPr>
+              <a:lstStyle/>
+              <a:p>
+                <a:pPr algn="ctr"/>
+                <a:r>
+                  <a:rPr lang="en-US" altLang="zh-CN" sz="1400">
+                    <a:solidFill>
+                      <a:schemeClr val="tx1"/>
+                    </a:solidFill>
+                  </a:rPr>
+                  <a:t>dirent</a:t>
+                </a:r>
+              </a:p>
+            </p:txBody>
+          </p:sp>
+        </p:grpSp>
+        <p:sp>
+          <p:nvSpPr>
+            <p:cNvPr id="25" name="矩形 24">
+              <a:extLst>
+                <a:ext uri="{FF2B5EF4-FFF2-40B4-BE49-F238E27FC236}">
+                  <a16:creationId xmlns:a16="http://schemas.microsoft.com/office/drawing/2014/main" id="{92D38D9B-3CF5-3B42-A108-E996176A5A1E}"/>
+                </a:ext>
+              </a:extLst>
+            </p:cNvPr>
+            <p:cNvSpPr/>
+            <p:nvPr/>
+          </p:nvSpPr>
+          <p:spPr>
+            <a:xfrm>
+              <a:off x="1686909" y="4511957"/>
+              <a:ext cx="1166647" cy="336331"/>
+            </a:xfrm>
+            <a:prstGeom prst="rect">
+              <a:avLst/>
+            </a:prstGeom>
+            <a:noFill/>
+            <a:ln>
+              <a:solidFill>
+                <a:schemeClr val="tx1"/>
+              </a:solidFill>
+            </a:ln>
+          </p:spPr>
+          <p:style>
+            <a:lnRef idx="2">
+              <a:schemeClr val="accent1">
+                <a:shade val="50000"/>
+              </a:schemeClr>
+            </a:lnRef>
+            <a:fillRef idx="1">
+              <a:schemeClr val="accent1"/>
+            </a:fillRef>
+            <a:effectRef idx="0">
+              <a:schemeClr val="accent1"/>
+            </a:effectRef>
+            <a:fontRef idx="minor">
+              <a:schemeClr val="lt1"/>
+            </a:fontRef>
+          </p:style>
+          <p:txBody>
+            <a:bodyPr rtlCol="0" anchor="ctr"/>
+            <a:lstStyle/>
+            <a:p>
+              <a:pPr algn="ctr"/>
+              <a:r>
+                <a:rPr lang="en-US" altLang="zh-CN" sz="1400">
+                  <a:solidFill>
+                    <a:schemeClr val="tx1"/>
+                  </a:solidFill>
+                </a:rPr>
+                <a:t>name</a:t>
+              </a:r>
+            </a:p>
+          </p:txBody>
+        </p:sp>
+      </p:grpSp>
+      <p:grpSp>
+        <p:nvGrpSpPr>
+          <p:cNvPr id="27" name="组合 26">
+            <a:extLst>
+              <a:ext uri="{FF2B5EF4-FFF2-40B4-BE49-F238E27FC236}">
+                <a16:creationId xmlns:a16="http://schemas.microsoft.com/office/drawing/2014/main" id="{CB6AAC1B-A074-D042-8BB1-CA5535A5E710}"/>
+              </a:ext>
+            </a:extLst>
+          </p:cNvPr>
+          <p:cNvGrpSpPr/>
+          <p:nvPr/>
+        </p:nvGrpSpPr>
+        <p:grpSpPr>
+          <a:xfrm>
+            <a:off x="5046194" y="2605567"/>
+            <a:ext cx="1166649" cy="966559"/>
+            <a:chOff x="1686909" y="3881729"/>
+            <a:chExt cx="1166649" cy="966559"/>
+          </a:xfrm>
+        </p:grpSpPr>
+        <p:grpSp>
+          <p:nvGrpSpPr>
+            <p:cNvPr id="28" name="组合 27">
+              <a:extLst>
+                <a:ext uri="{FF2B5EF4-FFF2-40B4-BE49-F238E27FC236}">
+                  <a16:creationId xmlns:a16="http://schemas.microsoft.com/office/drawing/2014/main" id="{FBB90CAD-EDBA-FF44-B5CB-8599DD703FA3}"/>
+                </a:ext>
+              </a:extLst>
+            </p:cNvPr>
+            <p:cNvGrpSpPr/>
+            <p:nvPr/>
+          </p:nvGrpSpPr>
+          <p:grpSpPr>
+            <a:xfrm>
+              <a:off x="1686910" y="3881729"/>
+              <a:ext cx="1166648" cy="966559"/>
+              <a:chOff x="1124606" y="488373"/>
+              <a:chExt cx="1166648" cy="966559"/>
+            </a:xfrm>
+          </p:grpSpPr>
+          <p:sp>
+            <p:nvSpPr>
+              <p:cNvPr id="30" name="矩形 29">
+                <a:extLst>
+                  <a:ext uri="{FF2B5EF4-FFF2-40B4-BE49-F238E27FC236}">
+                    <a16:creationId xmlns:a16="http://schemas.microsoft.com/office/drawing/2014/main" id="{14836B14-52C4-7F40-9344-AB27721C71BC}"/>
+                  </a:ext>
+                </a:extLst>
+              </p:cNvPr>
+              <p:cNvSpPr/>
+              <p:nvPr/>
+            </p:nvSpPr>
+            <p:spPr>
+              <a:xfrm>
+                <a:off x="1124607" y="782270"/>
+                <a:ext cx="1166647" cy="672662"/>
+              </a:xfrm>
+              <a:prstGeom prst="rect">
+                <a:avLst/>
+              </a:prstGeom>
+              <a:noFill/>
+              <a:ln>
+                <a:solidFill>
+                  <a:schemeClr val="tx1"/>
+                </a:solidFill>
+              </a:ln>
+            </p:spPr>
+            <p:style>
+              <a:lnRef idx="2">
+                <a:schemeClr val="accent1">
+                  <a:shade val="50000"/>
+                </a:schemeClr>
+              </a:lnRef>
+              <a:fillRef idx="1">
+                <a:schemeClr val="accent1"/>
+              </a:fillRef>
+              <a:effectRef idx="0">
+                <a:schemeClr val="accent1"/>
+              </a:effectRef>
+              <a:fontRef idx="minor">
+                <a:schemeClr val="lt1"/>
+              </a:fontRef>
+            </p:style>
+            <p:txBody>
+              <a:bodyPr rtlCol="0" anchor="ctr"/>
+              <a:lstStyle/>
+              <a:p>
+                <a:pPr algn="ctr"/>
+                <a:endParaRPr kumimoji="1" lang="zh-CN" altLang="en-US" sz="1400">
+                  <a:solidFill>
+                    <a:schemeClr val="tx1"/>
+                  </a:solidFill>
+                </a:endParaRPr>
+              </a:p>
+            </p:txBody>
+          </p:sp>
+          <p:sp>
+            <p:nvSpPr>
+              <p:cNvPr id="31" name="矩形 30">
+                <a:extLst>
+                  <a:ext uri="{FF2B5EF4-FFF2-40B4-BE49-F238E27FC236}">
+                    <a16:creationId xmlns:a16="http://schemas.microsoft.com/office/drawing/2014/main" id="{3C332DA6-DBB4-5F4E-BA32-739EDAA2A41C}"/>
+                  </a:ext>
+                </a:extLst>
+              </p:cNvPr>
+              <p:cNvSpPr/>
+              <p:nvPr/>
+            </p:nvSpPr>
+            <p:spPr>
+              <a:xfrm>
+                <a:off x="1124606" y="782270"/>
+                <a:ext cx="1166647" cy="336331"/>
+              </a:xfrm>
+              <a:prstGeom prst="rect">
+                <a:avLst/>
+              </a:prstGeom>
+              <a:noFill/>
+              <a:ln>
+                <a:solidFill>
+                  <a:schemeClr val="tx1"/>
+                </a:solidFill>
+              </a:ln>
+            </p:spPr>
+            <p:style>
+              <a:lnRef idx="2">
+                <a:schemeClr val="accent1">
+                  <a:shade val="50000"/>
+                </a:schemeClr>
+              </a:lnRef>
+              <a:fillRef idx="1">
+                <a:schemeClr val="accent1"/>
+              </a:fillRef>
+              <a:effectRef idx="0">
+                <a:schemeClr val="accent1"/>
+              </a:effectRef>
+              <a:fontRef idx="minor">
+                <a:schemeClr val="lt1"/>
+              </a:fontRef>
+            </p:style>
+            <p:txBody>
+              <a:bodyPr rtlCol="0" anchor="ctr"/>
+              <a:lstStyle/>
+              <a:p>
+                <a:pPr algn="ctr"/>
+                <a:r>
+                  <a:rPr lang="en-US" altLang="zh-CN" sz="1400">
+                    <a:solidFill>
+                      <a:schemeClr val="tx1"/>
+                    </a:solidFill>
+                  </a:rPr>
+                  <a:t>offset</a:t>
+                </a:r>
+              </a:p>
+            </p:txBody>
+          </p:sp>
+          <p:sp>
+            <p:nvSpPr>
+              <p:cNvPr id="32" name="同侧圆角矩形 31">
+                <a:extLst>
+                  <a:ext uri="{FF2B5EF4-FFF2-40B4-BE49-F238E27FC236}">
+                    <a16:creationId xmlns:a16="http://schemas.microsoft.com/office/drawing/2014/main" id="{A2982D86-DA9A-F445-8205-C470EF762BE0}"/>
+                  </a:ext>
+                </a:extLst>
+              </p:cNvPr>
+              <p:cNvSpPr/>
+              <p:nvPr/>
+            </p:nvSpPr>
+            <p:spPr>
+              <a:xfrm>
+                <a:off x="1124607" y="488373"/>
+                <a:ext cx="1166647" cy="293897"/>
+              </a:xfrm>
+              <a:prstGeom prst="round2SameRect">
+                <a:avLst/>
+              </a:prstGeom>
+              <a:noFill/>
+              <a:ln>
+                <a:solidFill>
+                  <a:schemeClr val="tx1"/>
+                </a:solidFill>
+              </a:ln>
+            </p:spPr>
+            <p:style>
+              <a:lnRef idx="2">
+                <a:schemeClr val="accent1">
+                  <a:shade val="50000"/>
+                </a:schemeClr>
+              </a:lnRef>
+              <a:fillRef idx="1">
+                <a:schemeClr val="accent1"/>
+              </a:fillRef>
+              <a:effectRef idx="0">
+                <a:schemeClr val="accent1"/>
+              </a:effectRef>
+              <a:fontRef idx="minor">
+                <a:schemeClr val="lt1"/>
+              </a:fontRef>
+            </p:style>
+            <p:txBody>
+              <a:bodyPr rot="0" spcFirstLastPara="0" vertOverflow="overflow" horzOverflow="overflow" vert="horz" wrap="square" lIns="91440" tIns="45720" rIns="91440" bIns="45720" numCol="1" spcCol="0" rtlCol="0" fromWordArt="0" anchor="ctr" anchorCtr="0" forceAA="0" compatLnSpc="1">
+                <a:prstTxWarp prst="textNoShape">
+                  <a:avLst/>
+                </a:prstTxWarp>
+                <a:noAutofit/>
+              </a:bodyPr>
+              <a:lstStyle/>
+              <a:p>
+                <a:pPr algn="ctr"/>
+                <a:r>
+                  <a:rPr lang="en-US" altLang="zh-CN" sz="1400">
+                    <a:solidFill>
+                      <a:schemeClr val="tx1"/>
+                    </a:solidFill>
+                  </a:rPr>
+                  <a:t>dirent</a:t>
+                </a:r>
+              </a:p>
+            </p:txBody>
+          </p:sp>
+        </p:grpSp>
+        <p:sp>
+          <p:nvSpPr>
+            <p:cNvPr id="29" name="矩形 28">
+              <a:extLst>
+                <a:ext uri="{FF2B5EF4-FFF2-40B4-BE49-F238E27FC236}">
+                  <a16:creationId xmlns:a16="http://schemas.microsoft.com/office/drawing/2014/main" id="{0124AABE-30F1-814E-87BC-A168ABFDFBF9}"/>
+                </a:ext>
+              </a:extLst>
+            </p:cNvPr>
+            <p:cNvSpPr/>
+            <p:nvPr/>
+          </p:nvSpPr>
+          <p:spPr>
+            <a:xfrm>
+              <a:off x="1686909" y="4511957"/>
+              <a:ext cx="1166647" cy="336331"/>
+            </a:xfrm>
+            <a:prstGeom prst="rect">
+              <a:avLst/>
+            </a:prstGeom>
+            <a:noFill/>
+            <a:ln>
+              <a:solidFill>
+                <a:schemeClr val="tx1"/>
+              </a:solidFill>
+            </a:ln>
+          </p:spPr>
+          <p:style>
+            <a:lnRef idx="2">
+              <a:schemeClr val="accent1">
+                <a:shade val="50000"/>
+              </a:schemeClr>
+            </a:lnRef>
+            <a:fillRef idx="1">
+              <a:schemeClr val="accent1"/>
+            </a:fillRef>
+            <a:effectRef idx="0">
+              <a:schemeClr val="accent1"/>
+            </a:effectRef>
+            <a:fontRef idx="minor">
+              <a:schemeClr val="lt1"/>
+            </a:fontRef>
+          </p:style>
+          <p:txBody>
+            <a:bodyPr rtlCol="0" anchor="ctr"/>
+            <a:lstStyle/>
+            <a:p>
+              <a:pPr algn="ctr"/>
+              <a:r>
+                <a:rPr lang="en-US" altLang="zh-CN" sz="1400">
+                  <a:solidFill>
+                    <a:schemeClr val="tx1"/>
+                  </a:solidFill>
+                </a:rPr>
+                <a:t>name</a:t>
+              </a:r>
+            </a:p>
+          </p:txBody>
+        </p:sp>
+      </p:grpSp>
+    </p:spTree>
+    <p:extLst>
+      <p:ext uri="{BB962C8B-B14F-4D97-AF65-F5344CB8AC3E}">
+        <p14:creationId xmlns:p14="http://schemas.microsoft.com/office/powerpoint/2010/main" val="2099974803"/>
+      </p:ext>
+    </p:extLst>
+  </p:cSld>
+  <p:clrMapOvr>
+    <a:masterClrMapping/>
+  </p:clrMapOvr>
+</p:sld>
+</file>
+
+<file path=ppt/slides/slide5.xml><?xml version="1.0" encoding="utf-8"?>
+<p:sld xmlns:a="http://schemas.openxmlformats.org/drawingml/2006/main" xmlns:r="http://schemas.openxmlformats.org/officeDocument/2006/relationships" xmlns:p="http://schemas.openxmlformats.org/presentationml/2006/main">
+  <p:cSld>
+    <p:spTree>
+      <p:nvGrpSpPr>
+        <p:cNvPr id="1" name=""/>
+        <p:cNvGrpSpPr/>
+        <p:nvPr/>
+      </p:nvGrpSpPr>
+      <p:grpSpPr>
+        <a:xfrm>
+          <a:off x="0" y="0"/>
+          <a:ext cx="0" cy="0"/>
+          <a:chOff x="0" y="0"/>
+          <a:chExt cx="0" cy="0"/>
+        </a:xfrm>
+      </p:grpSpPr>
+      <p:sp>
+        <p:nvSpPr>
+          <p:cNvPr id="2" name="文本框 1">
+            <a:extLst>
+              <a:ext uri="{FF2B5EF4-FFF2-40B4-BE49-F238E27FC236}">
+                <a16:creationId xmlns:a16="http://schemas.microsoft.com/office/drawing/2014/main" id="{080ECB58-C4C4-474D-A65D-F07B45AC5196}"/>
+              </a:ext>
+            </a:extLst>
+          </p:cNvPr>
+          <p:cNvSpPr txBox="1"/>
           <p:nvPr/>
         </p:nvSpPr>
         <p:spPr>
           <a:xfrm>
-            <a:off x="565079" y="4916184"/>
-            <a:ext cx="1268858" cy="719191"/>
+            <a:off x="334977" y="289711"/>
+            <a:ext cx="2661719" cy="230832"/>
           </a:xfrm>
           <a:prstGeom prst="rect">
             <a:avLst/>
           </a:prstGeom>
           <a:noFill/>
-          <a:ln>
-            <a:solidFill>
-              <a:schemeClr val="tx1"/>
-            </a:solidFill>
-          </a:ln>
         </p:spPr>
-        <p:style>
-          <a:lnRef idx="2">
-            <a:schemeClr val="accent1">
-              <a:shade val="50000"/>
-            </a:schemeClr>
-          </a:lnRef>
-          <a:fillRef idx="1">
-            <a:schemeClr val="accent1"/>
-          </a:fillRef>
-          <a:effectRef idx="0">
-            <a:schemeClr val="accent1"/>
-          </a:effectRef>
-          <a:fontRef idx="minor">
-            <a:schemeClr val="lt1"/>
-          </a:fontRef>
-        </p:style>
         <p:txBody>
-          <a:bodyPr rot="0" spcFirstLastPara="0" vertOverflow="overflow" horzOverflow="overflow" vert="horz" wrap="square" lIns="91440" tIns="45720" rIns="91440" bIns="45720" numCol="1" spcCol="0" rtlCol="0" fromWordArt="0" anchor="ctr" anchorCtr="0" forceAA="0" compatLnSpc="1">
-            <a:prstTxWarp prst="textNoShape">
-              <a:avLst/>
-            </a:prstTxWarp>
-            <a:noAutofit/>
+          <a:bodyPr wrap="square" rtlCol="0">
+            <a:spAutoFit/>
           </a:bodyPr>
           <a:lstStyle/>
           <a:p>
-            <a:pPr algn="ctr"/>
             <a:r>
-              <a:rPr kumimoji="1" lang="en-US" altLang="zh-CN">
+              <a:rPr kumimoji="1" lang="zh-CN" altLang="en-US" sz="900"/>
+              <a:t>目录关系的持久化表示</a:t>
+            </a:r>
+          </a:p>
+        </p:txBody>
+      </p:sp>
+      <p:sp>
+        <p:nvSpPr>
+          <p:cNvPr id="57" name="文本框 56">
+            <a:extLst>
+              <a:ext uri="{FF2B5EF4-FFF2-40B4-BE49-F238E27FC236}">
+                <a16:creationId xmlns:a16="http://schemas.microsoft.com/office/drawing/2014/main" id="{E90A22F9-C739-8144-990F-42AD516AAF3C}"/>
+              </a:ext>
+            </a:extLst>
+          </p:cNvPr>
+          <p:cNvSpPr txBox="1"/>
+          <p:nvPr/>
+        </p:nvSpPr>
+        <p:spPr>
+          <a:xfrm>
+            <a:off x="117934" y="734396"/>
+            <a:ext cx="1821564" cy="830997"/>
+          </a:xfrm>
+          <a:prstGeom prst="rect">
+            <a:avLst/>
+          </a:prstGeom>
+          <a:noFill/>
+        </p:spPr>
+        <p:txBody>
+          <a:bodyPr wrap="square" rtlCol="0">
+            <a:spAutoFit/>
+          </a:bodyPr>
+          <a:lstStyle/>
+          <a:p>
+            <a:r>
+              <a:rPr kumimoji="1" lang="en-US" altLang="zh-CN" sz="1200"/>
+              <a:t>/</a:t>
+            </a:r>
+          </a:p>
+          <a:p>
+            <a:r>
+              <a:rPr kumimoji="1" lang="en-US" altLang="zh-CN" sz="1200"/>
+              <a:t>├── dir1</a:t>
+            </a:r>
+          </a:p>
+          <a:p>
+            <a:r>
+              <a:rPr kumimoji="1" lang="en-US" altLang="zh-CN" sz="1200"/>
+              <a:t>│   </a:t>
+            </a:r>
+            <a:r>
+              <a:rPr kumimoji="1" lang="zh-CN" altLang="en-US" sz="1200"/>
+              <a:t>      </a:t>
+            </a:r>
+            <a:r>
+              <a:rPr kumimoji="1" lang="en-US" altLang="zh-CN" sz="1200"/>
+              <a:t>└── file2</a:t>
+            </a:r>
+          </a:p>
+          <a:p>
+            <a:r>
+              <a:rPr kumimoji="1" lang="en-US" altLang="zh-CN" sz="1200"/>
+              <a:t>└── file1</a:t>
+            </a:r>
+            <a:endParaRPr kumimoji="1" lang="zh-CN" altLang="en-US" sz="1200"/>
+          </a:p>
+        </p:txBody>
+      </p:sp>
+      <p:grpSp>
+        <p:nvGrpSpPr>
+          <p:cNvPr id="46" name="组合 45">
+            <a:extLst>
+              <a:ext uri="{FF2B5EF4-FFF2-40B4-BE49-F238E27FC236}">
+                <a16:creationId xmlns:a16="http://schemas.microsoft.com/office/drawing/2014/main" id="{E5518480-3B05-2446-BD68-6C2D5FD2E5D2}"/>
+              </a:ext>
+            </a:extLst>
+          </p:cNvPr>
+          <p:cNvGrpSpPr/>
+          <p:nvPr/>
+        </p:nvGrpSpPr>
+        <p:grpSpPr>
+          <a:xfrm>
+            <a:off x="1211566" y="218879"/>
+            <a:ext cx="7333868" cy="3429000"/>
+            <a:chOff x="599641" y="0"/>
+            <a:chExt cx="6581118" cy="5416876"/>
+          </a:xfrm>
+        </p:grpSpPr>
+        <p:grpSp>
+          <p:nvGrpSpPr>
+            <p:cNvPr id="16" name="组合 15">
+              <a:extLst>
+                <a:ext uri="{FF2B5EF4-FFF2-40B4-BE49-F238E27FC236}">
+                  <a16:creationId xmlns:a16="http://schemas.microsoft.com/office/drawing/2014/main" id="{1FA588D8-BD7A-2949-BEE0-A18061BFBD26}"/>
+                </a:ext>
+              </a:extLst>
+            </p:cNvPr>
+            <p:cNvGrpSpPr/>
+            <p:nvPr/>
+          </p:nvGrpSpPr>
+          <p:grpSpPr>
+            <a:xfrm>
+              <a:off x="3098408" y="1309966"/>
+              <a:ext cx="1907764" cy="724531"/>
+              <a:chOff x="785916" y="3337224"/>
+              <a:chExt cx="1907764" cy="724531"/>
+            </a:xfrm>
+            <a:solidFill>
+              <a:schemeClr val="tx2">
+                <a:lumMod val="60000"/>
+                <a:lumOff val="40000"/>
+              </a:schemeClr>
+            </a:solidFill>
+          </p:grpSpPr>
+          <p:sp>
+            <p:nvSpPr>
+              <p:cNvPr id="47" name="矩形 46">
+                <a:extLst>
+                  <a:ext uri="{FF2B5EF4-FFF2-40B4-BE49-F238E27FC236}">
+                    <a16:creationId xmlns:a16="http://schemas.microsoft.com/office/drawing/2014/main" id="{E34D1939-2CA0-9844-9A76-2862632D2253}"/>
+                  </a:ext>
+                </a:extLst>
+              </p:cNvPr>
+              <p:cNvSpPr/>
+              <p:nvPr/>
+            </p:nvSpPr>
+            <p:spPr>
+              <a:xfrm>
+                <a:off x="785916" y="3337224"/>
+                <a:ext cx="1015738" cy="717477"/>
+              </a:xfrm>
+              <a:prstGeom prst="rect">
+                <a:avLst/>
+              </a:prstGeom>
+              <a:grpFill/>
+              <a:ln>
                 <a:solidFill>
                   <a:schemeClr val="tx1"/>
                 </a:solidFill>
-              </a:rPr>
-              <a:t>superblock</a:t>
-            </a:r>
-            <a:endParaRPr kumimoji="1" lang="zh-CN" altLang="en-US">
+              </a:ln>
+            </p:spPr>
+            <p:style>
+              <a:lnRef idx="2">
+                <a:schemeClr val="accent1">
+                  <a:shade val="50000"/>
+                </a:schemeClr>
+              </a:lnRef>
+              <a:fillRef idx="1">
+                <a:schemeClr val="accent1"/>
+              </a:fillRef>
+              <a:effectRef idx="0">
+                <a:schemeClr val="accent1"/>
+              </a:effectRef>
+              <a:fontRef idx="minor">
+                <a:schemeClr val="lt1"/>
+              </a:fontRef>
+            </p:style>
+            <p:txBody>
+              <a:bodyPr rot="0" spcFirstLastPara="0" vertOverflow="overflow" horzOverflow="overflow" vert="horz" wrap="square" lIns="91440" tIns="45720" rIns="91440" bIns="45720" numCol="1" spcCol="0" rtlCol="0" fromWordArt="0" anchor="ctr" anchorCtr="0" forceAA="0" compatLnSpc="1">
+                <a:prstTxWarp prst="textNoShape">
+                  <a:avLst/>
+                </a:prstTxWarp>
+                <a:noAutofit/>
+              </a:bodyPr>
+              <a:lstStyle/>
+              <a:p>
+                <a:pPr algn="ctr"/>
+                <a:r>
+                  <a:rPr kumimoji="1" lang="en-US" altLang="zh-CN" sz="1000">
+                    <a:solidFill>
+                      <a:schemeClr val="tx1"/>
+                    </a:solidFill>
+                  </a:rPr>
+                  <a:t>DIR</a:t>
+                </a:r>
+                <a:r>
+                  <a:rPr kumimoji="1" lang="zh-CN" altLang="en-US" sz="1000">
+                    <a:solidFill>
+                      <a:schemeClr val="tx1"/>
+                    </a:solidFill>
+                  </a:rPr>
+                  <a:t> </a:t>
+                </a:r>
+                <a:r>
+                  <a:rPr kumimoji="1" lang="en-US" altLang="zh-CN" sz="1000">
+                    <a:solidFill>
+                      <a:schemeClr val="tx1"/>
+                    </a:solidFill>
+                  </a:rPr>
+                  <a:t>block</a:t>
+                </a:r>
+              </a:p>
+              <a:p>
+                <a:pPr algn="ctr"/>
+                <a:r>
+                  <a:rPr kumimoji="1" lang="en-US" altLang="zh-CN" sz="1000">
+                    <a:solidFill>
+                      <a:schemeClr val="tx1"/>
+                    </a:solidFill>
+                  </a:rPr>
+                  <a:t>&lt;inode[2],</a:t>
+                </a:r>
+              </a:p>
+              <a:p>
+                <a:pPr algn="ctr"/>
+                <a:r>
+                  <a:rPr kumimoji="1" lang="en-US" altLang="zh-CN" sz="1000">
+                    <a:solidFill>
+                      <a:schemeClr val="tx1"/>
+                    </a:solidFill>
+                  </a:rPr>
+                  <a:t>name=dir1&gt;</a:t>
+                </a:r>
+                <a:endParaRPr kumimoji="1" lang="zh-CN" altLang="en-US" sz="1000">
+                  <a:solidFill>
+                    <a:schemeClr val="tx1"/>
+                  </a:solidFill>
+                </a:endParaRPr>
+              </a:p>
+            </p:txBody>
+          </p:sp>
+          <p:sp>
+            <p:nvSpPr>
+              <p:cNvPr id="56" name="矩形 55">
+                <a:extLst>
+                  <a:ext uri="{FF2B5EF4-FFF2-40B4-BE49-F238E27FC236}">
+                    <a16:creationId xmlns:a16="http://schemas.microsoft.com/office/drawing/2014/main" id="{40F22A16-A5ED-634F-80C3-EF8BCD097A23}"/>
+                  </a:ext>
+                </a:extLst>
+              </p:cNvPr>
+              <p:cNvSpPr/>
+              <p:nvPr/>
+            </p:nvSpPr>
+            <p:spPr>
+              <a:xfrm>
+                <a:off x="1801654" y="3344278"/>
+                <a:ext cx="892026" cy="717477"/>
+              </a:xfrm>
+              <a:prstGeom prst="rect">
+                <a:avLst/>
+              </a:prstGeom>
+              <a:grpFill/>
+              <a:ln>
+                <a:solidFill>
+                  <a:schemeClr val="tx1"/>
+                </a:solidFill>
+              </a:ln>
+            </p:spPr>
+            <p:style>
+              <a:lnRef idx="2">
+                <a:schemeClr val="accent1">
+                  <a:shade val="50000"/>
+                </a:schemeClr>
+              </a:lnRef>
+              <a:fillRef idx="1">
+                <a:schemeClr val="accent1"/>
+              </a:fillRef>
+              <a:effectRef idx="0">
+                <a:schemeClr val="accent1"/>
+              </a:effectRef>
+              <a:fontRef idx="minor">
+                <a:schemeClr val="lt1"/>
+              </a:fontRef>
+            </p:style>
+            <p:txBody>
+              <a:bodyPr rot="0" spcFirstLastPara="0" vertOverflow="overflow" horzOverflow="overflow" vert="horz" wrap="square" lIns="91440" tIns="45720" rIns="91440" bIns="45720" numCol="1" spcCol="0" rtlCol="0" fromWordArt="0" anchor="ctr" anchorCtr="0" forceAA="0" compatLnSpc="1">
+                <a:prstTxWarp prst="textNoShape">
+                  <a:avLst/>
+                </a:prstTxWarp>
+                <a:noAutofit/>
+              </a:bodyPr>
+              <a:lstStyle/>
+              <a:p>
+                <a:pPr algn="ctr"/>
+                <a:r>
+                  <a:rPr kumimoji="1" lang="en-US" altLang="zh-CN" sz="1000">
+                    <a:solidFill>
+                      <a:schemeClr val="tx1"/>
+                    </a:solidFill>
+                  </a:rPr>
+                  <a:t>DIR</a:t>
+                </a:r>
+                <a:r>
+                  <a:rPr kumimoji="1" lang="zh-CN" altLang="en-US" sz="1000">
+                    <a:solidFill>
+                      <a:schemeClr val="tx1"/>
+                    </a:solidFill>
+                  </a:rPr>
+                  <a:t> </a:t>
+                </a:r>
+                <a:r>
+                  <a:rPr kumimoji="1" lang="en-US" altLang="zh-CN" sz="1000">
+                    <a:solidFill>
+                      <a:schemeClr val="tx1"/>
+                    </a:solidFill>
+                  </a:rPr>
+                  <a:t>block</a:t>
+                </a:r>
+              </a:p>
+              <a:p>
+                <a:pPr algn="ctr"/>
+                <a:r>
+                  <a:rPr kumimoji="1" lang="en-US" altLang="zh-CN" sz="1000">
+                    <a:solidFill>
+                      <a:schemeClr val="tx1"/>
+                    </a:solidFill>
+                  </a:rPr>
+                  <a:t>&lt;inode[3],</a:t>
+                </a:r>
+              </a:p>
+              <a:p>
+                <a:pPr algn="ctr"/>
+                <a:r>
+                  <a:rPr kumimoji="1" lang="en-US" altLang="zh-CN" sz="1000">
+                    <a:solidFill>
+                      <a:schemeClr val="tx1"/>
+                    </a:solidFill>
+                  </a:rPr>
+                  <a:t>name=file1&gt;</a:t>
+                </a:r>
+                <a:endParaRPr kumimoji="1" lang="zh-CN" altLang="en-US" sz="1000">
+                  <a:solidFill>
+                    <a:schemeClr val="tx1"/>
+                  </a:solidFill>
+                </a:endParaRPr>
+              </a:p>
+            </p:txBody>
+          </p:sp>
+        </p:grpSp>
+        <p:cxnSp>
+          <p:nvCxnSpPr>
+            <p:cNvPr id="104" name="曲线连接符 103">
+              <a:extLst>
+                <a:ext uri="{FF2B5EF4-FFF2-40B4-BE49-F238E27FC236}">
+                  <a16:creationId xmlns:a16="http://schemas.microsoft.com/office/drawing/2014/main" id="{15AB5513-206A-AF43-8979-BAC80E74D743}"/>
+                </a:ext>
+              </a:extLst>
+            </p:cNvPr>
+            <p:cNvCxnSpPr>
+              <a:cxnSpLocks/>
+              <a:stCxn id="12" idx="2"/>
+              <a:endCxn id="47" idx="0"/>
+            </p:cNvCxnSpPr>
+            <p:nvPr/>
+          </p:nvCxnSpPr>
+          <p:spPr>
+            <a:xfrm rot="5400000">
+              <a:off x="3630985" y="858907"/>
+              <a:ext cx="426351" cy="475766"/>
+            </a:xfrm>
+            <a:prstGeom prst="curvedConnector3">
+              <a:avLst>
+                <a:gd name="adj1" fmla="val 50000"/>
+              </a:avLst>
+            </a:prstGeom>
+            <a:ln>
+              <a:tailEnd type="triangle"/>
+            </a:ln>
+          </p:spPr>
+          <p:style>
+            <a:lnRef idx="1">
+              <a:schemeClr val="accent1"/>
+            </a:lnRef>
+            <a:fillRef idx="0">
+              <a:schemeClr val="accent1"/>
+            </a:fillRef>
+            <a:effectRef idx="0">
+              <a:schemeClr val="accent1"/>
+            </a:effectRef>
+            <a:fontRef idx="minor">
+              <a:schemeClr val="tx1"/>
+            </a:fontRef>
+          </p:style>
+        </p:cxnSp>
+        <p:grpSp>
+          <p:nvGrpSpPr>
+            <p:cNvPr id="3" name="组合 2">
+              <a:extLst>
+                <a:ext uri="{FF2B5EF4-FFF2-40B4-BE49-F238E27FC236}">
+                  <a16:creationId xmlns:a16="http://schemas.microsoft.com/office/drawing/2014/main" id="{19A0D3B2-C5EF-2C4C-B9EF-F51F371631D4}"/>
+                </a:ext>
+              </a:extLst>
+            </p:cNvPr>
+            <p:cNvGrpSpPr/>
+            <p:nvPr/>
+          </p:nvGrpSpPr>
+          <p:grpSpPr>
+            <a:xfrm>
+              <a:off x="3733293" y="0"/>
+              <a:ext cx="697499" cy="883615"/>
+              <a:chOff x="117934" y="1984068"/>
+              <a:chExt cx="697499" cy="883615"/>
+            </a:xfrm>
+          </p:grpSpPr>
+          <p:sp>
+            <p:nvSpPr>
+              <p:cNvPr id="12" name="矩形 11">
+                <a:extLst>
+                  <a:ext uri="{FF2B5EF4-FFF2-40B4-BE49-F238E27FC236}">
+                    <a16:creationId xmlns:a16="http://schemas.microsoft.com/office/drawing/2014/main" id="{4DDDB1C5-23AE-1340-825C-423CA7D32785}"/>
+                  </a:ext>
+                </a:extLst>
+              </p:cNvPr>
+              <p:cNvSpPr/>
+              <p:nvPr/>
+            </p:nvSpPr>
+            <p:spPr>
+              <a:xfrm>
+                <a:off x="117934" y="2150205"/>
+                <a:ext cx="697499" cy="717478"/>
+              </a:xfrm>
+              <a:prstGeom prst="rect">
+                <a:avLst/>
+              </a:prstGeom>
+              <a:solidFill>
+                <a:schemeClr val="accent6">
+                  <a:lumMod val="40000"/>
+                  <a:lumOff val="60000"/>
+                </a:schemeClr>
+              </a:solidFill>
+              <a:ln>
+                <a:solidFill>
+                  <a:schemeClr val="tx1"/>
+                </a:solidFill>
+              </a:ln>
+            </p:spPr>
+            <p:style>
+              <a:lnRef idx="2">
+                <a:schemeClr val="accent1">
+                  <a:shade val="50000"/>
+                </a:schemeClr>
+              </a:lnRef>
+              <a:fillRef idx="1">
+                <a:schemeClr val="accent1"/>
+              </a:fillRef>
+              <a:effectRef idx="0">
+                <a:schemeClr val="accent1"/>
+              </a:effectRef>
+              <a:fontRef idx="minor">
+                <a:schemeClr val="lt1"/>
+              </a:fontRef>
+            </p:style>
+            <p:txBody>
+              <a:bodyPr rot="0" spcFirstLastPara="0" vertOverflow="overflow" horzOverflow="overflow" vert="horz" wrap="square" lIns="91440" tIns="45720" rIns="91440" bIns="45720" numCol="1" spcCol="0" rtlCol="0" fromWordArt="0" anchor="ctr" anchorCtr="0" forceAA="0" compatLnSpc="1">
+                <a:prstTxWarp prst="textNoShape">
+                  <a:avLst/>
+                </a:prstTxWarp>
+                <a:noAutofit/>
+              </a:bodyPr>
+              <a:lstStyle/>
+              <a:p>
+                <a:pPr algn="ctr"/>
+                <a:r>
+                  <a:rPr kumimoji="1" lang="en-US" altLang="zh-CN" sz="1000">
+                    <a:solidFill>
+                      <a:schemeClr val="tx1"/>
+                    </a:solidFill>
+                  </a:rPr>
+                  <a:t>inode[1]</a:t>
+                </a:r>
+              </a:p>
+              <a:p>
+                <a:pPr algn="ctr"/>
+                <a:r>
+                  <a:rPr kumimoji="1" lang="en-US" altLang="zh-CN" sz="1000">
+                    <a:solidFill>
+                      <a:schemeClr val="tx1"/>
+                    </a:solidFill>
+                  </a:rPr>
+                  <a:t>DIR</a:t>
+                </a:r>
+              </a:p>
+              <a:p>
+                <a:pPr algn="ctr"/>
+                <a:r>
+                  <a:rPr kumimoji="1" lang="en-US" altLang="zh-CN" sz="1000">
+                    <a:solidFill>
+                      <a:schemeClr val="tx1"/>
+                    </a:solidFill>
+                  </a:rPr>
+                  <a:t>blocks=2</a:t>
+                </a:r>
+                <a:endParaRPr kumimoji="1" lang="zh-CN" altLang="en-US" sz="1000">
+                  <a:solidFill>
+                    <a:schemeClr val="tx1"/>
+                  </a:solidFill>
+                </a:endParaRPr>
+              </a:p>
+            </p:txBody>
+          </p:sp>
+          <p:sp>
+            <p:nvSpPr>
+              <p:cNvPr id="107" name="同侧圆角矩形 106">
+                <a:extLst>
+                  <a:ext uri="{FF2B5EF4-FFF2-40B4-BE49-F238E27FC236}">
+                    <a16:creationId xmlns:a16="http://schemas.microsoft.com/office/drawing/2014/main" id="{0581E2C2-6066-2140-B9FD-BC8FFA579FF8}"/>
+                  </a:ext>
+                </a:extLst>
+              </p:cNvPr>
+              <p:cNvSpPr/>
+              <p:nvPr/>
+            </p:nvSpPr>
+            <p:spPr>
+              <a:xfrm>
+                <a:off x="118890" y="1984068"/>
+                <a:ext cx="690184" cy="162962"/>
+              </a:xfrm>
+              <a:prstGeom prst="round2SameRect">
+                <a:avLst/>
+              </a:prstGeom>
+              <a:noFill/>
+              <a:ln>
+                <a:solidFill>
+                  <a:schemeClr val="tx1"/>
+                </a:solidFill>
+              </a:ln>
+            </p:spPr>
+            <p:style>
+              <a:lnRef idx="2">
+                <a:schemeClr val="accent1">
+                  <a:shade val="50000"/>
+                </a:schemeClr>
+              </a:lnRef>
+              <a:fillRef idx="1">
+                <a:schemeClr val="accent1"/>
+              </a:fillRef>
+              <a:effectRef idx="0">
+                <a:schemeClr val="accent1"/>
+              </a:effectRef>
+              <a:fontRef idx="minor">
+                <a:schemeClr val="lt1"/>
+              </a:fontRef>
+            </p:style>
+            <p:txBody>
+              <a:bodyPr rtlCol="0" anchor="ctr"/>
+              <a:lstStyle/>
+              <a:p>
+                <a:pPr algn="ctr"/>
+                <a:r>
+                  <a:rPr kumimoji="1" lang="en-US" altLang="zh-CN" sz="1000">
+                    <a:solidFill>
+                      <a:schemeClr val="tx1"/>
+                    </a:solidFill>
+                  </a:rPr>
+                  <a:t>/</a:t>
+                </a:r>
+                <a:endParaRPr kumimoji="1" lang="zh-CN" altLang="en-US" sz="1000">
+                  <a:solidFill>
+                    <a:schemeClr val="tx1"/>
+                  </a:solidFill>
+                </a:endParaRPr>
+              </a:p>
+            </p:txBody>
+          </p:sp>
+        </p:grpSp>
+        <p:grpSp>
+          <p:nvGrpSpPr>
+            <p:cNvPr id="4" name="组合 3">
+              <a:extLst>
+                <a:ext uri="{FF2B5EF4-FFF2-40B4-BE49-F238E27FC236}">
+                  <a16:creationId xmlns:a16="http://schemas.microsoft.com/office/drawing/2014/main" id="{500021D0-EE5B-3A47-AC02-51B132DF66BB}"/>
+                </a:ext>
+              </a:extLst>
+            </p:cNvPr>
+            <p:cNvGrpSpPr/>
+            <p:nvPr/>
+          </p:nvGrpSpPr>
+          <p:grpSpPr>
+            <a:xfrm>
+              <a:off x="2748563" y="2417355"/>
+              <a:ext cx="699689" cy="883617"/>
+              <a:chOff x="814269" y="1984068"/>
+              <a:chExt cx="699689" cy="883617"/>
+            </a:xfrm>
+          </p:grpSpPr>
+          <p:sp>
+            <p:nvSpPr>
+              <p:cNvPr id="26" name="矩形 25">
+                <a:extLst>
+                  <a:ext uri="{FF2B5EF4-FFF2-40B4-BE49-F238E27FC236}">
+                    <a16:creationId xmlns:a16="http://schemas.microsoft.com/office/drawing/2014/main" id="{7157F1D1-E1F6-1447-AEA8-E429B1F90B1F}"/>
+                  </a:ext>
+                </a:extLst>
+              </p:cNvPr>
+              <p:cNvSpPr/>
+              <p:nvPr/>
+            </p:nvSpPr>
+            <p:spPr>
+              <a:xfrm>
+                <a:off x="814269" y="2150207"/>
+                <a:ext cx="697499" cy="717478"/>
+              </a:xfrm>
+              <a:prstGeom prst="rect">
+                <a:avLst/>
+              </a:prstGeom>
+              <a:solidFill>
+                <a:schemeClr val="accent6">
+                  <a:lumMod val="20000"/>
+                  <a:lumOff val="80000"/>
+                </a:schemeClr>
+              </a:solidFill>
+              <a:ln>
+                <a:solidFill>
+                  <a:schemeClr val="tx1"/>
+                </a:solidFill>
+              </a:ln>
+            </p:spPr>
+            <p:style>
+              <a:lnRef idx="2">
+                <a:schemeClr val="accent1">
+                  <a:shade val="50000"/>
+                </a:schemeClr>
+              </a:lnRef>
+              <a:fillRef idx="1">
+                <a:schemeClr val="accent1"/>
+              </a:fillRef>
+              <a:effectRef idx="0">
+                <a:schemeClr val="accent1"/>
+              </a:effectRef>
+              <a:fontRef idx="minor">
+                <a:schemeClr val="lt1"/>
+              </a:fontRef>
+            </p:style>
+            <p:txBody>
+              <a:bodyPr rot="0" spcFirstLastPara="0" vertOverflow="overflow" horzOverflow="overflow" vert="horz" wrap="square" lIns="91440" tIns="45720" rIns="91440" bIns="45720" numCol="1" spcCol="0" rtlCol="0" fromWordArt="0" anchor="ctr" anchorCtr="0" forceAA="0" compatLnSpc="1">
+                <a:prstTxWarp prst="textNoShape">
+                  <a:avLst/>
+                </a:prstTxWarp>
+                <a:noAutofit/>
+              </a:bodyPr>
+              <a:lstStyle/>
+              <a:p>
+                <a:pPr algn="ctr"/>
+                <a:r>
+                  <a:rPr kumimoji="1" lang="en-US" altLang="zh-CN" sz="1000">
+                    <a:solidFill>
+                      <a:schemeClr val="tx1"/>
+                    </a:solidFill>
+                  </a:rPr>
+                  <a:t>inode[2]</a:t>
+                </a:r>
+              </a:p>
+              <a:p>
+                <a:pPr algn="ctr"/>
+                <a:r>
+                  <a:rPr kumimoji="1" lang="en-US" altLang="zh-CN" sz="1000">
+                    <a:solidFill>
+                      <a:schemeClr val="tx1"/>
+                    </a:solidFill>
+                  </a:rPr>
+                  <a:t>DIR</a:t>
+                </a:r>
+              </a:p>
+              <a:p>
+                <a:pPr algn="ctr"/>
+                <a:r>
+                  <a:rPr kumimoji="1" lang="en-US" altLang="zh-CN" sz="1000">
+                    <a:solidFill>
+                      <a:schemeClr val="tx1"/>
+                    </a:solidFill>
+                  </a:rPr>
+                  <a:t>blocks=1</a:t>
+                </a:r>
+                <a:endParaRPr kumimoji="1" lang="zh-CN" altLang="en-US" sz="1000">
+                  <a:solidFill>
+                    <a:schemeClr val="tx1"/>
+                  </a:solidFill>
+                </a:endParaRPr>
+              </a:p>
+            </p:txBody>
+          </p:sp>
+          <p:sp>
+            <p:nvSpPr>
+              <p:cNvPr id="109" name="同侧圆角矩形 108">
+                <a:extLst>
+                  <a:ext uri="{FF2B5EF4-FFF2-40B4-BE49-F238E27FC236}">
+                    <a16:creationId xmlns:a16="http://schemas.microsoft.com/office/drawing/2014/main" id="{9EDEA6F8-4BAE-BA43-A5DA-21736597E777}"/>
+                  </a:ext>
+                </a:extLst>
+              </p:cNvPr>
+              <p:cNvSpPr/>
+              <p:nvPr/>
+            </p:nvSpPr>
+            <p:spPr>
+              <a:xfrm>
+                <a:off x="823774" y="1984068"/>
+                <a:ext cx="690184" cy="162962"/>
+              </a:xfrm>
+              <a:prstGeom prst="round2SameRect">
+                <a:avLst/>
+              </a:prstGeom>
+              <a:noFill/>
+              <a:ln>
+                <a:solidFill>
+                  <a:schemeClr val="tx1"/>
+                </a:solidFill>
+              </a:ln>
+            </p:spPr>
+            <p:style>
+              <a:lnRef idx="2">
+                <a:schemeClr val="accent1">
+                  <a:shade val="50000"/>
+                </a:schemeClr>
+              </a:lnRef>
+              <a:fillRef idx="1">
+                <a:schemeClr val="accent1"/>
+              </a:fillRef>
+              <a:effectRef idx="0">
+                <a:schemeClr val="accent1"/>
+              </a:effectRef>
+              <a:fontRef idx="minor">
+                <a:schemeClr val="lt1"/>
+              </a:fontRef>
+            </p:style>
+            <p:txBody>
+              <a:bodyPr rtlCol="0" anchor="ctr"/>
+              <a:lstStyle/>
+              <a:p>
+                <a:pPr algn="ctr"/>
+                <a:r>
+                  <a:rPr kumimoji="1" lang="en-US" altLang="zh-CN" sz="1000">
+                    <a:solidFill>
+                      <a:schemeClr val="tx1"/>
+                    </a:solidFill>
+                  </a:rPr>
+                  <a:t>dir1</a:t>
+                </a:r>
+                <a:endParaRPr kumimoji="1" lang="zh-CN" altLang="en-US" sz="1000">
+                  <a:solidFill>
+                    <a:schemeClr val="tx1"/>
+                  </a:solidFill>
+                </a:endParaRPr>
+              </a:p>
+            </p:txBody>
+          </p:sp>
+        </p:grpSp>
+        <p:grpSp>
+          <p:nvGrpSpPr>
+            <p:cNvPr id="5" name="组合 4">
+              <a:extLst>
+                <a:ext uri="{FF2B5EF4-FFF2-40B4-BE49-F238E27FC236}">
+                  <a16:creationId xmlns:a16="http://schemas.microsoft.com/office/drawing/2014/main" id="{011510A4-A909-A048-BEF2-0E065D996FF0}"/>
+                </a:ext>
+              </a:extLst>
+            </p:cNvPr>
+            <p:cNvGrpSpPr/>
+            <p:nvPr/>
+          </p:nvGrpSpPr>
+          <p:grpSpPr>
+            <a:xfrm>
+              <a:off x="4652098" y="2647362"/>
+              <a:ext cx="697499" cy="883617"/>
+              <a:chOff x="1527664" y="1984068"/>
+              <a:chExt cx="697499" cy="883617"/>
+            </a:xfrm>
+          </p:grpSpPr>
+          <p:sp>
+            <p:nvSpPr>
+              <p:cNvPr id="28" name="矩形 27">
+                <a:extLst>
+                  <a:ext uri="{FF2B5EF4-FFF2-40B4-BE49-F238E27FC236}">
+                    <a16:creationId xmlns:a16="http://schemas.microsoft.com/office/drawing/2014/main" id="{36154032-BDCA-0845-B618-DCD819F35A0C}"/>
+                  </a:ext>
+                </a:extLst>
+              </p:cNvPr>
+              <p:cNvSpPr/>
+              <p:nvPr/>
+            </p:nvSpPr>
+            <p:spPr>
+              <a:xfrm>
+                <a:off x="1527664" y="2150207"/>
+                <a:ext cx="697499" cy="717478"/>
+              </a:xfrm>
+              <a:prstGeom prst="rect">
+                <a:avLst/>
+              </a:prstGeom>
+              <a:solidFill>
+                <a:schemeClr val="accent2">
+                  <a:lumMod val="40000"/>
+                  <a:lumOff val="60000"/>
+                </a:schemeClr>
+              </a:solidFill>
+              <a:ln>
+                <a:solidFill>
+                  <a:schemeClr val="tx1"/>
+                </a:solidFill>
+              </a:ln>
+            </p:spPr>
+            <p:style>
+              <a:lnRef idx="2">
+                <a:schemeClr val="accent1">
+                  <a:shade val="50000"/>
+                </a:schemeClr>
+              </a:lnRef>
+              <a:fillRef idx="1">
+                <a:schemeClr val="accent1"/>
+              </a:fillRef>
+              <a:effectRef idx="0">
+                <a:schemeClr val="accent1"/>
+              </a:effectRef>
+              <a:fontRef idx="minor">
+                <a:schemeClr val="lt1"/>
+              </a:fontRef>
+            </p:style>
+            <p:txBody>
+              <a:bodyPr rot="0" spcFirstLastPara="0" vertOverflow="overflow" horzOverflow="overflow" vert="horz" wrap="square" lIns="91440" tIns="45720" rIns="91440" bIns="45720" numCol="1" spcCol="0" rtlCol="0" fromWordArt="0" anchor="ctr" anchorCtr="0" forceAA="0" compatLnSpc="1">
+                <a:prstTxWarp prst="textNoShape">
+                  <a:avLst/>
+                </a:prstTxWarp>
+                <a:noAutofit/>
+              </a:bodyPr>
+              <a:lstStyle/>
+              <a:p>
+                <a:pPr algn="ctr"/>
+                <a:r>
+                  <a:rPr kumimoji="1" lang="en-US" altLang="zh-CN" sz="1000">
+                    <a:solidFill>
+                      <a:schemeClr val="tx1"/>
+                    </a:solidFill>
+                  </a:rPr>
+                  <a:t>inode[3]</a:t>
+                </a:r>
+              </a:p>
+              <a:p>
+                <a:pPr algn="ctr"/>
+                <a:r>
+                  <a:rPr kumimoji="1" lang="en-US" altLang="zh-CN" sz="1000">
+                    <a:solidFill>
+                      <a:schemeClr val="tx1"/>
+                    </a:solidFill>
+                  </a:rPr>
+                  <a:t>FILE</a:t>
+                </a:r>
+              </a:p>
+              <a:p>
+                <a:pPr algn="ctr"/>
+                <a:r>
+                  <a:rPr kumimoji="1" lang="en-US" altLang="zh-CN" sz="1000">
+                    <a:solidFill>
+                      <a:schemeClr val="tx1"/>
+                    </a:solidFill>
+                  </a:rPr>
+                  <a:t>blocks=2</a:t>
+                </a:r>
+              </a:p>
+            </p:txBody>
+          </p:sp>
+          <p:sp>
+            <p:nvSpPr>
+              <p:cNvPr id="111" name="同侧圆角矩形 110">
+                <a:extLst>
+                  <a:ext uri="{FF2B5EF4-FFF2-40B4-BE49-F238E27FC236}">
+                    <a16:creationId xmlns:a16="http://schemas.microsoft.com/office/drawing/2014/main" id="{8F68ED2D-DEB9-8A42-A7F2-6B669E304952}"/>
+                  </a:ext>
+                </a:extLst>
+              </p:cNvPr>
+              <p:cNvSpPr/>
+              <p:nvPr/>
+            </p:nvSpPr>
+            <p:spPr>
+              <a:xfrm>
+                <a:off x="1528141" y="1984068"/>
+                <a:ext cx="690184" cy="162962"/>
+              </a:xfrm>
+              <a:prstGeom prst="round2SameRect">
+                <a:avLst/>
+              </a:prstGeom>
+              <a:noFill/>
+              <a:ln>
+                <a:solidFill>
+                  <a:schemeClr val="tx1"/>
+                </a:solidFill>
+              </a:ln>
+            </p:spPr>
+            <p:style>
+              <a:lnRef idx="2">
+                <a:schemeClr val="accent1">
+                  <a:shade val="50000"/>
+                </a:schemeClr>
+              </a:lnRef>
+              <a:fillRef idx="1">
+                <a:schemeClr val="accent1"/>
+              </a:fillRef>
+              <a:effectRef idx="0">
+                <a:schemeClr val="accent1"/>
+              </a:effectRef>
+              <a:fontRef idx="minor">
+                <a:schemeClr val="lt1"/>
+              </a:fontRef>
+            </p:style>
+            <p:txBody>
+              <a:bodyPr rtlCol="0" anchor="ctr"/>
+              <a:lstStyle/>
+              <a:p>
+                <a:pPr algn="ctr"/>
+                <a:r>
+                  <a:rPr kumimoji="1" lang="en-US" altLang="zh-CN" sz="1000">
+                    <a:solidFill>
+                      <a:schemeClr val="tx1"/>
+                    </a:solidFill>
+                  </a:rPr>
+                  <a:t>file1</a:t>
+                </a:r>
+                <a:endParaRPr kumimoji="1" lang="zh-CN" altLang="en-US" sz="1000">
+                  <a:solidFill>
+                    <a:schemeClr val="tx1"/>
+                  </a:solidFill>
+                </a:endParaRPr>
+              </a:p>
+            </p:txBody>
+          </p:sp>
+        </p:grpSp>
+        <p:grpSp>
+          <p:nvGrpSpPr>
+            <p:cNvPr id="6" name="组合 5">
+              <a:extLst>
+                <a:ext uri="{FF2B5EF4-FFF2-40B4-BE49-F238E27FC236}">
+                  <a16:creationId xmlns:a16="http://schemas.microsoft.com/office/drawing/2014/main" id="{B1CC6926-9F20-5544-940A-41AE8F223EDC}"/>
+                </a:ext>
+              </a:extLst>
+            </p:cNvPr>
+            <p:cNvGrpSpPr/>
+            <p:nvPr/>
+          </p:nvGrpSpPr>
+          <p:grpSpPr>
+            <a:xfrm>
+              <a:off x="1590748" y="4318623"/>
+              <a:ext cx="697499" cy="883615"/>
+              <a:chOff x="2223998" y="1984068"/>
+              <a:chExt cx="697499" cy="883615"/>
+            </a:xfrm>
+          </p:grpSpPr>
+          <p:sp>
+            <p:nvSpPr>
+              <p:cNvPr id="29" name="矩形 28">
+                <a:extLst>
+                  <a:ext uri="{FF2B5EF4-FFF2-40B4-BE49-F238E27FC236}">
+                    <a16:creationId xmlns:a16="http://schemas.microsoft.com/office/drawing/2014/main" id="{12C9A340-FD6E-0742-9471-278D0BD64CEB}"/>
+                  </a:ext>
+                </a:extLst>
+              </p:cNvPr>
+              <p:cNvSpPr/>
+              <p:nvPr/>
+            </p:nvSpPr>
+            <p:spPr>
+              <a:xfrm>
+                <a:off x="2223998" y="2150205"/>
+                <a:ext cx="697499" cy="717478"/>
+              </a:xfrm>
+              <a:prstGeom prst="rect">
+                <a:avLst/>
+              </a:prstGeom>
+              <a:solidFill>
+                <a:schemeClr val="accent2">
+                  <a:lumMod val="20000"/>
+                  <a:lumOff val="80000"/>
+                </a:schemeClr>
+              </a:solidFill>
+              <a:ln>
+                <a:solidFill>
+                  <a:schemeClr val="tx1"/>
+                </a:solidFill>
+              </a:ln>
+            </p:spPr>
+            <p:style>
+              <a:lnRef idx="2">
+                <a:schemeClr val="accent1">
+                  <a:shade val="50000"/>
+                </a:schemeClr>
+              </a:lnRef>
+              <a:fillRef idx="1">
+                <a:schemeClr val="accent1"/>
+              </a:fillRef>
+              <a:effectRef idx="0">
+                <a:schemeClr val="accent1"/>
+              </a:effectRef>
+              <a:fontRef idx="minor">
+                <a:schemeClr val="lt1"/>
+              </a:fontRef>
+            </p:style>
+            <p:txBody>
+              <a:bodyPr rot="0" spcFirstLastPara="0" vertOverflow="overflow" horzOverflow="overflow" vert="horz" wrap="square" lIns="91440" tIns="45720" rIns="91440" bIns="45720" numCol="1" spcCol="0" rtlCol="0" fromWordArt="0" anchor="ctr" anchorCtr="0" forceAA="0" compatLnSpc="1">
+                <a:prstTxWarp prst="textNoShape">
+                  <a:avLst/>
+                </a:prstTxWarp>
+                <a:noAutofit/>
+              </a:bodyPr>
+              <a:lstStyle/>
+              <a:p>
+                <a:pPr algn="ctr"/>
+                <a:r>
+                  <a:rPr kumimoji="1" lang="en-US" altLang="zh-CN" sz="1000">
+                    <a:solidFill>
+                      <a:schemeClr val="tx1"/>
+                    </a:solidFill>
+                  </a:rPr>
+                  <a:t>inode[4]</a:t>
+                </a:r>
+              </a:p>
+              <a:p>
+                <a:pPr algn="ctr"/>
+                <a:r>
+                  <a:rPr kumimoji="1" lang="en-US" altLang="zh-CN" sz="1000">
+                    <a:solidFill>
+                      <a:schemeClr val="tx1"/>
+                    </a:solidFill>
+                  </a:rPr>
+                  <a:t>FILE</a:t>
+                </a:r>
+              </a:p>
+              <a:p>
+                <a:pPr algn="ctr"/>
+                <a:r>
+                  <a:rPr kumimoji="1" lang="en-US" altLang="zh-CN" sz="1000">
+                    <a:solidFill>
+                      <a:schemeClr val="tx1"/>
+                    </a:solidFill>
+                  </a:rPr>
+                  <a:t>blocks=1</a:t>
+                </a:r>
+                <a:endParaRPr kumimoji="1" lang="zh-CN" altLang="en-US" sz="1000">
+                  <a:solidFill>
+                    <a:schemeClr val="tx1"/>
+                  </a:solidFill>
+                </a:endParaRPr>
+              </a:p>
+            </p:txBody>
+          </p:sp>
+          <p:sp>
+            <p:nvSpPr>
+              <p:cNvPr id="112" name="同侧圆角矩形 111">
+                <a:extLst>
+                  <a:ext uri="{FF2B5EF4-FFF2-40B4-BE49-F238E27FC236}">
+                    <a16:creationId xmlns:a16="http://schemas.microsoft.com/office/drawing/2014/main" id="{C1A5E24C-3205-E64A-877B-22E153C899B8}"/>
+                  </a:ext>
+                </a:extLst>
+              </p:cNvPr>
+              <p:cNvSpPr/>
+              <p:nvPr/>
+            </p:nvSpPr>
+            <p:spPr>
+              <a:xfrm>
+                <a:off x="2224316" y="1984068"/>
+                <a:ext cx="690184" cy="162962"/>
+              </a:xfrm>
+              <a:prstGeom prst="round2SameRect">
+                <a:avLst/>
+              </a:prstGeom>
+              <a:noFill/>
+              <a:ln>
+                <a:solidFill>
+                  <a:schemeClr val="tx1"/>
+                </a:solidFill>
+              </a:ln>
+            </p:spPr>
+            <p:style>
+              <a:lnRef idx="2">
+                <a:schemeClr val="accent1">
+                  <a:shade val="50000"/>
+                </a:schemeClr>
+              </a:lnRef>
+              <a:fillRef idx="1">
+                <a:schemeClr val="accent1"/>
+              </a:fillRef>
+              <a:effectRef idx="0">
+                <a:schemeClr val="accent1"/>
+              </a:effectRef>
+              <a:fontRef idx="minor">
+                <a:schemeClr val="lt1"/>
+              </a:fontRef>
+            </p:style>
+            <p:txBody>
+              <a:bodyPr rtlCol="0" anchor="ctr"/>
+              <a:lstStyle/>
+              <a:p>
+                <a:pPr algn="ctr"/>
+                <a:r>
+                  <a:rPr kumimoji="1" lang="en-US" altLang="zh-CN" sz="1000">
+                    <a:solidFill>
+                      <a:schemeClr val="tx1"/>
+                    </a:solidFill>
+                  </a:rPr>
+                  <a:t>file2</a:t>
+                </a:r>
+                <a:endParaRPr kumimoji="1" lang="zh-CN" altLang="en-US" sz="1000">
+                  <a:solidFill>
+                    <a:schemeClr val="tx1"/>
+                  </a:solidFill>
+                </a:endParaRPr>
+              </a:p>
+            </p:txBody>
+          </p:sp>
+        </p:grpSp>
+        <p:cxnSp>
+          <p:nvCxnSpPr>
+            <p:cNvPr id="117" name="曲线连接符 116">
+              <a:extLst>
+                <a:ext uri="{FF2B5EF4-FFF2-40B4-BE49-F238E27FC236}">
+                  <a16:creationId xmlns:a16="http://schemas.microsoft.com/office/drawing/2014/main" id="{56B988F5-90B1-A047-879C-43B5F7182D89}"/>
+                </a:ext>
+              </a:extLst>
+            </p:cNvPr>
+            <p:cNvCxnSpPr>
+              <a:cxnSpLocks/>
+              <a:stCxn id="47" idx="2"/>
+              <a:endCxn id="109" idx="3"/>
+            </p:cNvCxnSpPr>
+            <p:nvPr/>
+          </p:nvCxnSpPr>
+          <p:spPr>
+            <a:xfrm rot="5400000">
+              <a:off x="3159763" y="1970841"/>
+              <a:ext cx="389912" cy="503117"/>
+            </a:xfrm>
+            <a:prstGeom prst="curvedConnector3">
+              <a:avLst>
+                <a:gd name="adj1" fmla="val 50000"/>
+              </a:avLst>
+            </a:prstGeom>
+            <a:ln>
+              <a:tailEnd type="triangle"/>
+            </a:ln>
+          </p:spPr>
+          <p:style>
+            <a:lnRef idx="1">
+              <a:schemeClr val="accent1"/>
+            </a:lnRef>
+            <a:fillRef idx="0">
+              <a:schemeClr val="accent1"/>
+            </a:fillRef>
+            <a:effectRef idx="0">
+              <a:schemeClr val="accent1"/>
+            </a:effectRef>
+            <a:fontRef idx="minor">
+              <a:schemeClr val="tx1"/>
+            </a:fontRef>
+          </p:style>
+        </p:cxnSp>
+        <p:sp>
+          <p:nvSpPr>
+            <p:cNvPr id="120" name="矩形 119">
+              <a:extLst>
+                <a:ext uri="{FF2B5EF4-FFF2-40B4-BE49-F238E27FC236}">
+                  <a16:creationId xmlns:a16="http://schemas.microsoft.com/office/drawing/2014/main" id="{07118F71-3FE9-6F46-93EA-2974A2728173}"/>
+                </a:ext>
+              </a:extLst>
+            </p:cNvPr>
+            <p:cNvSpPr/>
+            <p:nvPr/>
+          </p:nvSpPr>
+          <p:spPr>
+            <a:xfrm>
+              <a:off x="1817001" y="2929660"/>
+              <a:ext cx="809644" cy="717477"/>
+            </a:xfrm>
+            <a:prstGeom prst="rect">
+              <a:avLst/>
+            </a:prstGeom>
+            <a:solidFill>
+              <a:schemeClr val="accent1">
+                <a:lumMod val="75000"/>
+              </a:schemeClr>
+            </a:solidFill>
+            <a:ln>
               <a:solidFill>
                 <a:schemeClr val="tx1"/>
               </a:solidFill>
-            </a:endParaRPr>
-          </a:p>
-        </p:txBody>
-      </p:sp>
+            </a:ln>
+          </p:spPr>
+          <p:style>
+            <a:lnRef idx="2">
+              <a:schemeClr val="accent1">
+                <a:shade val="50000"/>
+              </a:schemeClr>
+            </a:lnRef>
+            <a:fillRef idx="1">
+              <a:schemeClr val="accent1"/>
+            </a:fillRef>
+            <a:effectRef idx="0">
+              <a:schemeClr val="accent1"/>
+            </a:effectRef>
+            <a:fontRef idx="minor">
+              <a:schemeClr val="lt1"/>
+            </a:fontRef>
+          </p:style>
+          <p:txBody>
+            <a:bodyPr rot="0" spcFirstLastPara="0" vertOverflow="overflow" horzOverflow="overflow" vert="horz" wrap="square" lIns="91440" tIns="45720" rIns="91440" bIns="45720" numCol="1" spcCol="0" rtlCol="0" fromWordArt="0" anchor="ctr" anchorCtr="0" forceAA="0" compatLnSpc="1">
+              <a:prstTxWarp prst="textNoShape">
+                <a:avLst/>
+              </a:prstTxWarp>
+              <a:noAutofit/>
+            </a:bodyPr>
+            <a:lstStyle/>
+            <a:p>
+              <a:pPr algn="ctr"/>
+              <a:r>
+                <a:rPr kumimoji="1" lang="en-US" altLang="zh-CN" sz="1000">
+                  <a:solidFill>
+                    <a:schemeClr val="tx1"/>
+                  </a:solidFill>
+                </a:rPr>
+                <a:t>DIR</a:t>
+              </a:r>
+              <a:r>
+                <a:rPr kumimoji="1" lang="zh-CN" altLang="en-US" sz="1000">
+                  <a:solidFill>
+                    <a:schemeClr val="tx1"/>
+                  </a:solidFill>
+                </a:rPr>
+                <a:t> </a:t>
+              </a:r>
+              <a:r>
+                <a:rPr kumimoji="1" lang="en-US" altLang="zh-CN" sz="1000">
+                  <a:solidFill>
+                    <a:schemeClr val="tx1"/>
+                  </a:solidFill>
+                </a:rPr>
+                <a:t>block</a:t>
+              </a:r>
+            </a:p>
+            <a:p>
+              <a:pPr algn="ctr"/>
+              <a:r>
+                <a:rPr kumimoji="1" lang="en-US" altLang="zh-CN" sz="1000">
+                  <a:solidFill>
+                    <a:schemeClr val="tx1"/>
+                  </a:solidFill>
+                </a:rPr>
+                <a:t>inode[4],</a:t>
+              </a:r>
+            </a:p>
+            <a:p>
+              <a:pPr algn="ctr"/>
+              <a:r>
+                <a:rPr kumimoji="1" lang="en-US" altLang="zh-CN" sz="1000">
+                  <a:solidFill>
+                    <a:schemeClr val="tx1"/>
+                  </a:solidFill>
+                </a:rPr>
+                <a:t>name=file2</a:t>
+              </a:r>
+              <a:endParaRPr kumimoji="1" lang="zh-CN" altLang="en-US" sz="1000">
+                <a:solidFill>
+                  <a:schemeClr val="tx1"/>
+                </a:solidFill>
+              </a:endParaRPr>
+            </a:p>
+          </p:txBody>
+        </p:sp>
+        <p:cxnSp>
+          <p:nvCxnSpPr>
+            <p:cNvPr id="124" name="曲线连接符 123">
+              <a:extLst>
+                <a:ext uri="{FF2B5EF4-FFF2-40B4-BE49-F238E27FC236}">
+                  <a16:creationId xmlns:a16="http://schemas.microsoft.com/office/drawing/2014/main" id="{162CC223-3D7F-9A41-A4E2-8F941EFC2F4C}"/>
+                </a:ext>
+              </a:extLst>
+            </p:cNvPr>
+            <p:cNvCxnSpPr>
+              <a:cxnSpLocks/>
+              <a:stCxn id="26" idx="1"/>
+              <a:endCxn id="120" idx="0"/>
+            </p:cNvCxnSpPr>
+            <p:nvPr/>
+          </p:nvCxnSpPr>
+          <p:spPr>
+            <a:xfrm rot="10800000">
+              <a:off x="2221823" y="2929661"/>
+              <a:ext cx="526740" cy="12573"/>
+            </a:xfrm>
+            <a:prstGeom prst="curvedConnector4">
+              <a:avLst>
+                <a:gd name="adj1" fmla="val 11573"/>
+                <a:gd name="adj2" fmla="val 1918182"/>
+              </a:avLst>
+            </a:prstGeom>
+            <a:ln>
+              <a:tailEnd type="triangle"/>
+            </a:ln>
+          </p:spPr>
+          <p:style>
+            <a:lnRef idx="1">
+              <a:schemeClr val="accent1"/>
+            </a:lnRef>
+            <a:fillRef idx="0">
+              <a:schemeClr val="accent1"/>
+            </a:fillRef>
+            <a:effectRef idx="0">
+              <a:schemeClr val="accent1"/>
+            </a:effectRef>
+            <a:fontRef idx="minor">
+              <a:schemeClr val="tx1"/>
+            </a:fontRef>
+          </p:style>
+        </p:cxnSp>
+        <p:cxnSp>
+          <p:nvCxnSpPr>
+            <p:cNvPr id="127" name="曲线连接符 126">
+              <a:extLst>
+                <a:ext uri="{FF2B5EF4-FFF2-40B4-BE49-F238E27FC236}">
+                  <a16:creationId xmlns:a16="http://schemas.microsoft.com/office/drawing/2014/main" id="{8F496621-9EC2-BE42-8928-0978304AD69C}"/>
+                </a:ext>
+              </a:extLst>
+            </p:cNvPr>
+            <p:cNvCxnSpPr>
+              <a:cxnSpLocks/>
+              <a:stCxn id="120" idx="2"/>
+              <a:endCxn id="112" idx="3"/>
+            </p:cNvCxnSpPr>
+            <p:nvPr/>
+          </p:nvCxnSpPr>
+          <p:spPr>
+            <a:xfrm rot="5400000">
+              <a:off x="1743248" y="3840048"/>
+              <a:ext cx="671486" cy="285665"/>
+            </a:xfrm>
+            <a:prstGeom prst="curvedConnector3">
+              <a:avLst>
+                <a:gd name="adj1" fmla="val 50000"/>
+              </a:avLst>
+            </a:prstGeom>
+            <a:ln>
+              <a:tailEnd type="triangle"/>
+            </a:ln>
+          </p:spPr>
+          <p:style>
+            <a:lnRef idx="1">
+              <a:schemeClr val="accent1"/>
+            </a:lnRef>
+            <a:fillRef idx="0">
+              <a:schemeClr val="accent1"/>
+            </a:fillRef>
+            <a:effectRef idx="0">
+              <a:schemeClr val="accent1"/>
+            </a:effectRef>
+            <a:fontRef idx="minor">
+              <a:schemeClr val="tx1"/>
+            </a:fontRef>
+          </p:style>
+        </p:cxnSp>
+        <p:cxnSp>
+          <p:nvCxnSpPr>
+            <p:cNvPr id="131" name="曲线连接符 130">
+              <a:extLst>
+                <a:ext uri="{FF2B5EF4-FFF2-40B4-BE49-F238E27FC236}">
+                  <a16:creationId xmlns:a16="http://schemas.microsoft.com/office/drawing/2014/main" id="{7F58D867-ED13-A941-810A-FE15F9A65B7C}"/>
+                </a:ext>
+              </a:extLst>
+            </p:cNvPr>
+            <p:cNvCxnSpPr>
+              <a:cxnSpLocks/>
+              <a:stCxn id="28" idx="3"/>
+              <a:endCxn id="121" idx="0"/>
+            </p:cNvCxnSpPr>
+            <p:nvPr/>
+          </p:nvCxnSpPr>
+          <p:spPr>
+            <a:xfrm flipV="1">
+              <a:off x="5349597" y="2942233"/>
+              <a:ext cx="640668" cy="230007"/>
+            </a:xfrm>
+            <a:prstGeom prst="curvedConnector4">
+              <a:avLst>
+                <a:gd name="adj1" fmla="val 19030"/>
+                <a:gd name="adj2" fmla="val 255357"/>
+              </a:avLst>
+            </a:prstGeom>
+            <a:ln>
+              <a:tailEnd type="triangle"/>
+            </a:ln>
+          </p:spPr>
+          <p:style>
+            <a:lnRef idx="1">
+              <a:schemeClr val="accent1"/>
+            </a:lnRef>
+            <a:fillRef idx="0">
+              <a:schemeClr val="accent1"/>
+            </a:fillRef>
+            <a:effectRef idx="0">
+              <a:schemeClr val="accent1"/>
+            </a:effectRef>
+            <a:fontRef idx="minor">
+              <a:schemeClr val="tx1"/>
+            </a:fontRef>
+          </p:style>
+        </p:cxnSp>
+        <p:cxnSp>
+          <p:nvCxnSpPr>
+            <p:cNvPr id="141" name="曲线连接符 140">
+              <a:extLst>
+                <a:ext uri="{FF2B5EF4-FFF2-40B4-BE49-F238E27FC236}">
+                  <a16:creationId xmlns:a16="http://schemas.microsoft.com/office/drawing/2014/main" id="{18713ADA-752B-4E4B-A02E-4F467146B7D7}"/>
+                </a:ext>
+              </a:extLst>
+            </p:cNvPr>
+            <p:cNvCxnSpPr>
+              <a:cxnSpLocks/>
+              <a:stCxn id="56" idx="2"/>
+              <a:endCxn id="111" idx="3"/>
+            </p:cNvCxnSpPr>
+            <p:nvPr/>
+          </p:nvCxnSpPr>
+          <p:spPr>
+            <a:xfrm rot="16200000" flipH="1">
+              <a:off x="4472481" y="2122175"/>
+              <a:ext cx="612865" cy="437508"/>
+            </a:xfrm>
+            <a:prstGeom prst="curvedConnector3">
+              <a:avLst>
+                <a:gd name="adj1" fmla="val 50000"/>
+              </a:avLst>
+            </a:prstGeom>
+            <a:ln>
+              <a:tailEnd type="triangle"/>
+            </a:ln>
+          </p:spPr>
+          <p:style>
+            <a:lnRef idx="1">
+              <a:schemeClr val="accent1"/>
+            </a:lnRef>
+            <a:fillRef idx="0">
+              <a:schemeClr val="accent1"/>
+            </a:fillRef>
+            <a:effectRef idx="0">
+              <a:schemeClr val="accent1"/>
+            </a:effectRef>
+            <a:fontRef idx="minor">
+              <a:schemeClr val="tx1"/>
+            </a:fontRef>
+          </p:style>
+        </p:cxnSp>
+        <p:grpSp>
+          <p:nvGrpSpPr>
+            <p:cNvPr id="23" name="组合 22">
+              <a:extLst>
+                <a:ext uri="{FF2B5EF4-FFF2-40B4-BE49-F238E27FC236}">
+                  <a16:creationId xmlns:a16="http://schemas.microsoft.com/office/drawing/2014/main" id="{76F41C42-4F50-F342-9D4C-1EDA05F00084}"/>
+                </a:ext>
+              </a:extLst>
+            </p:cNvPr>
+            <p:cNvGrpSpPr/>
+            <p:nvPr/>
+          </p:nvGrpSpPr>
+          <p:grpSpPr>
+            <a:xfrm>
+              <a:off x="5593433" y="2942233"/>
+              <a:ext cx="1587326" cy="717477"/>
+              <a:chOff x="6757341" y="2156556"/>
+              <a:chExt cx="1587326" cy="717477"/>
+            </a:xfrm>
+          </p:grpSpPr>
+          <p:sp>
+            <p:nvSpPr>
+              <p:cNvPr id="121" name="矩形 120">
+                <a:extLst>
+                  <a:ext uri="{FF2B5EF4-FFF2-40B4-BE49-F238E27FC236}">
+                    <a16:creationId xmlns:a16="http://schemas.microsoft.com/office/drawing/2014/main" id="{E4253B8F-9445-174E-8469-D64D7AF4D20D}"/>
+                  </a:ext>
+                </a:extLst>
+              </p:cNvPr>
+              <p:cNvSpPr/>
+              <p:nvPr/>
+            </p:nvSpPr>
+            <p:spPr>
+              <a:xfrm>
+                <a:off x="6757341" y="2156556"/>
+                <a:ext cx="793663" cy="717477"/>
+              </a:xfrm>
+              <a:prstGeom prst="rect">
+                <a:avLst/>
+              </a:prstGeom>
+              <a:solidFill>
+                <a:schemeClr val="bg1">
+                  <a:lumMod val="75000"/>
+                </a:schemeClr>
+              </a:solidFill>
+              <a:ln>
+                <a:solidFill>
+                  <a:schemeClr val="tx1"/>
+                </a:solidFill>
+              </a:ln>
+            </p:spPr>
+            <p:style>
+              <a:lnRef idx="2">
+                <a:schemeClr val="accent1">
+                  <a:shade val="50000"/>
+                </a:schemeClr>
+              </a:lnRef>
+              <a:fillRef idx="1">
+                <a:schemeClr val="accent1"/>
+              </a:fillRef>
+              <a:effectRef idx="0">
+                <a:schemeClr val="accent1"/>
+              </a:effectRef>
+              <a:fontRef idx="minor">
+                <a:schemeClr val="lt1"/>
+              </a:fontRef>
+            </p:style>
+            <p:txBody>
+              <a:bodyPr rot="0" spcFirstLastPara="0" vertOverflow="overflow" horzOverflow="overflow" vert="horz" wrap="square" lIns="91440" tIns="45720" rIns="91440" bIns="45720" numCol="1" spcCol="0" rtlCol="0" fromWordArt="0" anchor="ctr" anchorCtr="0" forceAA="0" compatLnSpc="1">
+                <a:prstTxWarp prst="textNoShape">
+                  <a:avLst/>
+                </a:prstTxWarp>
+                <a:noAutofit/>
+              </a:bodyPr>
+              <a:lstStyle/>
+              <a:p>
+                <a:pPr algn="ctr"/>
+                <a:r>
+                  <a:rPr kumimoji="1" lang="en-US" altLang="zh-CN" sz="1000">
+                    <a:solidFill>
+                      <a:schemeClr val="tx1"/>
+                    </a:solidFill>
+                  </a:rPr>
+                  <a:t>DATA</a:t>
+                </a:r>
+                <a:r>
+                  <a:rPr kumimoji="1" lang="zh-CN" altLang="en-US" sz="1000">
+                    <a:solidFill>
+                      <a:schemeClr val="tx1"/>
+                    </a:solidFill>
+                  </a:rPr>
+                  <a:t> </a:t>
+                </a:r>
+                <a:r>
+                  <a:rPr kumimoji="1" lang="en-US" altLang="zh-CN" sz="1000">
+                    <a:solidFill>
+                      <a:schemeClr val="tx1"/>
+                    </a:solidFill>
+                  </a:rPr>
+                  <a:t>block</a:t>
+                </a:r>
+              </a:p>
+              <a:p>
+                <a:pPr algn="ctr"/>
+                <a:endParaRPr kumimoji="1" lang="zh-CN" altLang="en-US" sz="1000">
+                  <a:solidFill>
+                    <a:schemeClr val="tx1"/>
+                  </a:solidFill>
+                </a:endParaRPr>
+              </a:p>
+            </p:txBody>
+          </p:sp>
+          <p:sp>
+            <p:nvSpPr>
+              <p:cNvPr id="142" name="矩形 141">
+                <a:extLst>
+                  <a:ext uri="{FF2B5EF4-FFF2-40B4-BE49-F238E27FC236}">
+                    <a16:creationId xmlns:a16="http://schemas.microsoft.com/office/drawing/2014/main" id="{1CDD5248-146B-3D4B-922E-6A38BBA9B255}"/>
+                  </a:ext>
+                </a:extLst>
+              </p:cNvPr>
+              <p:cNvSpPr/>
+              <p:nvPr/>
+            </p:nvSpPr>
+            <p:spPr>
+              <a:xfrm>
+                <a:off x="7551004" y="2156556"/>
+                <a:ext cx="793663" cy="717477"/>
+              </a:xfrm>
+              <a:prstGeom prst="rect">
+                <a:avLst/>
+              </a:prstGeom>
+              <a:solidFill>
+                <a:schemeClr val="bg1">
+                  <a:lumMod val="75000"/>
+                </a:schemeClr>
+              </a:solidFill>
+              <a:ln>
+                <a:solidFill>
+                  <a:schemeClr val="tx1"/>
+                </a:solidFill>
+              </a:ln>
+            </p:spPr>
+            <p:style>
+              <a:lnRef idx="2">
+                <a:schemeClr val="accent1">
+                  <a:shade val="50000"/>
+                </a:schemeClr>
+              </a:lnRef>
+              <a:fillRef idx="1">
+                <a:schemeClr val="accent1"/>
+              </a:fillRef>
+              <a:effectRef idx="0">
+                <a:schemeClr val="accent1"/>
+              </a:effectRef>
+              <a:fontRef idx="minor">
+                <a:schemeClr val="lt1"/>
+              </a:fontRef>
+            </p:style>
+            <p:txBody>
+              <a:bodyPr rot="0" spcFirstLastPara="0" vertOverflow="overflow" horzOverflow="overflow" vert="horz" wrap="square" lIns="91440" tIns="45720" rIns="91440" bIns="45720" numCol="1" spcCol="0" rtlCol="0" fromWordArt="0" anchor="ctr" anchorCtr="0" forceAA="0" compatLnSpc="1">
+                <a:prstTxWarp prst="textNoShape">
+                  <a:avLst/>
+                </a:prstTxWarp>
+                <a:noAutofit/>
+              </a:bodyPr>
+              <a:lstStyle/>
+              <a:p>
+                <a:pPr algn="ctr"/>
+                <a:r>
+                  <a:rPr kumimoji="1" lang="en-US" altLang="zh-CN" sz="1000">
+                    <a:solidFill>
+                      <a:schemeClr val="tx1"/>
+                    </a:solidFill>
+                  </a:rPr>
+                  <a:t>DATA</a:t>
+                </a:r>
+                <a:r>
+                  <a:rPr kumimoji="1" lang="zh-CN" altLang="en-US" sz="1000">
+                    <a:solidFill>
+                      <a:schemeClr val="tx1"/>
+                    </a:solidFill>
+                  </a:rPr>
+                  <a:t> </a:t>
+                </a:r>
+                <a:r>
+                  <a:rPr kumimoji="1" lang="en-US" altLang="zh-CN" sz="1000">
+                    <a:solidFill>
+                      <a:schemeClr val="tx1"/>
+                    </a:solidFill>
+                  </a:rPr>
+                  <a:t>block</a:t>
+                </a:r>
+              </a:p>
+              <a:p>
+                <a:pPr algn="ctr"/>
+                <a:endParaRPr kumimoji="1" lang="zh-CN" altLang="en-US" sz="1000">
+                  <a:solidFill>
+                    <a:schemeClr val="tx1"/>
+                  </a:solidFill>
+                </a:endParaRPr>
+              </a:p>
+            </p:txBody>
+          </p:sp>
+        </p:grpSp>
+        <p:sp>
+          <p:nvSpPr>
+            <p:cNvPr id="144" name="矩形 143">
+              <a:extLst>
+                <a:ext uri="{FF2B5EF4-FFF2-40B4-BE49-F238E27FC236}">
+                  <a16:creationId xmlns:a16="http://schemas.microsoft.com/office/drawing/2014/main" id="{24AF0826-0A93-7748-A786-EA3E105A8235}"/>
+                </a:ext>
+              </a:extLst>
+            </p:cNvPr>
+            <p:cNvSpPr/>
+            <p:nvPr/>
+          </p:nvSpPr>
+          <p:spPr>
+            <a:xfrm>
+              <a:off x="599641" y="4699399"/>
+              <a:ext cx="793663" cy="717477"/>
+            </a:xfrm>
+            <a:prstGeom prst="rect">
+              <a:avLst/>
+            </a:prstGeom>
+            <a:solidFill>
+              <a:schemeClr val="bg1">
+                <a:lumMod val="85000"/>
+              </a:schemeClr>
+            </a:solidFill>
+            <a:ln>
+              <a:solidFill>
+                <a:schemeClr val="tx1"/>
+              </a:solidFill>
+            </a:ln>
+          </p:spPr>
+          <p:style>
+            <a:lnRef idx="2">
+              <a:schemeClr val="accent1">
+                <a:shade val="50000"/>
+              </a:schemeClr>
+            </a:lnRef>
+            <a:fillRef idx="1">
+              <a:schemeClr val="accent1"/>
+            </a:fillRef>
+            <a:effectRef idx="0">
+              <a:schemeClr val="accent1"/>
+            </a:effectRef>
+            <a:fontRef idx="minor">
+              <a:schemeClr val="lt1"/>
+            </a:fontRef>
+          </p:style>
+          <p:txBody>
+            <a:bodyPr rot="0" spcFirstLastPara="0" vertOverflow="overflow" horzOverflow="overflow" vert="horz" wrap="square" lIns="91440" tIns="45720" rIns="91440" bIns="45720" numCol="1" spcCol="0" rtlCol="0" fromWordArt="0" anchor="ctr" anchorCtr="0" forceAA="0" compatLnSpc="1">
+              <a:prstTxWarp prst="textNoShape">
+                <a:avLst/>
+              </a:prstTxWarp>
+              <a:noAutofit/>
+            </a:bodyPr>
+            <a:lstStyle/>
+            <a:p>
+              <a:pPr algn="ctr"/>
+              <a:r>
+                <a:rPr kumimoji="1" lang="en-US" altLang="zh-CN" sz="1000">
+                  <a:solidFill>
+                    <a:schemeClr val="tx1"/>
+                  </a:solidFill>
+                </a:rPr>
+                <a:t>DATA</a:t>
+              </a:r>
+              <a:r>
+                <a:rPr kumimoji="1" lang="zh-CN" altLang="en-US" sz="1000">
+                  <a:solidFill>
+                    <a:schemeClr val="tx1"/>
+                  </a:solidFill>
+                </a:rPr>
+                <a:t> </a:t>
+              </a:r>
+              <a:r>
+                <a:rPr kumimoji="1" lang="en-US" altLang="zh-CN" sz="1000">
+                  <a:solidFill>
+                    <a:schemeClr val="tx1"/>
+                  </a:solidFill>
+                </a:rPr>
+                <a:t>block</a:t>
+              </a:r>
+            </a:p>
+            <a:p>
+              <a:pPr algn="ctr"/>
+              <a:endParaRPr kumimoji="1" lang="zh-CN" altLang="en-US" sz="1000">
+                <a:solidFill>
+                  <a:schemeClr val="tx1"/>
+                </a:solidFill>
+              </a:endParaRPr>
+            </a:p>
+          </p:txBody>
+        </p:sp>
+        <p:cxnSp>
+          <p:nvCxnSpPr>
+            <p:cNvPr id="153" name="曲线连接符 152">
+              <a:extLst>
+                <a:ext uri="{FF2B5EF4-FFF2-40B4-BE49-F238E27FC236}">
+                  <a16:creationId xmlns:a16="http://schemas.microsoft.com/office/drawing/2014/main" id="{084272C3-D216-1E48-BA29-11F64B4BD7FA}"/>
+                </a:ext>
+              </a:extLst>
+            </p:cNvPr>
+            <p:cNvCxnSpPr>
+              <a:cxnSpLocks/>
+              <a:stCxn id="29" idx="1"/>
+              <a:endCxn id="144" idx="0"/>
+            </p:cNvCxnSpPr>
+            <p:nvPr/>
+          </p:nvCxnSpPr>
+          <p:spPr>
+            <a:xfrm rot="10800000">
+              <a:off x="996474" y="4699399"/>
+              <a:ext cx="594275" cy="144100"/>
+            </a:xfrm>
+            <a:prstGeom prst="curvedConnector4">
+              <a:avLst>
+                <a:gd name="adj1" fmla="val 16612"/>
+                <a:gd name="adj2" fmla="val 258640"/>
+              </a:avLst>
+            </a:prstGeom>
+            <a:ln>
+              <a:tailEnd type="triangle"/>
+            </a:ln>
+          </p:spPr>
+          <p:style>
+            <a:lnRef idx="1">
+              <a:schemeClr val="accent1"/>
+            </a:lnRef>
+            <a:fillRef idx="0">
+              <a:schemeClr val="accent1"/>
+            </a:fillRef>
+            <a:effectRef idx="0">
+              <a:schemeClr val="accent1"/>
+            </a:effectRef>
+            <a:fontRef idx="minor">
+              <a:schemeClr val="tx1"/>
+            </a:fontRef>
+          </p:style>
+        </p:cxnSp>
+      </p:grpSp>
+      <p:grpSp>
+        <p:nvGrpSpPr>
+          <p:cNvPr id="48" name="组合 47">
+            <a:extLst>
+              <a:ext uri="{FF2B5EF4-FFF2-40B4-BE49-F238E27FC236}">
+                <a16:creationId xmlns:a16="http://schemas.microsoft.com/office/drawing/2014/main" id="{215EC3D5-6A0A-C147-B8DC-7FC79ABA3679}"/>
+              </a:ext>
+            </a:extLst>
+          </p:cNvPr>
+          <p:cNvGrpSpPr/>
+          <p:nvPr/>
+        </p:nvGrpSpPr>
+        <p:grpSpPr>
+          <a:xfrm>
+            <a:off x="520426" y="4003443"/>
+            <a:ext cx="9190385" cy="889965"/>
+            <a:chOff x="687248" y="3863827"/>
+            <a:chExt cx="9190385" cy="889965"/>
+          </a:xfrm>
+        </p:grpSpPr>
+        <p:sp>
+          <p:nvSpPr>
+            <p:cNvPr id="110" name="矩形 109">
+              <a:extLst>
+                <a:ext uri="{FF2B5EF4-FFF2-40B4-BE49-F238E27FC236}">
+                  <a16:creationId xmlns:a16="http://schemas.microsoft.com/office/drawing/2014/main" id="{E54C16E0-DC6A-7146-A26E-9DE916AE4625}"/>
+                </a:ext>
+              </a:extLst>
+            </p:cNvPr>
+            <p:cNvSpPr/>
+            <p:nvPr/>
+          </p:nvSpPr>
+          <p:spPr>
+            <a:xfrm>
+              <a:off x="4202206" y="4029965"/>
+              <a:ext cx="1015738" cy="717477"/>
+            </a:xfrm>
+            <a:prstGeom prst="rect">
+              <a:avLst/>
+            </a:prstGeom>
+            <a:solidFill>
+              <a:schemeClr val="tx2">
+                <a:lumMod val="60000"/>
+                <a:lumOff val="40000"/>
+              </a:schemeClr>
+            </a:solidFill>
+            <a:ln>
+              <a:solidFill>
+                <a:schemeClr val="tx1"/>
+              </a:solidFill>
+            </a:ln>
+          </p:spPr>
+          <p:style>
+            <a:lnRef idx="2">
+              <a:schemeClr val="accent1">
+                <a:shade val="50000"/>
+              </a:schemeClr>
+            </a:lnRef>
+            <a:fillRef idx="1">
+              <a:schemeClr val="accent1"/>
+            </a:fillRef>
+            <a:effectRef idx="0">
+              <a:schemeClr val="accent1"/>
+            </a:effectRef>
+            <a:fontRef idx="minor">
+              <a:schemeClr val="lt1"/>
+            </a:fontRef>
+          </p:style>
+          <p:txBody>
+            <a:bodyPr rot="0" spcFirstLastPara="0" vertOverflow="overflow" horzOverflow="overflow" vert="horz" wrap="square" lIns="91440" tIns="45720" rIns="91440" bIns="45720" numCol="1" spcCol="0" rtlCol="0" fromWordArt="0" anchor="ctr" anchorCtr="0" forceAA="0" compatLnSpc="1">
+              <a:prstTxWarp prst="textNoShape">
+                <a:avLst/>
+              </a:prstTxWarp>
+              <a:noAutofit/>
+            </a:bodyPr>
+            <a:lstStyle/>
+            <a:p>
+              <a:pPr algn="ctr"/>
+              <a:r>
+                <a:rPr kumimoji="1" lang="en-US" altLang="zh-CN" sz="1000">
+                  <a:solidFill>
+                    <a:schemeClr val="tx1"/>
+                  </a:solidFill>
+                </a:rPr>
+                <a:t>DIR</a:t>
+              </a:r>
+              <a:r>
+                <a:rPr kumimoji="1" lang="zh-CN" altLang="en-US" sz="1000">
+                  <a:solidFill>
+                    <a:schemeClr val="tx1"/>
+                  </a:solidFill>
+                </a:rPr>
+                <a:t> </a:t>
+              </a:r>
+              <a:r>
+                <a:rPr kumimoji="1" lang="en-US" altLang="zh-CN" sz="1000">
+                  <a:solidFill>
+                    <a:schemeClr val="tx1"/>
+                  </a:solidFill>
+                </a:rPr>
+                <a:t>block</a:t>
+              </a:r>
+            </a:p>
+            <a:p>
+              <a:pPr algn="ctr"/>
+              <a:r>
+                <a:rPr kumimoji="1" lang="en-US" altLang="zh-CN" sz="1000">
+                  <a:solidFill>
+                    <a:schemeClr val="tx1"/>
+                  </a:solidFill>
+                </a:rPr>
+                <a:t>&lt;inode[2],</a:t>
+              </a:r>
+            </a:p>
+            <a:p>
+              <a:pPr algn="ctr"/>
+              <a:r>
+                <a:rPr kumimoji="1" lang="en-US" altLang="zh-CN" sz="1000">
+                  <a:solidFill>
+                    <a:schemeClr val="tx1"/>
+                  </a:solidFill>
+                </a:rPr>
+                <a:t>name=dir1&gt;</a:t>
+              </a:r>
+              <a:endParaRPr kumimoji="1" lang="zh-CN" altLang="en-US" sz="1000">
+                <a:solidFill>
+                  <a:schemeClr val="tx1"/>
+                </a:solidFill>
+              </a:endParaRPr>
+            </a:p>
+          </p:txBody>
+        </p:sp>
+        <p:sp>
+          <p:nvSpPr>
+            <p:cNvPr id="113" name="矩形 112">
+              <a:extLst>
+                <a:ext uri="{FF2B5EF4-FFF2-40B4-BE49-F238E27FC236}">
+                  <a16:creationId xmlns:a16="http://schemas.microsoft.com/office/drawing/2014/main" id="{BC5FD8A8-9AEB-6340-803A-C6FD18CBB88D}"/>
+                </a:ext>
+              </a:extLst>
+            </p:cNvPr>
+            <p:cNvSpPr/>
+            <p:nvPr/>
+          </p:nvSpPr>
+          <p:spPr>
+            <a:xfrm>
+              <a:off x="5217944" y="4033140"/>
+              <a:ext cx="892026" cy="717477"/>
+            </a:xfrm>
+            <a:prstGeom prst="rect">
+              <a:avLst/>
+            </a:prstGeom>
+            <a:solidFill>
+              <a:schemeClr val="tx2">
+                <a:lumMod val="60000"/>
+                <a:lumOff val="40000"/>
+              </a:schemeClr>
+            </a:solidFill>
+            <a:ln>
+              <a:solidFill>
+                <a:schemeClr val="tx1"/>
+              </a:solidFill>
+            </a:ln>
+          </p:spPr>
+          <p:style>
+            <a:lnRef idx="2">
+              <a:schemeClr val="accent1">
+                <a:shade val="50000"/>
+              </a:schemeClr>
+            </a:lnRef>
+            <a:fillRef idx="1">
+              <a:schemeClr val="accent1"/>
+            </a:fillRef>
+            <a:effectRef idx="0">
+              <a:schemeClr val="accent1"/>
+            </a:effectRef>
+            <a:fontRef idx="minor">
+              <a:schemeClr val="lt1"/>
+            </a:fontRef>
+          </p:style>
+          <p:txBody>
+            <a:bodyPr rot="0" spcFirstLastPara="0" vertOverflow="overflow" horzOverflow="overflow" vert="horz" wrap="square" lIns="91440" tIns="45720" rIns="91440" bIns="45720" numCol="1" spcCol="0" rtlCol="0" fromWordArt="0" anchor="ctr" anchorCtr="0" forceAA="0" compatLnSpc="1">
+              <a:prstTxWarp prst="textNoShape">
+                <a:avLst/>
+              </a:prstTxWarp>
+              <a:noAutofit/>
+            </a:bodyPr>
+            <a:lstStyle/>
+            <a:p>
+              <a:pPr algn="ctr"/>
+              <a:r>
+                <a:rPr kumimoji="1" lang="en-US" altLang="zh-CN" sz="1000">
+                  <a:solidFill>
+                    <a:schemeClr val="tx1"/>
+                  </a:solidFill>
+                </a:rPr>
+                <a:t>DIR</a:t>
+              </a:r>
+              <a:r>
+                <a:rPr kumimoji="1" lang="zh-CN" altLang="en-US" sz="1000">
+                  <a:solidFill>
+                    <a:schemeClr val="tx1"/>
+                  </a:solidFill>
+                </a:rPr>
+                <a:t> </a:t>
+              </a:r>
+              <a:r>
+                <a:rPr kumimoji="1" lang="en-US" altLang="zh-CN" sz="1000">
+                  <a:solidFill>
+                    <a:schemeClr val="tx1"/>
+                  </a:solidFill>
+                </a:rPr>
+                <a:t>block</a:t>
+              </a:r>
+            </a:p>
+            <a:p>
+              <a:pPr algn="ctr"/>
+              <a:r>
+                <a:rPr kumimoji="1" lang="en-US" altLang="zh-CN" sz="1000">
+                  <a:solidFill>
+                    <a:schemeClr val="tx1"/>
+                  </a:solidFill>
+                </a:rPr>
+                <a:t>&lt;inode[3],</a:t>
+              </a:r>
+            </a:p>
+            <a:p>
+              <a:pPr algn="ctr"/>
+              <a:r>
+                <a:rPr kumimoji="1" lang="en-US" altLang="zh-CN" sz="1000">
+                  <a:solidFill>
+                    <a:schemeClr val="tx1"/>
+                  </a:solidFill>
+                </a:rPr>
+                <a:t>name=file1&gt;</a:t>
+              </a:r>
+              <a:endParaRPr kumimoji="1" lang="zh-CN" altLang="en-US" sz="1000">
+                <a:solidFill>
+                  <a:schemeClr val="tx1"/>
+                </a:solidFill>
+              </a:endParaRPr>
+            </a:p>
+          </p:txBody>
+        </p:sp>
+        <p:cxnSp>
+          <p:nvCxnSpPr>
+            <p:cNvPr id="114" name="曲线连接符 113">
+              <a:extLst>
+                <a:ext uri="{FF2B5EF4-FFF2-40B4-BE49-F238E27FC236}">
+                  <a16:creationId xmlns:a16="http://schemas.microsoft.com/office/drawing/2014/main" id="{016F2BF3-14F5-264E-9AD5-DFA28DF50441}"/>
+                </a:ext>
+              </a:extLst>
+            </p:cNvPr>
+            <p:cNvCxnSpPr>
+              <a:cxnSpLocks/>
+              <a:stCxn id="118" idx="2"/>
+              <a:endCxn id="110" idx="2"/>
+            </p:cNvCxnSpPr>
+            <p:nvPr/>
+          </p:nvCxnSpPr>
+          <p:spPr>
+            <a:xfrm rot="16200000" flipH="1">
+              <a:off x="2873036" y="2910403"/>
+              <a:ext cx="12700" cy="3674077"/>
+            </a:xfrm>
+            <a:prstGeom prst="curvedConnector3">
+              <a:avLst>
+                <a:gd name="adj1" fmla="val 1800000"/>
+              </a:avLst>
+            </a:prstGeom>
+            <a:ln>
+              <a:tailEnd type="triangle"/>
+            </a:ln>
+          </p:spPr>
+          <p:style>
+            <a:lnRef idx="1">
+              <a:schemeClr val="accent1"/>
+            </a:lnRef>
+            <a:fillRef idx="0">
+              <a:schemeClr val="accent1"/>
+            </a:fillRef>
+            <a:effectRef idx="0">
+              <a:schemeClr val="accent1"/>
+            </a:effectRef>
+            <a:fontRef idx="minor">
+              <a:schemeClr val="tx1"/>
+            </a:fontRef>
+          </p:style>
+        </p:cxnSp>
+        <p:grpSp>
+          <p:nvGrpSpPr>
+            <p:cNvPr id="116" name="组合 115">
+              <a:extLst>
+                <a:ext uri="{FF2B5EF4-FFF2-40B4-BE49-F238E27FC236}">
+                  <a16:creationId xmlns:a16="http://schemas.microsoft.com/office/drawing/2014/main" id="{1B1311F6-1645-934A-A7F0-36C554DAA0A6}"/>
+                </a:ext>
+              </a:extLst>
+            </p:cNvPr>
+            <p:cNvGrpSpPr/>
+            <p:nvPr/>
+          </p:nvGrpSpPr>
+          <p:grpSpPr>
+            <a:xfrm>
+              <a:off x="687248" y="3863827"/>
+              <a:ext cx="2803563" cy="883617"/>
+              <a:chOff x="117934" y="1984068"/>
+              <a:chExt cx="2803563" cy="883617"/>
+            </a:xfrm>
+          </p:grpSpPr>
+          <p:sp>
+            <p:nvSpPr>
+              <p:cNvPr id="118" name="矩形 117">
+                <a:extLst>
+                  <a:ext uri="{FF2B5EF4-FFF2-40B4-BE49-F238E27FC236}">
+                    <a16:creationId xmlns:a16="http://schemas.microsoft.com/office/drawing/2014/main" id="{AE067442-F07A-B941-BFE6-C90A38B3577D}"/>
+                  </a:ext>
+                </a:extLst>
+              </p:cNvPr>
+              <p:cNvSpPr/>
+              <p:nvPr/>
+            </p:nvSpPr>
+            <p:spPr>
+              <a:xfrm>
+                <a:off x="117934" y="2150205"/>
+                <a:ext cx="697499" cy="717478"/>
+              </a:xfrm>
+              <a:prstGeom prst="rect">
+                <a:avLst/>
+              </a:prstGeom>
+              <a:solidFill>
+                <a:schemeClr val="accent6">
+                  <a:lumMod val="40000"/>
+                  <a:lumOff val="60000"/>
+                </a:schemeClr>
+              </a:solidFill>
+              <a:ln>
+                <a:solidFill>
+                  <a:schemeClr val="tx1"/>
+                </a:solidFill>
+              </a:ln>
+            </p:spPr>
+            <p:style>
+              <a:lnRef idx="2">
+                <a:schemeClr val="accent1">
+                  <a:shade val="50000"/>
+                </a:schemeClr>
+              </a:lnRef>
+              <a:fillRef idx="1">
+                <a:schemeClr val="accent1"/>
+              </a:fillRef>
+              <a:effectRef idx="0">
+                <a:schemeClr val="accent1"/>
+              </a:effectRef>
+              <a:fontRef idx="minor">
+                <a:schemeClr val="lt1"/>
+              </a:fontRef>
+            </p:style>
+            <p:txBody>
+              <a:bodyPr rot="0" spcFirstLastPara="0" vertOverflow="overflow" horzOverflow="overflow" vert="horz" wrap="square" lIns="91440" tIns="45720" rIns="91440" bIns="45720" numCol="1" spcCol="0" rtlCol="0" fromWordArt="0" anchor="ctr" anchorCtr="0" forceAA="0" compatLnSpc="1">
+                <a:prstTxWarp prst="textNoShape">
+                  <a:avLst/>
+                </a:prstTxWarp>
+                <a:noAutofit/>
+              </a:bodyPr>
+              <a:lstStyle/>
+              <a:p>
+                <a:pPr algn="ctr"/>
+                <a:r>
+                  <a:rPr kumimoji="1" lang="en-US" altLang="zh-CN" sz="1000">
+                    <a:solidFill>
+                      <a:schemeClr val="tx1"/>
+                    </a:solidFill>
+                  </a:rPr>
+                  <a:t>inode[1]</a:t>
+                </a:r>
+              </a:p>
+              <a:p>
+                <a:pPr algn="ctr"/>
+                <a:r>
+                  <a:rPr kumimoji="1" lang="en-US" altLang="zh-CN" sz="1000">
+                    <a:solidFill>
+                      <a:schemeClr val="tx1"/>
+                    </a:solidFill>
+                  </a:rPr>
+                  <a:t>DIR</a:t>
+                </a:r>
+              </a:p>
+              <a:p>
+                <a:pPr algn="ctr"/>
+                <a:r>
+                  <a:rPr kumimoji="1" lang="en-US" altLang="zh-CN" sz="1000">
+                    <a:solidFill>
+                      <a:schemeClr val="tx1"/>
+                    </a:solidFill>
+                  </a:rPr>
+                  <a:t>blocks=2</a:t>
+                </a:r>
+                <a:endParaRPr kumimoji="1" lang="zh-CN" altLang="en-US" sz="1000">
+                  <a:solidFill>
+                    <a:schemeClr val="tx1"/>
+                  </a:solidFill>
+                </a:endParaRPr>
+              </a:p>
+            </p:txBody>
+          </p:sp>
+          <p:sp>
+            <p:nvSpPr>
+              <p:cNvPr id="119" name="矩形 118">
+                <a:extLst>
+                  <a:ext uri="{FF2B5EF4-FFF2-40B4-BE49-F238E27FC236}">
+                    <a16:creationId xmlns:a16="http://schemas.microsoft.com/office/drawing/2014/main" id="{F56BF4F0-E738-EB47-96AD-4783517FCD97}"/>
+                  </a:ext>
+                </a:extLst>
+              </p:cNvPr>
+              <p:cNvSpPr/>
+              <p:nvPr/>
+            </p:nvSpPr>
+            <p:spPr>
+              <a:xfrm>
+                <a:off x="814269" y="2150207"/>
+                <a:ext cx="697499" cy="717478"/>
+              </a:xfrm>
+              <a:prstGeom prst="rect">
+                <a:avLst/>
+              </a:prstGeom>
+              <a:solidFill>
+                <a:schemeClr val="accent6">
+                  <a:lumMod val="20000"/>
+                  <a:lumOff val="80000"/>
+                </a:schemeClr>
+              </a:solidFill>
+              <a:ln>
+                <a:solidFill>
+                  <a:schemeClr val="tx1"/>
+                </a:solidFill>
+              </a:ln>
+            </p:spPr>
+            <p:style>
+              <a:lnRef idx="2">
+                <a:schemeClr val="accent1">
+                  <a:shade val="50000"/>
+                </a:schemeClr>
+              </a:lnRef>
+              <a:fillRef idx="1">
+                <a:schemeClr val="accent1"/>
+              </a:fillRef>
+              <a:effectRef idx="0">
+                <a:schemeClr val="accent1"/>
+              </a:effectRef>
+              <a:fontRef idx="minor">
+                <a:schemeClr val="lt1"/>
+              </a:fontRef>
+            </p:style>
+            <p:txBody>
+              <a:bodyPr rot="0" spcFirstLastPara="0" vertOverflow="overflow" horzOverflow="overflow" vert="horz" wrap="square" lIns="91440" tIns="45720" rIns="91440" bIns="45720" numCol="1" spcCol="0" rtlCol="0" fromWordArt="0" anchor="ctr" anchorCtr="0" forceAA="0" compatLnSpc="1">
+                <a:prstTxWarp prst="textNoShape">
+                  <a:avLst/>
+                </a:prstTxWarp>
+                <a:noAutofit/>
+              </a:bodyPr>
+              <a:lstStyle/>
+              <a:p>
+                <a:pPr algn="ctr"/>
+                <a:r>
+                  <a:rPr kumimoji="1" lang="en-US" altLang="zh-CN" sz="1000">
+                    <a:solidFill>
+                      <a:schemeClr val="tx1"/>
+                    </a:solidFill>
+                  </a:rPr>
+                  <a:t>inode[2]</a:t>
+                </a:r>
+              </a:p>
+              <a:p>
+                <a:pPr algn="ctr"/>
+                <a:r>
+                  <a:rPr kumimoji="1" lang="en-US" altLang="zh-CN" sz="1000">
+                    <a:solidFill>
+                      <a:schemeClr val="tx1"/>
+                    </a:solidFill>
+                  </a:rPr>
+                  <a:t>DIR</a:t>
+                </a:r>
+              </a:p>
+              <a:p>
+                <a:pPr algn="ctr"/>
+                <a:r>
+                  <a:rPr kumimoji="1" lang="en-US" altLang="zh-CN" sz="1000">
+                    <a:solidFill>
+                      <a:schemeClr val="tx1"/>
+                    </a:solidFill>
+                  </a:rPr>
+                  <a:t>blocks=1</a:t>
+                </a:r>
+                <a:endParaRPr kumimoji="1" lang="zh-CN" altLang="en-US" sz="1000">
+                  <a:solidFill>
+                    <a:schemeClr val="tx1"/>
+                  </a:solidFill>
+                </a:endParaRPr>
+              </a:p>
+            </p:txBody>
+          </p:sp>
+          <p:sp>
+            <p:nvSpPr>
+              <p:cNvPr id="122" name="矩形 121">
+                <a:extLst>
+                  <a:ext uri="{FF2B5EF4-FFF2-40B4-BE49-F238E27FC236}">
+                    <a16:creationId xmlns:a16="http://schemas.microsoft.com/office/drawing/2014/main" id="{1C34BA78-3940-6244-9C1C-8BDE6ED15FF8}"/>
+                  </a:ext>
+                </a:extLst>
+              </p:cNvPr>
+              <p:cNvSpPr/>
+              <p:nvPr/>
+            </p:nvSpPr>
+            <p:spPr>
+              <a:xfrm>
+                <a:off x="1527664" y="2150207"/>
+                <a:ext cx="697499" cy="717478"/>
+              </a:xfrm>
+              <a:prstGeom prst="rect">
+                <a:avLst/>
+              </a:prstGeom>
+              <a:solidFill>
+                <a:schemeClr val="accent2">
+                  <a:lumMod val="40000"/>
+                  <a:lumOff val="60000"/>
+                </a:schemeClr>
+              </a:solidFill>
+              <a:ln>
+                <a:solidFill>
+                  <a:schemeClr val="tx1"/>
+                </a:solidFill>
+              </a:ln>
+            </p:spPr>
+            <p:style>
+              <a:lnRef idx="2">
+                <a:schemeClr val="accent1">
+                  <a:shade val="50000"/>
+                </a:schemeClr>
+              </a:lnRef>
+              <a:fillRef idx="1">
+                <a:schemeClr val="accent1"/>
+              </a:fillRef>
+              <a:effectRef idx="0">
+                <a:schemeClr val="accent1"/>
+              </a:effectRef>
+              <a:fontRef idx="minor">
+                <a:schemeClr val="lt1"/>
+              </a:fontRef>
+            </p:style>
+            <p:txBody>
+              <a:bodyPr rot="0" spcFirstLastPara="0" vertOverflow="overflow" horzOverflow="overflow" vert="horz" wrap="square" lIns="91440" tIns="45720" rIns="91440" bIns="45720" numCol="1" spcCol="0" rtlCol="0" fromWordArt="0" anchor="ctr" anchorCtr="0" forceAA="0" compatLnSpc="1">
+                <a:prstTxWarp prst="textNoShape">
+                  <a:avLst/>
+                </a:prstTxWarp>
+                <a:noAutofit/>
+              </a:bodyPr>
+              <a:lstStyle/>
+              <a:p>
+                <a:pPr algn="ctr"/>
+                <a:r>
+                  <a:rPr kumimoji="1" lang="en-US" altLang="zh-CN" sz="1000">
+                    <a:solidFill>
+                      <a:schemeClr val="tx1"/>
+                    </a:solidFill>
+                  </a:rPr>
+                  <a:t>inode[3]</a:t>
+                </a:r>
+              </a:p>
+              <a:p>
+                <a:pPr algn="ctr"/>
+                <a:r>
+                  <a:rPr kumimoji="1" lang="en-US" altLang="zh-CN" sz="1000">
+                    <a:solidFill>
+                      <a:schemeClr val="tx1"/>
+                    </a:solidFill>
+                  </a:rPr>
+                  <a:t>FILE</a:t>
+                </a:r>
+              </a:p>
+              <a:p>
+                <a:pPr algn="ctr"/>
+                <a:r>
+                  <a:rPr kumimoji="1" lang="en-US" altLang="zh-CN" sz="1000">
+                    <a:solidFill>
+                      <a:schemeClr val="tx1"/>
+                    </a:solidFill>
+                  </a:rPr>
+                  <a:t>blocks=2</a:t>
+                </a:r>
+              </a:p>
+            </p:txBody>
+          </p:sp>
+          <p:sp>
+            <p:nvSpPr>
+              <p:cNvPr id="123" name="矩形 122">
+                <a:extLst>
+                  <a:ext uri="{FF2B5EF4-FFF2-40B4-BE49-F238E27FC236}">
+                    <a16:creationId xmlns:a16="http://schemas.microsoft.com/office/drawing/2014/main" id="{AAC084A2-A0D4-AD45-BE9D-6E7404B6B899}"/>
+                  </a:ext>
+                </a:extLst>
+              </p:cNvPr>
+              <p:cNvSpPr/>
+              <p:nvPr/>
+            </p:nvSpPr>
+            <p:spPr>
+              <a:xfrm>
+                <a:off x="2223998" y="2150205"/>
+                <a:ext cx="697499" cy="717478"/>
+              </a:xfrm>
+              <a:prstGeom prst="rect">
+                <a:avLst/>
+              </a:prstGeom>
+              <a:solidFill>
+                <a:schemeClr val="accent2">
+                  <a:lumMod val="20000"/>
+                  <a:lumOff val="80000"/>
+                </a:schemeClr>
+              </a:solidFill>
+              <a:ln>
+                <a:solidFill>
+                  <a:schemeClr val="tx1"/>
+                </a:solidFill>
+              </a:ln>
+            </p:spPr>
+            <p:style>
+              <a:lnRef idx="2">
+                <a:schemeClr val="accent1">
+                  <a:shade val="50000"/>
+                </a:schemeClr>
+              </a:lnRef>
+              <a:fillRef idx="1">
+                <a:schemeClr val="accent1"/>
+              </a:fillRef>
+              <a:effectRef idx="0">
+                <a:schemeClr val="accent1"/>
+              </a:effectRef>
+              <a:fontRef idx="minor">
+                <a:schemeClr val="lt1"/>
+              </a:fontRef>
+            </p:style>
+            <p:txBody>
+              <a:bodyPr rot="0" spcFirstLastPara="0" vertOverflow="overflow" horzOverflow="overflow" vert="horz" wrap="square" lIns="91440" tIns="45720" rIns="91440" bIns="45720" numCol="1" spcCol="0" rtlCol="0" fromWordArt="0" anchor="ctr" anchorCtr="0" forceAA="0" compatLnSpc="1">
+                <a:prstTxWarp prst="textNoShape">
+                  <a:avLst/>
+                </a:prstTxWarp>
+                <a:noAutofit/>
+              </a:bodyPr>
+              <a:lstStyle/>
+              <a:p>
+                <a:pPr algn="ctr"/>
+                <a:r>
+                  <a:rPr kumimoji="1" lang="en-US" altLang="zh-CN" sz="1000">
+                    <a:solidFill>
+                      <a:schemeClr val="tx1"/>
+                    </a:solidFill>
+                  </a:rPr>
+                  <a:t>inode[4]</a:t>
+                </a:r>
+              </a:p>
+              <a:p>
+                <a:pPr algn="ctr"/>
+                <a:r>
+                  <a:rPr kumimoji="1" lang="en-US" altLang="zh-CN" sz="1000">
+                    <a:solidFill>
+                      <a:schemeClr val="tx1"/>
+                    </a:solidFill>
+                  </a:rPr>
+                  <a:t>FILE</a:t>
+                </a:r>
+              </a:p>
+              <a:p>
+                <a:pPr algn="ctr"/>
+                <a:r>
+                  <a:rPr kumimoji="1" lang="en-US" altLang="zh-CN" sz="1000">
+                    <a:solidFill>
+                      <a:schemeClr val="tx1"/>
+                    </a:solidFill>
+                  </a:rPr>
+                  <a:t>blocks=1</a:t>
+                </a:r>
+                <a:endParaRPr kumimoji="1" lang="zh-CN" altLang="en-US" sz="1000">
+                  <a:solidFill>
+                    <a:schemeClr val="tx1"/>
+                  </a:solidFill>
+                </a:endParaRPr>
+              </a:p>
+            </p:txBody>
+          </p:sp>
+          <p:sp>
+            <p:nvSpPr>
+              <p:cNvPr id="125" name="同侧圆角矩形 124">
+                <a:extLst>
+                  <a:ext uri="{FF2B5EF4-FFF2-40B4-BE49-F238E27FC236}">
+                    <a16:creationId xmlns:a16="http://schemas.microsoft.com/office/drawing/2014/main" id="{ABF9811E-FF70-D846-9380-140E2A171467}"/>
+                  </a:ext>
+                </a:extLst>
+              </p:cNvPr>
+              <p:cNvSpPr/>
+              <p:nvPr/>
+            </p:nvSpPr>
+            <p:spPr>
+              <a:xfrm>
+                <a:off x="118890" y="1984068"/>
+                <a:ext cx="690184" cy="162962"/>
+              </a:xfrm>
+              <a:prstGeom prst="round2SameRect">
+                <a:avLst/>
+              </a:prstGeom>
+              <a:noFill/>
+              <a:ln>
+                <a:solidFill>
+                  <a:schemeClr val="tx1"/>
+                </a:solidFill>
+              </a:ln>
+            </p:spPr>
+            <p:style>
+              <a:lnRef idx="2">
+                <a:schemeClr val="accent1">
+                  <a:shade val="50000"/>
+                </a:schemeClr>
+              </a:lnRef>
+              <a:fillRef idx="1">
+                <a:schemeClr val="accent1"/>
+              </a:fillRef>
+              <a:effectRef idx="0">
+                <a:schemeClr val="accent1"/>
+              </a:effectRef>
+              <a:fontRef idx="minor">
+                <a:schemeClr val="lt1"/>
+              </a:fontRef>
+            </p:style>
+            <p:txBody>
+              <a:bodyPr rtlCol="0" anchor="ctr"/>
+              <a:lstStyle/>
+              <a:p>
+                <a:pPr algn="ctr"/>
+                <a:r>
+                  <a:rPr kumimoji="1" lang="en-US" altLang="zh-CN" sz="1000">
+                    <a:solidFill>
+                      <a:schemeClr val="tx1"/>
+                    </a:solidFill>
+                  </a:rPr>
+                  <a:t>/</a:t>
+                </a:r>
+                <a:endParaRPr kumimoji="1" lang="zh-CN" altLang="en-US" sz="1000">
+                  <a:solidFill>
+                    <a:schemeClr val="tx1"/>
+                  </a:solidFill>
+                </a:endParaRPr>
+              </a:p>
+            </p:txBody>
+          </p:sp>
+          <p:sp>
+            <p:nvSpPr>
+              <p:cNvPr id="126" name="同侧圆角矩形 125">
+                <a:extLst>
+                  <a:ext uri="{FF2B5EF4-FFF2-40B4-BE49-F238E27FC236}">
+                    <a16:creationId xmlns:a16="http://schemas.microsoft.com/office/drawing/2014/main" id="{CC904106-C456-5C48-B66A-BA8A7A8378CD}"/>
+                  </a:ext>
+                </a:extLst>
+              </p:cNvPr>
+              <p:cNvSpPr/>
+              <p:nvPr/>
+            </p:nvSpPr>
+            <p:spPr>
+              <a:xfrm>
+                <a:off x="823774" y="1984068"/>
+                <a:ext cx="690184" cy="162962"/>
+              </a:xfrm>
+              <a:prstGeom prst="round2SameRect">
+                <a:avLst/>
+              </a:prstGeom>
+              <a:noFill/>
+              <a:ln>
+                <a:solidFill>
+                  <a:schemeClr val="tx1"/>
+                </a:solidFill>
+              </a:ln>
+            </p:spPr>
+            <p:style>
+              <a:lnRef idx="2">
+                <a:schemeClr val="accent1">
+                  <a:shade val="50000"/>
+                </a:schemeClr>
+              </a:lnRef>
+              <a:fillRef idx="1">
+                <a:schemeClr val="accent1"/>
+              </a:fillRef>
+              <a:effectRef idx="0">
+                <a:schemeClr val="accent1"/>
+              </a:effectRef>
+              <a:fontRef idx="minor">
+                <a:schemeClr val="lt1"/>
+              </a:fontRef>
+            </p:style>
+            <p:txBody>
+              <a:bodyPr rtlCol="0" anchor="ctr"/>
+              <a:lstStyle/>
+              <a:p>
+                <a:pPr algn="ctr"/>
+                <a:r>
+                  <a:rPr kumimoji="1" lang="en-US" altLang="zh-CN" sz="1000">
+                    <a:solidFill>
+                      <a:schemeClr val="tx1"/>
+                    </a:solidFill>
+                  </a:rPr>
+                  <a:t>dir1</a:t>
+                </a:r>
+                <a:endParaRPr kumimoji="1" lang="zh-CN" altLang="en-US" sz="1000">
+                  <a:solidFill>
+                    <a:schemeClr val="tx1"/>
+                  </a:solidFill>
+                </a:endParaRPr>
+              </a:p>
+            </p:txBody>
+          </p:sp>
+          <p:sp>
+            <p:nvSpPr>
+              <p:cNvPr id="128" name="同侧圆角矩形 127">
+                <a:extLst>
+                  <a:ext uri="{FF2B5EF4-FFF2-40B4-BE49-F238E27FC236}">
+                    <a16:creationId xmlns:a16="http://schemas.microsoft.com/office/drawing/2014/main" id="{2734C593-0BCE-3F40-B539-C3FC9E33816A}"/>
+                  </a:ext>
+                </a:extLst>
+              </p:cNvPr>
+              <p:cNvSpPr/>
+              <p:nvPr/>
+            </p:nvSpPr>
+            <p:spPr>
+              <a:xfrm>
+                <a:off x="1528141" y="1984068"/>
+                <a:ext cx="690184" cy="162962"/>
+              </a:xfrm>
+              <a:prstGeom prst="round2SameRect">
+                <a:avLst/>
+              </a:prstGeom>
+              <a:noFill/>
+              <a:ln>
+                <a:solidFill>
+                  <a:schemeClr val="tx1"/>
+                </a:solidFill>
+              </a:ln>
+            </p:spPr>
+            <p:style>
+              <a:lnRef idx="2">
+                <a:schemeClr val="accent1">
+                  <a:shade val="50000"/>
+                </a:schemeClr>
+              </a:lnRef>
+              <a:fillRef idx="1">
+                <a:schemeClr val="accent1"/>
+              </a:fillRef>
+              <a:effectRef idx="0">
+                <a:schemeClr val="accent1"/>
+              </a:effectRef>
+              <a:fontRef idx="minor">
+                <a:schemeClr val="lt1"/>
+              </a:fontRef>
+            </p:style>
+            <p:txBody>
+              <a:bodyPr rtlCol="0" anchor="ctr"/>
+              <a:lstStyle/>
+              <a:p>
+                <a:pPr algn="ctr"/>
+                <a:r>
+                  <a:rPr kumimoji="1" lang="en-US" altLang="zh-CN" sz="1000">
+                    <a:solidFill>
+                      <a:schemeClr val="tx1"/>
+                    </a:solidFill>
+                  </a:rPr>
+                  <a:t>file1</a:t>
+                </a:r>
+                <a:endParaRPr kumimoji="1" lang="zh-CN" altLang="en-US" sz="1000">
+                  <a:solidFill>
+                    <a:schemeClr val="tx1"/>
+                  </a:solidFill>
+                </a:endParaRPr>
+              </a:p>
+            </p:txBody>
+          </p:sp>
+          <p:sp>
+            <p:nvSpPr>
+              <p:cNvPr id="129" name="同侧圆角矩形 128">
+                <a:extLst>
+                  <a:ext uri="{FF2B5EF4-FFF2-40B4-BE49-F238E27FC236}">
+                    <a16:creationId xmlns:a16="http://schemas.microsoft.com/office/drawing/2014/main" id="{6A66B640-BAC9-3147-A4FD-ABA8E37B934F}"/>
+                  </a:ext>
+                </a:extLst>
+              </p:cNvPr>
+              <p:cNvSpPr/>
+              <p:nvPr/>
+            </p:nvSpPr>
+            <p:spPr>
+              <a:xfrm>
+                <a:off x="2224316" y="1984068"/>
+                <a:ext cx="690184" cy="162962"/>
+              </a:xfrm>
+              <a:prstGeom prst="round2SameRect">
+                <a:avLst/>
+              </a:prstGeom>
+              <a:noFill/>
+              <a:ln>
+                <a:solidFill>
+                  <a:schemeClr val="tx1"/>
+                </a:solidFill>
+              </a:ln>
+            </p:spPr>
+            <p:style>
+              <a:lnRef idx="2">
+                <a:schemeClr val="accent1">
+                  <a:shade val="50000"/>
+                </a:schemeClr>
+              </a:lnRef>
+              <a:fillRef idx="1">
+                <a:schemeClr val="accent1"/>
+              </a:fillRef>
+              <a:effectRef idx="0">
+                <a:schemeClr val="accent1"/>
+              </a:effectRef>
+              <a:fontRef idx="minor">
+                <a:schemeClr val="lt1"/>
+              </a:fontRef>
+            </p:style>
+            <p:txBody>
+              <a:bodyPr rtlCol="0" anchor="ctr"/>
+              <a:lstStyle/>
+              <a:p>
+                <a:pPr algn="ctr"/>
+                <a:r>
+                  <a:rPr kumimoji="1" lang="en-US" altLang="zh-CN" sz="1000">
+                    <a:solidFill>
+                      <a:schemeClr val="tx1"/>
+                    </a:solidFill>
+                  </a:rPr>
+                  <a:t>file2</a:t>
+                </a:r>
+                <a:endParaRPr kumimoji="1" lang="zh-CN" altLang="en-US" sz="1000">
+                  <a:solidFill>
+                    <a:schemeClr val="tx1"/>
+                  </a:solidFill>
+                </a:endParaRPr>
+              </a:p>
+            </p:txBody>
+          </p:sp>
+        </p:grpSp>
+        <p:cxnSp>
+          <p:nvCxnSpPr>
+            <p:cNvPr id="130" name="曲线连接符 129">
+              <a:extLst>
+                <a:ext uri="{FF2B5EF4-FFF2-40B4-BE49-F238E27FC236}">
+                  <a16:creationId xmlns:a16="http://schemas.microsoft.com/office/drawing/2014/main" id="{EEFCB5C2-0176-6143-81B5-641A5E084365}"/>
+                </a:ext>
+              </a:extLst>
+            </p:cNvPr>
+            <p:cNvCxnSpPr>
+              <a:cxnSpLocks/>
+              <a:stCxn id="110" idx="0"/>
+              <a:endCxn id="126" idx="3"/>
+            </p:cNvCxnSpPr>
+            <p:nvPr/>
+          </p:nvCxnSpPr>
+          <p:spPr>
+            <a:xfrm rot="16200000" flipV="1">
+              <a:off x="3141059" y="2460948"/>
+              <a:ext cx="166138" cy="2971895"/>
+            </a:xfrm>
+            <a:prstGeom prst="curvedConnector3">
+              <a:avLst>
+                <a:gd name="adj1" fmla="val 237596"/>
+              </a:avLst>
+            </a:prstGeom>
+            <a:ln>
+              <a:tailEnd type="triangle"/>
+            </a:ln>
+          </p:spPr>
+          <p:style>
+            <a:lnRef idx="1">
+              <a:schemeClr val="accent1"/>
+            </a:lnRef>
+            <a:fillRef idx="0">
+              <a:schemeClr val="accent1"/>
+            </a:fillRef>
+            <a:effectRef idx="0">
+              <a:schemeClr val="accent1"/>
+            </a:effectRef>
+            <a:fontRef idx="minor">
+              <a:schemeClr val="tx1"/>
+            </a:fontRef>
+          </p:style>
+        </p:cxnSp>
+        <p:sp>
+          <p:nvSpPr>
+            <p:cNvPr id="132" name="矩形 131">
+              <a:extLst>
+                <a:ext uri="{FF2B5EF4-FFF2-40B4-BE49-F238E27FC236}">
+                  <a16:creationId xmlns:a16="http://schemas.microsoft.com/office/drawing/2014/main" id="{1629A44B-936D-D54F-9075-5AD4329181DE}"/>
+                </a:ext>
+              </a:extLst>
+            </p:cNvPr>
+            <p:cNvSpPr/>
+            <p:nvPr/>
+          </p:nvSpPr>
+          <p:spPr>
+            <a:xfrm>
+              <a:off x="6253019" y="4036315"/>
+              <a:ext cx="809644" cy="717477"/>
+            </a:xfrm>
+            <a:prstGeom prst="rect">
+              <a:avLst/>
+            </a:prstGeom>
+            <a:solidFill>
+              <a:schemeClr val="accent1">
+                <a:lumMod val="75000"/>
+              </a:schemeClr>
+            </a:solidFill>
+            <a:ln>
+              <a:solidFill>
+                <a:schemeClr val="tx1"/>
+              </a:solidFill>
+            </a:ln>
+          </p:spPr>
+          <p:style>
+            <a:lnRef idx="2">
+              <a:schemeClr val="accent1">
+                <a:shade val="50000"/>
+              </a:schemeClr>
+            </a:lnRef>
+            <a:fillRef idx="1">
+              <a:schemeClr val="accent1"/>
+            </a:fillRef>
+            <a:effectRef idx="0">
+              <a:schemeClr val="accent1"/>
+            </a:effectRef>
+            <a:fontRef idx="minor">
+              <a:schemeClr val="lt1"/>
+            </a:fontRef>
+          </p:style>
+          <p:txBody>
+            <a:bodyPr rot="0" spcFirstLastPara="0" vertOverflow="overflow" horzOverflow="overflow" vert="horz" wrap="square" lIns="91440" tIns="45720" rIns="91440" bIns="45720" numCol="1" spcCol="0" rtlCol="0" fromWordArt="0" anchor="ctr" anchorCtr="0" forceAA="0" compatLnSpc="1">
+              <a:prstTxWarp prst="textNoShape">
+                <a:avLst/>
+              </a:prstTxWarp>
+              <a:noAutofit/>
+            </a:bodyPr>
+            <a:lstStyle/>
+            <a:p>
+              <a:pPr algn="ctr"/>
+              <a:r>
+                <a:rPr kumimoji="1" lang="en-US" altLang="zh-CN" sz="1000">
+                  <a:solidFill>
+                    <a:schemeClr val="tx1"/>
+                  </a:solidFill>
+                </a:rPr>
+                <a:t>DIR</a:t>
+              </a:r>
+              <a:r>
+                <a:rPr kumimoji="1" lang="zh-CN" altLang="en-US" sz="1000">
+                  <a:solidFill>
+                    <a:schemeClr val="tx1"/>
+                  </a:solidFill>
+                </a:rPr>
+                <a:t> </a:t>
+              </a:r>
+              <a:r>
+                <a:rPr kumimoji="1" lang="en-US" altLang="zh-CN" sz="1000">
+                  <a:solidFill>
+                    <a:schemeClr val="tx1"/>
+                  </a:solidFill>
+                </a:rPr>
+                <a:t>block</a:t>
+              </a:r>
+            </a:p>
+            <a:p>
+              <a:pPr algn="ctr"/>
+              <a:r>
+                <a:rPr kumimoji="1" lang="en-US" altLang="zh-CN" sz="1000">
+                  <a:solidFill>
+                    <a:schemeClr val="tx1"/>
+                  </a:solidFill>
+                </a:rPr>
+                <a:t>inode[4],</a:t>
+              </a:r>
+            </a:p>
+            <a:p>
+              <a:pPr algn="ctr"/>
+              <a:r>
+                <a:rPr kumimoji="1" lang="en-US" altLang="zh-CN" sz="1000">
+                  <a:solidFill>
+                    <a:schemeClr val="tx1"/>
+                  </a:solidFill>
+                </a:rPr>
+                <a:t>name=file2</a:t>
+              </a:r>
+              <a:endParaRPr kumimoji="1" lang="zh-CN" altLang="en-US" sz="1000">
+                <a:solidFill>
+                  <a:schemeClr val="tx1"/>
+                </a:solidFill>
+              </a:endParaRPr>
+            </a:p>
+          </p:txBody>
+        </p:sp>
+        <p:sp>
+          <p:nvSpPr>
+            <p:cNvPr id="133" name="矩形 132">
+              <a:extLst>
+                <a:ext uri="{FF2B5EF4-FFF2-40B4-BE49-F238E27FC236}">
+                  <a16:creationId xmlns:a16="http://schemas.microsoft.com/office/drawing/2014/main" id="{458BA006-C8A2-6648-ACDE-06E06E9AF634}"/>
+                </a:ext>
+              </a:extLst>
+            </p:cNvPr>
+            <p:cNvSpPr/>
+            <p:nvPr/>
+          </p:nvSpPr>
+          <p:spPr>
+            <a:xfrm>
+              <a:off x="7326655" y="4036315"/>
+              <a:ext cx="793663" cy="717477"/>
+            </a:xfrm>
+            <a:prstGeom prst="rect">
+              <a:avLst/>
+            </a:prstGeom>
+            <a:solidFill>
+              <a:schemeClr val="bg1">
+                <a:lumMod val="75000"/>
+              </a:schemeClr>
+            </a:solidFill>
+            <a:ln>
+              <a:solidFill>
+                <a:schemeClr val="tx1"/>
+              </a:solidFill>
+            </a:ln>
+          </p:spPr>
+          <p:style>
+            <a:lnRef idx="2">
+              <a:schemeClr val="accent1">
+                <a:shade val="50000"/>
+              </a:schemeClr>
+            </a:lnRef>
+            <a:fillRef idx="1">
+              <a:schemeClr val="accent1"/>
+            </a:fillRef>
+            <a:effectRef idx="0">
+              <a:schemeClr val="accent1"/>
+            </a:effectRef>
+            <a:fontRef idx="minor">
+              <a:schemeClr val="lt1"/>
+            </a:fontRef>
+          </p:style>
+          <p:txBody>
+            <a:bodyPr rot="0" spcFirstLastPara="0" vertOverflow="overflow" horzOverflow="overflow" vert="horz" wrap="square" lIns="91440" tIns="45720" rIns="91440" bIns="45720" numCol="1" spcCol="0" rtlCol="0" fromWordArt="0" anchor="ctr" anchorCtr="0" forceAA="0" compatLnSpc="1">
+              <a:prstTxWarp prst="textNoShape">
+                <a:avLst/>
+              </a:prstTxWarp>
+              <a:noAutofit/>
+            </a:bodyPr>
+            <a:lstStyle/>
+            <a:p>
+              <a:pPr algn="ctr"/>
+              <a:r>
+                <a:rPr kumimoji="1" lang="en-US" altLang="zh-CN" sz="1000">
+                  <a:solidFill>
+                    <a:schemeClr val="tx1"/>
+                  </a:solidFill>
+                </a:rPr>
+                <a:t>DATA</a:t>
+              </a:r>
+              <a:r>
+                <a:rPr kumimoji="1" lang="zh-CN" altLang="en-US" sz="1000">
+                  <a:solidFill>
+                    <a:schemeClr val="tx1"/>
+                  </a:solidFill>
+                </a:rPr>
+                <a:t> </a:t>
+              </a:r>
+              <a:r>
+                <a:rPr kumimoji="1" lang="en-US" altLang="zh-CN" sz="1000">
+                  <a:solidFill>
+                    <a:schemeClr val="tx1"/>
+                  </a:solidFill>
+                </a:rPr>
+                <a:t>block</a:t>
+              </a:r>
+            </a:p>
+            <a:p>
+              <a:pPr algn="ctr"/>
+              <a:endParaRPr kumimoji="1" lang="zh-CN" altLang="en-US" sz="1000">
+                <a:solidFill>
+                  <a:schemeClr val="tx1"/>
+                </a:solidFill>
+              </a:endParaRPr>
+            </a:p>
+          </p:txBody>
+        </p:sp>
+        <p:cxnSp>
+          <p:nvCxnSpPr>
+            <p:cNvPr id="134" name="曲线连接符 133">
+              <a:extLst>
+                <a:ext uri="{FF2B5EF4-FFF2-40B4-BE49-F238E27FC236}">
+                  <a16:creationId xmlns:a16="http://schemas.microsoft.com/office/drawing/2014/main" id="{14E85667-7E0C-0549-9084-71A32935DB63}"/>
+                </a:ext>
+              </a:extLst>
+            </p:cNvPr>
+            <p:cNvCxnSpPr>
+              <a:cxnSpLocks/>
+              <a:stCxn id="119" idx="2"/>
+              <a:endCxn id="132" idx="2"/>
+            </p:cNvCxnSpPr>
+            <p:nvPr/>
+          </p:nvCxnSpPr>
+          <p:spPr>
+            <a:xfrm rot="16200000" flipH="1">
+              <a:off x="4191913" y="2287864"/>
+              <a:ext cx="6348" cy="4925508"/>
+            </a:xfrm>
+            <a:prstGeom prst="curvedConnector3">
+              <a:avLst>
+                <a:gd name="adj1" fmla="val 8365454"/>
+              </a:avLst>
+            </a:prstGeom>
+            <a:ln>
+              <a:tailEnd type="triangle"/>
+            </a:ln>
+          </p:spPr>
+          <p:style>
+            <a:lnRef idx="1">
+              <a:schemeClr val="accent1"/>
+            </a:lnRef>
+            <a:fillRef idx="0">
+              <a:schemeClr val="accent1"/>
+            </a:fillRef>
+            <a:effectRef idx="0">
+              <a:schemeClr val="accent1"/>
+            </a:effectRef>
+            <a:fontRef idx="minor">
+              <a:schemeClr val="tx1"/>
+            </a:fontRef>
+          </p:style>
+        </p:cxnSp>
+        <p:cxnSp>
+          <p:nvCxnSpPr>
+            <p:cNvPr id="135" name="曲线连接符 134">
+              <a:extLst>
+                <a:ext uri="{FF2B5EF4-FFF2-40B4-BE49-F238E27FC236}">
+                  <a16:creationId xmlns:a16="http://schemas.microsoft.com/office/drawing/2014/main" id="{E56B0382-9331-434C-B20B-340E60D2E65A}"/>
+                </a:ext>
+              </a:extLst>
+            </p:cNvPr>
+            <p:cNvCxnSpPr>
+              <a:cxnSpLocks/>
+              <a:stCxn id="132" idx="0"/>
+              <a:endCxn id="129" idx="3"/>
+            </p:cNvCxnSpPr>
+            <p:nvPr/>
+          </p:nvCxnSpPr>
+          <p:spPr>
+            <a:xfrm rot="16200000" flipV="1">
+              <a:off x="4812038" y="2190511"/>
+              <a:ext cx="172488" cy="3519119"/>
+            </a:xfrm>
+            <a:prstGeom prst="curvedConnector3">
+              <a:avLst>
+                <a:gd name="adj1" fmla="val 232531"/>
+              </a:avLst>
+            </a:prstGeom>
+            <a:ln>
+              <a:tailEnd type="triangle"/>
+            </a:ln>
+          </p:spPr>
+          <p:style>
+            <a:lnRef idx="1">
+              <a:schemeClr val="accent1"/>
+            </a:lnRef>
+            <a:fillRef idx="0">
+              <a:schemeClr val="accent1"/>
+            </a:fillRef>
+            <a:effectRef idx="0">
+              <a:schemeClr val="accent1"/>
+            </a:effectRef>
+            <a:fontRef idx="minor">
+              <a:schemeClr val="tx1"/>
+            </a:fontRef>
+          </p:style>
+        </p:cxnSp>
+        <p:cxnSp>
+          <p:nvCxnSpPr>
+            <p:cNvPr id="136" name="曲线连接符 135">
+              <a:extLst>
+                <a:ext uri="{FF2B5EF4-FFF2-40B4-BE49-F238E27FC236}">
+                  <a16:creationId xmlns:a16="http://schemas.microsoft.com/office/drawing/2014/main" id="{2DC3896E-A9CF-CA46-B155-DB2140D3F1A7}"/>
+                </a:ext>
+              </a:extLst>
+            </p:cNvPr>
+            <p:cNvCxnSpPr>
+              <a:cxnSpLocks/>
+              <a:stCxn id="122" idx="2"/>
+              <a:endCxn id="133" idx="2"/>
+            </p:cNvCxnSpPr>
+            <p:nvPr/>
+          </p:nvCxnSpPr>
+          <p:spPr>
+            <a:xfrm rot="16200000" flipH="1">
+              <a:off x="5081433" y="2111738"/>
+              <a:ext cx="6348" cy="5277759"/>
+            </a:xfrm>
+            <a:prstGeom prst="curvedConnector3">
+              <a:avLst>
+                <a:gd name="adj1" fmla="val 12069471"/>
+              </a:avLst>
+            </a:prstGeom>
+            <a:ln>
+              <a:tailEnd type="triangle"/>
+            </a:ln>
+          </p:spPr>
+          <p:style>
+            <a:lnRef idx="1">
+              <a:schemeClr val="accent1"/>
+            </a:lnRef>
+            <a:fillRef idx="0">
+              <a:schemeClr val="accent1"/>
+            </a:fillRef>
+            <a:effectRef idx="0">
+              <a:schemeClr val="accent1"/>
+            </a:effectRef>
+            <a:fontRef idx="minor">
+              <a:schemeClr val="tx1"/>
+            </a:fontRef>
+          </p:style>
+        </p:cxnSp>
+        <p:cxnSp>
+          <p:nvCxnSpPr>
+            <p:cNvPr id="137" name="曲线连接符 136">
+              <a:extLst>
+                <a:ext uri="{FF2B5EF4-FFF2-40B4-BE49-F238E27FC236}">
+                  <a16:creationId xmlns:a16="http://schemas.microsoft.com/office/drawing/2014/main" id="{062BFACF-0A7F-5D42-A6CC-CB242E5F1FB5}"/>
+                </a:ext>
+              </a:extLst>
+            </p:cNvPr>
+            <p:cNvCxnSpPr>
+              <a:cxnSpLocks/>
+              <a:stCxn id="113" idx="0"/>
+              <a:endCxn id="128" idx="3"/>
+            </p:cNvCxnSpPr>
+            <p:nvPr/>
+          </p:nvCxnSpPr>
+          <p:spPr>
+            <a:xfrm rot="16200000" flipV="1">
+              <a:off x="3968596" y="2337779"/>
+              <a:ext cx="169313" cy="3221410"/>
+            </a:xfrm>
+            <a:prstGeom prst="curvedConnector3">
+              <a:avLst>
+                <a:gd name="adj1" fmla="val 235016"/>
+              </a:avLst>
+            </a:prstGeom>
+            <a:ln>
+              <a:tailEnd type="triangle"/>
+            </a:ln>
+          </p:spPr>
+          <p:style>
+            <a:lnRef idx="1">
+              <a:schemeClr val="accent1"/>
+            </a:lnRef>
+            <a:fillRef idx="0">
+              <a:schemeClr val="accent1"/>
+            </a:fillRef>
+            <a:effectRef idx="0">
+              <a:schemeClr val="accent1"/>
+            </a:effectRef>
+            <a:fontRef idx="minor">
+              <a:schemeClr val="tx1"/>
+            </a:fontRef>
+          </p:style>
+        </p:cxnSp>
+        <p:sp>
+          <p:nvSpPr>
+            <p:cNvPr id="138" name="矩形 137">
+              <a:extLst>
+                <a:ext uri="{FF2B5EF4-FFF2-40B4-BE49-F238E27FC236}">
+                  <a16:creationId xmlns:a16="http://schemas.microsoft.com/office/drawing/2014/main" id="{5A0704B8-FAC6-2D4B-89E6-BD36AD57D3CF}"/>
+                </a:ext>
+              </a:extLst>
+            </p:cNvPr>
+            <p:cNvSpPr/>
+            <p:nvPr/>
+          </p:nvSpPr>
+          <p:spPr>
+            <a:xfrm>
+              <a:off x="8120318" y="4036315"/>
+              <a:ext cx="793663" cy="717477"/>
+            </a:xfrm>
+            <a:prstGeom prst="rect">
+              <a:avLst/>
+            </a:prstGeom>
+            <a:solidFill>
+              <a:schemeClr val="bg1">
+                <a:lumMod val="75000"/>
+              </a:schemeClr>
+            </a:solidFill>
+            <a:ln>
+              <a:solidFill>
+                <a:schemeClr val="tx1"/>
+              </a:solidFill>
+            </a:ln>
+          </p:spPr>
+          <p:style>
+            <a:lnRef idx="2">
+              <a:schemeClr val="accent1">
+                <a:shade val="50000"/>
+              </a:schemeClr>
+            </a:lnRef>
+            <a:fillRef idx="1">
+              <a:schemeClr val="accent1"/>
+            </a:fillRef>
+            <a:effectRef idx="0">
+              <a:schemeClr val="accent1"/>
+            </a:effectRef>
+            <a:fontRef idx="minor">
+              <a:schemeClr val="lt1"/>
+            </a:fontRef>
+          </p:style>
+          <p:txBody>
+            <a:bodyPr rot="0" spcFirstLastPara="0" vertOverflow="overflow" horzOverflow="overflow" vert="horz" wrap="square" lIns="91440" tIns="45720" rIns="91440" bIns="45720" numCol="1" spcCol="0" rtlCol="0" fromWordArt="0" anchor="ctr" anchorCtr="0" forceAA="0" compatLnSpc="1">
+              <a:prstTxWarp prst="textNoShape">
+                <a:avLst/>
+              </a:prstTxWarp>
+              <a:noAutofit/>
+            </a:bodyPr>
+            <a:lstStyle/>
+            <a:p>
+              <a:pPr algn="ctr"/>
+              <a:r>
+                <a:rPr kumimoji="1" lang="en-US" altLang="zh-CN" sz="1000">
+                  <a:solidFill>
+                    <a:schemeClr val="tx1"/>
+                  </a:solidFill>
+                </a:rPr>
+                <a:t>DATA</a:t>
+              </a:r>
+              <a:r>
+                <a:rPr kumimoji="1" lang="zh-CN" altLang="en-US" sz="1000">
+                  <a:solidFill>
+                    <a:schemeClr val="tx1"/>
+                  </a:solidFill>
+                </a:rPr>
+                <a:t> </a:t>
+              </a:r>
+              <a:r>
+                <a:rPr kumimoji="1" lang="en-US" altLang="zh-CN" sz="1000">
+                  <a:solidFill>
+                    <a:schemeClr val="tx1"/>
+                  </a:solidFill>
+                </a:rPr>
+                <a:t>block</a:t>
+              </a:r>
+            </a:p>
+            <a:p>
+              <a:pPr algn="ctr"/>
+              <a:endParaRPr kumimoji="1" lang="zh-CN" altLang="en-US" sz="1000">
+                <a:solidFill>
+                  <a:schemeClr val="tx1"/>
+                </a:solidFill>
+              </a:endParaRPr>
+            </a:p>
+          </p:txBody>
+        </p:sp>
+        <p:sp>
+          <p:nvSpPr>
+            <p:cNvPr id="139" name="矩形 138">
+              <a:extLst>
+                <a:ext uri="{FF2B5EF4-FFF2-40B4-BE49-F238E27FC236}">
+                  <a16:creationId xmlns:a16="http://schemas.microsoft.com/office/drawing/2014/main" id="{F574544C-8081-B442-8D00-237A8EC9EBAB}"/>
+                </a:ext>
+              </a:extLst>
+            </p:cNvPr>
+            <p:cNvSpPr/>
+            <p:nvPr/>
+          </p:nvSpPr>
+          <p:spPr>
+            <a:xfrm>
+              <a:off x="9083970" y="4036315"/>
+              <a:ext cx="793663" cy="717477"/>
+            </a:xfrm>
+            <a:prstGeom prst="rect">
+              <a:avLst/>
+            </a:prstGeom>
+            <a:solidFill>
+              <a:schemeClr val="bg1">
+                <a:lumMod val="85000"/>
+              </a:schemeClr>
+            </a:solidFill>
+            <a:ln>
+              <a:solidFill>
+                <a:schemeClr val="tx1"/>
+              </a:solidFill>
+            </a:ln>
+          </p:spPr>
+          <p:style>
+            <a:lnRef idx="2">
+              <a:schemeClr val="accent1">
+                <a:shade val="50000"/>
+              </a:schemeClr>
+            </a:lnRef>
+            <a:fillRef idx="1">
+              <a:schemeClr val="accent1"/>
+            </a:fillRef>
+            <a:effectRef idx="0">
+              <a:schemeClr val="accent1"/>
+            </a:effectRef>
+            <a:fontRef idx="minor">
+              <a:schemeClr val="lt1"/>
+            </a:fontRef>
+          </p:style>
+          <p:txBody>
+            <a:bodyPr rot="0" spcFirstLastPara="0" vertOverflow="overflow" horzOverflow="overflow" vert="horz" wrap="square" lIns="91440" tIns="45720" rIns="91440" bIns="45720" numCol="1" spcCol="0" rtlCol="0" fromWordArt="0" anchor="ctr" anchorCtr="0" forceAA="0" compatLnSpc="1">
+              <a:prstTxWarp prst="textNoShape">
+                <a:avLst/>
+              </a:prstTxWarp>
+              <a:noAutofit/>
+            </a:bodyPr>
+            <a:lstStyle/>
+            <a:p>
+              <a:pPr algn="ctr"/>
+              <a:r>
+                <a:rPr kumimoji="1" lang="en-US" altLang="zh-CN" sz="1000">
+                  <a:solidFill>
+                    <a:schemeClr val="tx1"/>
+                  </a:solidFill>
+                </a:rPr>
+                <a:t>DATA</a:t>
+              </a:r>
+              <a:r>
+                <a:rPr kumimoji="1" lang="zh-CN" altLang="en-US" sz="1000">
+                  <a:solidFill>
+                    <a:schemeClr val="tx1"/>
+                  </a:solidFill>
+                </a:rPr>
+                <a:t> </a:t>
+              </a:r>
+              <a:r>
+                <a:rPr kumimoji="1" lang="en-US" altLang="zh-CN" sz="1000">
+                  <a:solidFill>
+                    <a:schemeClr val="tx1"/>
+                  </a:solidFill>
+                </a:rPr>
+                <a:t>block</a:t>
+              </a:r>
+            </a:p>
+            <a:p>
+              <a:pPr algn="ctr"/>
+              <a:endParaRPr kumimoji="1" lang="zh-CN" altLang="en-US" sz="1000">
+                <a:solidFill>
+                  <a:schemeClr val="tx1"/>
+                </a:solidFill>
+              </a:endParaRPr>
+            </a:p>
+          </p:txBody>
+        </p:sp>
+        <p:cxnSp>
+          <p:nvCxnSpPr>
+            <p:cNvPr id="140" name="曲线连接符 139">
+              <a:extLst>
+                <a:ext uri="{FF2B5EF4-FFF2-40B4-BE49-F238E27FC236}">
+                  <a16:creationId xmlns:a16="http://schemas.microsoft.com/office/drawing/2014/main" id="{EA2B2C8C-44FD-854D-B6FC-46F51790DF0C}"/>
+                </a:ext>
+              </a:extLst>
+            </p:cNvPr>
+            <p:cNvCxnSpPr>
+              <a:stCxn id="123" idx="2"/>
+              <a:endCxn id="139" idx="2"/>
+            </p:cNvCxnSpPr>
+            <p:nvPr/>
+          </p:nvCxnSpPr>
+          <p:spPr>
+            <a:xfrm rot="16200000" flipH="1">
+              <a:off x="6308257" y="1581247"/>
+              <a:ext cx="6350" cy="6338740"/>
+            </a:xfrm>
+            <a:prstGeom prst="curvedConnector3">
+              <a:avLst>
+                <a:gd name="adj1" fmla="val 14122866"/>
+              </a:avLst>
+            </a:prstGeom>
+            <a:ln>
+              <a:tailEnd type="triangle"/>
+            </a:ln>
+          </p:spPr>
+          <p:style>
+            <a:lnRef idx="1">
+              <a:schemeClr val="accent1"/>
+            </a:lnRef>
+            <a:fillRef idx="0">
+              <a:schemeClr val="accent1"/>
+            </a:fillRef>
+            <a:effectRef idx="0">
+              <a:schemeClr val="accent1"/>
+            </a:effectRef>
+            <a:fontRef idx="minor">
+              <a:schemeClr val="tx1"/>
+            </a:fontRef>
+          </p:style>
+        </p:cxnSp>
+      </p:grpSp>
     </p:spTree>
     <p:extLst>
       <p:ext uri="{BB962C8B-B14F-4D97-AF65-F5344CB8AC3E}">
-        <p14:creationId xmlns:p14="http://schemas.microsoft.com/office/powerpoint/2010/main" val="2099974803"/>
+        <p14:creationId xmlns:p14="http://schemas.microsoft.com/office/powerpoint/2010/main" val="4015843417"/>
       </p:ext>
     </p:extLst>
   </p:cSld>

--- a/文件系统.pptx
+++ b/文件系统.pptx
@@ -9928,7 +9928,7 @@
         </p:nvGrpSpPr>
         <p:grpSpPr>
           <a:xfrm>
-            <a:off x="1211566" y="218879"/>
+            <a:off x="1893725" y="225187"/>
             <a:ext cx="7333868" cy="3429000"/>
             <a:chOff x="599641" y="0"/>
             <a:chExt cx="6581118" cy="5416876"/>
@@ -11635,7 +11635,7 @@
         </p:nvGrpSpPr>
         <p:grpSpPr>
           <a:xfrm>
-            <a:off x="520426" y="4003443"/>
+            <a:off x="1029896" y="4536640"/>
             <a:ext cx="9190385" cy="889965"/>
             <a:chOff x="687248" y="3863827"/>
             <a:chExt cx="9190385" cy="889965"/>

--- a/文件系统.pptx
+++ b/文件系统.pptx
@@ -9,10 +9,7 @@
     <p:sldId id="258" r:id="rId3"/>
     <p:sldId id="263" r:id="rId4"/>
     <p:sldId id="264" r:id="rId5"/>
-    <p:sldId id="265" r:id="rId6"/>
-    <p:sldId id="259" r:id="rId7"/>
-    <p:sldId id="267" r:id="rId8"/>
-    <p:sldId id="269" r:id="rId9"/>
+    <p:sldId id="269" r:id="rId6"/>
   </p:sldIdLst>
   <p:sldSz cx="12192000" cy="6858000"/>
   <p:notesSz cx="6858000" cy="9144000"/>
@@ -266,7 +263,7 @@
           <a:p>
             <a:fld id="{3D71AFD6-832F-764F-A8C5-443411455556}" type="datetimeFigureOut">
               <a:rPr kumimoji="1" lang="zh-CN" altLang="en-US" smtClean="0"/>
-              <a:t>2019/9/19</a:t>
+              <a:t>2019/9/20</a:t>
             </a:fld>
             <a:endParaRPr kumimoji="1" lang="zh-CN" altLang="en-US"/>
           </a:p>
@@ -464,7 +461,7 @@
           <a:p>
             <a:fld id="{3D71AFD6-832F-764F-A8C5-443411455556}" type="datetimeFigureOut">
               <a:rPr kumimoji="1" lang="zh-CN" altLang="en-US" smtClean="0"/>
-              <a:t>2019/9/19</a:t>
+              <a:t>2019/9/20</a:t>
             </a:fld>
             <a:endParaRPr kumimoji="1" lang="zh-CN" altLang="en-US"/>
           </a:p>
@@ -672,7 +669,7 @@
           <a:p>
             <a:fld id="{3D71AFD6-832F-764F-A8C5-443411455556}" type="datetimeFigureOut">
               <a:rPr kumimoji="1" lang="zh-CN" altLang="en-US" smtClean="0"/>
-              <a:t>2019/9/19</a:t>
+              <a:t>2019/9/20</a:t>
             </a:fld>
             <a:endParaRPr kumimoji="1" lang="zh-CN" altLang="en-US"/>
           </a:p>
@@ -870,7 +867,7 @@
           <a:p>
             <a:fld id="{3D71AFD6-832F-764F-A8C5-443411455556}" type="datetimeFigureOut">
               <a:rPr kumimoji="1" lang="zh-CN" altLang="en-US" smtClean="0"/>
-              <a:t>2019/9/19</a:t>
+              <a:t>2019/9/20</a:t>
             </a:fld>
             <a:endParaRPr kumimoji="1" lang="zh-CN" altLang="en-US"/>
           </a:p>
@@ -1145,7 +1142,7 @@
           <a:p>
             <a:fld id="{3D71AFD6-832F-764F-A8C5-443411455556}" type="datetimeFigureOut">
               <a:rPr kumimoji="1" lang="zh-CN" altLang="en-US" smtClean="0"/>
-              <a:t>2019/9/19</a:t>
+              <a:t>2019/9/20</a:t>
             </a:fld>
             <a:endParaRPr kumimoji="1" lang="zh-CN" altLang="en-US"/>
           </a:p>
@@ -1410,7 +1407,7 @@
           <a:p>
             <a:fld id="{3D71AFD6-832F-764F-A8C5-443411455556}" type="datetimeFigureOut">
               <a:rPr kumimoji="1" lang="zh-CN" altLang="en-US" smtClean="0"/>
-              <a:t>2019/9/19</a:t>
+              <a:t>2019/9/20</a:t>
             </a:fld>
             <a:endParaRPr kumimoji="1" lang="zh-CN" altLang="en-US"/>
           </a:p>
@@ -1822,7 +1819,7 @@
           <a:p>
             <a:fld id="{3D71AFD6-832F-764F-A8C5-443411455556}" type="datetimeFigureOut">
               <a:rPr kumimoji="1" lang="zh-CN" altLang="en-US" smtClean="0"/>
-              <a:t>2019/9/19</a:t>
+              <a:t>2019/9/20</a:t>
             </a:fld>
             <a:endParaRPr kumimoji="1" lang="zh-CN" altLang="en-US"/>
           </a:p>
@@ -1963,7 +1960,7 @@
           <a:p>
             <a:fld id="{3D71AFD6-832F-764F-A8C5-443411455556}" type="datetimeFigureOut">
               <a:rPr kumimoji="1" lang="zh-CN" altLang="en-US" smtClean="0"/>
-              <a:t>2019/9/19</a:t>
+              <a:t>2019/9/20</a:t>
             </a:fld>
             <a:endParaRPr kumimoji="1" lang="zh-CN" altLang="en-US"/>
           </a:p>
@@ -2076,7 +2073,7 @@
           <a:p>
             <a:fld id="{3D71AFD6-832F-764F-A8C5-443411455556}" type="datetimeFigureOut">
               <a:rPr kumimoji="1" lang="zh-CN" altLang="en-US" smtClean="0"/>
-              <a:t>2019/9/19</a:t>
+              <a:t>2019/9/20</a:t>
             </a:fld>
             <a:endParaRPr kumimoji="1" lang="zh-CN" altLang="en-US"/>
           </a:p>
@@ -2387,7 +2384,7 @@
           <a:p>
             <a:fld id="{3D71AFD6-832F-764F-A8C5-443411455556}" type="datetimeFigureOut">
               <a:rPr kumimoji="1" lang="zh-CN" altLang="en-US" smtClean="0"/>
-              <a:t>2019/9/19</a:t>
+              <a:t>2019/9/20</a:t>
             </a:fld>
             <a:endParaRPr kumimoji="1" lang="zh-CN" altLang="en-US"/>
           </a:p>
@@ -2675,7 +2672,7 @@
           <a:p>
             <a:fld id="{3D71AFD6-832F-764F-A8C5-443411455556}" type="datetimeFigureOut">
               <a:rPr kumimoji="1" lang="zh-CN" altLang="en-US" smtClean="0"/>
-              <a:t>2019/9/19</a:t>
+              <a:t>2019/9/20</a:t>
             </a:fld>
             <a:endParaRPr kumimoji="1" lang="zh-CN" altLang="en-US"/>
           </a:p>
@@ -2916,7 +2913,7 @@
           <a:p>
             <a:fld id="{3D71AFD6-832F-764F-A8C5-443411455556}" type="datetimeFigureOut">
               <a:rPr kumimoji="1" lang="zh-CN" altLang="en-US" smtClean="0"/>
-              <a:t>2019/9/19</a:t>
+              <a:t>2019/9/20</a:t>
             </a:fld>
             <a:endParaRPr kumimoji="1" lang="zh-CN" altLang="en-US"/>
           </a:p>
@@ -12112,9544 +12109,6 @@
 </file>
 
 <file path=ppt/slides/slide5.xml><?xml version="1.0" encoding="utf-8"?>
-<p:sld xmlns:a="http://schemas.openxmlformats.org/drawingml/2006/main" xmlns:r="http://schemas.openxmlformats.org/officeDocument/2006/relationships" xmlns:p="http://schemas.openxmlformats.org/presentationml/2006/main">
-  <p:cSld>
-    <p:spTree>
-      <p:nvGrpSpPr>
-        <p:cNvPr id="1" name=""/>
-        <p:cNvGrpSpPr/>
-        <p:nvPr/>
-      </p:nvGrpSpPr>
-      <p:grpSpPr>
-        <a:xfrm>
-          <a:off x="0" y="0"/>
-          <a:ext cx="0" cy="0"/>
-          <a:chOff x="0" y="0"/>
-          <a:chExt cx="0" cy="0"/>
-        </a:xfrm>
-      </p:grpSpPr>
-      <p:sp>
-        <p:nvSpPr>
-          <p:cNvPr id="33" name="文本框 32">
-            <a:extLst>
-              <a:ext uri="{FF2B5EF4-FFF2-40B4-BE49-F238E27FC236}">
-                <a16:creationId xmlns:a16="http://schemas.microsoft.com/office/drawing/2014/main" id="{A6857824-17A1-CB4D-AE48-796C8F1C4E47}"/>
-              </a:ext>
-            </a:extLst>
-          </p:cNvPr>
-          <p:cNvSpPr txBox="1"/>
-          <p:nvPr/>
-        </p:nvSpPr>
-        <p:spPr>
-          <a:xfrm>
-            <a:off x="334977" y="289711"/>
-            <a:ext cx="2661719" cy="307777"/>
-          </a:xfrm>
-          <a:prstGeom prst="rect">
-            <a:avLst/>
-          </a:prstGeom>
-          <a:noFill/>
-        </p:spPr>
-        <p:txBody>
-          <a:bodyPr wrap="square" rtlCol="0">
-            <a:spAutoFit/>
-          </a:bodyPr>
-          <a:lstStyle/>
-          <a:p>
-            <a:r>
-              <a:rPr kumimoji="1" lang="zh-CN" altLang="en-US" sz="1400"/>
-              <a:t>对象模型</a:t>
-            </a:r>
-            <a:endParaRPr kumimoji="1" lang="en-US" altLang="zh-CN" sz="1400"/>
-          </a:p>
-        </p:txBody>
-      </p:sp>
-      <p:grpSp>
-        <p:nvGrpSpPr>
-          <p:cNvPr id="3" name="组合 2">
-            <a:extLst>
-              <a:ext uri="{FF2B5EF4-FFF2-40B4-BE49-F238E27FC236}">
-                <a16:creationId xmlns:a16="http://schemas.microsoft.com/office/drawing/2014/main" id="{35C7CC5C-4360-F74A-8E7F-DF4A92CA7344}"/>
-              </a:ext>
-            </a:extLst>
-          </p:cNvPr>
-          <p:cNvGrpSpPr/>
-          <p:nvPr/>
-        </p:nvGrpSpPr>
-        <p:grpSpPr>
-          <a:xfrm>
-            <a:off x="3856631" y="2181646"/>
-            <a:ext cx="1696970" cy="1285323"/>
-            <a:chOff x="1211693" y="2639390"/>
-            <a:chExt cx="1696970" cy="1285323"/>
-          </a:xfrm>
-        </p:grpSpPr>
-        <p:sp>
-          <p:nvSpPr>
-            <p:cNvPr id="29" name="矩形 28">
-              <a:extLst>
-                <a:ext uri="{FF2B5EF4-FFF2-40B4-BE49-F238E27FC236}">
-                  <a16:creationId xmlns:a16="http://schemas.microsoft.com/office/drawing/2014/main" id="{E7D140E1-3170-FA4E-BFB1-6A8F899BBD45}"/>
-                </a:ext>
-              </a:extLst>
-            </p:cNvPr>
-            <p:cNvSpPr/>
-            <p:nvPr/>
-          </p:nvSpPr>
-          <p:spPr>
-            <a:xfrm>
-              <a:off x="1211693" y="2933286"/>
-              <a:ext cx="1696970" cy="991427"/>
-            </a:xfrm>
-            <a:prstGeom prst="rect">
-              <a:avLst/>
-            </a:prstGeom>
-            <a:noFill/>
-            <a:ln>
-              <a:solidFill>
-                <a:schemeClr val="tx1"/>
-              </a:solidFill>
-            </a:ln>
-          </p:spPr>
-          <p:style>
-            <a:lnRef idx="2">
-              <a:schemeClr val="accent1">
-                <a:shade val="50000"/>
-              </a:schemeClr>
-            </a:lnRef>
-            <a:fillRef idx="1">
-              <a:schemeClr val="accent1"/>
-            </a:fillRef>
-            <a:effectRef idx="0">
-              <a:schemeClr val="accent1"/>
-            </a:effectRef>
-            <a:fontRef idx="minor">
-              <a:schemeClr val="lt1"/>
-            </a:fontRef>
-          </p:style>
-          <p:txBody>
-            <a:bodyPr rtlCol="0" anchor="ctr"/>
-            <a:lstStyle/>
-            <a:p>
-              <a:pPr algn="ctr"/>
-              <a:endParaRPr kumimoji="1" lang="zh-CN" altLang="en-US">
-                <a:solidFill>
-                  <a:schemeClr val="tx1"/>
-                </a:solidFill>
-              </a:endParaRPr>
-            </a:p>
-          </p:txBody>
-        </p:sp>
-        <p:sp>
-          <p:nvSpPr>
-            <p:cNvPr id="30" name="矩形 29">
-              <a:extLst>
-                <a:ext uri="{FF2B5EF4-FFF2-40B4-BE49-F238E27FC236}">
-                  <a16:creationId xmlns:a16="http://schemas.microsoft.com/office/drawing/2014/main" id="{7422EC04-0E50-5C4E-94F3-7283C6FE9A9F}"/>
-                </a:ext>
-              </a:extLst>
-            </p:cNvPr>
-            <p:cNvSpPr/>
-            <p:nvPr/>
-          </p:nvSpPr>
-          <p:spPr>
-            <a:xfrm>
-              <a:off x="1211693" y="3128884"/>
-              <a:ext cx="1696970" cy="336331"/>
-            </a:xfrm>
-            <a:prstGeom prst="rect">
-              <a:avLst/>
-            </a:prstGeom>
-            <a:noFill/>
-            <a:ln>
-              <a:solidFill>
-                <a:schemeClr val="tx1"/>
-              </a:solidFill>
-            </a:ln>
-          </p:spPr>
-          <p:style>
-            <a:lnRef idx="2">
-              <a:schemeClr val="accent1">
-                <a:shade val="50000"/>
-              </a:schemeClr>
-            </a:lnRef>
-            <a:fillRef idx="1">
-              <a:schemeClr val="accent1"/>
-            </a:fillRef>
-            <a:effectRef idx="0">
-              <a:schemeClr val="accent1"/>
-            </a:effectRef>
-            <a:fontRef idx="minor">
-              <a:schemeClr val="lt1"/>
-            </a:fontRef>
-          </p:style>
-          <p:txBody>
-            <a:bodyPr rtlCol="0" anchor="ctr"/>
-            <a:lstStyle/>
-            <a:p>
-              <a:pPr algn="ctr"/>
-              <a:r>
-                <a:rPr lang="en-US" altLang="zh-CN">
-                  <a:solidFill>
-                    <a:schemeClr val="tx1"/>
-                  </a:solidFill>
-                </a:rPr>
-                <a:t>(</a:t>
-              </a:r>
-              <a:r>
-                <a:rPr lang="zh-CN" altLang="en-US">
-                  <a:solidFill>
-                    <a:schemeClr val="tx1"/>
-                  </a:solidFill>
-                </a:rPr>
-                <a:t>*</a:t>
-              </a:r>
-              <a:r>
-                <a:rPr lang="en-US" altLang="zh-CN">
-                  <a:solidFill>
-                    <a:schemeClr val="tx1"/>
-                  </a:solidFill>
-                </a:rPr>
-                <a:t>vop_open)()</a:t>
-              </a:r>
-            </a:p>
-          </p:txBody>
-        </p:sp>
-        <p:sp>
-          <p:nvSpPr>
-            <p:cNvPr id="31" name="同侧圆角矩形 30">
-              <a:extLst>
-                <a:ext uri="{FF2B5EF4-FFF2-40B4-BE49-F238E27FC236}">
-                  <a16:creationId xmlns:a16="http://schemas.microsoft.com/office/drawing/2014/main" id="{3E36A168-6DE3-AD44-9CC2-EAF944DA5F36}"/>
-                </a:ext>
-              </a:extLst>
-            </p:cNvPr>
-            <p:cNvSpPr/>
-            <p:nvPr/>
-          </p:nvSpPr>
-          <p:spPr>
-            <a:xfrm>
-              <a:off x="1211693" y="2639390"/>
-              <a:ext cx="1696970" cy="293897"/>
-            </a:xfrm>
-            <a:prstGeom prst="round2SameRect">
-              <a:avLst/>
-            </a:prstGeom>
-            <a:noFill/>
-            <a:ln>
-              <a:solidFill>
-                <a:schemeClr val="tx1"/>
-              </a:solidFill>
-            </a:ln>
-          </p:spPr>
-          <p:style>
-            <a:lnRef idx="2">
-              <a:schemeClr val="accent1">
-                <a:shade val="50000"/>
-              </a:schemeClr>
-            </a:lnRef>
-            <a:fillRef idx="1">
-              <a:schemeClr val="accent1"/>
-            </a:fillRef>
-            <a:effectRef idx="0">
-              <a:schemeClr val="accent1"/>
-            </a:effectRef>
-            <a:fontRef idx="minor">
-              <a:schemeClr val="lt1"/>
-            </a:fontRef>
-          </p:style>
-          <p:txBody>
-            <a:bodyPr rot="0" spcFirstLastPara="0" vertOverflow="overflow" horzOverflow="overflow" vert="horz" wrap="square" lIns="91440" tIns="45720" rIns="91440" bIns="45720" numCol="1" spcCol="0" rtlCol="0" fromWordArt="0" anchor="ctr" anchorCtr="0" forceAA="0" compatLnSpc="1">
-              <a:prstTxWarp prst="textNoShape">
-                <a:avLst/>
-              </a:prstTxWarp>
-              <a:noAutofit/>
-            </a:bodyPr>
-            <a:lstStyle/>
-            <a:p>
-              <a:pPr algn="ctr"/>
-              <a:r>
-                <a:rPr lang="en-US" altLang="zh-CN">
-                  <a:solidFill>
-                    <a:schemeClr val="tx1"/>
-                  </a:solidFill>
-                </a:rPr>
-                <a:t>sfs_node_diro</a:t>
-              </a:r>
-            </a:p>
-          </p:txBody>
-        </p:sp>
-        <p:sp>
-          <p:nvSpPr>
-            <p:cNvPr id="32" name="矩形 31">
-              <a:extLst>
-                <a:ext uri="{FF2B5EF4-FFF2-40B4-BE49-F238E27FC236}">
-                  <a16:creationId xmlns:a16="http://schemas.microsoft.com/office/drawing/2014/main" id="{8FA78FE9-9285-0F42-9503-45245F43EB17}"/>
-                </a:ext>
-              </a:extLst>
-            </p:cNvPr>
-            <p:cNvSpPr/>
-            <p:nvPr/>
-          </p:nvSpPr>
-          <p:spPr>
-            <a:xfrm>
-              <a:off x="1211693" y="3526798"/>
-              <a:ext cx="1696970" cy="244013"/>
-            </a:xfrm>
-            <a:prstGeom prst="rect">
-              <a:avLst/>
-            </a:prstGeom>
-            <a:noFill/>
-            <a:ln>
-              <a:solidFill>
-                <a:schemeClr val="tx1"/>
-              </a:solidFill>
-            </a:ln>
-          </p:spPr>
-          <p:style>
-            <a:lnRef idx="2">
-              <a:schemeClr val="accent1">
-                <a:shade val="50000"/>
-              </a:schemeClr>
-            </a:lnRef>
-            <a:fillRef idx="1">
-              <a:schemeClr val="accent1"/>
-            </a:fillRef>
-            <a:effectRef idx="0">
-              <a:schemeClr val="accent1"/>
-            </a:effectRef>
-            <a:fontRef idx="minor">
-              <a:schemeClr val="lt1"/>
-            </a:fontRef>
-          </p:style>
-          <p:txBody>
-            <a:bodyPr rtlCol="0" anchor="ctr"/>
-            <a:lstStyle/>
-            <a:p>
-              <a:pPr algn="ctr"/>
-              <a:r>
-                <a:rPr lang="en-US" altLang="zh-CN">
-                  <a:solidFill>
-                    <a:schemeClr val="tx1"/>
-                  </a:solidFill>
-                </a:rPr>
-                <a:t>…</a:t>
-              </a:r>
-            </a:p>
-          </p:txBody>
-        </p:sp>
-      </p:grpSp>
-      <p:grpSp>
-        <p:nvGrpSpPr>
-          <p:cNvPr id="2" name="组合 1">
-            <a:extLst>
-              <a:ext uri="{FF2B5EF4-FFF2-40B4-BE49-F238E27FC236}">
-                <a16:creationId xmlns:a16="http://schemas.microsoft.com/office/drawing/2014/main" id="{6F9C40D1-3E41-DC4A-9B50-AC4424AE2D88}"/>
-              </a:ext>
-            </a:extLst>
-          </p:cNvPr>
-          <p:cNvGrpSpPr/>
-          <p:nvPr/>
-        </p:nvGrpSpPr>
-        <p:grpSpPr>
-          <a:xfrm>
-            <a:off x="1675197" y="708114"/>
-            <a:ext cx="1321499" cy="2004055"/>
-            <a:chOff x="4238572" y="1637362"/>
-            <a:chExt cx="1313808" cy="2004055"/>
-          </a:xfrm>
-        </p:grpSpPr>
-        <p:sp>
-          <p:nvSpPr>
-            <p:cNvPr id="45" name="矩形 44">
-              <a:extLst>
-                <a:ext uri="{FF2B5EF4-FFF2-40B4-BE49-F238E27FC236}">
-                  <a16:creationId xmlns:a16="http://schemas.microsoft.com/office/drawing/2014/main" id="{CFF432DF-C5FC-B549-9E29-E3490D22CA05}"/>
-                </a:ext>
-              </a:extLst>
-            </p:cNvPr>
-            <p:cNvSpPr/>
-            <p:nvPr/>
-          </p:nvSpPr>
-          <p:spPr>
-            <a:xfrm>
-              <a:off x="4238574" y="1928699"/>
-              <a:ext cx="1313806" cy="1712718"/>
-            </a:xfrm>
-            <a:prstGeom prst="rect">
-              <a:avLst/>
-            </a:prstGeom>
-            <a:noFill/>
-            <a:ln>
-              <a:solidFill>
-                <a:schemeClr val="tx1"/>
-              </a:solidFill>
-            </a:ln>
-          </p:spPr>
-          <p:style>
-            <a:lnRef idx="2">
-              <a:schemeClr val="accent1">
-                <a:shade val="50000"/>
-              </a:schemeClr>
-            </a:lnRef>
-            <a:fillRef idx="1">
-              <a:schemeClr val="accent1"/>
-            </a:fillRef>
-            <a:effectRef idx="0">
-              <a:schemeClr val="accent1"/>
-            </a:effectRef>
-            <a:fontRef idx="minor">
-              <a:schemeClr val="lt1"/>
-            </a:fontRef>
-          </p:style>
-          <p:txBody>
-            <a:bodyPr rtlCol="0" anchor="ctr"/>
-            <a:lstStyle/>
-            <a:p>
-              <a:pPr algn="ctr"/>
-              <a:endParaRPr kumimoji="1" lang="zh-CN" altLang="en-US" sz="1400">
-                <a:solidFill>
-                  <a:schemeClr val="tx1"/>
-                </a:solidFill>
-              </a:endParaRPr>
-            </a:p>
-          </p:txBody>
-        </p:sp>
-        <p:sp>
-          <p:nvSpPr>
-            <p:cNvPr id="46" name="矩形 45">
-              <a:extLst>
-                <a:ext uri="{FF2B5EF4-FFF2-40B4-BE49-F238E27FC236}">
-                  <a16:creationId xmlns:a16="http://schemas.microsoft.com/office/drawing/2014/main" id="{4E6B3A18-45EE-8D41-BCC7-BE93CCAE178A}"/>
-                </a:ext>
-              </a:extLst>
-            </p:cNvPr>
-            <p:cNvSpPr/>
-            <p:nvPr/>
-          </p:nvSpPr>
-          <p:spPr>
-            <a:xfrm>
-              <a:off x="4238572" y="2165251"/>
-              <a:ext cx="1313808" cy="553198"/>
-            </a:xfrm>
-            <a:prstGeom prst="rect">
-              <a:avLst/>
-            </a:prstGeom>
-            <a:solidFill>
-              <a:schemeClr val="accent4">
-                <a:lumMod val="20000"/>
-                <a:lumOff val="80000"/>
-              </a:schemeClr>
-            </a:solidFill>
-            <a:ln>
-              <a:solidFill>
-                <a:schemeClr val="tx1"/>
-              </a:solidFill>
-            </a:ln>
-          </p:spPr>
-          <p:style>
-            <a:lnRef idx="2">
-              <a:schemeClr val="accent1">
-                <a:shade val="50000"/>
-              </a:schemeClr>
-            </a:lnRef>
-            <a:fillRef idx="1">
-              <a:schemeClr val="accent1"/>
-            </a:fillRef>
-            <a:effectRef idx="0">
-              <a:schemeClr val="accent1"/>
-            </a:effectRef>
-            <a:fontRef idx="minor">
-              <a:schemeClr val="lt1"/>
-            </a:fontRef>
-          </p:style>
-          <p:txBody>
-            <a:bodyPr rtlCol="0" anchor="ctr"/>
-            <a:lstStyle/>
-            <a:p>
-              <a:pPr algn="ctr"/>
-              <a:r>
-                <a:rPr lang="en-US" altLang="zh-CN" sz="1400">
-                  <a:solidFill>
-                    <a:schemeClr val="tx1"/>
-                  </a:solidFill>
-                </a:rPr>
-                <a:t>sfs_inode</a:t>
-              </a:r>
-            </a:p>
-          </p:txBody>
-        </p:sp>
-        <p:sp>
-          <p:nvSpPr>
-            <p:cNvPr id="44" name="矩形 43">
-              <a:extLst>
-                <a:ext uri="{FF2B5EF4-FFF2-40B4-BE49-F238E27FC236}">
-                  <a16:creationId xmlns:a16="http://schemas.microsoft.com/office/drawing/2014/main" id="{FE534D24-0E1F-D242-A652-CE4B977B4058}"/>
-                </a:ext>
-              </a:extLst>
-            </p:cNvPr>
-            <p:cNvSpPr/>
-            <p:nvPr/>
-          </p:nvSpPr>
-          <p:spPr>
-            <a:xfrm>
-              <a:off x="4238573" y="1637362"/>
-              <a:ext cx="1313805" cy="291335"/>
-            </a:xfrm>
-            <a:prstGeom prst="rect">
-              <a:avLst/>
-            </a:prstGeom>
-            <a:noFill/>
-            <a:ln>
-              <a:noFill/>
-            </a:ln>
-          </p:spPr>
-          <p:style>
-            <a:lnRef idx="2">
-              <a:schemeClr val="accent1">
-                <a:shade val="50000"/>
-              </a:schemeClr>
-            </a:lnRef>
-            <a:fillRef idx="1">
-              <a:schemeClr val="accent1"/>
-            </a:fillRef>
-            <a:effectRef idx="0">
-              <a:schemeClr val="accent1"/>
-            </a:effectRef>
-            <a:fontRef idx="minor">
-              <a:schemeClr val="lt1"/>
-            </a:fontRef>
-          </p:style>
-          <p:txBody>
-            <a:bodyPr rtlCol="0" anchor="ctr"/>
-            <a:lstStyle/>
-            <a:p>
-              <a:pPr algn="ctr"/>
-              <a:r>
-                <a:rPr kumimoji="1" lang="en-US" altLang="zh-CN" sz="1400">
-                  <a:solidFill>
-                    <a:schemeClr val="tx1"/>
-                  </a:solidFill>
-                </a:rPr>
-                <a:t>inode</a:t>
-              </a:r>
-              <a:endParaRPr kumimoji="1" lang="zh-CN" altLang="en-US" sz="1400">
-                <a:solidFill>
-                  <a:schemeClr val="tx1"/>
-                </a:solidFill>
-              </a:endParaRPr>
-            </a:p>
-          </p:txBody>
-        </p:sp>
-        <p:sp>
-          <p:nvSpPr>
-            <p:cNvPr id="42" name="矩形 41">
-              <a:extLst>
-                <a:ext uri="{FF2B5EF4-FFF2-40B4-BE49-F238E27FC236}">
-                  <a16:creationId xmlns:a16="http://schemas.microsoft.com/office/drawing/2014/main" id="{1A94F50A-2C2B-4147-95AD-906678A779D6}"/>
-                </a:ext>
-              </a:extLst>
-            </p:cNvPr>
-            <p:cNvSpPr/>
-            <p:nvPr/>
-          </p:nvSpPr>
-          <p:spPr>
-            <a:xfrm>
-              <a:off x="4238572" y="2969739"/>
-              <a:ext cx="1313806" cy="553198"/>
-            </a:xfrm>
-            <a:prstGeom prst="rect">
-              <a:avLst/>
-            </a:prstGeom>
-            <a:noFill/>
-            <a:ln>
-              <a:solidFill>
-                <a:schemeClr val="tx1"/>
-              </a:solidFill>
-            </a:ln>
-          </p:spPr>
-          <p:style>
-            <a:lnRef idx="2">
-              <a:schemeClr val="accent1">
-                <a:shade val="50000"/>
-              </a:schemeClr>
-            </a:lnRef>
-            <a:fillRef idx="1">
-              <a:schemeClr val="accent1"/>
-            </a:fillRef>
-            <a:effectRef idx="0">
-              <a:schemeClr val="accent1"/>
-            </a:effectRef>
-            <a:fontRef idx="minor">
-              <a:schemeClr val="lt1"/>
-            </a:fontRef>
-          </p:style>
-          <p:txBody>
-            <a:bodyPr rtlCol="0" anchor="ctr"/>
-            <a:lstStyle/>
-            <a:p>
-              <a:pPr algn="ctr"/>
-              <a:r>
-                <a:rPr lang="en-US" altLang="zh-CN">
-                  <a:solidFill>
-                    <a:schemeClr val="tx1"/>
-                  </a:solidFill>
-                </a:rPr>
-                <a:t>node_ops </a:t>
-              </a:r>
-              <a:r>
-                <a:rPr lang="en-US" altLang="zh-CN" b="1">
-                  <a:solidFill>
-                    <a:schemeClr val="tx1"/>
-                  </a:solidFill>
-                </a:rPr>
-                <a:t>*</a:t>
-              </a:r>
-              <a:endParaRPr lang="en-US" altLang="zh-CN">
-                <a:solidFill>
-                  <a:schemeClr val="tx1"/>
-                </a:solidFill>
-              </a:endParaRPr>
-            </a:p>
-          </p:txBody>
-        </p:sp>
-      </p:grpSp>
-      <p:cxnSp>
-        <p:nvCxnSpPr>
-          <p:cNvPr id="5" name="直线箭头连接符 4">
-            <a:extLst>
-              <a:ext uri="{FF2B5EF4-FFF2-40B4-BE49-F238E27FC236}">
-                <a16:creationId xmlns:a16="http://schemas.microsoft.com/office/drawing/2014/main" id="{5DCF698E-7EF8-D040-BF47-82E5F17DDCB1}"/>
-              </a:ext>
-            </a:extLst>
-          </p:cNvPr>
-          <p:cNvCxnSpPr>
-            <a:stCxn id="42" idx="3"/>
-            <a:endCxn id="31" idx="2"/>
-          </p:cNvCxnSpPr>
-          <p:nvPr/>
-        </p:nvCxnSpPr>
-        <p:spPr>
-          <a:xfrm>
-            <a:off x="2996694" y="2317090"/>
-            <a:ext cx="859937" cy="11505"/>
-          </a:xfrm>
-          <a:prstGeom prst="straightConnector1">
-            <a:avLst/>
-          </a:prstGeom>
-          <a:ln>
-            <a:tailEnd type="triangle"/>
-          </a:ln>
-        </p:spPr>
-        <p:style>
-          <a:lnRef idx="1">
-            <a:schemeClr val="accent1"/>
-          </a:lnRef>
-          <a:fillRef idx="0">
-            <a:schemeClr val="accent1"/>
-          </a:fillRef>
-          <a:effectRef idx="0">
-            <a:schemeClr val="accent1"/>
-          </a:effectRef>
-          <a:fontRef idx="minor">
-            <a:schemeClr val="tx1"/>
-          </a:fontRef>
-        </p:style>
-      </p:cxnSp>
-      <p:grpSp>
-        <p:nvGrpSpPr>
-          <p:cNvPr id="49" name="组合 48">
-            <a:extLst>
-              <a:ext uri="{FF2B5EF4-FFF2-40B4-BE49-F238E27FC236}">
-                <a16:creationId xmlns:a16="http://schemas.microsoft.com/office/drawing/2014/main" id="{54FB67BA-9F80-2D43-9B89-E7E84C1DE29C}"/>
-              </a:ext>
-            </a:extLst>
-          </p:cNvPr>
-          <p:cNvGrpSpPr/>
-          <p:nvPr/>
-        </p:nvGrpSpPr>
-        <p:grpSpPr>
-          <a:xfrm>
-            <a:off x="6413536" y="708114"/>
-            <a:ext cx="1321501" cy="2004055"/>
-            <a:chOff x="4238572" y="1637362"/>
-            <a:chExt cx="1313808" cy="2004055"/>
-          </a:xfrm>
-        </p:grpSpPr>
-        <p:sp>
-          <p:nvSpPr>
-            <p:cNvPr id="51" name="矩形 50">
-              <a:extLst>
-                <a:ext uri="{FF2B5EF4-FFF2-40B4-BE49-F238E27FC236}">
-                  <a16:creationId xmlns:a16="http://schemas.microsoft.com/office/drawing/2014/main" id="{405E821C-2B50-4542-BA97-EE9A695B8A5B}"/>
-                </a:ext>
-              </a:extLst>
-            </p:cNvPr>
-            <p:cNvSpPr/>
-            <p:nvPr/>
-          </p:nvSpPr>
-          <p:spPr>
-            <a:xfrm>
-              <a:off x="4238574" y="1928699"/>
-              <a:ext cx="1313806" cy="1712718"/>
-            </a:xfrm>
-            <a:prstGeom prst="rect">
-              <a:avLst/>
-            </a:prstGeom>
-            <a:noFill/>
-            <a:ln>
-              <a:solidFill>
-                <a:schemeClr val="tx1"/>
-              </a:solidFill>
-            </a:ln>
-          </p:spPr>
-          <p:style>
-            <a:lnRef idx="2">
-              <a:schemeClr val="accent1">
-                <a:shade val="50000"/>
-              </a:schemeClr>
-            </a:lnRef>
-            <a:fillRef idx="1">
-              <a:schemeClr val="accent1"/>
-            </a:fillRef>
-            <a:effectRef idx="0">
-              <a:schemeClr val="accent1"/>
-            </a:effectRef>
-            <a:fontRef idx="minor">
-              <a:schemeClr val="lt1"/>
-            </a:fontRef>
-          </p:style>
-          <p:txBody>
-            <a:bodyPr rtlCol="0" anchor="ctr"/>
-            <a:lstStyle/>
-            <a:p>
-              <a:pPr algn="ctr"/>
-              <a:endParaRPr kumimoji="1" lang="zh-CN" altLang="en-US" sz="1400">
-                <a:solidFill>
-                  <a:schemeClr val="tx1"/>
-                </a:solidFill>
-              </a:endParaRPr>
-            </a:p>
-          </p:txBody>
-        </p:sp>
-        <p:sp>
-          <p:nvSpPr>
-            <p:cNvPr id="53" name="矩形 52">
-              <a:extLst>
-                <a:ext uri="{FF2B5EF4-FFF2-40B4-BE49-F238E27FC236}">
-                  <a16:creationId xmlns:a16="http://schemas.microsoft.com/office/drawing/2014/main" id="{E4761CAB-4F67-BC4D-BE26-39E432DE2BB3}"/>
-                </a:ext>
-              </a:extLst>
-            </p:cNvPr>
-            <p:cNvSpPr/>
-            <p:nvPr/>
-          </p:nvSpPr>
-          <p:spPr>
-            <a:xfrm>
-              <a:off x="4238573" y="1637362"/>
-              <a:ext cx="1313805" cy="291335"/>
-            </a:xfrm>
-            <a:prstGeom prst="rect">
-              <a:avLst/>
-            </a:prstGeom>
-            <a:noFill/>
-            <a:ln>
-              <a:noFill/>
-            </a:ln>
-          </p:spPr>
-          <p:style>
-            <a:lnRef idx="2">
-              <a:schemeClr val="accent1">
-                <a:shade val="50000"/>
-              </a:schemeClr>
-            </a:lnRef>
-            <a:fillRef idx="1">
-              <a:schemeClr val="accent1"/>
-            </a:fillRef>
-            <a:effectRef idx="0">
-              <a:schemeClr val="accent1"/>
-            </a:effectRef>
-            <a:fontRef idx="minor">
-              <a:schemeClr val="lt1"/>
-            </a:fontRef>
-          </p:style>
-          <p:txBody>
-            <a:bodyPr rtlCol="0" anchor="ctr"/>
-            <a:lstStyle/>
-            <a:p>
-              <a:pPr algn="ctr"/>
-              <a:r>
-                <a:rPr kumimoji="1" lang="en-US" altLang="zh-CN" sz="1400">
-                  <a:solidFill>
-                    <a:schemeClr val="tx1"/>
-                  </a:solidFill>
-                </a:rPr>
-                <a:t>inode</a:t>
-              </a:r>
-              <a:endParaRPr kumimoji="1" lang="zh-CN" altLang="en-US" sz="1400">
-                <a:solidFill>
-                  <a:schemeClr val="tx1"/>
-                </a:solidFill>
-              </a:endParaRPr>
-            </a:p>
-          </p:txBody>
-        </p:sp>
-        <p:sp>
-          <p:nvSpPr>
-            <p:cNvPr id="56" name="矩形 55">
-              <a:extLst>
-                <a:ext uri="{FF2B5EF4-FFF2-40B4-BE49-F238E27FC236}">
-                  <a16:creationId xmlns:a16="http://schemas.microsoft.com/office/drawing/2014/main" id="{81EBAEBE-D2B3-6545-9430-92A78D19A6F3}"/>
-                </a:ext>
-              </a:extLst>
-            </p:cNvPr>
-            <p:cNvSpPr/>
-            <p:nvPr/>
-          </p:nvSpPr>
-          <p:spPr>
-            <a:xfrm>
-              <a:off x="4238572" y="2969739"/>
-              <a:ext cx="1313806" cy="553198"/>
-            </a:xfrm>
-            <a:prstGeom prst="rect">
-              <a:avLst/>
-            </a:prstGeom>
-            <a:noFill/>
-            <a:ln>
-              <a:solidFill>
-                <a:schemeClr val="tx1"/>
-              </a:solidFill>
-            </a:ln>
-          </p:spPr>
-          <p:style>
-            <a:lnRef idx="2">
-              <a:schemeClr val="accent1">
-                <a:shade val="50000"/>
-              </a:schemeClr>
-            </a:lnRef>
-            <a:fillRef idx="1">
-              <a:schemeClr val="accent1"/>
-            </a:fillRef>
-            <a:effectRef idx="0">
-              <a:schemeClr val="accent1"/>
-            </a:effectRef>
-            <a:fontRef idx="minor">
-              <a:schemeClr val="lt1"/>
-            </a:fontRef>
-          </p:style>
-          <p:txBody>
-            <a:bodyPr rtlCol="0" anchor="ctr"/>
-            <a:lstStyle/>
-            <a:p>
-              <a:pPr algn="ctr"/>
-              <a:r>
-                <a:rPr lang="en-US" altLang="zh-CN">
-                  <a:solidFill>
-                    <a:schemeClr val="tx1"/>
-                  </a:solidFill>
-                </a:rPr>
-                <a:t>node_ops </a:t>
-              </a:r>
-              <a:r>
-                <a:rPr lang="en-US" altLang="zh-CN" b="1">
-                  <a:solidFill>
-                    <a:schemeClr val="tx1"/>
-                  </a:solidFill>
-                </a:rPr>
-                <a:t>*</a:t>
-              </a:r>
-              <a:endParaRPr lang="en-US" altLang="zh-CN">
-                <a:solidFill>
-                  <a:schemeClr val="tx1"/>
-                </a:solidFill>
-              </a:endParaRPr>
-            </a:p>
-          </p:txBody>
-        </p:sp>
-        <p:sp>
-          <p:nvSpPr>
-            <p:cNvPr id="57" name="矩形 56">
-              <a:extLst>
-                <a:ext uri="{FF2B5EF4-FFF2-40B4-BE49-F238E27FC236}">
-                  <a16:creationId xmlns:a16="http://schemas.microsoft.com/office/drawing/2014/main" id="{0F867695-DEDA-A74A-902E-CF80236A5896}"/>
-                </a:ext>
-              </a:extLst>
-            </p:cNvPr>
-            <p:cNvSpPr/>
-            <p:nvPr/>
-          </p:nvSpPr>
-          <p:spPr>
-            <a:xfrm>
-              <a:off x="4238572" y="2166041"/>
-              <a:ext cx="1313805" cy="553198"/>
-            </a:xfrm>
-            <a:prstGeom prst="rect">
-              <a:avLst/>
-            </a:prstGeom>
-            <a:solidFill>
-              <a:schemeClr val="accent1">
-                <a:lumMod val="20000"/>
-                <a:lumOff val="80000"/>
-              </a:schemeClr>
-            </a:solidFill>
-            <a:ln>
-              <a:solidFill>
-                <a:schemeClr val="tx1"/>
-              </a:solidFill>
-            </a:ln>
-          </p:spPr>
-          <p:style>
-            <a:lnRef idx="2">
-              <a:schemeClr val="accent1">
-                <a:shade val="50000"/>
-              </a:schemeClr>
-            </a:lnRef>
-            <a:fillRef idx="1">
-              <a:schemeClr val="accent1"/>
-            </a:fillRef>
-            <a:effectRef idx="0">
-              <a:schemeClr val="accent1"/>
-            </a:effectRef>
-            <a:fontRef idx="minor">
-              <a:schemeClr val="lt1"/>
-            </a:fontRef>
-          </p:style>
-          <p:txBody>
-            <a:bodyPr rtlCol="0" anchor="ctr"/>
-            <a:lstStyle/>
-            <a:p>
-              <a:pPr algn="ctr"/>
-              <a:r>
-                <a:rPr lang="en-US" altLang="zh-CN" sz="1400">
-                  <a:solidFill>
-                    <a:schemeClr val="tx1"/>
-                  </a:solidFill>
-                </a:rPr>
-                <a:t>device</a:t>
-              </a:r>
-            </a:p>
-          </p:txBody>
-        </p:sp>
-      </p:grpSp>
-      <p:grpSp>
-        <p:nvGrpSpPr>
-          <p:cNvPr id="58" name="组合 57">
-            <a:extLst>
-              <a:ext uri="{FF2B5EF4-FFF2-40B4-BE49-F238E27FC236}">
-                <a16:creationId xmlns:a16="http://schemas.microsoft.com/office/drawing/2014/main" id="{ACAEE0E9-647F-2144-944C-DE142D1728AD}"/>
-              </a:ext>
-            </a:extLst>
-          </p:cNvPr>
-          <p:cNvGrpSpPr/>
-          <p:nvPr/>
-        </p:nvGrpSpPr>
-        <p:grpSpPr>
-          <a:xfrm>
-            <a:off x="8751929" y="2181646"/>
-            <a:ext cx="1696970" cy="1285323"/>
-            <a:chOff x="1211693" y="2639390"/>
-            <a:chExt cx="1696970" cy="1285323"/>
-          </a:xfrm>
-        </p:grpSpPr>
-        <p:sp>
-          <p:nvSpPr>
-            <p:cNvPr id="59" name="矩形 58">
-              <a:extLst>
-                <a:ext uri="{FF2B5EF4-FFF2-40B4-BE49-F238E27FC236}">
-                  <a16:creationId xmlns:a16="http://schemas.microsoft.com/office/drawing/2014/main" id="{E17A2EFD-1FBB-C24C-A780-9A5B221F021F}"/>
-                </a:ext>
-              </a:extLst>
-            </p:cNvPr>
-            <p:cNvSpPr/>
-            <p:nvPr/>
-          </p:nvSpPr>
-          <p:spPr>
-            <a:xfrm>
-              <a:off x="1211693" y="2933286"/>
-              <a:ext cx="1696970" cy="991427"/>
-            </a:xfrm>
-            <a:prstGeom prst="rect">
-              <a:avLst/>
-            </a:prstGeom>
-            <a:noFill/>
-            <a:ln>
-              <a:solidFill>
-                <a:schemeClr val="tx1"/>
-              </a:solidFill>
-            </a:ln>
-          </p:spPr>
-          <p:style>
-            <a:lnRef idx="2">
-              <a:schemeClr val="accent1">
-                <a:shade val="50000"/>
-              </a:schemeClr>
-            </a:lnRef>
-            <a:fillRef idx="1">
-              <a:schemeClr val="accent1"/>
-            </a:fillRef>
-            <a:effectRef idx="0">
-              <a:schemeClr val="accent1"/>
-            </a:effectRef>
-            <a:fontRef idx="minor">
-              <a:schemeClr val="lt1"/>
-            </a:fontRef>
-          </p:style>
-          <p:txBody>
-            <a:bodyPr rtlCol="0" anchor="ctr"/>
-            <a:lstStyle/>
-            <a:p>
-              <a:pPr algn="ctr"/>
-              <a:endParaRPr kumimoji="1" lang="zh-CN" altLang="en-US">
-                <a:solidFill>
-                  <a:schemeClr val="tx1"/>
-                </a:solidFill>
-              </a:endParaRPr>
-            </a:p>
-          </p:txBody>
-        </p:sp>
-        <p:sp>
-          <p:nvSpPr>
-            <p:cNvPr id="60" name="矩形 59">
-              <a:extLst>
-                <a:ext uri="{FF2B5EF4-FFF2-40B4-BE49-F238E27FC236}">
-                  <a16:creationId xmlns:a16="http://schemas.microsoft.com/office/drawing/2014/main" id="{C2787229-2F7C-3340-96C0-A9F4E5E75C06}"/>
-                </a:ext>
-              </a:extLst>
-            </p:cNvPr>
-            <p:cNvSpPr/>
-            <p:nvPr/>
-          </p:nvSpPr>
-          <p:spPr>
-            <a:xfrm>
-              <a:off x="1211693" y="3128884"/>
-              <a:ext cx="1696970" cy="336331"/>
-            </a:xfrm>
-            <a:prstGeom prst="rect">
-              <a:avLst/>
-            </a:prstGeom>
-            <a:noFill/>
-            <a:ln>
-              <a:solidFill>
-                <a:schemeClr val="tx1"/>
-              </a:solidFill>
-            </a:ln>
-          </p:spPr>
-          <p:style>
-            <a:lnRef idx="2">
-              <a:schemeClr val="accent1">
-                <a:shade val="50000"/>
-              </a:schemeClr>
-            </a:lnRef>
-            <a:fillRef idx="1">
-              <a:schemeClr val="accent1"/>
-            </a:fillRef>
-            <a:effectRef idx="0">
-              <a:schemeClr val="accent1"/>
-            </a:effectRef>
-            <a:fontRef idx="minor">
-              <a:schemeClr val="lt1"/>
-            </a:fontRef>
-          </p:style>
-          <p:txBody>
-            <a:bodyPr rtlCol="0" anchor="ctr"/>
-            <a:lstStyle/>
-            <a:p>
-              <a:pPr algn="ctr"/>
-              <a:r>
-                <a:rPr lang="en-US" altLang="zh-CN">
-                  <a:solidFill>
-                    <a:schemeClr val="tx1"/>
-                  </a:solidFill>
-                </a:rPr>
-                <a:t>(</a:t>
-              </a:r>
-              <a:r>
-                <a:rPr lang="zh-CN" altLang="en-US">
-                  <a:solidFill>
-                    <a:schemeClr val="tx1"/>
-                  </a:solidFill>
-                </a:rPr>
-                <a:t>*</a:t>
-              </a:r>
-              <a:r>
-                <a:rPr lang="en-US" altLang="zh-CN">
-                  <a:solidFill>
-                    <a:schemeClr val="tx1"/>
-                  </a:solidFill>
-                </a:rPr>
-                <a:t>vop_open)()</a:t>
-              </a:r>
-            </a:p>
-          </p:txBody>
-        </p:sp>
-        <p:sp>
-          <p:nvSpPr>
-            <p:cNvPr id="61" name="同侧圆角矩形 60">
-              <a:extLst>
-                <a:ext uri="{FF2B5EF4-FFF2-40B4-BE49-F238E27FC236}">
-                  <a16:creationId xmlns:a16="http://schemas.microsoft.com/office/drawing/2014/main" id="{3AFDB95B-309E-204A-A1F5-22CFF506FF1F}"/>
-                </a:ext>
-              </a:extLst>
-            </p:cNvPr>
-            <p:cNvSpPr/>
-            <p:nvPr/>
-          </p:nvSpPr>
-          <p:spPr>
-            <a:xfrm>
-              <a:off x="1211693" y="2639390"/>
-              <a:ext cx="1696970" cy="293897"/>
-            </a:xfrm>
-            <a:prstGeom prst="round2SameRect">
-              <a:avLst/>
-            </a:prstGeom>
-            <a:noFill/>
-            <a:ln>
-              <a:solidFill>
-                <a:schemeClr val="tx1"/>
-              </a:solidFill>
-            </a:ln>
-          </p:spPr>
-          <p:style>
-            <a:lnRef idx="2">
-              <a:schemeClr val="accent1">
-                <a:shade val="50000"/>
-              </a:schemeClr>
-            </a:lnRef>
-            <a:fillRef idx="1">
-              <a:schemeClr val="accent1"/>
-            </a:fillRef>
-            <a:effectRef idx="0">
-              <a:schemeClr val="accent1"/>
-            </a:effectRef>
-            <a:fontRef idx="minor">
-              <a:schemeClr val="lt1"/>
-            </a:fontRef>
-          </p:style>
-          <p:txBody>
-            <a:bodyPr rot="0" spcFirstLastPara="0" vertOverflow="overflow" horzOverflow="overflow" vert="horz" wrap="square" lIns="91440" tIns="45720" rIns="91440" bIns="45720" numCol="1" spcCol="0" rtlCol="0" fromWordArt="0" anchor="ctr" anchorCtr="0" forceAA="0" compatLnSpc="1">
-              <a:prstTxWarp prst="textNoShape">
-                <a:avLst/>
-              </a:prstTxWarp>
-              <a:noAutofit/>
-            </a:bodyPr>
-            <a:lstStyle/>
-            <a:p>
-              <a:r>
-                <a:rPr lang="en-US" altLang="zh-CN">
-                  <a:solidFill>
-                    <a:schemeClr val="tx1"/>
-                  </a:solidFill>
-                </a:rPr>
-                <a:t>dev_node_ops</a:t>
-              </a:r>
-            </a:p>
-          </p:txBody>
-        </p:sp>
-        <p:sp>
-          <p:nvSpPr>
-            <p:cNvPr id="62" name="矩形 61">
-              <a:extLst>
-                <a:ext uri="{FF2B5EF4-FFF2-40B4-BE49-F238E27FC236}">
-                  <a16:creationId xmlns:a16="http://schemas.microsoft.com/office/drawing/2014/main" id="{0C516902-ECE1-9F45-9EB3-C441CF047FA6}"/>
-                </a:ext>
-              </a:extLst>
-            </p:cNvPr>
-            <p:cNvSpPr/>
-            <p:nvPr/>
-          </p:nvSpPr>
-          <p:spPr>
-            <a:xfrm>
-              <a:off x="1211693" y="3526798"/>
-              <a:ext cx="1696970" cy="244013"/>
-            </a:xfrm>
-            <a:prstGeom prst="rect">
-              <a:avLst/>
-            </a:prstGeom>
-            <a:noFill/>
-            <a:ln>
-              <a:solidFill>
-                <a:schemeClr val="tx1"/>
-              </a:solidFill>
-            </a:ln>
-          </p:spPr>
-          <p:style>
-            <a:lnRef idx="2">
-              <a:schemeClr val="accent1">
-                <a:shade val="50000"/>
-              </a:schemeClr>
-            </a:lnRef>
-            <a:fillRef idx="1">
-              <a:schemeClr val="accent1"/>
-            </a:fillRef>
-            <a:effectRef idx="0">
-              <a:schemeClr val="accent1"/>
-            </a:effectRef>
-            <a:fontRef idx="minor">
-              <a:schemeClr val="lt1"/>
-            </a:fontRef>
-          </p:style>
-          <p:txBody>
-            <a:bodyPr rtlCol="0" anchor="ctr"/>
-            <a:lstStyle/>
-            <a:p>
-              <a:pPr algn="ctr"/>
-              <a:r>
-                <a:rPr lang="en-US" altLang="zh-CN">
-                  <a:solidFill>
-                    <a:schemeClr val="tx1"/>
-                  </a:solidFill>
-                </a:rPr>
-                <a:t>…</a:t>
-              </a:r>
-            </a:p>
-          </p:txBody>
-        </p:sp>
-      </p:grpSp>
-      <p:cxnSp>
-        <p:nvCxnSpPr>
-          <p:cNvPr id="8" name="直线箭头连接符 7">
-            <a:extLst>
-              <a:ext uri="{FF2B5EF4-FFF2-40B4-BE49-F238E27FC236}">
-                <a16:creationId xmlns:a16="http://schemas.microsoft.com/office/drawing/2014/main" id="{EFEB18B9-6AAC-F240-B14D-0FD6A7A8C20D}"/>
-              </a:ext>
-            </a:extLst>
-          </p:cNvPr>
-          <p:cNvCxnSpPr>
-            <a:stCxn id="56" idx="3"/>
-            <a:endCxn id="61" idx="2"/>
-          </p:cNvCxnSpPr>
-          <p:nvPr/>
-        </p:nvCxnSpPr>
-        <p:spPr>
-          <a:xfrm>
-            <a:off x="7735035" y="2317090"/>
-            <a:ext cx="1016894" cy="11505"/>
-          </a:xfrm>
-          <a:prstGeom prst="straightConnector1">
-            <a:avLst/>
-          </a:prstGeom>
-          <a:ln>
-            <a:tailEnd type="triangle"/>
-          </a:ln>
-        </p:spPr>
-        <p:style>
-          <a:lnRef idx="1">
-            <a:schemeClr val="accent1"/>
-          </a:lnRef>
-          <a:fillRef idx="0">
-            <a:schemeClr val="accent1"/>
-          </a:fillRef>
-          <a:effectRef idx="0">
-            <a:schemeClr val="accent1"/>
-          </a:effectRef>
-          <a:fontRef idx="minor">
-            <a:schemeClr val="tx1"/>
-          </a:fontRef>
-        </p:style>
-      </p:cxnSp>
-    </p:spTree>
-    <p:extLst>
-      <p:ext uri="{BB962C8B-B14F-4D97-AF65-F5344CB8AC3E}">
-        <p14:creationId xmlns:p14="http://schemas.microsoft.com/office/powerpoint/2010/main" val="1682509062"/>
-      </p:ext>
-    </p:extLst>
-  </p:cSld>
-  <p:clrMapOvr>
-    <a:masterClrMapping/>
-  </p:clrMapOvr>
-</p:sld>
-</file>
-
-<file path=ppt/slides/slide6.xml><?xml version="1.0" encoding="utf-8"?>
-<p:sld xmlns:a="http://schemas.openxmlformats.org/drawingml/2006/main" xmlns:r="http://schemas.openxmlformats.org/officeDocument/2006/relationships" xmlns:p="http://schemas.openxmlformats.org/presentationml/2006/main">
-  <p:cSld>
-    <p:spTree>
-      <p:nvGrpSpPr>
-        <p:cNvPr id="1" name=""/>
-        <p:cNvGrpSpPr/>
-        <p:nvPr/>
-      </p:nvGrpSpPr>
-      <p:grpSpPr>
-        <a:xfrm>
-          <a:off x="0" y="0"/>
-          <a:ext cx="0" cy="0"/>
-          <a:chOff x="0" y="0"/>
-          <a:chExt cx="0" cy="0"/>
-        </a:xfrm>
-      </p:grpSpPr>
-      <p:grpSp>
-        <p:nvGrpSpPr>
-          <p:cNvPr id="40" name="组合 39">
-            <a:extLst>
-              <a:ext uri="{FF2B5EF4-FFF2-40B4-BE49-F238E27FC236}">
-                <a16:creationId xmlns:a16="http://schemas.microsoft.com/office/drawing/2014/main" id="{C56CD19A-D407-2249-A95C-6FF70F01833A}"/>
-              </a:ext>
-            </a:extLst>
-          </p:cNvPr>
-          <p:cNvGrpSpPr/>
-          <p:nvPr/>
-        </p:nvGrpSpPr>
-        <p:grpSpPr>
-          <a:xfrm>
-            <a:off x="1967947" y="1073426"/>
-            <a:ext cx="574013" cy="689072"/>
-            <a:chOff x="5095899" y="4036557"/>
-            <a:chExt cx="1660637" cy="2004055"/>
-          </a:xfrm>
-        </p:grpSpPr>
-        <p:grpSp>
-          <p:nvGrpSpPr>
-            <p:cNvPr id="41" name="组合 40">
-              <a:extLst>
-                <a:ext uri="{FF2B5EF4-FFF2-40B4-BE49-F238E27FC236}">
-                  <a16:creationId xmlns:a16="http://schemas.microsoft.com/office/drawing/2014/main" id="{72547FED-5078-744A-8047-DFB5EB577112}"/>
-                </a:ext>
-              </a:extLst>
-            </p:cNvPr>
-            <p:cNvGrpSpPr/>
-            <p:nvPr/>
-          </p:nvGrpSpPr>
-          <p:grpSpPr>
-            <a:xfrm>
-              <a:off x="5095899" y="4036557"/>
-              <a:ext cx="1660637" cy="2004055"/>
-              <a:chOff x="1135115" y="351526"/>
-              <a:chExt cx="1008995" cy="1413747"/>
-            </a:xfrm>
-          </p:grpSpPr>
-          <p:grpSp>
-            <p:nvGrpSpPr>
-              <p:cNvPr id="43" name="组合 42">
-                <a:extLst>
-                  <a:ext uri="{FF2B5EF4-FFF2-40B4-BE49-F238E27FC236}">
-                    <a16:creationId xmlns:a16="http://schemas.microsoft.com/office/drawing/2014/main" id="{7FD59222-4C77-3746-B6A6-D6868D7086F0}"/>
-                  </a:ext>
-                </a:extLst>
-              </p:cNvPr>
-              <p:cNvGrpSpPr/>
-              <p:nvPr/>
-            </p:nvGrpSpPr>
-            <p:grpSpPr>
-              <a:xfrm>
-                <a:off x="1135115" y="557048"/>
-                <a:ext cx="1008995" cy="1208225"/>
-                <a:chOff x="1135115" y="557048"/>
-                <a:chExt cx="1008995" cy="1208225"/>
-              </a:xfrm>
-            </p:grpSpPr>
-            <p:sp>
-              <p:nvSpPr>
-                <p:cNvPr id="45" name="矩形 44">
-                  <a:extLst>
-                    <a:ext uri="{FF2B5EF4-FFF2-40B4-BE49-F238E27FC236}">
-                      <a16:creationId xmlns:a16="http://schemas.microsoft.com/office/drawing/2014/main" id="{B33F710A-A6C6-F247-B93C-26D29530CEDC}"/>
-                    </a:ext>
-                  </a:extLst>
-                </p:cNvPr>
-                <p:cNvSpPr/>
-                <p:nvPr/>
-              </p:nvSpPr>
-              <p:spPr>
-                <a:xfrm>
-                  <a:off x="1135117" y="557048"/>
-                  <a:ext cx="1008993" cy="1208225"/>
-                </a:xfrm>
-                <a:prstGeom prst="rect">
-                  <a:avLst/>
-                </a:prstGeom>
-                <a:noFill/>
-                <a:ln>
-                  <a:solidFill>
-                    <a:schemeClr val="tx1"/>
-                  </a:solidFill>
-                </a:ln>
-              </p:spPr>
-              <p:style>
-                <a:lnRef idx="2">
-                  <a:schemeClr val="accent1">
-                    <a:shade val="50000"/>
-                  </a:schemeClr>
-                </a:lnRef>
-                <a:fillRef idx="1">
-                  <a:schemeClr val="accent1"/>
-                </a:fillRef>
-                <a:effectRef idx="0">
-                  <a:schemeClr val="accent1"/>
-                </a:effectRef>
-                <a:fontRef idx="minor">
-                  <a:schemeClr val="lt1"/>
-                </a:fontRef>
-              </p:style>
-              <p:txBody>
-                <a:bodyPr rtlCol="0" anchor="ctr"/>
-                <a:lstStyle/>
-                <a:p>
-                  <a:pPr algn="ctr"/>
-                  <a:endParaRPr kumimoji="1" lang="zh-CN" altLang="en-US" sz="600">
-                    <a:solidFill>
-                      <a:schemeClr val="tx1"/>
-                    </a:solidFill>
-                  </a:endParaRPr>
-                </a:p>
-              </p:txBody>
-            </p:sp>
-            <p:sp>
-              <p:nvSpPr>
-                <p:cNvPr id="46" name="矩形 45">
-                  <a:extLst>
-                    <a:ext uri="{FF2B5EF4-FFF2-40B4-BE49-F238E27FC236}">
-                      <a16:creationId xmlns:a16="http://schemas.microsoft.com/office/drawing/2014/main" id="{A5BAD5C7-9908-F44D-9270-A01068412750}"/>
-                    </a:ext>
-                  </a:extLst>
-                </p:cNvPr>
-                <p:cNvSpPr/>
-                <p:nvPr/>
-              </p:nvSpPr>
-              <p:spPr>
-                <a:xfrm>
-                  <a:off x="1135115" y="723922"/>
-                  <a:ext cx="1008993" cy="390250"/>
-                </a:xfrm>
-                <a:prstGeom prst="rect">
-                  <a:avLst/>
-                </a:prstGeom>
-                <a:solidFill>
-                  <a:schemeClr val="accent5">
-                    <a:lumMod val="20000"/>
-                    <a:lumOff val="80000"/>
-                  </a:schemeClr>
-                </a:solidFill>
-                <a:ln>
-                  <a:solidFill>
-                    <a:schemeClr val="tx1"/>
-                  </a:solidFill>
-                </a:ln>
-              </p:spPr>
-              <p:style>
-                <a:lnRef idx="2">
-                  <a:schemeClr val="accent1">
-                    <a:shade val="50000"/>
-                  </a:schemeClr>
-                </a:lnRef>
-                <a:fillRef idx="1">
-                  <a:schemeClr val="accent1"/>
-                </a:fillRef>
-                <a:effectRef idx="0">
-                  <a:schemeClr val="accent1"/>
-                </a:effectRef>
-                <a:fontRef idx="minor">
-                  <a:schemeClr val="lt1"/>
-                </a:fontRef>
-              </p:style>
-              <p:txBody>
-                <a:bodyPr rtlCol="0" anchor="ctr"/>
-                <a:lstStyle/>
-                <a:p>
-                  <a:pPr algn="ctr"/>
-                  <a:r>
-                    <a:rPr lang="en-US" altLang="zh-CN" sz="600">
-                      <a:solidFill>
-                        <a:schemeClr val="tx1"/>
-                      </a:solidFill>
-                    </a:rPr>
-                    <a:t>device</a:t>
-                  </a:r>
-                </a:p>
-              </p:txBody>
-            </p:sp>
-          </p:grpSp>
-          <p:sp>
-            <p:nvSpPr>
-              <p:cNvPr id="44" name="矩形 43">
-                <a:extLst>
-                  <a:ext uri="{FF2B5EF4-FFF2-40B4-BE49-F238E27FC236}">
-                    <a16:creationId xmlns:a16="http://schemas.microsoft.com/office/drawing/2014/main" id="{B49D5A00-6CB7-F944-8D67-5C9D1306CD13}"/>
-                  </a:ext>
-                </a:extLst>
-              </p:cNvPr>
-              <p:cNvSpPr/>
-              <p:nvPr/>
-            </p:nvSpPr>
-            <p:spPr>
-              <a:xfrm>
-                <a:off x="1135116" y="351526"/>
-                <a:ext cx="1008993" cy="205520"/>
-              </a:xfrm>
-              <a:prstGeom prst="rect">
-                <a:avLst/>
-              </a:prstGeom>
-              <a:noFill/>
-              <a:ln>
-                <a:noFill/>
-              </a:ln>
-            </p:spPr>
-            <p:style>
-              <a:lnRef idx="2">
-                <a:schemeClr val="accent1">
-                  <a:shade val="50000"/>
-                </a:schemeClr>
-              </a:lnRef>
-              <a:fillRef idx="1">
-                <a:schemeClr val="accent1"/>
-              </a:fillRef>
-              <a:effectRef idx="0">
-                <a:schemeClr val="accent1"/>
-              </a:effectRef>
-              <a:fontRef idx="minor">
-                <a:schemeClr val="lt1"/>
-              </a:fontRef>
-            </p:style>
-            <p:txBody>
-              <a:bodyPr rtlCol="0" anchor="ctr"/>
-              <a:lstStyle/>
-              <a:p>
-                <a:pPr algn="ctr"/>
-                <a:r>
-                  <a:rPr kumimoji="1" lang="en-US" altLang="zh-CN" sz="600">
-                    <a:solidFill>
-                      <a:schemeClr val="tx1"/>
-                    </a:solidFill>
-                  </a:rPr>
-                  <a:t>inode</a:t>
-                </a:r>
-                <a:endParaRPr kumimoji="1" lang="zh-CN" altLang="en-US" sz="600">
-                  <a:solidFill>
-                    <a:schemeClr val="tx1"/>
-                  </a:solidFill>
-                </a:endParaRPr>
-              </a:p>
-            </p:txBody>
-          </p:sp>
-        </p:grpSp>
-        <p:sp>
-          <p:nvSpPr>
-            <p:cNvPr id="42" name="矩形 41">
-              <a:extLst>
-                <a:ext uri="{FF2B5EF4-FFF2-40B4-BE49-F238E27FC236}">
-                  <a16:creationId xmlns:a16="http://schemas.microsoft.com/office/drawing/2014/main" id="{C20D9246-DDF1-5742-94CA-DDEA33677C8F}"/>
-                </a:ext>
-              </a:extLst>
-            </p:cNvPr>
-            <p:cNvSpPr/>
-            <p:nvPr/>
-          </p:nvSpPr>
-          <p:spPr>
-            <a:xfrm>
-              <a:off x="5095899" y="5368934"/>
-              <a:ext cx="1660634" cy="553198"/>
-            </a:xfrm>
-            <a:prstGeom prst="rect">
-              <a:avLst/>
-            </a:prstGeom>
-            <a:noFill/>
-            <a:ln>
-              <a:solidFill>
-                <a:schemeClr val="tx1"/>
-              </a:solidFill>
-            </a:ln>
-          </p:spPr>
-          <p:style>
-            <a:lnRef idx="2">
-              <a:schemeClr val="accent1">
-                <a:shade val="50000"/>
-              </a:schemeClr>
-            </a:lnRef>
-            <a:fillRef idx="1">
-              <a:schemeClr val="accent1"/>
-            </a:fillRef>
-            <a:effectRef idx="0">
-              <a:schemeClr val="accent1"/>
-            </a:effectRef>
-            <a:fontRef idx="minor">
-              <a:schemeClr val="lt1"/>
-            </a:fontRef>
-          </p:style>
-          <p:txBody>
-            <a:bodyPr rtlCol="0" anchor="ctr"/>
-            <a:lstStyle/>
-            <a:p>
-              <a:pPr algn="ctr"/>
-              <a:r>
-                <a:rPr lang="en-US" altLang="zh-CN" sz="600">
-                  <a:solidFill>
-                    <a:schemeClr val="tx1"/>
-                  </a:solidFill>
-                </a:rPr>
-                <a:t>fs</a:t>
-              </a:r>
-              <a:r>
-                <a:rPr lang="zh-CN" altLang="en-US" sz="600">
-                  <a:solidFill>
-                    <a:schemeClr val="tx1"/>
-                  </a:solidFill>
-                </a:rPr>
-                <a:t> *</a:t>
-              </a:r>
-              <a:r>
-                <a:rPr lang="en-US" altLang="zh-CN" sz="600">
-                  <a:solidFill>
-                    <a:schemeClr val="tx1"/>
-                  </a:solidFill>
-                </a:rPr>
-                <a:t>in_fs</a:t>
-              </a:r>
-            </a:p>
-          </p:txBody>
-        </p:sp>
-      </p:grpSp>
-      <p:cxnSp>
-        <p:nvCxnSpPr>
-          <p:cNvPr id="11" name="直线连接符 10">
-            <a:extLst>
-              <a:ext uri="{FF2B5EF4-FFF2-40B4-BE49-F238E27FC236}">
-                <a16:creationId xmlns:a16="http://schemas.microsoft.com/office/drawing/2014/main" id="{A2624AA7-BE09-1F4B-958B-19451BB40836}"/>
-              </a:ext>
-            </a:extLst>
-          </p:cNvPr>
-          <p:cNvCxnSpPr>
-            <a:cxnSpLocks/>
-            <a:stCxn id="46" idx="1"/>
-            <a:endCxn id="187" idx="3"/>
-          </p:cNvCxnSpPr>
-          <p:nvPr/>
-        </p:nvCxnSpPr>
-        <p:spPr>
-          <a:xfrm flipH="1">
-            <a:off x="1227307" y="1350041"/>
-            <a:ext cx="740640" cy="135813"/>
-          </a:xfrm>
-          <a:prstGeom prst="line">
-            <a:avLst/>
-          </a:prstGeom>
-          <a:ln>
-            <a:prstDash val="dash"/>
-          </a:ln>
-        </p:spPr>
-        <p:style>
-          <a:lnRef idx="1">
-            <a:schemeClr val="accent1"/>
-          </a:lnRef>
-          <a:fillRef idx="0">
-            <a:schemeClr val="accent1"/>
-          </a:fillRef>
-          <a:effectRef idx="0">
-            <a:schemeClr val="accent1"/>
-          </a:effectRef>
-          <a:fontRef idx="minor">
-            <a:schemeClr val="tx1"/>
-          </a:fontRef>
-        </p:style>
-      </p:cxnSp>
-      <p:grpSp>
-        <p:nvGrpSpPr>
-          <p:cNvPr id="270" name="组合 269">
-            <a:extLst>
-              <a:ext uri="{FF2B5EF4-FFF2-40B4-BE49-F238E27FC236}">
-                <a16:creationId xmlns:a16="http://schemas.microsoft.com/office/drawing/2014/main" id="{E4E3AE9A-DBE5-3F41-AE1C-06558A0EBBA4}"/>
-              </a:ext>
-            </a:extLst>
-          </p:cNvPr>
-          <p:cNvGrpSpPr/>
-          <p:nvPr/>
-        </p:nvGrpSpPr>
-        <p:grpSpPr>
-          <a:xfrm>
-            <a:off x="11010581" y="4951141"/>
-            <a:ext cx="1072881" cy="1809628"/>
-            <a:chOff x="10811168" y="4966280"/>
-            <a:chExt cx="1072881" cy="1809628"/>
-          </a:xfrm>
-        </p:grpSpPr>
-        <p:grpSp>
-          <p:nvGrpSpPr>
-            <p:cNvPr id="35" name="组合 34">
-              <a:extLst>
-                <a:ext uri="{FF2B5EF4-FFF2-40B4-BE49-F238E27FC236}">
-                  <a16:creationId xmlns:a16="http://schemas.microsoft.com/office/drawing/2014/main" id="{0AA0D19C-2EEF-6D41-ABA6-466ACA64CCED}"/>
-                </a:ext>
-              </a:extLst>
-            </p:cNvPr>
-            <p:cNvGrpSpPr/>
-            <p:nvPr/>
-          </p:nvGrpSpPr>
-          <p:grpSpPr>
-            <a:xfrm>
-              <a:off x="10811476" y="4966280"/>
-              <a:ext cx="1072573" cy="582147"/>
-              <a:chOff x="9701590" y="3202620"/>
-              <a:chExt cx="1667498" cy="1693080"/>
-            </a:xfrm>
-          </p:grpSpPr>
-          <p:sp>
-            <p:nvSpPr>
-              <p:cNvPr id="52" name="矩形 51">
-                <a:extLst>
-                  <a:ext uri="{FF2B5EF4-FFF2-40B4-BE49-F238E27FC236}">
-                    <a16:creationId xmlns:a16="http://schemas.microsoft.com/office/drawing/2014/main" id="{D47B317A-5853-0E47-B798-228D45C90938}"/>
-                  </a:ext>
-                </a:extLst>
-              </p:cNvPr>
-              <p:cNvSpPr/>
-              <p:nvPr/>
-            </p:nvSpPr>
-            <p:spPr>
-              <a:xfrm>
-                <a:off x="9708455" y="3502710"/>
-                <a:ext cx="1660633" cy="1392990"/>
-              </a:xfrm>
-              <a:prstGeom prst="rect">
-                <a:avLst/>
-              </a:prstGeom>
-              <a:noFill/>
-              <a:ln>
-                <a:solidFill>
-                  <a:schemeClr val="tx1"/>
-                </a:solidFill>
-              </a:ln>
-            </p:spPr>
-            <p:style>
-              <a:lnRef idx="2">
-                <a:schemeClr val="accent1">
-                  <a:shade val="50000"/>
-                </a:schemeClr>
-              </a:lnRef>
-              <a:fillRef idx="1">
-                <a:schemeClr val="accent1"/>
-              </a:fillRef>
-              <a:effectRef idx="0">
-                <a:schemeClr val="accent1"/>
-              </a:effectRef>
-              <a:fontRef idx="minor">
-                <a:schemeClr val="lt1"/>
-              </a:fontRef>
-            </p:style>
-            <p:txBody>
-              <a:bodyPr rtlCol="0" anchor="ctr"/>
-              <a:lstStyle/>
-              <a:p>
-                <a:pPr algn="ctr"/>
-                <a:endParaRPr kumimoji="1" lang="zh-CN" altLang="en-US" sz="600">
-                  <a:solidFill>
-                    <a:schemeClr val="tx1"/>
-                  </a:solidFill>
-                </a:endParaRPr>
-              </a:p>
-            </p:txBody>
-          </p:sp>
-          <p:sp>
-            <p:nvSpPr>
-              <p:cNvPr id="53" name="矩形 52">
-                <a:extLst>
-                  <a:ext uri="{FF2B5EF4-FFF2-40B4-BE49-F238E27FC236}">
-                    <a16:creationId xmlns:a16="http://schemas.microsoft.com/office/drawing/2014/main" id="{99C49C32-3DEF-E544-9558-5D780C5E605C}"/>
-                  </a:ext>
-                </a:extLst>
-              </p:cNvPr>
-              <p:cNvSpPr/>
-              <p:nvPr/>
-            </p:nvSpPr>
-            <p:spPr>
-              <a:xfrm>
-                <a:off x="9708455" y="3644082"/>
-                <a:ext cx="1660633" cy="305963"/>
-              </a:xfrm>
-              <a:prstGeom prst="rect">
-                <a:avLst/>
-              </a:prstGeom>
-              <a:noFill/>
-              <a:ln>
-                <a:solidFill>
-                  <a:schemeClr val="tx1"/>
-                </a:solidFill>
-              </a:ln>
-            </p:spPr>
-            <p:style>
-              <a:lnRef idx="2">
-                <a:schemeClr val="accent1">
-                  <a:shade val="50000"/>
-                </a:schemeClr>
-              </a:lnRef>
-              <a:fillRef idx="1">
-                <a:schemeClr val="accent1"/>
-              </a:fillRef>
-              <a:effectRef idx="0">
-                <a:schemeClr val="accent1"/>
-              </a:effectRef>
-              <a:fontRef idx="minor">
-                <a:schemeClr val="lt1"/>
-              </a:fontRef>
-            </p:style>
-            <p:txBody>
-              <a:bodyPr rtlCol="0" anchor="ctr"/>
-              <a:lstStyle/>
-              <a:p>
-                <a:pPr algn="ctr"/>
-                <a:r>
-                  <a:rPr lang="en-US" altLang="zh-CN" sz="600">
-                    <a:solidFill>
-                      <a:schemeClr val="tx1"/>
-                    </a:solidFill>
-                  </a:rPr>
-                  <a:t>sfs_disk_inode</a:t>
-                </a:r>
-                <a:r>
-                  <a:rPr lang="zh-CN" altLang="en-US" sz="600">
-                    <a:solidFill>
-                      <a:schemeClr val="tx1"/>
-                    </a:solidFill>
-                  </a:rPr>
-                  <a:t> *</a:t>
-                </a:r>
-                <a:r>
-                  <a:rPr lang="en-US" altLang="zh-CN" sz="600">
-                    <a:solidFill>
-                      <a:schemeClr val="tx1"/>
-                    </a:solidFill>
-                  </a:rPr>
-                  <a:t>din</a:t>
-                </a:r>
-              </a:p>
-            </p:txBody>
-          </p:sp>
-          <p:sp>
-            <p:nvSpPr>
-              <p:cNvPr id="123" name="矩形 122">
-                <a:extLst>
-                  <a:ext uri="{FF2B5EF4-FFF2-40B4-BE49-F238E27FC236}">
-                    <a16:creationId xmlns:a16="http://schemas.microsoft.com/office/drawing/2014/main" id="{DB77D114-F7D6-AA43-98A9-52D2EC505550}"/>
-                  </a:ext>
-                </a:extLst>
-              </p:cNvPr>
-              <p:cNvSpPr/>
-              <p:nvPr/>
-            </p:nvSpPr>
-            <p:spPr>
-              <a:xfrm>
-                <a:off x="9708452" y="4059274"/>
-                <a:ext cx="1660633" cy="259432"/>
-              </a:xfrm>
-              <a:prstGeom prst="rect">
-                <a:avLst/>
-              </a:prstGeom>
-              <a:noFill/>
-              <a:ln>
-                <a:solidFill>
-                  <a:schemeClr val="tx1"/>
-                </a:solidFill>
-              </a:ln>
-            </p:spPr>
-            <p:style>
-              <a:lnRef idx="2">
-                <a:schemeClr val="accent1">
-                  <a:shade val="50000"/>
-                </a:schemeClr>
-              </a:lnRef>
-              <a:fillRef idx="1">
-                <a:schemeClr val="accent1"/>
-              </a:fillRef>
-              <a:effectRef idx="0">
-                <a:schemeClr val="accent1"/>
-              </a:effectRef>
-              <a:fontRef idx="minor">
-                <a:schemeClr val="lt1"/>
-              </a:fontRef>
-            </p:style>
-            <p:txBody>
-              <a:bodyPr rtlCol="0" anchor="ctr"/>
-              <a:lstStyle/>
-              <a:p>
-                <a:pPr algn="ctr"/>
-                <a:r>
-                  <a:rPr lang="en-US" altLang="zh-CN" sz="600">
-                    <a:solidFill>
-                      <a:schemeClr val="tx1"/>
-                    </a:solidFill>
-                  </a:rPr>
-                  <a:t>inode</a:t>
-                </a:r>
-                <a:r>
-                  <a:rPr lang="zh-CN" altLang="en-US" sz="600">
-                    <a:solidFill>
-                      <a:schemeClr val="tx1"/>
-                    </a:solidFill>
-                  </a:rPr>
-                  <a:t> </a:t>
-                </a:r>
-                <a:r>
-                  <a:rPr lang="en-US" altLang="zh-CN" sz="600">
-                    <a:solidFill>
-                      <a:schemeClr val="tx1"/>
-                    </a:solidFill>
-                  </a:rPr>
-                  <a:t>number</a:t>
-                </a:r>
-              </a:p>
-            </p:txBody>
-          </p:sp>
-          <p:sp>
-            <p:nvSpPr>
-              <p:cNvPr id="152" name="同侧圆角矩形 151">
-                <a:extLst>
-                  <a:ext uri="{FF2B5EF4-FFF2-40B4-BE49-F238E27FC236}">
-                    <a16:creationId xmlns:a16="http://schemas.microsoft.com/office/drawing/2014/main" id="{378009A4-BFBF-DF4A-A08C-C36BC2890A6A}"/>
-                  </a:ext>
-                </a:extLst>
-              </p:cNvPr>
-              <p:cNvSpPr/>
-              <p:nvPr/>
-            </p:nvSpPr>
-            <p:spPr>
-              <a:xfrm>
-                <a:off x="9701590" y="3202620"/>
-                <a:ext cx="1667495" cy="305963"/>
-              </a:xfrm>
-              <a:prstGeom prst="round2SameRect">
-                <a:avLst/>
-              </a:prstGeom>
-              <a:noFill/>
-              <a:ln>
-                <a:solidFill>
-                  <a:schemeClr val="tx1"/>
-                </a:solidFill>
-              </a:ln>
-            </p:spPr>
-            <p:style>
-              <a:lnRef idx="2">
-                <a:schemeClr val="accent1">
-                  <a:shade val="50000"/>
-                </a:schemeClr>
-              </a:lnRef>
-              <a:fillRef idx="1">
-                <a:schemeClr val="accent1"/>
-              </a:fillRef>
-              <a:effectRef idx="0">
-                <a:schemeClr val="accent1"/>
-              </a:effectRef>
-              <a:fontRef idx="minor">
-                <a:schemeClr val="lt1"/>
-              </a:fontRef>
-            </p:style>
-            <p:txBody>
-              <a:bodyPr rot="0" spcFirstLastPara="0" vertOverflow="overflow" horzOverflow="overflow" vert="horz" wrap="square" lIns="91440" tIns="45720" rIns="91440" bIns="45720" numCol="1" spcCol="0" rtlCol="0" fromWordArt="0" anchor="ctr" anchorCtr="0" forceAA="0" compatLnSpc="1">
-                <a:prstTxWarp prst="textNoShape">
-                  <a:avLst/>
-                </a:prstTxWarp>
-                <a:noAutofit/>
-              </a:bodyPr>
-              <a:lstStyle/>
-              <a:p>
-                <a:pPr algn="ctr"/>
-                <a:r>
-                  <a:rPr kumimoji="1" lang="en-US" altLang="zh-CN" sz="800">
-                    <a:solidFill>
-                      <a:schemeClr val="tx1"/>
-                    </a:solidFill>
-                  </a:rPr>
-                  <a:t>sfs_inode</a:t>
-                </a:r>
-                <a:endParaRPr kumimoji="1" lang="zh-CN" altLang="en-US" sz="800">
-                  <a:solidFill>
-                    <a:schemeClr val="tx1"/>
-                  </a:solidFill>
-                </a:endParaRPr>
-              </a:p>
-            </p:txBody>
-          </p:sp>
-        </p:grpSp>
-        <p:grpSp>
-          <p:nvGrpSpPr>
-            <p:cNvPr id="37" name="组合 36">
-              <a:extLst>
-                <a:ext uri="{FF2B5EF4-FFF2-40B4-BE49-F238E27FC236}">
-                  <a16:creationId xmlns:a16="http://schemas.microsoft.com/office/drawing/2014/main" id="{61513BFC-AE92-8340-B799-21C6823283A9}"/>
-                </a:ext>
-              </a:extLst>
-            </p:cNvPr>
-            <p:cNvGrpSpPr/>
-            <p:nvPr/>
-          </p:nvGrpSpPr>
-          <p:grpSpPr>
-            <a:xfrm>
-              <a:off x="10811168" y="6339130"/>
-              <a:ext cx="1070313" cy="436778"/>
-              <a:chOff x="9701590" y="5430221"/>
-              <a:chExt cx="1663985" cy="1270298"/>
-            </a:xfrm>
-          </p:grpSpPr>
-          <p:sp>
-            <p:nvSpPr>
-              <p:cNvPr id="62" name="矩形 61">
-                <a:extLst>
-                  <a:ext uri="{FF2B5EF4-FFF2-40B4-BE49-F238E27FC236}">
-                    <a16:creationId xmlns:a16="http://schemas.microsoft.com/office/drawing/2014/main" id="{BAB559AC-3E88-B24C-9146-D82C875A417E}"/>
-                  </a:ext>
-                </a:extLst>
-              </p:cNvPr>
-              <p:cNvSpPr/>
-              <p:nvPr/>
-            </p:nvSpPr>
-            <p:spPr>
-              <a:xfrm>
-                <a:off x="9704942" y="5736025"/>
-                <a:ext cx="1660633" cy="964494"/>
-              </a:xfrm>
-              <a:prstGeom prst="rect">
-                <a:avLst/>
-              </a:prstGeom>
-              <a:noFill/>
-              <a:ln>
-                <a:solidFill>
-                  <a:schemeClr val="tx1"/>
-                </a:solidFill>
-              </a:ln>
-            </p:spPr>
-            <p:style>
-              <a:lnRef idx="2">
-                <a:schemeClr val="accent1">
-                  <a:shade val="50000"/>
-                </a:schemeClr>
-              </a:lnRef>
-              <a:fillRef idx="1">
-                <a:schemeClr val="accent1"/>
-              </a:fillRef>
-              <a:effectRef idx="0">
-                <a:schemeClr val="accent1"/>
-              </a:effectRef>
-              <a:fontRef idx="minor">
-                <a:schemeClr val="lt1"/>
-              </a:fontRef>
-            </p:style>
-            <p:txBody>
-              <a:bodyPr rtlCol="0" anchor="ctr"/>
-              <a:lstStyle/>
-              <a:p>
-                <a:pPr algn="ctr"/>
-                <a:endParaRPr kumimoji="1" lang="zh-CN" altLang="en-US" sz="600">
-                  <a:solidFill>
-                    <a:schemeClr val="tx1"/>
-                  </a:solidFill>
-                </a:endParaRPr>
-              </a:p>
-            </p:txBody>
-          </p:sp>
-          <p:sp>
-            <p:nvSpPr>
-              <p:cNvPr id="76" name="矩形 75">
-                <a:extLst>
-                  <a:ext uri="{FF2B5EF4-FFF2-40B4-BE49-F238E27FC236}">
-                    <a16:creationId xmlns:a16="http://schemas.microsoft.com/office/drawing/2014/main" id="{65DCF58D-32A3-B84B-83B8-C3B1C8EFA17B}"/>
-                  </a:ext>
-                </a:extLst>
-              </p:cNvPr>
-              <p:cNvSpPr/>
-              <p:nvPr/>
-            </p:nvSpPr>
-            <p:spPr>
-              <a:xfrm>
-                <a:off x="9704939" y="5915181"/>
-                <a:ext cx="1660633" cy="262276"/>
-              </a:xfrm>
-              <a:prstGeom prst="rect">
-                <a:avLst/>
-              </a:prstGeom>
-              <a:noFill/>
-              <a:ln>
-                <a:solidFill>
-                  <a:schemeClr val="tx1"/>
-                </a:solidFill>
-              </a:ln>
-            </p:spPr>
-            <p:style>
-              <a:lnRef idx="2">
-                <a:schemeClr val="accent1">
-                  <a:shade val="50000"/>
-                </a:schemeClr>
-              </a:lnRef>
-              <a:fillRef idx="1">
-                <a:schemeClr val="accent1"/>
-              </a:fillRef>
-              <a:effectRef idx="0">
-                <a:schemeClr val="accent1"/>
-              </a:effectRef>
-              <a:fontRef idx="minor">
-                <a:schemeClr val="lt1"/>
-              </a:fontRef>
-            </p:style>
-            <p:txBody>
-              <a:bodyPr rtlCol="0" anchor="ctr"/>
-              <a:lstStyle/>
-              <a:p>
-                <a:pPr algn="ctr"/>
-                <a:r>
-                  <a:rPr lang="en-US" altLang="zh-CN" sz="600">
-                    <a:solidFill>
-                      <a:schemeClr val="tx1"/>
-                    </a:solidFill>
-                  </a:rPr>
-                  <a:t>size</a:t>
-                </a:r>
-              </a:p>
-            </p:txBody>
-          </p:sp>
-          <p:sp>
-            <p:nvSpPr>
-              <p:cNvPr id="77" name="矩形 76">
-                <a:extLst>
-                  <a:ext uri="{FF2B5EF4-FFF2-40B4-BE49-F238E27FC236}">
-                    <a16:creationId xmlns:a16="http://schemas.microsoft.com/office/drawing/2014/main" id="{967534EA-3600-CE44-B769-51CF3D0F45A4}"/>
-                  </a:ext>
-                </a:extLst>
-              </p:cNvPr>
-              <p:cNvSpPr/>
-              <p:nvPr/>
-            </p:nvSpPr>
-            <p:spPr>
-              <a:xfrm>
-                <a:off x="9701590" y="6286969"/>
-                <a:ext cx="1660633" cy="262276"/>
-              </a:xfrm>
-              <a:prstGeom prst="rect">
-                <a:avLst/>
-              </a:prstGeom>
-              <a:noFill/>
-              <a:ln>
-                <a:solidFill>
-                  <a:schemeClr val="tx1"/>
-                </a:solidFill>
-              </a:ln>
-            </p:spPr>
-            <p:style>
-              <a:lnRef idx="2">
-                <a:schemeClr val="accent1">
-                  <a:shade val="50000"/>
-                </a:schemeClr>
-              </a:lnRef>
-              <a:fillRef idx="1">
-                <a:schemeClr val="accent1"/>
-              </a:fillRef>
-              <a:effectRef idx="0">
-                <a:schemeClr val="accent1"/>
-              </a:effectRef>
-              <a:fontRef idx="minor">
-                <a:schemeClr val="lt1"/>
-              </a:fontRef>
-            </p:style>
-            <p:txBody>
-              <a:bodyPr rtlCol="0" anchor="ctr"/>
-              <a:lstStyle/>
-              <a:p>
-                <a:pPr algn="ctr"/>
-                <a:r>
-                  <a:rPr lang="en-US" altLang="zh-CN" sz="600">
-                    <a:solidFill>
-                      <a:schemeClr val="tx1"/>
-                    </a:solidFill>
-                  </a:rPr>
-                  <a:t>blocks</a:t>
-                </a:r>
-              </a:p>
-            </p:txBody>
-          </p:sp>
-          <p:sp>
-            <p:nvSpPr>
-              <p:cNvPr id="153" name="同侧圆角矩形 152">
-                <a:extLst>
-                  <a:ext uri="{FF2B5EF4-FFF2-40B4-BE49-F238E27FC236}">
-                    <a16:creationId xmlns:a16="http://schemas.microsoft.com/office/drawing/2014/main" id="{0C173BCB-A0E3-354E-8043-4950AE78D8DF}"/>
-                  </a:ext>
-                </a:extLst>
-              </p:cNvPr>
-              <p:cNvSpPr/>
-              <p:nvPr/>
-            </p:nvSpPr>
-            <p:spPr>
-              <a:xfrm>
-                <a:off x="9705020" y="5430221"/>
-                <a:ext cx="1657203" cy="305963"/>
-              </a:xfrm>
-              <a:prstGeom prst="round2SameRect">
-                <a:avLst/>
-              </a:prstGeom>
-              <a:noFill/>
-              <a:ln>
-                <a:solidFill>
-                  <a:schemeClr val="tx1"/>
-                </a:solidFill>
-              </a:ln>
-            </p:spPr>
-            <p:style>
-              <a:lnRef idx="2">
-                <a:schemeClr val="accent1">
-                  <a:shade val="50000"/>
-                </a:schemeClr>
-              </a:lnRef>
-              <a:fillRef idx="1">
-                <a:schemeClr val="accent1"/>
-              </a:fillRef>
-              <a:effectRef idx="0">
-                <a:schemeClr val="accent1"/>
-              </a:effectRef>
-              <a:fontRef idx="minor">
-                <a:schemeClr val="lt1"/>
-              </a:fontRef>
-            </p:style>
-            <p:txBody>
-              <a:bodyPr rot="0" spcFirstLastPara="0" vertOverflow="overflow" horzOverflow="overflow" vert="horz" wrap="square" lIns="91440" tIns="45720" rIns="91440" bIns="45720" numCol="1" spcCol="0" rtlCol="0" fromWordArt="0" anchor="ctr" anchorCtr="0" forceAA="0" compatLnSpc="1">
-                <a:prstTxWarp prst="textNoShape">
-                  <a:avLst/>
-                </a:prstTxWarp>
-                <a:noAutofit/>
-              </a:bodyPr>
-              <a:lstStyle/>
-              <a:p>
-                <a:pPr algn="ctr"/>
-                <a:r>
-                  <a:rPr kumimoji="1" lang="en-US" altLang="zh-CN" sz="400">
-                    <a:solidFill>
-                      <a:schemeClr val="tx1"/>
-                    </a:solidFill>
-                  </a:rPr>
-                  <a:t>sfs_disk_inode</a:t>
-                </a:r>
-              </a:p>
-              <a:p>
-                <a:pPr algn="ctr"/>
-                <a:r>
-                  <a:rPr kumimoji="1" lang="zh-CN" altLang="en-US" sz="100">
-                    <a:solidFill>
-                      <a:schemeClr val="tx1"/>
-                    </a:solidFill>
-                  </a:rPr>
-                  <a:t>直接对应磁盘结构</a:t>
-                </a:r>
-              </a:p>
-            </p:txBody>
-          </p:sp>
-        </p:grpSp>
-        <p:cxnSp>
-          <p:nvCxnSpPr>
-            <p:cNvPr id="156" name="曲线连接符 155">
-              <a:extLst>
-                <a:ext uri="{FF2B5EF4-FFF2-40B4-BE49-F238E27FC236}">
-                  <a16:creationId xmlns:a16="http://schemas.microsoft.com/office/drawing/2014/main" id="{C1C0C426-A928-5E4E-9ABA-DECAFAF733FE}"/>
-                </a:ext>
-              </a:extLst>
-            </p:cNvPr>
-            <p:cNvCxnSpPr>
-              <a:stCxn id="53" idx="2"/>
-              <a:endCxn id="153" idx="3"/>
-            </p:cNvCxnSpPr>
-            <p:nvPr/>
-          </p:nvCxnSpPr>
-          <p:spPr>
-            <a:xfrm rot="5400000">
-              <a:off x="10790233" y="5779392"/>
-              <a:ext cx="1115856" cy="3621"/>
-            </a:xfrm>
-            <a:prstGeom prst="curvedConnector3">
-              <a:avLst/>
-            </a:prstGeom>
-            <a:ln>
-              <a:tailEnd type="triangle"/>
-            </a:ln>
-          </p:spPr>
-          <p:style>
-            <a:lnRef idx="1">
-              <a:schemeClr val="accent1"/>
-            </a:lnRef>
-            <a:fillRef idx="0">
-              <a:schemeClr val="accent1"/>
-            </a:fillRef>
-            <a:effectRef idx="0">
-              <a:schemeClr val="accent1"/>
-            </a:effectRef>
-            <a:fontRef idx="minor">
-              <a:schemeClr val="tx1"/>
-            </a:fontRef>
-          </p:style>
-        </p:cxnSp>
-      </p:grpSp>
-      <p:grpSp>
-        <p:nvGrpSpPr>
-          <p:cNvPr id="271" name="组合 270">
-            <a:extLst>
-              <a:ext uri="{FF2B5EF4-FFF2-40B4-BE49-F238E27FC236}">
-                <a16:creationId xmlns:a16="http://schemas.microsoft.com/office/drawing/2014/main" id="{96A49A60-86DC-314E-81BC-B26E18355D4F}"/>
-              </a:ext>
-            </a:extLst>
-          </p:cNvPr>
-          <p:cNvGrpSpPr/>
-          <p:nvPr/>
-        </p:nvGrpSpPr>
-        <p:grpSpPr>
-          <a:xfrm>
-            <a:off x="9493210" y="4914266"/>
-            <a:ext cx="1072881" cy="1809628"/>
-            <a:chOff x="9161418" y="5024000"/>
-            <a:chExt cx="1072881" cy="1809628"/>
-          </a:xfrm>
-        </p:grpSpPr>
-        <p:grpSp>
-          <p:nvGrpSpPr>
-            <p:cNvPr id="157" name="组合 156">
-              <a:extLst>
-                <a:ext uri="{FF2B5EF4-FFF2-40B4-BE49-F238E27FC236}">
-                  <a16:creationId xmlns:a16="http://schemas.microsoft.com/office/drawing/2014/main" id="{1982B8B8-5808-ED43-ACDD-3DF7DB7CDD0C}"/>
-                </a:ext>
-              </a:extLst>
-            </p:cNvPr>
-            <p:cNvGrpSpPr/>
-            <p:nvPr/>
-          </p:nvGrpSpPr>
-          <p:grpSpPr>
-            <a:xfrm>
-              <a:off x="9161726" y="5024000"/>
-              <a:ext cx="1072573" cy="582147"/>
-              <a:chOff x="9701590" y="3202620"/>
-              <a:chExt cx="1667498" cy="1693080"/>
-            </a:xfrm>
-          </p:grpSpPr>
-          <p:sp>
-            <p:nvSpPr>
-              <p:cNvPr id="158" name="矩形 157">
-                <a:extLst>
-                  <a:ext uri="{FF2B5EF4-FFF2-40B4-BE49-F238E27FC236}">
-                    <a16:creationId xmlns:a16="http://schemas.microsoft.com/office/drawing/2014/main" id="{DD468831-F8BD-F64F-9E91-2AF6DABC3F7D}"/>
-                  </a:ext>
-                </a:extLst>
-              </p:cNvPr>
-              <p:cNvSpPr/>
-              <p:nvPr/>
-            </p:nvSpPr>
-            <p:spPr>
-              <a:xfrm>
-                <a:off x="9708455" y="3502710"/>
-                <a:ext cx="1660633" cy="1392990"/>
-              </a:xfrm>
-              <a:prstGeom prst="rect">
-                <a:avLst/>
-              </a:prstGeom>
-              <a:noFill/>
-              <a:ln>
-                <a:solidFill>
-                  <a:schemeClr val="tx1"/>
-                </a:solidFill>
-              </a:ln>
-            </p:spPr>
-            <p:style>
-              <a:lnRef idx="2">
-                <a:schemeClr val="accent1">
-                  <a:shade val="50000"/>
-                </a:schemeClr>
-              </a:lnRef>
-              <a:fillRef idx="1">
-                <a:schemeClr val="accent1"/>
-              </a:fillRef>
-              <a:effectRef idx="0">
-                <a:schemeClr val="accent1"/>
-              </a:effectRef>
-              <a:fontRef idx="minor">
-                <a:schemeClr val="lt1"/>
-              </a:fontRef>
-            </p:style>
-            <p:txBody>
-              <a:bodyPr rtlCol="0" anchor="ctr"/>
-              <a:lstStyle/>
-              <a:p>
-                <a:pPr algn="ctr"/>
-                <a:endParaRPr kumimoji="1" lang="zh-CN" altLang="en-US" sz="600">
-                  <a:solidFill>
-                    <a:schemeClr val="tx1"/>
-                  </a:solidFill>
-                </a:endParaRPr>
-              </a:p>
-            </p:txBody>
-          </p:sp>
-          <p:sp>
-            <p:nvSpPr>
-              <p:cNvPr id="159" name="矩形 158">
-                <a:extLst>
-                  <a:ext uri="{FF2B5EF4-FFF2-40B4-BE49-F238E27FC236}">
-                    <a16:creationId xmlns:a16="http://schemas.microsoft.com/office/drawing/2014/main" id="{A9FD306C-CE66-AA40-9D92-D2DFDCED4270}"/>
-                  </a:ext>
-                </a:extLst>
-              </p:cNvPr>
-              <p:cNvSpPr/>
-              <p:nvPr/>
-            </p:nvSpPr>
-            <p:spPr>
-              <a:xfrm>
-                <a:off x="9708455" y="3644082"/>
-                <a:ext cx="1660633" cy="305963"/>
-              </a:xfrm>
-              <a:prstGeom prst="rect">
-                <a:avLst/>
-              </a:prstGeom>
-              <a:noFill/>
-              <a:ln>
-                <a:solidFill>
-                  <a:schemeClr val="tx1"/>
-                </a:solidFill>
-              </a:ln>
-            </p:spPr>
-            <p:style>
-              <a:lnRef idx="2">
-                <a:schemeClr val="accent1">
-                  <a:shade val="50000"/>
-                </a:schemeClr>
-              </a:lnRef>
-              <a:fillRef idx="1">
-                <a:schemeClr val="accent1"/>
-              </a:fillRef>
-              <a:effectRef idx="0">
-                <a:schemeClr val="accent1"/>
-              </a:effectRef>
-              <a:fontRef idx="minor">
-                <a:schemeClr val="lt1"/>
-              </a:fontRef>
-            </p:style>
-            <p:txBody>
-              <a:bodyPr rtlCol="0" anchor="ctr"/>
-              <a:lstStyle/>
-              <a:p>
-                <a:pPr algn="ctr"/>
-                <a:r>
-                  <a:rPr lang="en-US" altLang="zh-CN" sz="600">
-                    <a:solidFill>
-                      <a:schemeClr val="tx1"/>
-                    </a:solidFill>
-                  </a:rPr>
-                  <a:t>sfs_disk_inode</a:t>
-                </a:r>
-                <a:r>
-                  <a:rPr lang="zh-CN" altLang="en-US" sz="600">
-                    <a:solidFill>
-                      <a:schemeClr val="tx1"/>
-                    </a:solidFill>
-                  </a:rPr>
-                  <a:t> *</a:t>
-                </a:r>
-                <a:r>
-                  <a:rPr lang="en-US" altLang="zh-CN" sz="600">
-                    <a:solidFill>
-                      <a:schemeClr val="tx1"/>
-                    </a:solidFill>
-                  </a:rPr>
-                  <a:t>din</a:t>
-                </a:r>
-              </a:p>
-            </p:txBody>
-          </p:sp>
-          <p:sp>
-            <p:nvSpPr>
-              <p:cNvPr id="160" name="矩形 159">
-                <a:extLst>
-                  <a:ext uri="{FF2B5EF4-FFF2-40B4-BE49-F238E27FC236}">
-                    <a16:creationId xmlns:a16="http://schemas.microsoft.com/office/drawing/2014/main" id="{4B90BA01-882F-D54B-9C12-03F22D953293}"/>
-                  </a:ext>
-                </a:extLst>
-              </p:cNvPr>
-              <p:cNvSpPr/>
-              <p:nvPr/>
-            </p:nvSpPr>
-            <p:spPr>
-              <a:xfrm>
-                <a:off x="9708452" y="4059274"/>
-                <a:ext cx="1660633" cy="259432"/>
-              </a:xfrm>
-              <a:prstGeom prst="rect">
-                <a:avLst/>
-              </a:prstGeom>
-              <a:noFill/>
-              <a:ln>
-                <a:solidFill>
-                  <a:schemeClr val="tx1"/>
-                </a:solidFill>
-              </a:ln>
-            </p:spPr>
-            <p:style>
-              <a:lnRef idx="2">
-                <a:schemeClr val="accent1">
-                  <a:shade val="50000"/>
-                </a:schemeClr>
-              </a:lnRef>
-              <a:fillRef idx="1">
-                <a:schemeClr val="accent1"/>
-              </a:fillRef>
-              <a:effectRef idx="0">
-                <a:schemeClr val="accent1"/>
-              </a:effectRef>
-              <a:fontRef idx="minor">
-                <a:schemeClr val="lt1"/>
-              </a:fontRef>
-            </p:style>
-            <p:txBody>
-              <a:bodyPr rtlCol="0" anchor="ctr"/>
-              <a:lstStyle/>
-              <a:p>
-                <a:pPr algn="ctr"/>
-                <a:r>
-                  <a:rPr lang="en-US" altLang="zh-CN" sz="600">
-                    <a:solidFill>
-                      <a:schemeClr val="tx1"/>
-                    </a:solidFill>
-                  </a:rPr>
-                  <a:t>inode</a:t>
-                </a:r>
-                <a:r>
-                  <a:rPr lang="zh-CN" altLang="en-US" sz="600">
-                    <a:solidFill>
-                      <a:schemeClr val="tx1"/>
-                    </a:solidFill>
-                  </a:rPr>
-                  <a:t> </a:t>
-                </a:r>
-                <a:r>
-                  <a:rPr lang="en-US" altLang="zh-CN" sz="600">
-                    <a:solidFill>
-                      <a:schemeClr val="tx1"/>
-                    </a:solidFill>
-                  </a:rPr>
-                  <a:t>number</a:t>
-                </a:r>
-              </a:p>
-            </p:txBody>
-          </p:sp>
-          <p:sp>
-            <p:nvSpPr>
-              <p:cNvPr id="161" name="同侧圆角矩形 160">
-                <a:extLst>
-                  <a:ext uri="{FF2B5EF4-FFF2-40B4-BE49-F238E27FC236}">
-                    <a16:creationId xmlns:a16="http://schemas.microsoft.com/office/drawing/2014/main" id="{D6468E2C-5F3F-F349-ABDD-6F0C16C7D2CB}"/>
-                  </a:ext>
-                </a:extLst>
-              </p:cNvPr>
-              <p:cNvSpPr/>
-              <p:nvPr/>
-            </p:nvSpPr>
-            <p:spPr>
-              <a:xfrm>
-                <a:off x="9701590" y="3202620"/>
-                <a:ext cx="1667495" cy="305963"/>
-              </a:xfrm>
-              <a:prstGeom prst="round2SameRect">
-                <a:avLst/>
-              </a:prstGeom>
-              <a:noFill/>
-              <a:ln>
-                <a:solidFill>
-                  <a:schemeClr val="tx1"/>
-                </a:solidFill>
-              </a:ln>
-            </p:spPr>
-            <p:style>
-              <a:lnRef idx="2">
-                <a:schemeClr val="accent1">
-                  <a:shade val="50000"/>
-                </a:schemeClr>
-              </a:lnRef>
-              <a:fillRef idx="1">
-                <a:schemeClr val="accent1"/>
-              </a:fillRef>
-              <a:effectRef idx="0">
-                <a:schemeClr val="accent1"/>
-              </a:effectRef>
-              <a:fontRef idx="minor">
-                <a:schemeClr val="lt1"/>
-              </a:fontRef>
-            </p:style>
-            <p:txBody>
-              <a:bodyPr rot="0" spcFirstLastPara="0" vertOverflow="overflow" horzOverflow="overflow" vert="horz" wrap="square" lIns="91440" tIns="45720" rIns="91440" bIns="45720" numCol="1" spcCol="0" rtlCol="0" fromWordArt="0" anchor="ctr" anchorCtr="0" forceAA="0" compatLnSpc="1">
-                <a:prstTxWarp prst="textNoShape">
-                  <a:avLst/>
-                </a:prstTxWarp>
-                <a:noAutofit/>
-              </a:bodyPr>
-              <a:lstStyle/>
-              <a:p>
-                <a:pPr algn="ctr"/>
-                <a:r>
-                  <a:rPr kumimoji="1" lang="en-US" altLang="zh-CN" sz="800">
-                    <a:solidFill>
-                      <a:schemeClr val="tx1"/>
-                    </a:solidFill>
-                  </a:rPr>
-                  <a:t>sfs_inode</a:t>
-                </a:r>
-                <a:endParaRPr kumimoji="1" lang="zh-CN" altLang="en-US" sz="800">
-                  <a:solidFill>
-                    <a:schemeClr val="tx1"/>
-                  </a:solidFill>
-                </a:endParaRPr>
-              </a:p>
-            </p:txBody>
-          </p:sp>
-        </p:grpSp>
-        <p:grpSp>
-          <p:nvGrpSpPr>
-            <p:cNvPr id="162" name="组合 161">
-              <a:extLst>
-                <a:ext uri="{FF2B5EF4-FFF2-40B4-BE49-F238E27FC236}">
-                  <a16:creationId xmlns:a16="http://schemas.microsoft.com/office/drawing/2014/main" id="{CCC562FB-35A5-F54E-BD00-8F611EC1638E}"/>
-                </a:ext>
-              </a:extLst>
-            </p:cNvPr>
-            <p:cNvGrpSpPr/>
-            <p:nvPr/>
-          </p:nvGrpSpPr>
-          <p:grpSpPr>
-            <a:xfrm>
-              <a:off x="9161418" y="6396850"/>
-              <a:ext cx="1070313" cy="436778"/>
-              <a:chOff x="9701590" y="5430221"/>
-              <a:chExt cx="1663985" cy="1270298"/>
-            </a:xfrm>
-          </p:grpSpPr>
-          <p:sp>
-            <p:nvSpPr>
-              <p:cNvPr id="163" name="矩形 162">
-                <a:extLst>
-                  <a:ext uri="{FF2B5EF4-FFF2-40B4-BE49-F238E27FC236}">
-                    <a16:creationId xmlns:a16="http://schemas.microsoft.com/office/drawing/2014/main" id="{6A5124FA-EA48-CF44-B51E-7222D8E10897}"/>
-                  </a:ext>
-                </a:extLst>
-              </p:cNvPr>
-              <p:cNvSpPr/>
-              <p:nvPr/>
-            </p:nvSpPr>
-            <p:spPr>
-              <a:xfrm>
-                <a:off x="9704942" y="5736025"/>
-                <a:ext cx="1660633" cy="964494"/>
-              </a:xfrm>
-              <a:prstGeom prst="rect">
-                <a:avLst/>
-              </a:prstGeom>
-              <a:noFill/>
-              <a:ln>
-                <a:solidFill>
-                  <a:schemeClr val="tx1"/>
-                </a:solidFill>
-              </a:ln>
-            </p:spPr>
-            <p:style>
-              <a:lnRef idx="2">
-                <a:schemeClr val="accent1">
-                  <a:shade val="50000"/>
-                </a:schemeClr>
-              </a:lnRef>
-              <a:fillRef idx="1">
-                <a:schemeClr val="accent1"/>
-              </a:fillRef>
-              <a:effectRef idx="0">
-                <a:schemeClr val="accent1"/>
-              </a:effectRef>
-              <a:fontRef idx="minor">
-                <a:schemeClr val="lt1"/>
-              </a:fontRef>
-            </p:style>
-            <p:txBody>
-              <a:bodyPr rtlCol="0" anchor="ctr"/>
-              <a:lstStyle/>
-              <a:p>
-                <a:pPr algn="ctr"/>
-                <a:endParaRPr kumimoji="1" lang="zh-CN" altLang="en-US" sz="600">
-                  <a:solidFill>
-                    <a:schemeClr val="tx1"/>
-                  </a:solidFill>
-                </a:endParaRPr>
-              </a:p>
-            </p:txBody>
-          </p:sp>
-          <p:sp>
-            <p:nvSpPr>
-              <p:cNvPr id="164" name="矩形 163">
-                <a:extLst>
-                  <a:ext uri="{FF2B5EF4-FFF2-40B4-BE49-F238E27FC236}">
-                    <a16:creationId xmlns:a16="http://schemas.microsoft.com/office/drawing/2014/main" id="{2A42E66A-2B92-484F-849E-4A8A4C315A65}"/>
-                  </a:ext>
-                </a:extLst>
-              </p:cNvPr>
-              <p:cNvSpPr/>
-              <p:nvPr/>
-            </p:nvSpPr>
-            <p:spPr>
-              <a:xfrm>
-                <a:off x="9704939" y="5915181"/>
-                <a:ext cx="1660633" cy="262276"/>
-              </a:xfrm>
-              <a:prstGeom prst="rect">
-                <a:avLst/>
-              </a:prstGeom>
-              <a:noFill/>
-              <a:ln>
-                <a:solidFill>
-                  <a:schemeClr val="tx1"/>
-                </a:solidFill>
-              </a:ln>
-            </p:spPr>
-            <p:style>
-              <a:lnRef idx="2">
-                <a:schemeClr val="accent1">
-                  <a:shade val="50000"/>
-                </a:schemeClr>
-              </a:lnRef>
-              <a:fillRef idx="1">
-                <a:schemeClr val="accent1"/>
-              </a:fillRef>
-              <a:effectRef idx="0">
-                <a:schemeClr val="accent1"/>
-              </a:effectRef>
-              <a:fontRef idx="minor">
-                <a:schemeClr val="lt1"/>
-              </a:fontRef>
-            </p:style>
-            <p:txBody>
-              <a:bodyPr rtlCol="0" anchor="ctr"/>
-              <a:lstStyle/>
-              <a:p>
-                <a:pPr algn="ctr"/>
-                <a:r>
-                  <a:rPr lang="en-US" altLang="zh-CN" sz="600">
-                    <a:solidFill>
-                      <a:schemeClr val="tx1"/>
-                    </a:solidFill>
-                  </a:rPr>
-                  <a:t>size</a:t>
-                </a:r>
-              </a:p>
-            </p:txBody>
-          </p:sp>
-          <p:sp>
-            <p:nvSpPr>
-              <p:cNvPr id="165" name="矩形 164">
-                <a:extLst>
-                  <a:ext uri="{FF2B5EF4-FFF2-40B4-BE49-F238E27FC236}">
-                    <a16:creationId xmlns:a16="http://schemas.microsoft.com/office/drawing/2014/main" id="{447C86BE-C090-C748-A95D-401CF6F52876}"/>
-                  </a:ext>
-                </a:extLst>
-              </p:cNvPr>
-              <p:cNvSpPr/>
-              <p:nvPr/>
-            </p:nvSpPr>
-            <p:spPr>
-              <a:xfrm>
-                <a:off x="9701590" y="6286969"/>
-                <a:ext cx="1660633" cy="262276"/>
-              </a:xfrm>
-              <a:prstGeom prst="rect">
-                <a:avLst/>
-              </a:prstGeom>
-              <a:noFill/>
-              <a:ln>
-                <a:solidFill>
-                  <a:schemeClr val="tx1"/>
-                </a:solidFill>
-              </a:ln>
-            </p:spPr>
-            <p:style>
-              <a:lnRef idx="2">
-                <a:schemeClr val="accent1">
-                  <a:shade val="50000"/>
-                </a:schemeClr>
-              </a:lnRef>
-              <a:fillRef idx="1">
-                <a:schemeClr val="accent1"/>
-              </a:fillRef>
-              <a:effectRef idx="0">
-                <a:schemeClr val="accent1"/>
-              </a:effectRef>
-              <a:fontRef idx="minor">
-                <a:schemeClr val="lt1"/>
-              </a:fontRef>
-            </p:style>
-            <p:txBody>
-              <a:bodyPr rtlCol="0" anchor="ctr"/>
-              <a:lstStyle/>
-              <a:p>
-                <a:pPr algn="ctr"/>
-                <a:r>
-                  <a:rPr lang="en-US" altLang="zh-CN" sz="600">
-                    <a:solidFill>
-                      <a:schemeClr val="tx1"/>
-                    </a:solidFill>
-                  </a:rPr>
-                  <a:t>blocks</a:t>
-                </a:r>
-              </a:p>
-            </p:txBody>
-          </p:sp>
-          <p:sp>
-            <p:nvSpPr>
-              <p:cNvPr id="166" name="同侧圆角矩形 165">
-                <a:extLst>
-                  <a:ext uri="{FF2B5EF4-FFF2-40B4-BE49-F238E27FC236}">
-                    <a16:creationId xmlns:a16="http://schemas.microsoft.com/office/drawing/2014/main" id="{52370FFD-EF35-7441-AA41-282A99666E7E}"/>
-                  </a:ext>
-                </a:extLst>
-              </p:cNvPr>
-              <p:cNvSpPr/>
-              <p:nvPr/>
-            </p:nvSpPr>
-            <p:spPr>
-              <a:xfrm>
-                <a:off x="9705020" y="5430221"/>
-                <a:ext cx="1657203" cy="305963"/>
-              </a:xfrm>
-              <a:prstGeom prst="round2SameRect">
-                <a:avLst/>
-              </a:prstGeom>
-              <a:noFill/>
-              <a:ln>
-                <a:solidFill>
-                  <a:schemeClr val="tx1"/>
-                </a:solidFill>
-              </a:ln>
-            </p:spPr>
-            <p:style>
-              <a:lnRef idx="2">
-                <a:schemeClr val="accent1">
-                  <a:shade val="50000"/>
-                </a:schemeClr>
-              </a:lnRef>
-              <a:fillRef idx="1">
-                <a:schemeClr val="accent1"/>
-              </a:fillRef>
-              <a:effectRef idx="0">
-                <a:schemeClr val="accent1"/>
-              </a:effectRef>
-              <a:fontRef idx="minor">
-                <a:schemeClr val="lt1"/>
-              </a:fontRef>
-            </p:style>
-            <p:txBody>
-              <a:bodyPr rot="0" spcFirstLastPara="0" vertOverflow="overflow" horzOverflow="overflow" vert="horz" wrap="square" lIns="91440" tIns="45720" rIns="91440" bIns="45720" numCol="1" spcCol="0" rtlCol="0" fromWordArt="0" anchor="ctr" anchorCtr="0" forceAA="0" compatLnSpc="1">
-                <a:prstTxWarp prst="textNoShape">
-                  <a:avLst/>
-                </a:prstTxWarp>
-                <a:noAutofit/>
-              </a:bodyPr>
-              <a:lstStyle/>
-              <a:p>
-                <a:pPr algn="ctr"/>
-                <a:r>
-                  <a:rPr kumimoji="1" lang="en-US" altLang="zh-CN" sz="400">
-                    <a:solidFill>
-                      <a:schemeClr val="tx1"/>
-                    </a:solidFill>
-                  </a:rPr>
-                  <a:t>sfs_disk_inode</a:t>
-                </a:r>
-              </a:p>
-              <a:p>
-                <a:pPr algn="ctr"/>
-                <a:r>
-                  <a:rPr kumimoji="1" lang="zh-CN" altLang="en-US" sz="100">
-                    <a:solidFill>
-                      <a:schemeClr val="tx1"/>
-                    </a:solidFill>
-                  </a:rPr>
-                  <a:t>直接对应磁盘结构</a:t>
-                </a:r>
-              </a:p>
-            </p:txBody>
-          </p:sp>
-        </p:grpSp>
-        <p:cxnSp>
-          <p:nvCxnSpPr>
-            <p:cNvPr id="167" name="曲线连接符 166">
-              <a:extLst>
-                <a:ext uri="{FF2B5EF4-FFF2-40B4-BE49-F238E27FC236}">
-                  <a16:creationId xmlns:a16="http://schemas.microsoft.com/office/drawing/2014/main" id="{C5E161E6-A5FB-894A-8EAA-22DE5690A772}"/>
-                </a:ext>
-              </a:extLst>
-            </p:cNvPr>
-            <p:cNvCxnSpPr>
-              <a:stCxn id="159" idx="2"/>
-              <a:endCxn id="166" idx="3"/>
-            </p:cNvCxnSpPr>
-            <p:nvPr/>
-          </p:nvCxnSpPr>
-          <p:spPr>
-            <a:xfrm rot="5400000">
-              <a:off x="9140483" y="5837112"/>
-              <a:ext cx="1115856" cy="3621"/>
-            </a:xfrm>
-            <a:prstGeom prst="curvedConnector3">
-              <a:avLst/>
-            </a:prstGeom>
-            <a:ln>
-              <a:tailEnd type="triangle"/>
-            </a:ln>
-          </p:spPr>
-          <p:style>
-            <a:lnRef idx="1">
-              <a:schemeClr val="accent1"/>
-            </a:lnRef>
-            <a:fillRef idx="0">
-              <a:schemeClr val="accent1"/>
-            </a:fillRef>
-            <a:effectRef idx="0">
-              <a:schemeClr val="accent1"/>
-            </a:effectRef>
-            <a:fontRef idx="minor">
-              <a:schemeClr val="tx1"/>
-            </a:fontRef>
-          </p:style>
-        </p:cxnSp>
-      </p:grpSp>
-      <p:cxnSp>
-        <p:nvCxnSpPr>
-          <p:cNvPr id="34" name="曲线连接符 33">
-            <a:extLst>
-              <a:ext uri="{FF2B5EF4-FFF2-40B4-BE49-F238E27FC236}">
-                <a16:creationId xmlns:a16="http://schemas.microsoft.com/office/drawing/2014/main" id="{C29BF78C-C0F9-8D41-87BB-0B99663933EC}"/>
-              </a:ext>
-            </a:extLst>
-          </p:cNvPr>
-          <p:cNvCxnSpPr>
-            <a:cxnSpLocks/>
-            <a:stCxn id="188" idx="0"/>
-            <a:endCxn id="172" idx="2"/>
-          </p:cNvCxnSpPr>
-          <p:nvPr/>
-        </p:nvCxnSpPr>
-        <p:spPr>
-          <a:xfrm>
-            <a:off x="7824398" y="3849282"/>
-            <a:ext cx="161351" cy="1129402"/>
-          </a:xfrm>
-          <a:prstGeom prst="curvedConnector3">
-            <a:avLst>
-              <a:gd name="adj1" fmla="val 50000"/>
-            </a:avLst>
-          </a:prstGeom>
-          <a:ln>
-            <a:tailEnd type="triangle"/>
-          </a:ln>
-        </p:spPr>
-        <p:style>
-          <a:lnRef idx="1">
-            <a:schemeClr val="accent1"/>
-          </a:lnRef>
-          <a:fillRef idx="0">
-            <a:schemeClr val="accent1"/>
-          </a:fillRef>
-          <a:effectRef idx="0">
-            <a:schemeClr val="accent1"/>
-          </a:effectRef>
-          <a:fontRef idx="minor">
-            <a:schemeClr val="tx1"/>
-          </a:fontRef>
-        </p:style>
-      </p:cxnSp>
-      <p:grpSp>
-        <p:nvGrpSpPr>
-          <p:cNvPr id="168" name="组合 167">
-            <a:extLst>
-              <a:ext uri="{FF2B5EF4-FFF2-40B4-BE49-F238E27FC236}">
-                <a16:creationId xmlns:a16="http://schemas.microsoft.com/office/drawing/2014/main" id="{4F8F8E3B-128F-764F-87CB-DC2E79732F58}"/>
-              </a:ext>
-            </a:extLst>
-          </p:cNvPr>
-          <p:cNvGrpSpPr/>
-          <p:nvPr/>
-        </p:nvGrpSpPr>
-        <p:grpSpPr>
-          <a:xfrm>
-            <a:off x="7985749" y="4926083"/>
-            <a:ext cx="1072573" cy="582147"/>
-            <a:chOff x="9701590" y="3202620"/>
-            <a:chExt cx="1667498" cy="1693080"/>
-          </a:xfrm>
-        </p:grpSpPr>
-        <p:sp>
-          <p:nvSpPr>
-            <p:cNvPr id="169" name="矩形 168">
-              <a:extLst>
-                <a:ext uri="{FF2B5EF4-FFF2-40B4-BE49-F238E27FC236}">
-                  <a16:creationId xmlns:a16="http://schemas.microsoft.com/office/drawing/2014/main" id="{D80B5CFD-CA23-0B4A-9E17-D85CF45EDCE4}"/>
-                </a:ext>
-              </a:extLst>
-            </p:cNvPr>
-            <p:cNvSpPr/>
-            <p:nvPr/>
-          </p:nvSpPr>
-          <p:spPr>
-            <a:xfrm>
-              <a:off x="9708455" y="3502710"/>
-              <a:ext cx="1660633" cy="1392990"/>
-            </a:xfrm>
-            <a:prstGeom prst="rect">
-              <a:avLst/>
-            </a:prstGeom>
-            <a:noFill/>
-            <a:ln>
-              <a:solidFill>
-                <a:schemeClr val="tx1"/>
-              </a:solidFill>
-            </a:ln>
-          </p:spPr>
-          <p:style>
-            <a:lnRef idx="2">
-              <a:schemeClr val="accent1">
-                <a:shade val="50000"/>
-              </a:schemeClr>
-            </a:lnRef>
-            <a:fillRef idx="1">
-              <a:schemeClr val="accent1"/>
-            </a:fillRef>
-            <a:effectRef idx="0">
-              <a:schemeClr val="accent1"/>
-            </a:effectRef>
-            <a:fontRef idx="minor">
-              <a:schemeClr val="lt1"/>
-            </a:fontRef>
-          </p:style>
-          <p:txBody>
-            <a:bodyPr rtlCol="0" anchor="ctr"/>
-            <a:lstStyle/>
-            <a:p>
-              <a:pPr algn="ctr"/>
-              <a:endParaRPr kumimoji="1" lang="zh-CN" altLang="en-US" sz="600">
-                <a:solidFill>
-                  <a:schemeClr val="tx1"/>
-                </a:solidFill>
-              </a:endParaRPr>
-            </a:p>
-          </p:txBody>
-        </p:sp>
-        <p:sp>
-          <p:nvSpPr>
-            <p:cNvPr id="170" name="矩形 169">
-              <a:extLst>
-                <a:ext uri="{FF2B5EF4-FFF2-40B4-BE49-F238E27FC236}">
-                  <a16:creationId xmlns:a16="http://schemas.microsoft.com/office/drawing/2014/main" id="{DCFCA9CA-270D-D945-A99D-BED96793C6BF}"/>
-                </a:ext>
-              </a:extLst>
-            </p:cNvPr>
-            <p:cNvSpPr/>
-            <p:nvPr/>
-          </p:nvSpPr>
-          <p:spPr>
-            <a:xfrm>
-              <a:off x="9708455" y="3644082"/>
-              <a:ext cx="1660633" cy="305963"/>
-            </a:xfrm>
-            <a:prstGeom prst="rect">
-              <a:avLst/>
-            </a:prstGeom>
-            <a:noFill/>
-            <a:ln>
-              <a:solidFill>
-                <a:schemeClr val="tx1"/>
-              </a:solidFill>
-            </a:ln>
-          </p:spPr>
-          <p:style>
-            <a:lnRef idx="2">
-              <a:schemeClr val="accent1">
-                <a:shade val="50000"/>
-              </a:schemeClr>
-            </a:lnRef>
-            <a:fillRef idx="1">
-              <a:schemeClr val="accent1"/>
-            </a:fillRef>
-            <a:effectRef idx="0">
-              <a:schemeClr val="accent1"/>
-            </a:effectRef>
-            <a:fontRef idx="minor">
-              <a:schemeClr val="lt1"/>
-            </a:fontRef>
-          </p:style>
-          <p:txBody>
-            <a:bodyPr rtlCol="0" anchor="ctr"/>
-            <a:lstStyle/>
-            <a:p>
-              <a:pPr algn="ctr"/>
-              <a:r>
-                <a:rPr lang="en-US" altLang="zh-CN" sz="600">
-                  <a:solidFill>
-                    <a:schemeClr val="tx1"/>
-                  </a:solidFill>
-                </a:rPr>
-                <a:t>sfs_disk_inode</a:t>
-              </a:r>
-              <a:r>
-                <a:rPr lang="zh-CN" altLang="en-US" sz="600">
-                  <a:solidFill>
-                    <a:schemeClr val="tx1"/>
-                  </a:solidFill>
-                </a:rPr>
-                <a:t> *</a:t>
-              </a:r>
-              <a:r>
-                <a:rPr lang="en-US" altLang="zh-CN" sz="600">
-                  <a:solidFill>
-                    <a:schemeClr val="tx1"/>
-                  </a:solidFill>
-                </a:rPr>
-                <a:t>din</a:t>
-              </a:r>
-            </a:p>
-          </p:txBody>
-        </p:sp>
-        <p:sp>
-          <p:nvSpPr>
-            <p:cNvPr id="171" name="矩形 170">
-              <a:extLst>
-                <a:ext uri="{FF2B5EF4-FFF2-40B4-BE49-F238E27FC236}">
-                  <a16:creationId xmlns:a16="http://schemas.microsoft.com/office/drawing/2014/main" id="{A944F261-6393-EF4D-ACC6-7D6F88C926A0}"/>
-                </a:ext>
-              </a:extLst>
-            </p:cNvPr>
-            <p:cNvSpPr/>
-            <p:nvPr/>
-          </p:nvSpPr>
-          <p:spPr>
-            <a:xfrm>
-              <a:off x="9708452" y="4059274"/>
-              <a:ext cx="1660633" cy="259432"/>
-            </a:xfrm>
-            <a:prstGeom prst="rect">
-              <a:avLst/>
-            </a:prstGeom>
-            <a:noFill/>
-            <a:ln>
-              <a:solidFill>
-                <a:schemeClr val="tx1"/>
-              </a:solidFill>
-            </a:ln>
-          </p:spPr>
-          <p:style>
-            <a:lnRef idx="2">
-              <a:schemeClr val="accent1">
-                <a:shade val="50000"/>
-              </a:schemeClr>
-            </a:lnRef>
-            <a:fillRef idx="1">
-              <a:schemeClr val="accent1"/>
-            </a:fillRef>
-            <a:effectRef idx="0">
-              <a:schemeClr val="accent1"/>
-            </a:effectRef>
-            <a:fontRef idx="minor">
-              <a:schemeClr val="lt1"/>
-            </a:fontRef>
-          </p:style>
-          <p:txBody>
-            <a:bodyPr rtlCol="0" anchor="ctr"/>
-            <a:lstStyle/>
-            <a:p>
-              <a:pPr algn="ctr"/>
-              <a:r>
-                <a:rPr lang="en-US" altLang="zh-CN" sz="600">
-                  <a:solidFill>
-                    <a:schemeClr val="tx1"/>
-                  </a:solidFill>
-                </a:rPr>
-                <a:t>inode</a:t>
-              </a:r>
-              <a:r>
-                <a:rPr lang="zh-CN" altLang="en-US" sz="600">
-                  <a:solidFill>
-                    <a:schemeClr val="tx1"/>
-                  </a:solidFill>
-                </a:rPr>
-                <a:t> </a:t>
-              </a:r>
-              <a:r>
-                <a:rPr lang="en-US" altLang="zh-CN" sz="600">
-                  <a:solidFill>
-                    <a:schemeClr val="tx1"/>
-                  </a:solidFill>
-                </a:rPr>
-                <a:t>number</a:t>
-              </a:r>
-            </a:p>
-          </p:txBody>
-        </p:sp>
-        <p:sp>
-          <p:nvSpPr>
-            <p:cNvPr id="172" name="同侧圆角矩形 171">
-              <a:extLst>
-                <a:ext uri="{FF2B5EF4-FFF2-40B4-BE49-F238E27FC236}">
-                  <a16:creationId xmlns:a16="http://schemas.microsoft.com/office/drawing/2014/main" id="{039D96ED-2C57-D943-90CC-F218FCA765B2}"/>
-                </a:ext>
-              </a:extLst>
-            </p:cNvPr>
-            <p:cNvSpPr/>
-            <p:nvPr/>
-          </p:nvSpPr>
-          <p:spPr>
-            <a:xfrm>
-              <a:off x="9701590" y="3202620"/>
-              <a:ext cx="1667495" cy="305963"/>
-            </a:xfrm>
-            <a:prstGeom prst="round2SameRect">
-              <a:avLst/>
-            </a:prstGeom>
-            <a:noFill/>
-            <a:ln>
-              <a:solidFill>
-                <a:schemeClr val="tx1"/>
-              </a:solidFill>
-            </a:ln>
-          </p:spPr>
-          <p:style>
-            <a:lnRef idx="2">
-              <a:schemeClr val="accent1">
-                <a:shade val="50000"/>
-              </a:schemeClr>
-            </a:lnRef>
-            <a:fillRef idx="1">
-              <a:schemeClr val="accent1"/>
-            </a:fillRef>
-            <a:effectRef idx="0">
-              <a:schemeClr val="accent1"/>
-            </a:effectRef>
-            <a:fontRef idx="minor">
-              <a:schemeClr val="lt1"/>
-            </a:fontRef>
-          </p:style>
-          <p:txBody>
-            <a:bodyPr rot="0" spcFirstLastPara="0" vertOverflow="overflow" horzOverflow="overflow" vert="horz" wrap="square" lIns="91440" tIns="45720" rIns="91440" bIns="45720" numCol="1" spcCol="0" rtlCol="0" fromWordArt="0" anchor="ctr" anchorCtr="0" forceAA="0" compatLnSpc="1">
-              <a:prstTxWarp prst="textNoShape">
-                <a:avLst/>
-              </a:prstTxWarp>
-              <a:noAutofit/>
-            </a:bodyPr>
-            <a:lstStyle/>
-            <a:p>
-              <a:pPr algn="ctr"/>
-              <a:r>
-                <a:rPr kumimoji="1" lang="en-US" altLang="zh-CN" sz="800">
-                  <a:solidFill>
-                    <a:schemeClr val="tx1"/>
-                  </a:solidFill>
-                </a:rPr>
-                <a:t>sfs_inode</a:t>
-              </a:r>
-              <a:endParaRPr kumimoji="1" lang="zh-CN" altLang="en-US" sz="800">
-                <a:solidFill>
-                  <a:schemeClr val="tx1"/>
-                </a:solidFill>
-              </a:endParaRPr>
-            </a:p>
-          </p:txBody>
-        </p:sp>
-      </p:grpSp>
-      <p:grpSp>
-        <p:nvGrpSpPr>
-          <p:cNvPr id="173" name="组合 172">
-            <a:extLst>
-              <a:ext uri="{FF2B5EF4-FFF2-40B4-BE49-F238E27FC236}">
-                <a16:creationId xmlns:a16="http://schemas.microsoft.com/office/drawing/2014/main" id="{6A01DAD7-89CA-CB48-A932-16B9BB0E2891}"/>
-              </a:ext>
-            </a:extLst>
-          </p:cNvPr>
-          <p:cNvGrpSpPr/>
-          <p:nvPr/>
-        </p:nvGrpSpPr>
-        <p:grpSpPr>
-          <a:xfrm>
-            <a:off x="7985441" y="6298933"/>
-            <a:ext cx="1070313" cy="436778"/>
-            <a:chOff x="9701590" y="5430221"/>
-            <a:chExt cx="1663985" cy="1270298"/>
-          </a:xfrm>
-        </p:grpSpPr>
-        <p:sp>
-          <p:nvSpPr>
-            <p:cNvPr id="174" name="矩形 173">
-              <a:extLst>
-                <a:ext uri="{FF2B5EF4-FFF2-40B4-BE49-F238E27FC236}">
-                  <a16:creationId xmlns:a16="http://schemas.microsoft.com/office/drawing/2014/main" id="{B44F388C-8D19-9143-A311-89397A36AB9A}"/>
-                </a:ext>
-              </a:extLst>
-            </p:cNvPr>
-            <p:cNvSpPr/>
-            <p:nvPr/>
-          </p:nvSpPr>
-          <p:spPr>
-            <a:xfrm>
-              <a:off x="9704942" y="5736025"/>
-              <a:ext cx="1660633" cy="964494"/>
-            </a:xfrm>
-            <a:prstGeom prst="rect">
-              <a:avLst/>
-            </a:prstGeom>
-            <a:noFill/>
-            <a:ln>
-              <a:solidFill>
-                <a:schemeClr val="tx1"/>
-              </a:solidFill>
-            </a:ln>
-          </p:spPr>
-          <p:style>
-            <a:lnRef idx="2">
-              <a:schemeClr val="accent1">
-                <a:shade val="50000"/>
-              </a:schemeClr>
-            </a:lnRef>
-            <a:fillRef idx="1">
-              <a:schemeClr val="accent1"/>
-            </a:fillRef>
-            <a:effectRef idx="0">
-              <a:schemeClr val="accent1"/>
-            </a:effectRef>
-            <a:fontRef idx="minor">
-              <a:schemeClr val="lt1"/>
-            </a:fontRef>
-          </p:style>
-          <p:txBody>
-            <a:bodyPr rtlCol="0" anchor="ctr"/>
-            <a:lstStyle/>
-            <a:p>
-              <a:pPr algn="ctr"/>
-              <a:endParaRPr kumimoji="1" lang="zh-CN" altLang="en-US" sz="600">
-                <a:solidFill>
-                  <a:schemeClr val="tx1"/>
-                </a:solidFill>
-              </a:endParaRPr>
-            </a:p>
-          </p:txBody>
-        </p:sp>
-        <p:sp>
-          <p:nvSpPr>
-            <p:cNvPr id="175" name="矩形 174">
-              <a:extLst>
-                <a:ext uri="{FF2B5EF4-FFF2-40B4-BE49-F238E27FC236}">
-                  <a16:creationId xmlns:a16="http://schemas.microsoft.com/office/drawing/2014/main" id="{54D5EA1D-C467-6F4E-AF92-1B8633841F36}"/>
-                </a:ext>
-              </a:extLst>
-            </p:cNvPr>
-            <p:cNvSpPr/>
-            <p:nvPr/>
-          </p:nvSpPr>
-          <p:spPr>
-            <a:xfrm>
-              <a:off x="9704939" y="5915181"/>
-              <a:ext cx="1660633" cy="262276"/>
-            </a:xfrm>
-            <a:prstGeom prst="rect">
-              <a:avLst/>
-            </a:prstGeom>
-            <a:noFill/>
-            <a:ln>
-              <a:solidFill>
-                <a:schemeClr val="tx1"/>
-              </a:solidFill>
-            </a:ln>
-          </p:spPr>
-          <p:style>
-            <a:lnRef idx="2">
-              <a:schemeClr val="accent1">
-                <a:shade val="50000"/>
-              </a:schemeClr>
-            </a:lnRef>
-            <a:fillRef idx="1">
-              <a:schemeClr val="accent1"/>
-            </a:fillRef>
-            <a:effectRef idx="0">
-              <a:schemeClr val="accent1"/>
-            </a:effectRef>
-            <a:fontRef idx="minor">
-              <a:schemeClr val="lt1"/>
-            </a:fontRef>
-          </p:style>
-          <p:txBody>
-            <a:bodyPr rtlCol="0" anchor="ctr"/>
-            <a:lstStyle/>
-            <a:p>
-              <a:pPr algn="ctr"/>
-              <a:r>
-                <a:rPr lang="en-US" altLang="zh-CN" sz="600">
-                  <a:solidFill>
-                    <a:schemeClr val="tx1"/>
-                  </a:solidFill>
-                </a:rPr>
-                <a:t>size</a:t>
-              </a:r>
-            </a:p>
-          </p:txBody>
-        </p:sp>
-        <p:sp>
-          <p:nvSpPr>
-            <p:cNvPr id="176" name="矩形 175">
-              <a:extLst>
-                <a:ext uri="{FF2B5EF4-FFF2-40B4-BE49-F238E27FC236}">
-                  <a16:creationId xmlns:a16="http://schemas.microsoft.com/office/drawing/2014/main" id="{0D1D7A70-8360-924F-BC5C-821F61FF062D}"/>
-                </a:ext>
-              </a:extLst>
-            </p:cNvPr>
-            <p:cNvSpPr/>
-            <p:nvPr/>
-          </p:nvSpPr>
-          <p:spPr>
-            <a:xfrm>
-              <a:off x="9701590" y="6286969"/>
-              <a:ext cx="1660633" cy="262276"/>
-            </a:xfrm>
-            <a:prstGeom prst="rect">
-              <a:avLst/>
-            </a:prstGeom>
-            <a:noFill/>
-            <a:ln>
-              <a:solidFill>
-                <a:schemeClr val="tx1"/>
-              </a:solidFill>
-            </a:ln>
-          </p:spPr>
-          <p:style>
-            <a:lnRef idx="2">
-              <a:schemeClr val="accent1">
-                <a:shade val="50000"/>
-              </a:schemeClr>
-            </a:lnRef>
-            <a:fillRef idx="1">
-              <a:schemeClr val="accent1"/>
-            </a:fillRef>
-            <a:effectRef idx="0">
-              <a:schemeClr val="accent1"/>
-            </a:effectRef>
-            <a:fontRef idx="minor">
-              <a:schemeClr val="lt1"/>
-            </a:fontRef>
-          </p:style>
-          <p:txBody>
-            <a:bodyPr rtlCol="0" anchor="ctr"/>
-            <a:lstStyle/>
-            <a:p>
-              <a:pPr algn="ctr"/>
-              <a:r>
-                <a:rPr lang="en-US" altLang="zh-CN" sz="600">
-                  <a:solidFill>
-                    <a:schemeClr val="tx1"/>
-                  </a:solidFill>
-                </a:rPr>
-                <a:t>blocks</a:t>
-              </a:r>
-            </a:p>
-          </p:txBody>
-        </p:sp>
-        <p:sp>
-          <p:nvSpPr>
-            <p:cNvPr id="177" name="同侧圆角矩形 176">
-              <a:extLst>
-                <a:ext uri="{FF2B5EF4-FFF2-40B4-BE49-F238E27FC236}">
-                  <a16:creationId xmlns:a16="http://schemas.microsoft.com/office/drawing/2014/main" id="{5EADA588-7052-8C42-8908-1D5F3468D1D4}"/>
-                </a:ext>
-              </a:extLst>
-            </p:cNvPr>
-            <p:cNvSpPr/>
-            <p:nvPr/>
-          </p:nvSpPr>
-          <p:spPr>
-            <a:xfrm>
-              <a:off x="9705020" y="5430221"/>
-              <a:ext cx="1657203" cy="305963"/>
-            </a:xfrm>
-            <a:prstGeom prst="round2SameRect">
-              <a:avLst/>
-            </a:prstGeom>
-            <a:noFill/>
-            <a:ln>
-              <a:solidFill>
-                <a:schemeClr val="tx1"/>
-              </a:solidFill>
-            </a:ln>
-          </p:spPr>
-          <p:style>
-            <a:lnRef idx="2">
-              <a:schemeClr val="accent1">
-                <a:shade val="50000"/>
-              </a:schemeClr>
-            </a:lnRef>
-            <a:fillRef idx="1">
-              <a:schemeClr val="accent1"/>
-            </a:fillRef>
-            <a:effectRef idx="0">
-              <a:schemeClr val="accent1"/>
-            </a:effectRef>
-            <a:fontRef idx="minor">
-              <a:schemeClr val="lt1"/>
-            </a:fontRef>
-          </p:style>
-          <p:txBody>
-            <a:bodyPr rot="0" spcFirstLastPara="0" vertOverflow="overflow" horzOverflow="overflow" vert="horz" wrap="square" lIns="91440" tIns="45720" rIns="91440" bIns="45720" numCol="1" spcCol="0" rtlCol="0" fromWordArt="0" anchor="ctr" anchorCtr="0" forceAA="0" compatLnSpc="1">
-              <a:prstTxWarp prst="textNoShape">
-                <a:avLst/>
-              </a:prstTxWarp>
-              <a:noAutofit/>
-            </a:bodyPr>
-            <a:lstStyle/>
-            <a:p>
-              <a:pPr algn="ctr"/>
-              <a:r>
-                <a:rPr kumimoji="1" lang="en-US" altLang="zh-CN" sz="400">
-                  <a:solidFill>
-                    <a:schemeClr val="tx1"/>
-                  </a:solidFill>
-                </a:rPr>
-                <a:t>sfs_disk_inode</a:t>
-              </a:r>
-            </a:p>
-            <a:p>
-              <a:pPr algn="ctr"/>
-              <a:r>
-                <a:rPr kumimoji="1" lang="zh-CN" altLang="en-US" sz="100">
-                  <a:solidFill>
-                    <a:schemeClr val="tx1"/>
-                  </a:solidFill>
-                </a:rPr>
-                <a:t>直接对应磁盘结构</a:t>
-              </a:r>
-            </a:p>
-          </p:txBody>
-        </p:sp>
-      </p:grpSp>
-      <p:cxnSp>
-        <p:nvCxnSpPr>
-          <p:cNvPr id="178" name="曲线连接符 177">
-            <a:extLst>
-              <a:ext uri="{FF2B5EF4-FFF2-40B4-BE49-F238E27FC236}">
-                <a16:creationId xmlns:a16="http://schemas.microsoft.com/office/drawing/2014/main" id="{AC948220-CB7A-3143-8FC1-30CB9C9256AB}"/>
-              </a:ext>
-            </a:extLst>
-          </p:cNvPr>
-          <p:cNvCxnSpPr>
-            <a:stCxn id="170" idx="2"/>
-            <a:endCxn id="177" idx="3"/>
-          </p:cNvCxnSpPr>
-          <p:nvPr/>
-        </p:nvCxnSpPr>
-        <p:spPr>
-          <a:xfrm rot="5400000">
-            <a:off x="7964506" y="5739195"/>
-            <a:ext cx="1115856" cy="3621"/>
-          </a:xfrm>
-          <a:prstGeom prst="curvedConnector3">
-            <a:avLst/>
-          </a:prstGeom>
-          <a:ln>
-            <a:tailEnd type="triangle"/>
-          </a:ln>
-        </p:spPr>
-        <p:style>
-          <a:lnRef idx="1">
-            <a:schemeClr val="accent1"/>
-          </a:lnRef>
-          <a:fillRef idx="0">
-            <a:schemeClr val="accent1"/>
-          </a:fillRef>
-          <a:effectRef idx="0">
-            <a:schemeClr val="accent1"/>
-          </a:effectRef>
-          <a:fontRef idx="minor">
-            <a:schemeClr val="tx1"/>
-          </a:fontRef>
-        </p:style>
-      </p:cxnSp>
-      <p:cxnSp>
-        <p:nvCxnSpPr>
-          <p:cNvPr id="180" name="曲线连接符 179">
-            <a:extLst>
-              <a:ext uri="{FF2B5EF4-FFF2-40B4-BE49-F238E27FC236}">
-                <a16:creationId xmlns:a16="http://schemas.microsoft.com/office/drawing/2014/main" id="{A5E5779A-C57B-1B40-90F5-D0A1DFABE05D}"/>
-              </a:ext>
-            </a:extLst>
-          </p:cNvPr>
-          <p:cNvCxnSpPr>
-            <a:cxnSpLocks/>
-            <a:stCxn id="243" idx="3"/>
-            <a:endCxn id="161" idx="3"/>
-          </p:cNvCxnSpPr>
-          <p:nvPr/>
-        </p:nvCxnSpPr>
-        <p:spPr>
-          <a:xfrm>
-            <a:off x="9640126" y="1590171"/>
-            <a:ext cx="389678" cy="3324095"/>
-          </a:xfrm>
-          <a:prstGeom prst="curvedConnector2">
-            <a:avLst/>
-          </a:prstGeom>
-          <a:ln>
-            <a:prstDash val="dash"/>
-            <a:tailEnd type="triangle"/>
-          </a:ln>
-        </p:spPr>
-        <p:style>
-          <a:lnRef idx="1">
-            <a:schemeClr val="accent1"/>
-          </a:lnRef>
-          <a:fillRef idx="0">
-            <a:schemeClr val="accent1"/>
-          </a:fillRef>
-          <a:effectRef idx="0">
-            <a:schemeClr val="accent1"/>
-          </a:effectRef>
-          <a:fontRef idx="minor">
-            <a:schemeClr val="tx1"/>
-          </a:fontRef>
-        </p:style>
-      </p:cxnSp>
-      <p:cxnSp>
-        <p:nvCxnSpPr>
-          <p:cNvPr id="182" name="曲线连接符 181">
-            <a:extLst>
-              <a:ext uri="{FF2B5EF4-FFF2-40B4-BE49-F238E27FC236}">
-                <a16:creationId xmlns:a16="http://schemas.microsoft.com/office/drawing/2014/main" id="{B389544E-D555-4744-927D-2E44002E4382}"/>
-              </a:ext>
-            </a:extLst>
-          </p:cNvPr>
-          <p:cNvCxnSpPr>
-            <a:cxnSpLocks/>
-            <a:stCxn id="248" idx="3"/>
-            <a:endCxn id="152" idx="3"/>
-          </p:cNvCxnSpPr>
-          <p:nvPr/>
-        </p:nvCxnSpPr>
-        <p:spPr>
-          <a:xfrm>
-            <a:off x="11271923" y="1578156"/>
-            <a:ext cx="275252" cy="3372985"/>
-          </a:xfrm>
-          <a:prstGeom prst="curvedConnector2">
-            <a:avLst/>
-          </a:prstGeom>
-          <a:ln>
-            <a:prstDash val="dash"/>
-            <a:tailEnd type="triangle"/>
-          </a:ln>
-        </p:spPr>
-        <p:style>
-          <a:lnRef idx="1">
-            <a:schemeClr val="accent1"/>
-          </a:lnRef>
-          <a:fillRef idx="0">
-            <a:schemeClr val="accent1"/>
-          </a:fillRef>
-          <a:effectRef idx="0">
-            <a:schemeClr val="accent1"/>
-          </a:effectRef>
-          <a:fontRef idx="minor">
-            <a:schemeClr val="tx1"/>
-          </a:fontRef>
-        </p:style>
-      </p:cxnSp>
-      <p:cxnSp>
-        <p:nvCxnSpPr>
-          <p:cNvPr id="183" name="曲线连接符 182">
-            <a:extLst>
-              <a:ext uri="{FF2B5EF4-FFF2-40B4-BE49-F238E27FC236}">
-                <a16:creationId xmlns:a16="http://schemas.microsoft.com/office/drawing/2014/main" id="{D8585591-515C-BC45-A3FD-6A0AE15F79C7}"/>
-              </a:ext>
-            </a:extLst>
-          </p:cNvPr>
-          <p:cNvCxnSpPr>
-            <a:cxnSpLocks/>
-            <a:stCxn id="236" idx="3"/>
-            <a:endCxn id="172" idx="3"/>
-          </p:cNvCxnSpPr>
-          <p:nvPr/>
-        </p:nvCxnSpPr>
-        <p:spPr>
-          <a:xfrm>
-            <a:off x="8109574" y="1616816"/>
-            <a:ext cx="412461" cy="3309267"/>
-          </a:xfrm>
-          <a:prstGeom prst="curvedConnector2">
-            <a:avLst/>
-          </a:prstGeom>
-          <a:ln>
-            <a:prstDash val="dash"/>
-            <a:tailEnd type="triangle"/>
-          </a:ln>
-        </p:spPr>
-        <p:style>
-          <a:lnRef idx="1">
-            <a:schemeClr val="accent1"/>
-          </a:lnRef>
-          <a:fillRef idx="0">
-            <a:schemeClr val="accent1"/>
-          </a:fillRef>
-          <a:effectRef idx="0">
-            <a:schemeClr val="accent1"/>
-          </a:effectRef>
-          <a:fontRef idx="minor">
-            <a:schemeClr val="tx1"/>
-          </a:fontRef>
-        </p:style>
-      </p:cxnSp>
-      <p:grpSp>
-        <p:nvGrpSpPr>
-          <p:cNvPr id="200" name="组合 199">
-            <a:extLst>
-              <a:ext uri="{FF2B5EF4-FFF2-40B4-BE49-F238E27FC236}">
-                <a16:creationId xmlns:a16="http://schemas.microsoft.com/office/drawing/2014/main" id="{31BA4462-83C1-B34D-AD0E-5863F3330F39}"/>
-              </a:ext>
-            </a:extLst>
-          </p:cNvPr>
-          <p:cNvGrpSpPr/>
-          <p:nvPr/>
-        </p:nvGrpSpPr>
-        <p:grpSpPr>
-          <a:xfrm>
-            <a:off x="691628" y="1485854"/>
-            <a:ext cx="1068159" cy="464377"/>
-            <a:chOff x="-7406" y="2311843"/>
-            <a:chExt cx="1214212" cy="860094"/>
-          </a:xfrm>
-        </p:grpSpPr>
-        <p:sp>
-          <p:nvSpPr>
-            <p:cNvPr id="74" name="矩形 73">
-              <a:extLst>
-                <a:ext uri="{FF2B5EF4-FFF2-40B4-BE49-F238E27FC236}">
-                  <a16:creationId xmlns:a16="http://schemas.microsoft.com/office/drawing/2014/main" id="{EDD88DFC-F7C8-EF42-A461-355B38BBE2ED}"/>
-                </a:ext>
-              </a:extLst>
-            </p:cNvPr>
-            <p:cNvSpPr/>
-            <p:nvPr/>
-          </p:nvSpPr>
-          <p:spPr>
-            <a:xfrm>
-              <a:off x="-7405" y="2509802"/>
-              <a:ext cx="1214211" cy="662135"/>
-            </a:xfrm>
-            <a:prstGeom prst="rect">
-              <a:avLst/>
-            </a:prstGeom>
-            <a:noFill/>
-            <a:ln>
-              <a:solidFill>
-                <a:schemeClr val="tx1"/>
-              </a:solidFill>
-            </a:ln>
-          </p:spPr>
-          <p:style>
-            <a:lnRef idx="2">
-              <a:schemeClr val="accent1">
-                <a:shade val="50000"/>
-              </a:schemeClr>
-            </a:lnRef>
-            <a:fillRef idx="1">
-              <a:schemeClr val="accent1"/>
-            </a:fillRef>
-            <a:effectRef idx="0">
-              <a:schemeClr val="accent1"/>
-            </a:effectRef>
-            <a:fontRef idx="minor">
-              <a:schemeClr val="lt1"/>
-            </a:fontRef>
-          </p:style>
-          <p:txBody>
-            <a:bodyPr rtlCol="0" anchor="ctr"/>
-            <a:lstStyle/>
-            <a:p>
-              <a:pPr algn="ctr"/>
-              <a:endParaRPr kumimoji="1" lang="zh-CN" altLang="en-US" sz="600">
-                <a:solidFill>
-                  <a:schemeClr val="tx1"/>
-                </a:solidFill>
-              </a:endParaRPr>
-            </a:p>
-          </p:txBody>
-        </p:sp>
-        <p:sp>
-          <p:nvSpPr>
-            <p:cNvPr id="75" name="矩形 74">
-              <a:extLst>
-                <a:ext uri="{FF2B5EF4-FFF2-40B4-BE49-F238E27FC236}">
-                  <a16:creationId xmlns:a16="http://schemas.microsoft.com/office/drawing/2014/main" id="{6904D94C-960A-1E43-B717-D14BB88E81AB}"/>
-                </a:ext>
-              </a:extLst>
-            </p:cNvPr>
-            <p:cNvSpPr/>
-            <p:nvPr/>
-          </p:nvSpPr>
-          <p:spPr>
-            <a:xfrm>
-              <a:off x="-7406" y="2640227"/>
-              <a:ext cx="1214211" cy="167027"/>
-            </a:xfrm>
-            <a:prstGeom prst="rect">
-              <a:avLst/>
-            </a:prstGeom>
-            <a:noFill/>
-            <a:ln>
-              <a:solidFill>
-                <a:schemeClr val="tx1"/>
-              </a:solidFill>
-            </a:ln>
-          </p:spPr>
-          <p:style>
-            <a:lnRef idx="2">
-              <a:schemeClr val="accent1">
-                <a:shade val="50000"/>
-              </a:schemeClr>
-            </a:lnRef>
-            <a:fillRef idx="1">
-              <a:schemeClr val="accent1"/>
-            </a:fillRef>
-            <a:effectRef idx="0">
-              <a:schemeClr val="accent1"/>
-            </a:effectRef>
-            <a:fontRef idx="minor">
-              <a:schemeClr val="lt1"/>
-            </a:fontRef>
-          </p:style>
-          <p:txBody>
-            <a:bodyPr rtlCol="0" anchor="ctr"/>
-            <a:lstStyle/>
-            <a:p>
-              <a:pPr algn="ctr"/>
-              <a:r>
-                <a:rPr lang="en-US" altLang="zh-CN" sz="600">
-                  <a:solidFill>
-                    <a:schemeClr val="tx1"/>
-                  </a:solidFill>
-                </a:rPr>
-                <a:t>d_blocks</a:t>
-              </a:r>
-            </a:p>
-          </p:txBody>
-        </p:sp>
-        <p:sp>
-          <p:nvSpPr>
-            <p:cNvPr id="71" name="矩形 70">
-              <a:extLst>
-                <a:ext uri="{FF2B5EF4-FFF2-40B4-BE49-F238E27FC236}">
-                  <a16:creationId xmlns:a16="http://schemas.microsoft.com/office/drawing/2014/main" id="{9FBD6CE5-02E6-DF42-BACD-7EF0A3E88006}"/>
-                </a:ext>
-              </a:extLst>
-            </p:cNvPr>
-            <p:cNvSpPr/>
-            <p:nvPr/>
-          </p:nvSpPr>
-          <p:spPr>
-            <a:xfrm>
-              <a:off x="-7406" y="2879476"/>
-              <a:ext cx="1214211" cy="167028"/>
-            </a:xfrm>
-            <a:prstGeom prst="rect">
-              <a:avLst/>
-            </a:prstGeom>
-            <a:noFill/>
-            <a:ln>
-              <a:solidFill>
-                <a:schemeClr val="tx1"/>
-              </a:solidFill>
-            </a:ln>
-          </p:spPr>
-          <p:style>
-            <a:lnRef idx="2">
-              <a:schemeClr val="accent1">
-                <a:shade val="50000"/>
-              </a:schemeClr>
-            </a:lnRef>
-            <a:fillRef idx="1">
-              <a:schemeClr val="accent1"/>
-            </a:fillRef>
-            <a:effectRef idx="0">
-              <a:schemeClr val="accent1"/>
-            </a:effectRef>
-            <a:fontRef idx="minor">
-              <a:schemeClr val="lt1"/>
-            </a:fontRef>
-          </p:style>
-          <p:txBody>
-            <a:bodyPr rtlCol="0" anchor="ctr"/>
-            <a:lstStyle/>
-            <a:p>
-              <a:pPr algn="ctr"/>
-              <a:r>
-                <a:rPr lang="en-US" altLang="zh-CN" sz="600">
-                  <a:solidFill>
-                    <a:schemeClr val="tx1"/>
-                  </a:solidFill>
-                </a:rPr>
-                <a:t>d_blocksize</a:t>
-              </a:r>
-            </a:p>
-          </p:txBody>
-        </p:sp>
-        <p:sp>
-          <p:nvSpPr>
-            <p:cNvPr id="187" name="同侧圆角矩形 186">
-              <a:extLst>
-                <a:ext uri="{FF2B5EF4-FFF2-40B4-BE49-F238E27FC236}">
-                  <a16:creationId xmlns:a16="http://schemas.microsoft.com/office/drawing/2014/main" id="{7B766FB7-214B-9941-9FE2-6C921E88C973}"/>
-                </a:ext>
-              </a:extLst>
-            </p:cNvPr>
-            <p:cNvSpPr/>
-            <p:nvPr/>
-          </p:nvSpPr>
-          <p:spPr>
-            <a:xfrm>
-              <a:off x="-3768" y="2311843"/>
-              <a:ext cx="1210573" cy="194849"/>
-            </a:xfrm>
-            <a:prstGeom prst="round2SameRect">
-              <a:avLst/>
-            </a:prstGeom>
-            <a:noFill/>
-            <a:ln>
-              <a:solidFill>
-                <a:schemeClr val="tx1"/>
-              </a:solidFill>
-            </a:ln>
-          </p:spPr>
-          <p:style>
-            <a:lnRef idx="2">
-              <a:schemeClr val="accent1">
-                <a:shade val="50000"/>
-              </a:schemeClr>
-            </a:lnRef>
-            <a:fillRef idx="1">
-              <a:schemeClr val="accent1"/>
-            </a:fillRef>
-            <a:effectRef idx="0">
-              <a:schemeClr val="accent1"/>
-            </a:effectRef>
-            <a:fontRef idx="minor">
-              <a:schemeClr val="lt1"/>
-            </a:fontRef>
-          </p:style>
-          <p:txBody>
-            <a:bodyPr rot="0" spcFirstLastPara="0" vertOverflow="overflow" horzOverflow="overflow" vert="horz" wrap="square" lIns="91440" tIns="45720" rIns="91440" bIns="45720" numCol="1" spcCol="0" rtlCol="0" fromWordArt="0" anchor="ctr" anchorCtr="0" forceAA="0" compatLnSpc="1">
-              <a:prstTxWarp prst="textNoShape">
-                <a:avLst/>
-              </a:prstTxWarp>
-              <a:noAutofit/>
-            </a:bodyPr>
-            <a:lstStyle/>
-            <a:p>
-              <a:pPr algn="ctr"/>
-              <a:r>
-                <a:rPr kumimoji="1" lang="en-US" altLang="zh-CN" sz="800">
-                  <a:solidFill>
-                    <a:schemeClr val="tx1"/>
-                  </a:solidFill>
-                </a:rPr>
-                <a:t>device</a:t>
-              </a:r>
-              <a:endParaRPr kumimoji="1" lang="zh-CN" altLang="en-US" sz="800">
-                <a:solidFill>
-                  <a:schemeClr val="tx1"/>
-                </a:solidFill>
-              </a:endParaRPr>
-            </a:p>
-          </p:txBody>
-        </p:sp>
-      </p:grpSp>
-      <p:grpSp>
-        <p:nvGrpSpPr>
-          <p:cNvPr id="189" name="组合 188">
-            <a:extLst>
-              <a:ext uri="{FF2B5EF4-FFF2-40B4-BE49-F238E27FC236}">
-                <a16:creationId xmlns:a16="http://schemas.microsoft.com/office/drawing/2014/main" id="{B6B8BDF5-CD06-5447-8B93-827165DFA7A4}"/>
-              </a:ext>
-            </a:extLst>
-          </p:cNvPr>
-          <p:cNvGrpSpPr/>
-          <p:nvPr/>
-        </p:nvGrpSpPr>
-        <p:grpSpPr>
-          <a:xfrm>
-            <a:off x="6732579" y="3796681"/>
-            <a:ext cx="1091820" cy="510731"/>
-            <a:chOff x="1162289" y="4731100"/>
-            <a:chExt cx="1697421" cy="1485379"/>
-          </a:xfrm>
-        </p:grpSpPr>
-        <p:sp>
-          <p:nvSpPr>
-            <p:cNvPr id="104" name="矩形 103">
-              <a:extLst>
-                <a:ext uri="{FF2B5EF4-FFF2-40B4-BE49-F238E27FC236}">
-                  <a16:creationId xmlns:a16="http://schemas.microsoft.com/office/drawing/2014/main" id="{1362A8F6-8B4A-454A-8761-8835E0A0831E}"/>
-                </a:ext>
-              </a:extLst>
-            </p:cNvPr>
-            <p:cNvSpPr/>
-            <p:nvPr/>
-          </p:nvSpPr>
-          <p:spPr>
-            <a:xfrm>
-              <a:off x="1162291" y="5040243"/>
-              <a:ext cx="1697419" cy="1176236"/>
-            </a:xfrm>
-            <a:prstGeom prst="rect">
-              <a:avLst/>
-            </a:prstGeom>
-            <a:noFill/>
-            <a:ln>
-              <a:solidFill>
-                <a:schemeClr val="tx1"/>
-              </a:solidFill>
-            </a:ln>
-          </p:spPr>
-          <p:style>
-            <a:lnRef idx="2">
-              <a:schemeClr val="accent1">
-                <a:shade val="50000"/>
-              </a:schemeClr>
-            </a:lnRef>
-            <a:fillRef idx="1">
-              <a:schemeClr val="accent1"/>
-            </a:fillRef>
-            <a:effectRef idx="0">
-              <a:schemeClr val="accent1"/>
-            </a:effectRef>
-            <a:fontRef idx="minor">
-              <a:schemeClr val="lt1"/>
-            </a:fontRef>
-          </p:style>
-          <p:txBody>
-            <a:bodyPr rtlCol="0" anchor="ctr"/>
-            <a:lstStyle/>
-            <a:p>
-              <a:pPr algn="ctr"/>
-              <a:endParaRPr kumimoji="1" lang="zh-CN" altLang="en-US" sz="600">
-                <a:solidFill>
-                  <a:schemeClr val="tx1"/>
-                </a:solidFill>
-              </a:endParaRPr>
-            </a:p>
-          </p:txBody>
-        </p:sp>
-        <p:sp>
-          <p:nvSpPr>
-            <p:cNvPr id="105" name="矩形 104">
-              <a:extLst>
-                <a:ext uri="{FF2B5EF4-FFF2-40B4-BE49-F238E27FC236}">
-                  <a16:creationId xmlns:a16="http://schemas.microsoft.com/office/drawing/2014/main" id="{14C82794-8916-4A41-838C-47AE9180F350}"/>
-                </a:ext>
-              </a:extLst>
-            </p:cNvPr>
-            <p:cNvSpPr/>
-            <p:nvPr/>
-          </p:nvSpPr>
-          <p:spPr>
-            <a:xfrm>
-              <a:off x="1162289" y="5177313"/>
-              <a:ext cx="1697419" cy="240664"/>
-            </a:xfrm>
-            <a:prstGeom prst="rect">
-              <a:avLst/>
-            </a:prstGeom>
-            <a:noFill/>
-            <a:ln>
-              <a:solidFill>
-                <a:schemeClr val="tx1"/>
-              </a:solidFill>
-            </a:ln>
-          </p:spPr>
-          <p:style>
-            <a:lnRef idx="2">
-              <a:schemeClr val="accent1">
-                <a:shade val="50000"/>
-              </a:schemeClr>
-            </a:lnRef>
-            <a:fillRef idx="1">
-              <a:schemeClr val="accent1"/>
-            </a:fillRef>
-            <a:effectRef idx="0">
-              <a:schemeClr val="accent1"/>
-            </a:effectRef>
-            <a:fontRef idx="minor">
-              <a:schemeClr val="lt1"/>
-            </a:fontRef>
-          </p:style>
-          <p:txBody>
-            <a:bodyPr rtlCol="0" anchor="ctr"/>
-            <a:lstStyle/>
-            <a:p>
-              <a:pPr algn="ctr"/>
-              <a:r>
-                <a:rPr lang="en-US" altLang="zh-CN" sz="600">
-                  <a:solidFill>
-                    <a:schemeClr val="tx1"/>
-                  </a:solidFill>
-                </a:rPr>
-                <a:t>sfs_super</a:t>
-              </a:r>
-            </a:p>
-          </p:txBody>
-        </p:sp>
-        <p:sp>
-          <p:nvSpPr>
-            <p:cNvPr id="100" name="矩形 99">
-              <a:extLst>
-                <a:ext uri="{FF2B5EF4-FFF2-40B4-BE49-F238E27FC236}">
-                  <a16:creationId xmlns:a16="http://schemas.microsoft.com/office/drawing/2014/main" id="{5160F046-4F06-B54A-AA3A-BA301E71CCBC}"/>
-                </a:ext>
-              </a:extLst>
-            </p:cNvPr>
-            <p:cNvSpPr/>
-            <p:nvPr/>
-          </p:nvSpPr>
-          <p:spPr>
-            <a:xfrm>
-              <a:off x="1162289" y="5542334"/>
-              <a:ext cx="1697420" cy="240664"/>
-            </a:xfrm>
-            <a:prstGeom prst="rect">
-              <a:avLst/>
-            </a:prstGeom>
-            <a:noFill/>
-            <a:ln>
-              <a:solidFill>
-                <a:schemeClr val="tx1"/>
-              </a:solidFill>
-            </a:ln>
-          </p:spPr>
-          <p:style>
-            <a:lnRef idx="2">
-              <a:schemeClr val="accent1">
-                <a:shade val="50000"/>
-              </a:schemeClr>
-            </a:lnRef>
-            <a:fillRef idx="1">
-              <a:schemeClr val="accent1"/>
-            </a:fillRef>
-            <a:effectRef idx="0">
-              <a:schemeClr val="accent1"/>
-            </a:effectRef>
-            <a:fontRef idx="minor">
-              <a:schemeClr val="lt1"/>
-            </a:fontRef>
-          </p:style>
-          <p:txBody>
-            <a:bodyPr rtlCol="0" anchor="ctr"/>
-            <a:lstStyle/>
-            <a:p>
-              <a:pPr algn="ctr"/>
-              <a:r>
-                <a:rPr lang="en-US" altLang="zh-CN" sz="600">
-                  <a:solidFill>
-                    <a:schemeClr val="tx1"/>
-                  </a:solidFill>
-                </a:rPr>
-                <a:t>device</a:t>
-              </a:r>
-              <a:r>
-                <a:rPr lang="zh-CN" altLang="en-US" sz="600">
-                  <a:solidFill>
-                    <a:schemeClr val="tx1"/>
-                  </a:solidFill>
-                </a:rPr>
-                <a:t> *</a:t>
-              </a:r>
-              <a:endParaRPr lang="en-US" altLang="zh-CN" sz="600">
-                <a:solidFill>
-                  <a:schemeClr val="tx1"/>
-                </a:solidFill>
-              </a:endParaRPr>
-            </a:p>
-          </p:txBody>
-        </p:sp>
-        <p:sp>
-          <p:nvSpPr>
-            <p:cNvPr id="101" name="矩形 100">
-              <a:extLst>
-                <a:ext uri="{FF2B5EF4-FFF2-40B4-BE49-F238E27FC236}">
-                  <a16:creationId xmlns:a16="http://schemas.microsoft.com/office/drawing/2014/main" id="{40671C1D-71B7-0840-A40A-535BD49EC56E}"/>
-                </a:ext>
-              </a:extLst>
-            </p:cNvPr>
-            <p:cNvSpPr/>
-            <p:nvPr/>
-          </p:nvSpPr>
-          <p:spPr>
-            <a:xfrm>
-              <a:off x="1162289" y="5875873"/>
-              <a:ext cx="1697420" cy="240664"/>
-            </a:xfrm>
-            <a:prstGeom prst="rect">
-              <a:avLst/>
-            </a:prstGeom>
-            <a:noFill/>
-            <a:ln>
-              <a:solidFill>
-                <a:schemeClr val="tx1"/>
-              </a:solidFill>
-            </a:ln>
-          </p:spPr>
-          <p:style>
-            <a:lnRef idx="2">
-              <a:schemeClr val="accent1">
-                <a:shade val="50000"/>
-              </a:schemeClr>
-            </a:lnRef>
-            <a:fillRef idx="1">
-              <a:schemeClr val="accent1"/>
-            </a:fillRef>
-            <a:effectRef idx="0">
-              <a:schemeClr val="accent1"/>
-            </a:effectRef>
-            <a:fontRef idx="minor">
-              <a:schemeClr val="lt1"/>
-            </a:fontRef>
-          </p:style>
-          <p:txBody>
-            <a:bodyPr rtlCol="0" anchor="ctr"/>
-            <a:lstStyle/>
-            <a:p>
-              <a:pPr algn="ctr"/>
-              <a:r>
-                <a:rPr lang="en-US" altLang="zh-CN" sz="600">
-                  <a:solidFill>
-                    <a:schemeClr val="tx1"/>
-                  </a:solidFill>
-                </a:rPr>
-                <a:t>bitmap</a:t>
-              </a:r>
-              <a:r>
-                <a:rPr lang="zh-CN" altLang="en-US" sz="600">
-                  <a:solidFill>
-                    <a:schemeClr val="tx1"/>
-                  </a:solidFill>
-                </a:rPr>
-                <a:t> *</a:t>
-              </a:r>
-              <a:r>
-                <a:rPr lang="en-US" altLang="zh-CN" sz="600">
-                  <a:solidFill>
-                    <a:schemeClr val="tx1"/>
-                  </a:solidFill>
-                </a:rPr>
-                <a:t>freemap</a:t>
-              </a:r>
-            </a:p>
-          </p:txBody>
-        </p:sp>
-        <p:sp>
-          <p:nvSpPr>
-            <p:cNvPr id="188" name="同侧圆角矩形 187">
-              <a:extLst>
-                <a:ext uri="{FF2B5EF4-FFF2-40B4-BE49-F238E27FC236}">
-                  <a16:creationId xmlns:a16="http://schemas.microsoft.com/office/drawing/2014/main" id="{493AFBB6-D674-524A-85E2-ECD91028EF5C}"/>
-                </a:ext>
-              </a:extLst>
-            </p:cNvPr>
-            <p:cNvSpPr/>
-            <p:nvPr/>
-          </p:nvSpPr>
-          <p:spPr>
-            <a:xfrm>
-              <a:off x="1162289" y="4731100"/>
-              <a:ext cx="1697419" cy="305963"/>
-            </a:xfrm>
-            <a:prstGeom prst="round2SameRect">
-              <a:avLst/>
-            </a:prstGeom>
-            <a:noFill/>
-            <a:ln>
-              <a:solidFill>
-                <a:schemeClr val="tx1"/>
-              </a:solidFill>
-            </a:ln>
-          </p:spPr>
-          <p:style>
-            <a:lnRef idx="2">
-              <a:schemeClr val="accent1">
-                <a:shade val="50000"/>
-              </a:schemeClr>
-            </a:lnRef>
-            <a:fillRef idx="1">
-              <a:schemeClr val="accent1"/>
-            </a:fillRef>
-            <a:effectRef idx="0">
-              <a:schemeClr val="accent1"/>
-            </a:effectRef>
-            <a:fontRef idx="minor">
-              <a:schemeClr val="lt1"/>
-            </a:fontRef>
-          </p:style>
-          <p:txBody>
-            <a:bodyPr rot="0" spcFirstLastPara="0" vertOverflow="overflow" horzOverflow="overflow" vert="horz" wrap="square" lIns="91440" tIns="45720" rIns="91440" bIns="45720" numCol="1" spcCol="0" rtlCol="0" fromWordArt="0" anchor="ctr" anchorCtr="0" forceAA="0" compatLnSpc="1">
-              <a:prstTxWarp prst="textNoShape">
-                <a:avLst/>
-              </a:prstTxWarp>
-              <a:noAutofit/>
-            </a:bodyPr>
-            <a:lstStyle/>
-            <a:p>
-              <a:pPr algn="ctr"/>
-              <a:r>
-                <a:rPr kumimoji="1" lang="en-US" altLang="zh-CN" sz="800">
-                  <a:solidFill>
-                    <a:schemeClr val="tx1"/>
-                  </a:solidFill>
-                </a:rPr>
-                <a:t>sfs_fs</a:t>
-              </a:r>
-              <a:endParaRPr kumimoji="1" lang="zh-CN" altLang="en-US" sz="800">
-                <a:solidFill>
-                  <a:schemeClr val="tx1"/>
-                </a:solidFill>
-              </a:endParaRPr>
-            </a:p>
-          </p:txBody>
-        </p:sp>
-      </p:grpSp>
-      <p:cxnSp>
-        <p:nvCxnSpPr>
-          <p:cNvPr id="193" name="曲线连接符 192">
-            <a:extLst>
-              <a:ext uri="{FF2B5EF4-FFF2-40B4-BE49-F238E27FC236}">
-                <a16:creationId xmlns:a16="http://schemas.microsoft.com/office/drawing/2014/main" id="{87B206B6-BF5E-7B4C-B182-05C55E2EBBCC}"/>
-              </a:ext>
-            </a:extLst>
-          </p:cNvPr>
-          <p:cNvCxnSpPr>
-            <a:cxnSpLocks/>
-            <a:stCxn id="172" idx="0"/>
-            <a:endCxn id="161" idx="2"/>
-          </p:cNvCxnSpPr>
-          <p:nvPr/>
-        </p:nvCxnSpPr>
-        <p:spPr>
-          <a:xfrm flipV="1">
-            <a:off x="9058320" y="4966867"/>
-            <a:ext cx="435198" cy="11817"/>
-          </a:xfrm>
-          <a:prstGeom prst="curvedConnector3">
-            <a:avLst>
-              <a:gd name="adj1" fmla="val 50000"/>
-            </a:avLst>
-          </a:prstGeom>
-          <a:ln>
-            <a:tailEnd type="triangle"/>
-          </a:ln>
-        </p:spPr>
-        <p:style>
-          <a:lnRef idx="1">
-            <a:schemeClr val="accent1"/>
-          </a:lnRef>
-          <a:fillRef idx="0">
-            <a:schemeClr val="accent1"/>
-          </a:fillRef>
-          <a:effectRef idx="0">
-            <a:schemeClr val="accent1"/>
-          </a:effectRef>
-          <a:fontRef idx="minor">
-            <a:schemeClr val="tx1"/>
-          </a:fontRef>
-        </p:style>
-      </p:cxnSp>
-      <p:cxnSp>
-        <p:nvCxnSpPr>
-          <p:cNvPr id="196" name="曲线连接符 195">
-            <a:extLst>
-              <a:ext uri="{FF2B5EF4-FFF2-40B4-BE49-F238E27FC236}">
-                <a16:creationId xmlns:a16="http://schemas.microsoft.com/office/drawing/2014/main" id="{24E3AAF1-73A1-3A4E-B9C8-9E25103EBFED}"/>
-              </a:ext>
-            </a:extLst>
-          </p:cNvPr>
-          <p:cNvCxnSpPr>
-            <a:cxnSpLocks/>
-            <a:stCxn id="161" idx="0"/>
-            <a:endCxn id="152" idx="2"/>
-          </p:cNvCxnSpPr>
-          <p:nvPr/>
-        </p:nvCxnSpPr>
-        <p:spPr>
-          <a:xfrm>
-            <a:off x="10566089" y="4966867"/>
-            <a:ext cx="444800" cy="36875"/>
-          </a:xfrm>
-          <a:prstGeom prst="curvedConnector3">
-            <a:avLst>
-              <a:gd name="adj1" fmla="val 50000"/>
-            </a:avLst>
-          </a:prstGeom>
-          <a:ln>
-            <a:tailEnd type="triangle"/>
-          </a:ln>
-        </p:spPr>
-        <p:style>
-          <a:lnRef idx="1">
-            <a:schemeClr val="accent1"/>
-          </a:lnRef>
-          <a:fillRef idx="0">
-            <a:schemeClr val="accent1"/>
-          </a:fillRef>
-          <a:effectRef idx="0">
-            <a:schemeClr val="accent1"/>
-          </a:effectRef>
-          <a:fontRef idx="minor">
-            <a:schemeClr val="tx1"/>
-          </a:fontRef>
-        </p:style>
-      </p:cxnSp>
-      <p:grpSp>
-        <p:nvGrpSpPr>
-          <p:cNvPr id="208" name="组合 207">
-            <a:extLst>
-              <a:ext uri="{FF2B5EF4-FFF2-40B4-BE49-F238E27FC236}">
-                <a16:creationId xmlns:a16="http://schemas.microsoft.com/office/drawing/2014/main" id="{58EA397B-5FB8-8345-B423-8D8CFFC3B600}"/>
-              </a:ext>
-            </a:extLst>
-          </p:cNvPr>
-          <p:cNvGrpSpPr/>
-          <p:nvPr/>
-        </p:nvGrpSpPr>
-        <p:grpSpPr>
-          <a:xfrm>
-            <a:off x="5205830" y="3660602"/>
-            <a:ext cx="1354723" cy="817826"/>
-            <a:chOff x="2813139" y="1790140"/>
-            <a:chExt cx="1539959" cy="1514731"/>
-          </a:xfrm>
-        </p:grpSpPr>
-        <p:sp>
-          <p:nvSpPr>
-            <p:cNvPr id="92" name="矩形 91">
-              <a:extLst>
-                <a:ext uri="{FF2B5EF4-FFF2-40B4-BE49-F238E27FC236}">
-                  <a16:creationId xmlns:a16="http://schemas.microsoft.com/office/drawing/2014/main" id="{1B07CFC5-9CBA-CF47-B7E7-6516CD2316B1}"/>
-                </a:ext>
-              </a:extLst>
-            </p:cNvPr>
-            <p:cNvSpPr/>
-            <p:nvPr/>
-          </p:nvSpPr>
-          <p:spPr>
-            <a:xfrm>
-              <a:off x="2814722" y="2044252"/>
-              <a:ext cx="1538376" cy="1260619"/>
-            </a:xfrm>
-            <a:prstGeom prst="rect">
-              <a:avLst/>
-            </a:prstGeom>
-            <a:noFill/>
-            <a:ln>
-              <a:solidFill>
-                <a:schemeClr val="tx1"/>
-              </a:solidFill>
-            </a:ln>
-          </p:spPr>
-          <p:style>
-            <a:lnRef idx="2">
-              <a:schemeClr val="accent1">
-                <a:shade val="50000"/>
-              </a:schemeClr>
-            </a:lnRef>
-            <a:fillRef idx="1">
-              <a:schemeClr val="accent1"/>
-            </a:fillRef>
-            <a:effectRef idx="0">
-              <a:schemeClr val="accent1"/>
-            </a:effectRef>
-            <a:fontRef idx="minor">
-              <a:schemeClr val="lt1"/>
-            </a:fontRef>
-          </p:style>
-          <p:txBody>
-            <a:bodyPr rtlCol="0" anchor="ctr"/>
-            <a:lstStyle/>
-            <a:p>
-              <a:pPr algn="ctr"/>
-              <a:endParaRPr kumimoji="1" lang="zh-CN" altLang="en-US" sz="800">
-                <a:solidFill>
-                  <a:schemeClr val="tx1"/>
-                </a:solidFill>
-              </a:endParaRPr>
-            </a:p>
-          </p:txBody>
-        </p:sp>
-        <p:sp>
-          <p:nvSpPr>
-            <p:cNvPr id="93" name="同侧圆角矩形 92">
-              <a:extLst>
-                <a:ext uri="{FF2B5EF4-FFF2-40B4-BE49-F238E27FC236}">
-                  <a16:creationId xmlns:a16="http://schemas.microsoft.com/office/drawing/2014/main" id="{F0871FD9-C90E-0F4C-B1AC-9C0E6727887E}"/>
-                </a:ext>
-              </a:extLst>
-            </p:cNvPr>
-            <p:cNvSpPr/>
-            <p:nvPr/>
-          </p:nvSpPr>
-          <p:spPr>
-            <a:xfrm>
-              <a:off x="2814722" y="1790140"/>
-              <a:ext cx="1538376" cy="254113"/>
-            </a:xfrm>
-            <a:prstGeom prst="round2SameRect">
-              <a:avLst/>
-            </a:prstGeom>
-            <a:solidFill>
-              <a:schemeClr val="accent5">
-                <a:lumMod val="40000"/>
-                <a:lumOff val="60000"/>
-              </a:schemeClr>
-            </a:solidFill>
-            <a:ln>
-              <a:solidFill>
-                <a:schemeClr val="tx1"/>
-              </a:solidFill>
-            </a:ln>
-          </p:spPr>
-          <p:style>
-            <a:lnRef idx="2">
-              <a:schemeClr val="accent1">
-                <a:shade val="50000"/>
-              </a:schemeClr>
-            </a:lnRef>
-            <a:fillRef idx="1">
-              <a:schemeClr val="accent1"/>
-            </a:fillRef>
-            <a:effectRef idx="0">
-              <a:schemeClr val="accent1"/>
-            </a:effectRef>
-            <a:fontRef idx="minor">
-              <a:schemeClr val="lt1"/>
-            </a:fontRef>
-          </p:style>
-          <p:txBody>
-            <a:bodyPr rot="0" spcFirstLastPara="0" vertOverflow="overflow" horzOverflow="overflow" vert="horz" wrap="square" lIns="91440" tIns="45720" rIns="91440" bIns="45720" numCol="1" spcCol="0" rtlCol="0" fromWordArt="0" anchor="ctr" anchorCtr="0" forceAA="0" compatLnSpc="1">
-              <a:prstTxWarp prst="textNoShape">
-                <a:avLst/>
-              </a:prstTxWarp>
-              <a:noAutofit/>
-            </a:bodyPr>
-            <a:lstStyle/>
-            <a:p>
-              <a:pPr algn="ctr"/>
-              <a:r>
-                <a:rPr kumimoji="1" lang="en-US" altLang="zh-CN" sz="800">
-                  <a:solidFill>
-                    <a:schemeClr val="tx1"/>
-                  </a:solidFill>
-                </a:rPr>
-                <a:t>fs</a:t>
-              </a:r>
-              <a:endParaRPr kumimoji="1" lang="zh-CN" altLang="en-US" sz="800">
-                <a:solidFill>
-                  <a:schemeClr val="tx1"/>
-                </a:solidFill>
-              </a:endParaRPr>
-            </a:p>
-          </p:txBody>
-        </p:sp>
-        <p:sp>
-          <p:nvSpPr>
-            <p:cNvPr id="207" name="矩形 206">
-              <a:extLst>
-                <a:ext uri="{FF2B5EF4-FFF2-40B4-BE49-F238E27FC236}">
-                  <a16:creationId xmlns:a16="http://schemas.microsoft.com/office/drawing/2014/main" id="{A1EEB203-4E1A-6A42-AA6C-F83283591F04}"/>
-                </a:ext>
-              </a:extLst>
-            </p:cNvPr>
-            <p:cNvSpPr/>
-            <p:nvPr/>
-          </p:nvSpPr>
-          <p:spPr>
-            <a:xfrm>
-              <a:off x="2813139" y="2235019"/>
-              <a:ext cx="1538376" cy="658648"/>
-            </a:xfrm>
-            <a:prstGeom prst="rect">
-              <a:avLst/>
-            </a:prstGeom>
-            <a:solidFill>
-              <a:schemeClr val="accent5">
-                <a:lumMod val="75000"/>
-              </a:schemeClr>
-            </a:solidFill>
-            <a:ln>
-              <a:solidFill>
-                <a:schemeClr val="tx1"/>
-              </a:solidFill>
-            </a:ln>
-          </p:spPr>
-          <p:style>
-            <a:lnRef idx="2">
-              <a:schemeClr val="accent1">
-                <a:shade val="50000"/>
-              </a:schemeClr>
-            </a:lnRef>
-            <a:fillRef idx="1">
-              <a:schemeClr val="accent1"/>
-            </a:fillRef>
-            <a:effectRef idx="0">
-              <a:schemeClr val="accent1"/>
-            </a:effectRef>
-            <a:fontRef idx="minor">
-              <a:schemeClr val="lt1"/>
-            </a:fontRef>
-          </p:style>
-          <p:txBody>
-            <a:bodyPr rtlCol="0" anchor="ctr"/>
-            <a:lstStyle/>
-            <a:p>
-              <a:pPr algn="ctr"/>
-              <a:r>
-                <a:rPr lang="en-US" altLang="zh-CN" sz="600">
-                  <a:solidFill>
-                    <a:schemeClr val="tx1"/>
-                  </a:solidFill>
-                </a:rPr>
-                <a:t>fs</a:t>
-              </a:r>
-            </a:p>
-          </p:txBody>
-        </p:sp>
-      </p:grpSp>
-      <p:grpSp>
-        <p:nvGrpSpPr>
-          <p:cNvPr id="228" name="组合 227">
-            <a:extLst>
-              <a:ext uri="{FF2B5EF4-FFF2-40B4-BE49-F238E27FC236}">
-                <a16:creationId xmlns:a16="http://schemas.microsoft.com/office/drawing/2014/main" id="{4C0A8201-CDBC-8240-B935-11AD40B90D0A}"/>
-              </a:ext>
-            </a:extLst>
-          </p:cNvPr>
-          <p:cNvGrpSpPr/>
-          <p:nvPr/>
-        </p:nvGrpSpPr>
-        <p:grpSpPr>
-          <a:xfrm>
-            <a:off x="4410106" y="1367156"/>
-            <a:ext cx="574013" cy="694101"/>
-            <a:chOff x="3498074" y="411438"/>
-            <a:chExt cx="652500" cy="1285575"/>
-          </a:xfrm>
-        </p:grpSpPr>
-        <p:sp>
-          <p:nvSpPr>
-            <p:cNvPr id="214" name="矩形 213">
-              <a:extLst>
-                <a:ext uri="{FF2B5EF4-FFF2-40B4-BE49-F238E27FC236}">
-                  <a16:creationId xmlns:a16="http://schemas.microsoft.com/office/drawing/2014/main" id="{C9B4671A-A1BC-2C43-A8FC-AAAF5F4A5480}"/>
-                </a:ext>
-              </a:extLst>
-            </p:cNvPr>
-            <p:cNvSpPr/>
-            <p:nvPr/>
-          </p:nvSpPr>
-          <p:spPr>
-            <a:xfrm>
-              <a:off x="3498075" y="606287"/>
-              <a:ext cx="652499" cy="1090726"/>
-            </a:xfrm>
-            <a:prstGeom prst="rect">
-              <a:avLst/>
-            </a:prstGeom>
-            <a:noFill/>
-            <a:ln>
-              <a:solidFill>
-                <a:schemeClr val="tx1"/>
-              </a:solidFill>
-            </a:ln>
-          </p:spPr>
-          <p:style>
-            <a:lnRef idx="2">
-              <a:schemeClr val="accent1">
-                <a:shade val="50000"/>
-              </a:schemeClr>
-            </a:lnRef>
-            <a:fillRef idx="1">
-              <a:schemeClr val="accent1"/>
-            </a:fillRef>
-            <a:effectRef idx="0">
-              <a:schemeClr val="accent1"/>
-            </a:effectRef>
-            <a:fontRef idx="minor">
-              <a:schemeClr val="lt1"/>
-            </a:fontRef>
-          </p:style>
-          <p:txBody>
-            <a:bodyPr rtlCol="0" anchor="ctr"/>
-            <a:lstStyle/>
-            <a:p>
-              <a:pPr algn="ctr"/>
-              <a:endParaRPr kumimoji="1" lang="zh-CN" altLang="en-US" sz="600">
-                <a:solidFill>
-                  <a:schemeClr val="tx1"/>
-                </a:solidFill>
-              </a:endParaRPr>
-            </a:p>
-          </p:txBody>
-        </p:sp>
-        <p:sp>
-          <p:nvSpPr>
-            <p:cNvPr id="215" name="矩形 214">
-              <a:extLst>
-                <a:ext uri="{FF2B5EF4-FFF2-40B4-BE49-F238E27FC236}">
-                  <a16:creationId xmlns:a16="http://schemas.microsoft.com/office/drawing/2014/main" id="{B690B53A-2A94-B543-A4BA-10B204736E92}"/>
-                </a:ext>
-              </a:extLst>
-            </p:cNvPr>
-            <p:cNvSpPr/>
-            <p:nvPr/>
-          </p:nvSpPr>
-          <p:spPr>
-            <a:xfrm>
-              <a:off x="3498074" y="756933"/>
-              <a:ext cx="652499" cy="352298"/>
-            </a:xfrm>
-            <a:prstGeom prst="rect">
-              <a:avLst/>
-            </a:prstGeom>
-            <a:solidFill>
-              <a:schemeClr val="accent2">
-                <a:lumMod val="40000"/>
-                <a:lumOff val="60000"/>
-              </a:schemeClr>
-            </a:solidFill>
-            <a:ln>
-              <a:solidFill>
-                <a:schemeClr val="tx1"/>
-              </a:solidFill>
-            </a:ln>
-          </p:spPr>
-          <p:style>
-            <a:lnRef idx="2">
-              <a:schemeClr val="accent1">
-                <a:shade val="50000"/>
-              </a:schemeClr>
-            </a:lnRef>
-            <a:fillRef idx="1">
-              <a:schemeClr val="accent1"/>
-            </a:fillRef>
-            <a:effectRef idx="0">
-              <a:schemeClr val="accent1"/>
-            </a:effectRef>
-            <a:fontRef idx="minor">
-              <a:schemeClr val="lt1"/>
-            </a:fontRef>
-          </p:style>
-          <p:txBody>
-            <a:bodyPr rtlCol="0" anchor="ctr"/>
-            <a:lstStyle/>
-            <a:p>
-              <a:pPr algn="ctr"/>
-              <a:r>
-                <a:rPr lang="en-US" altLang="zh-CN" sz="600">
-                  <a:solidFill>
-                    <a:schemeClr val="tx1"/>
-                  </a:solidFill>
-                </a:rPr>
-                <a:t>xfs_inode</a:t>
-              </a:r>
-            </a:p>
-          </p:txBody>
-        </p:sp>
-        <p:sp>
-          <p:nvSpPr>
-            <p:cNvPr id="211" name="矩形 210">
-              <a:extLst>
-                <a:ext uri="{FF2B5EF4-FFF2-40B4-BE49-F238E27FC236}">
-                  <a16:creationId xmlns:a16="http://schemas.microsoft.com/office/drawing/2014/main" id="{7534F7DE-AAB8-6845-A6D0-88F86D4169E2}"/>
-                </a:ext>
-              </a:extLst>
-            </p:cNvPr>
-            <p:cNvSpPr/>
-            <p:nvPr/>
-          </p:nvSpPr>
-          <p:spPr>
-            <a:xfrm>
-              <a:off x="3498074" y="1269262"/>
-              <a:ext cx="652499" cy="352298"/>
-            </a:xfrm>
-            <a:prstGeom prst="rect">
-              <a:avLst/>
-            </a:prstGeom>
-            <a:noFill/>
-            <a:ln>
-              <a:solidFill>
-                <a:schemeClr val="tx1"/>
-              </a:solidFill>
-            </a:ln>
-          </p:spPr>
-          <p:style>
-            <a:lnRef idx="2">
-              <a:schemeClr val="accent1">
-                <a:shade val="50000"/>
-              </a:schemeClr>
-            </a:lnRef>
-            <a:fillRef idx="1">
-              <a:schemeClr val="accent1"/>
-            </a:fillRef>
-            <a:effectRef idx="0">
-              <a:schemeClr val="accent1"/>
-            </a:effectRef>
-            <a:fontRef idx="minor">
-              <a:schemeClr val="lt1"/>
-            </a:fontRef>
-          </p:style>
-          <p:txBody>
-            <a:bodyPr rtlCol="0" anchor="ctr"/>
-            <a:lstStyle/>
-            <a:p>
-              <a:pPr algn="ctr"/>
-              <a:r>
-                <a:rPr lang="en-US" altLang="zh-CN" sz="600">
-                  <a:solidFill>
-                    <a:schemeClr val="tx1"/>
-                  </a:solidFill>
-                </a:rPr>
-                <a:t>fs</a:t>
-              </a:r>
-              <a:r>
-                <a:rPr lang="zh-CN" altLang="en-US" sz="600">
-                  <a:solidFill>
-                    <a:schemeClr val="tx1"/>
-                  </a:solidFill>
-                </a:rPr>
-                <a:t> *</a:t>
-              </a:r>
-              <a:r>
-                <a:rPr lang="en-US" altLang="zh-CN" sz="600">
-                  <a:solidFill>
-                    <a:schemeClr val="tx1"/>
-                  </a:solidFill>
-                </a:rPr>
-                <a:t>in_fs</a:t>
-              </a:r>
-            </a:p>
-          </p:txBody>
-        </p:sp>
-        <p:sp>
-          <p:nvSpPr>
-            <p:cNvPr id="223" name="同侧圆角矩形 222">
-              <a:extLst>
-                <a:ext uri="{FF2B5EF4-FFF2-40B4-BE49-F238E27FC236}">
-                  <a16:creationId xmlns:a16="http://schemas.microsoft.com/office/drawing/2014/main" id="{8CEE2546-BFAF-864D-A855-F8507EB27DF2}"/>
-                </a:ext>
-              </a:extLst>
-            </p:cNvPr>
-            <p:cNvSpPr/>
-            <p:nvPr/>
-          </p:nvSpPr>
-          <p:spPr>
-            <a:xfrm>
-              <a:off x="3498074" y="411438"/>
-              <a:ext cx="652499" cy="194849"/>
-            </a:xfrm>
-            <a:prstGeom prst="round2SameRect">
-              <a:avLst/>
-            </a:prstGeom>
-            <a:solidFill>
-              <a:schemeClr val="accent6">
-                <a:lumMod val="20000"/>
-                <a:lumOff val="80000"/>
-              </a:schemeClr>
-            </a:solidFill>
-            <a:ln>
-              <a:solidFill>
-                <a:schemeClr val="tx1"/>
-              </a:solidFill>
-            </a:ln>
-          </p:spPr>
-          <p:style>
-            <a:lnRef idx="2">
-              <a:schemeClr val="accent1">
-                <a:shade val="50000"/>
-              </a:schemeClr>
-            </a:lnRef>
-            <a:fillRef idx="1">
-              <a:schemeClr val="accent1"/>
-            </a:fillRef>
-            <a:effectRef idx="0">
-              <a:schemeClr val="accent1"/>
-            </a:effectRef>
-            <a:fontRef idx="minor">
-              <a:schemeClr val="lt1"/>
-            </a:fontRef>
-          </p:style>
-          <p:txBody>
-            <a:bodyPr rot="0" spcFirstLastPara="0" vertOverflow="overflow" horzOverflow="overflow" vert="horz" wrap="square" lIns="91440" tIns="45720" rIns="91440" bIns="45720" numCol="1" spcCol="0" rtlCol="0" fromWordArt="0" anchor="ctr" anchorCtr="0" forceAA="0" compatLnSpc="1">
-              <a:prstTxWarp prst="textNoShape">
-                <a:avLst/>
-              </a:prstTxWarp>
-              <a:noAutofit/>
-            </a:bodyPr>
-            <a:lstStyle/>
-            <a:p>
-              <a:pPr algn="ctr"/>
-              <a:r>
-                <a:rPr kumimoji="1" lang="en-US" altLang="zh-CN" sz="800">
-                  <a:solidFill>
-                    <a:schemeClr val="tx1"/>
-                  </a:solidFill>
-                </a:rPr>
-                <a:t>inode</a:t>
-              </a:r>
-              <a:endParaRPr kumimoji="1" lang="zh-CN" altLang="en-US" sz="800">
-                <a:solidFill>
-                  <a:schemeClr val="tx1"/>
-                </a:solidFill>
-              </a:endParaRPr>
-            </a:p>
-          </p:txBody>
-        </p:sp>
-      </p:grpSp>
-      <p:grpSp>
-        <p:nvGrpSpPr>
-          <p:cNvPr id="229" name="组合 228">
-            <a:extLst>
-              <a:ext uri="{FF2B5EF4-FFF2-40B4-BE49-F238E27FC236}">
-                <a16:creationId xmlns:a16="http://schemas.microsoft.com/office/drawing/2014/main" id="{C993B08C-D3C8-3440-9406-81E6AE846958}"/>
-              </a:ext>
-            </a:extLst>
-          </p:cNvPr>
-          <p:cNvGrpSpPr/>
-          <p:nvPr/>
-        </p:nvGrpSpPr>
-        <p:grpSpPr>
-          <a:xfrm>
-            <a:off x="5981399" y="1328260"/>
-            <a:ext cx="574013" cy="694101"/>
-            <a:chOff x="3498074" y="411438"/>
-            <a:chExt cx="652500" cy="1285575"/>
-          </a:xfrm>
-        </p:grpSpPr>
-        <p:sp>
-          <p:nvSpPr>
-            <p:cNvPr id="230" name="矩形 229">
-              <a:extLst>
-                <a:ext uri="{FF2B5EF4-FFF2-40B4-BE49-F238E27FC236}">
-                  <a16:creationId xmlns:a16="http://schemas.microsoft.com/office/drawing/2014/main" id="{0F379A59-EC0B-734D-818D-2E49D6B3458C}"/>
-                </a:ext>
-              </a:extLst>
-            </p:cNvPr>
-            <p:cNvSpPr/>
-            <p:nvPr/>
-          </p:nvSpPr>
-          <p:spPr>
-            <a:xfrm>
-              <a:off x="3498075" y="606287"/>
-              <a:ext cx="652499" cy="1090726"/>
-            </a:xfrm>
-            <a:prstGeom prst="rect">
-              <a:avLst/>
-            </a:prstGeom>
-            <a:noFill/>
-            <a:ln>
-              <a:solidFill>
-                <a:schemeClr val="tx1"/>
-              </a:solidFill>
-            </a:ln>
-          </p:spPr>
-          <p:style>
-            <a:lnRef idx="2">
-              <a:schemeClr val="accent1">
-                <a:shade val="50000"/>
-              </a:schemeClr>
-            </a:lnRef>
-            <a:fillRef idx="1">
-              <a:schemeClr val="accent1"/>
-            </a:fillRef>
-            <a:effectRef idx="0">
-              <a:schemeClr val="accent1"/>
-            </a:effectRef>
-            <a:fontRef idx="minor">
-              <a:schemeClr val="lt1"/>
-            </a:fontRef>
-          </p:style>
-          <p:txBody>
-            <a:bodyPr rtlCol="0" anchor="ctr"/>
-            <a:lstStyle/>
-            <a:p>
-              <a:pPr algn="ctr"/>
-              <a:endParaRPr kumimoji="1" lang="zh-CN" altLang="en-US" sz="600">
-                <a:solidFill>
-                  <a:schemeClr val="tx1"/>
-                </a:solidFill>
-              </a:endParaRPr>
-            </a:p>
-          </p:txBody>
-        </p:sp>
-        <p:sp>
-          <p:nvSpPr>
-            <p:cNvPr id="231" name="矩形 230">
-              <a:extLst>
-                <a:ext uri="{FF2B5EF4-FFF2-40B4-BE49-F238E27FC236}">
-                  <a16:creationId xmlns:a16="http://schemas.microsoft.com/office/drawing/2014/main" id="{371614AF-D795-7945-890E-4B233AE3E99D}"/>
-                </a:ext>
-              </a:extLst>
-            </p:cNvPr>
-            <p:cNvSpPr/>
-            <p:nvPr/>
-          </p:nvSpPr>
-          <p:spPr>
-            <a:xfrm>
-              <a:off x="3498074" y="756933"/>
-              <a:ext cx="652499" cy="352298"/>
-            </a:xfrm>
-            <a:prstGeom prst="rect">
-              <a:avLst/>
-            </a:prstGeom>
-            <a:solidFill>
-              <a:schemeClr val="accent2">
-                <a:lumMod val="40000"/>
-                <a:lumOff val="60000"/>
-              </a:schemeClr>
-            </a:solidFill>
-            <a:ln>
-              <a:solidFill>
-                <a:schemeClr val="tx1"/>
-              </a:solidFill>
-            </a:ln>
-          </p:spPr>
-          <p:style>
-            <a:lnRef idx="2">
-              <a:schemeClr val="accent1">
-                <a:shade val="50000"/>
-              </a:schemeClr>
-            </a:lnRef>
-            <a:fillRef idx="1">
-              <a:schemeClr val="accent1"/>
-            </a:fillRef>
-            <a:effectRef idx="0">
-              <a:schemeClr val="accent1"/>
-            </a:effectRef>
-            <a:fontRef idx="minor">
-              <a:schemeClr val="lt1"/>
-            </a:fontRef>
-          </p:style>
-          <p:txBody>
-            <a:bodyPr rtlCol="0" anchor="ctr"/>
-            <a:lstStyle/>
-            <a:p>
-              <a:pPr algn="ctr"/>
-              <a:r>
-                <a:rPr lang="en-US" altLang="zh-CN" sz="600">
-                  <a:solidFill>
-                    <a:schemeClr val="tx1"/>
-                  </a:solidFill>
-                </a:rPr>
-                <a:t>xfs_inode</a:t>
-              </a:r>
-            </a:p>
-          </p:txBody>
-        </p:sp>
-        <p:sp>
-          <p:nvSpPr>
-            <p:cNvPr id="232" name="矩形 231">
-              <a:extLst>
-                <a:ext uri="{FF2B5EF4-FFF2-40B4-BE49-F238E27FC236}">
-                  <a16:creationId xmlns:a16="http://schemas.microsoft.com/office/drawing/2014/main" id="{30C8C8CC-0B66-654D-8DB2-308B7AF524B5}"/>
-                </a:ext>
-              </a:extLst>
-            </p:cNvPr>
-            <p:cNvSpPr/>
-            <p:nvPr/>
-          </p:nvSpPr>
-          <p:spPr>
-            <a:xfrm>
-              <a:off x="3498074" y="1269262"/>
-              <a:ext cx="652499" cy="352298"/>
-            </a:xfrm>
-            <a:prstGeom prst="rect">
-              <a:avLst/>
-            </a:prstGeom>
-            <a:noFill/>
-            <a:ln>
-              <a:solidFill>
-                <a:schemeClr val="tx1"/>
-              </a:solidFill>
-            </a:ln>
-          </p:spPr>
-          <p:style>
-            <a:lnRef idx="2">
-              <a:schemeClr val="accent1">
-                <a:shade val="50000"/>
-              </a:schemeClr>
-            </a:lnRef>
-            <a:fillRef idx="1">
-              <a:schemeClr val="accent1"/>
-            </a:fillRef>
-            <a:effectRef idx="0">
-              <a:schemeClr val="accent1"/>
-            </a:effectRef>
-            <a:fontRef idx="minor">
-              <a:schemeClr val="lt1"/>
-            </a:fontRef>
-          </p:style>
-          <p:txBody>
-            <a:bodyPr rtlCol="0" anchor="ctr"/>
-            <a:lstStyle/>
-            <a:p>
-              <a:pPr algn="ctr"/>
-              <a:r>
-                <a:rPr lang="en-US" altLang="zh-CN" sz="600">
-                  <a:solidFill>
-                    <a:schemeClr val="tx1"/>
-                  </a:solidFill>
-                </a:rPr>
-                <a:t>fs</a:t>
-              </a:r>
-              <a:r>
-                <a:rPr lang="zh-CN" altLang="en-US" sz="600">
-                  <a:solidFill>
-                    <a:schemeClr val="tx1"/>
-                  </a:solidFill>
-                </a:rPr>
-                <a:t> *</a:t>
-              </a:r>
-              <a:r>
-                <a:rPr lang="en-US" altLang="zh-CN" sz="600">
-                  <a:solidFill>
-                    <a:schemeClr val="tx1"/>
-                  </a:solidFill>
-                </a:rPr>
-                <a:t>in_fs</a:t>
-              </a:r>
-            </a:p>
-          </p:txBody>
-        </p:sp>
-        <p:sp>
-          <p:nvSpPr>
-            <p:cNvPr id="233" name="同侧圆角矩形 232">
-              <a:extLst>
-                <a:ext uri="{FF2B5EF4-FFF2-40B4-BE49-F238E27FC236}">
-                  <a16:creationId xmlns:a16="http://schemas.microsoft.com/office/drawing/2014/main" id="{92C17BC2-3F6E-8B46-A674-DA6C62E23DCF}"/>
-                </a:ext>
-              </a:extLst>
-            </p:cNvPr>
-            <p:cNvSpPr/>
-            <p:nvPr/>
-          </p:nvSpPr>
-          <p:spPr>
-            <a:xfrm>
-              <a:off x="3498074" y="411438"/>
-              <a:ext cx="652499" cy="194849"/>
-            </a:xfrm>
-            <a:prstGeom prst="round2SameRect">
-              <a:avLst/>
-            </a:prstGeom>
-            <a:solidFill>
-              <a:schemeClr val="accent6">
-                <a:lumMod val="20000"/>
-                <a:lumOff val="80000"/>
-              </a:schemeClr>
-            </a:solidFill>
-            <a:ln>
-              <a:solidFill>
-                <a:schemeClr val="tx1"/>
-              </a:solidFill>
-            </a:ln>
-          </p:spPr>
-          <p:style>
-            <a:lnRef idx="2">
-              <a:schemeClr val="accent1">
-                <a:shade val="50000"/>
-              </a:schemeClr>
-            </a:lnRef>
-            <a:fillRef idx="1">
-              <a:schemeClr val="accent1"/>
-            </a:fillRef>
-            <a:effectRef idx="0">
-              <a:schemeClr val="accent1"/>
-            </a:effectRef>
-            <a:fontRef idx="minor">
-              <a:schemeClr val="lt1"/>
-            </a:fontRef>
-          </p:style>
-          <p:txBody>
-            <a:bodyPr rot="0" spcFirstLastPara="0" vertOverflow="overflow" horzOverflow="overflow" vert="horz" wrap="square" lIns="91440" tIns="45720" rIns="91440" bIns="45720" numCol="1" spcCol="0" rtlCol="0" fromWordArt="0" anchor="ctr" anchorCtr="0" forceAA="0" compatLnSpc="1">
-              <a:prstTxWarp prst="textNoShape">
-                <a:avLst/>
-              </a:prstTxWarp>
-              <a:noAutofit/>
-            </a:bodyPr>
-            <a:lstStyle/>
-            <a:p>
-              <a:pPr algn="ctr"/>
-              <a:r>
-                <a:rPr kumimoji="1" lang="en-US" altLang="zh-CN" sz="800">
-                  <a:solidFill>
-                    <a:schemeClr val="tx1"/>
-                  </a:solidFill>
-                </a:rPr>
-                <a:t>inode</a:t>
-              </a:r>
-              <a:endParaRPr kumimoji="1" lang="zh-CN" altLang="en-US" sz="800">
-                <a:solidFill>
-                  <a:schemeClr val="tx1"/>
-                </a:solidFill>
-              </a:endParaRPr>
-            </a:p>
-          </p:txBody>
-        </p:sp>
-      </p:grpSp>
-      <p:grpSp>
-        <p:nvGrpSpPr>
-          <p:cNvPr id="234" name="组合 233">
-            <a:extLst>
-              <a:ext uri="{FF2B5EF4-FFF2-40B4-BE49-F238E27FC236}">
-                <a16:creationId xmlns:a16="http://schemas.microsoft.com/office/drawing/2014/main" id="{6F3C6825-1658-8149-A146-CF032EB2376D}"/>
-              </a:ext>
-            </a:extLst>
-          </p:cNvPr>
-          <p:cNvGrpSpPr/>
-          <p:nvPr/>
-        </p:nvGrpSpPr>
-        <p:grpSpPr>
-          <a:xfrm>
-            <a:off x="7535562" y="1335172"/>
-            <a:ext cx="574013" cy="694101"/>
-            <a:chOff x="3498074" y="411438"/>
-            <a:chExt cx="652500" cy="1285575"/>
-          </a:xfrm>
-        </p:grpSpPr>
-        <p:sp>
-          <p:nvSpPr>
-            <p:cNvPr id="235" name="矩形 234">
-              <a:extLst>
-                <a:ext uri="{FF2B5EF4-FFF2-40B4-BE49-F238E27FC236}">
-                  <a16:creationId xmlns:a16="http://schemas.microsoft.com/office/drawing/2014/main" id="{DA83917B-746F-0D42-B65E-BE730D6D2561}"/>
-                </a:ext>
-              </a:extLst>
-            </p:cNvPr>
-            <p:cNvSpPr/>
-            <p:nvPr/>
-          </p:nvSpPr>
-          <p:spPr>
-            <a:xfrm>
-              <a:off x="3498075" y="606287"/>
-              <a:ext cx="652499" cy="1090726"/>
-            </a:xfrm>
-            <a:prstGeom prst="rect">
-              <a:avLst/>
-            </a:prstGeom>
-            <a:noFill/>
-            <a:ln>
-              <a:solidFill>
-                <a:schemeClr val="tx1"/>
-              </a:solidFill>
-            </a:ln>
-          </p:spPr>
-          <p:style>
-            <a:lnRef idx="2">
-              <a:schemeClr val="accent1">
-                <a:shade val="50000"/>
-              </a:schemeClr>
-            </a:lnRef>
-            <a:fillRef idx="1">
-              <a:schemeClr val="accent1"/>
-            </a:fillRef>
-            <a:effectRef idx="0">
-              <a:schemeClr val="accent1"/>
-            </a:effectRef>
-            <a:fontRef idx="minor">
-              <a:schemeClr val="lt1"/>
-            </a:fontRef>
-          </p:style>
-          <p:txBody>
-            <a:bodyPr rtlCol="0" anchor="ctr"/>
-            <a:lstStyle/>
-            <a:p>
-              <a:pPr algn="ctr"/>
-              <a:endParaRPr kumimoji="1" lang="zh-CN" altLang="en-US" sz="600">
-                <a:solidFill>
-                  <a:schemeClr val="tx1"/>
-                </a:solidFill>
-              </a:endParaRPr>
-            </a:p>
-          </p:txBody>
-        </p:sp>
-        <p:sp>
-          <p:nvSpPr>
-            <p:cNvPr id="236" name="矩形 235">
-              <a:extLst>
-                <a:ext uri="{FF2B5EF4-FFF2-40B4-BE49-F238E27FC236}">
-                  <a16:creationId xmlns:a16="http://schemas.microsoft.com/office/drawing/2014/main" id="{465FA88F-EFEC-1348-99B1-DEA63DFC9EAB}"/>
-                </a:ext>
-              </a:extLst>
-            </p:cNvPr>
-            <p:cNvSpPr/>
-            <p:nvPr/>
-          </p:nvSpPr>
-          <p:spPr>
-            <a:xfrm>
-              <a:off x="3498074" y="756933"/>
-              <a:ext cx="652499" cy="352298"/>
-            </a:xfrm>
-            <a:prstGeom prst="rect">
-              <a:avLst/>
-            </a:prstGeom>
-            <a:solidFill>
-              <a:schemeClr val="accent4">
-                <a:lumMod val="20000"/>
-                <a:lumOff val="80000"/>
-              </a:schemeClr>
-            </a:solidFill>
-            <a:ln>
-              <a:solidFill>
-                <a:schemeClr val="tx1"/>
-              </a:solidFill>
-            </a:ln>
-          </p:spPr>
-          <p:style>
-            <a:lnRef idx="2">
-              <a:schemeClr val="accent1">
-                <a:shade val="50000"/>
-              </a:schemeClr>
-            </a:lnRef>
-            <a:fillRef idx="1">
-              <a:schemeClr val="accent1"/>
-            </a:fillRef>
-            <a:effectRef idx="0">
-              <a:schemeClr val="accent1"/>
-            </a:effectRef>
-            <a:fontRef idx="minor">
-              <a:schemeClr val="lt1"/>
-            </a:fontRef>
-          </p:style>
-          <p:txBody>
-            <a:bodyPr rtlCol="0" anchor="ctr"/>
-            <a:lstStyle/>
-            <a:p>
-              <a:pPr algn="ctr"/>
-              <a:r>
-                <a:rPr lang="en-US" altLang="zh-CN" sz="600">
-                  <a:solidFill>
-                    <a:schemeClr val="tx1"/>
-                  </a:solidFill>
-                </a:rPr>
-                <a:t>sfs_inode</a:t>
-              </a:r>
-            </a:p>
-          </p:txBody>
-        </p:sp>
-        <p:sp>
-          <p:nvSpPr>
-            <p:cNvPr id="237" name="矩形 236">
-              <a:extLst>
-                <a:ext uri="{FF2B5EF4-FFF2-40B4-BE49-F238E27FC236}">
-                  <a16:creationId xmlns:a16="http://schemas.microsoft.com/office/drawing/2014/main" id="{F4E47831-5108-FD46-ADFB-FC449E85DE35}"/>
-                </a:ext>
-              </a:extLst>
-            </p:cNvPr>
-            <p:cNvSpPr/>
-            <p:nvPr/>
-          </p:nvSpPr>
-          <p:spPr>
-            <a:xfrm>
-              <a:off x="3498074" y="1269262"/>
-              <a:ext cx="652499" cy="352298"/>
-            </a:xfrm>
-            <a:prstGeom prst="rect">
-              <a:avLst/>
-            </a:prstGeom>
-            <a:noFill/>
-            <a:ln>
-              <a:solidFill>
-                <a:schemeClr val="tx1"/>
-              </a:solidFill>
-            </a:ln>
-          </p:spPr>
-          <p:style>
-            <a:lnRef idx="2">
-              <a:schemeClr val="accent1">
-                <a:shade val="50000"/>
-              </a:schemeClr>
-            </a:lnRef>
-            <a:fillRef idx="1">
-              <a:schemeClr val="accent1"/>
-            </a:fillRef>
-            <a:effectRef idx="0">
-              <a:schemeClr val="accent1"/>
-            </a:effectRef>
-            <a:fontRef idx="minor">
-              <a:schemeClr val="lt1"/>
-            </a:fontRef>
-          </p:style>
-          <p:txBody>
-            <a:bodyPr rtlCol="0" anchor="ctr"/>
-            <a:lstStyle/>
-            <a:p>
-              <a:pPr algn="ctr"/>
-              <a:r>
-                <a:rPr lang="en-US" altLang="zh-CN" sz="600">
-                  <a:solidFill>
-                    <a:schemeClr val="tx1"/>
-                  </a:solidFill>
-                </a:rPr>
-                <a:t>fs</a:t>
-              </a:r>
-              <a:r>
-                <a:rPr lang="zh-CN" altLang="en-US" sz="600">
-                  <a:solidFill>
-                    <a:schemeClr val="tx1"/>
-                  </a:solidFill>
-                </a:rPr>
-                <a:t> *</a:t>
-              </a:r>
-              <a:r>
-                <a:rPr lang="en-US" altLang="zh-CN" sz="600">
-                  <a:solidFill>
-                    <a:schemeClr val="tx1"/>
-                  </a:solidFill>
-                </a:rPr>
-                <a:t>in_fs</a:t>
-              </a:r>
-            </a:p>
-          </p:txBody>
-        </p:sp>
-        <p:sp>
-          <p:nvSpPr>
-            <p:cNvPr id="238" name="同侧圆角矩形 237">
-              <a:extLst>
-                <a:ext uri="{FF2B5EF4-FFF2-40B4-BE49-F238E27FC236}">
-                  <a16:creationId xmlns:a16="http://schemas.microsoft.com/office/drawing/2014/main" id="{96D482EF-F947-E647-889E-80935A934357}"/>
-                </a:ext>
-              </a:extLst>
-            </p:cNvPr>
-            <p:cNvSpPr/>
-            <p:nvPr/>
-          </p:nvSpPr>
-          <p:spPr>
-            <a:xfrm>
-              <a:off x="3498074" y="411438"/>
-              <a:ext cx="652499" cy="194849"/>
-            </a:xfrm>
-            <a:prstGeom prst="round2SameRect">
-              <a:avLst/>
-            </a:prstGeom>
-            <a:solidFill>
-              <a:schemeClr val="accent6">
-                <a:lumMod val="20000"/>
-                <a:lumOff val="80000"/>
-              </a:schemeClr>
-            </a:solidFill>
-            <a:ln>
-              <a:solidFill>
-                <a:schemeClr val="tx1"/>
-              </a:solidFill>
-            </a:ln>
-          </p:spPr>
-          <p:style>
-            <a:lnRef idx="2">
-              <a:schemeClr val="accent1">
-                <a:shade val="50000"/>
-              </a:schemeClr>
-            </a:lnRef>
-            <a:fillRef idx="1">
-              <a:schemeClr val="accent1"/>
-            </a:fillRef>
-            <a:effectRef idx="0">
-              <a:schemeClr val="accent1"/>
-            </a:effectRef>
-            <a:fontRef idx="minor">
-              <a:schemeClr val="lt1"/>
-            </a:fontRef>
-          </p:style>
-          <p:txBody>
-            <a:bodyPr rot="0" spcFirstLastPara="0" vertOverflow="overflow" horzOverflow="overflow" vert="horz" wrap="square" lIns="91440" tIns="45720" rIns="91440" bIns="45720" numCol="1" spcCol="0" rtlCol="0" fromWordArt="0" anchor="ctr" anchorCtr="0" forceAA="0" compatLnSpc="1">
-              <a:prstTxWarp prst="textNoShape">
-                <a:avLst/>
-              </a:prstTxWarp>
-              <a:noAutofit/>
-            </a:bodyPr>
-            <a:lstStyle/>
-            <a:p>
-              <a:pPr algn="ctr"/>
-              <a:r>
-                <a:rPr kumimoji="1" lang="en-US" altLang="zh-CN" sz="800">
-                  <a:solidFill>
-                    <a:schemeClr val="tx1"/>
-                  </a:solidFill>
-                </a:rPr>
-                <a:t>inode</a:t>
-              </a:r>
-              <a:endParaRPr kumimoji="1" lang="zh-CN" altLang="en-US" sz="800">
-                <a:solidFill>
-                  <a:schemeClr val="tx1"/>
-                </a:solidFill>
-              </a:endParaRPr>
-            </a:p>
-          </p:txBody>
-        </p:sp>
-      </p:grpSp>
-      <p:grpSp>
-        <p:nvGrpSpPr>
-          <p:cNvPr id="241" name="组合 240">
-            <a:extLst>
-              <a:ext uri="{FF2B5EF4-FFF2-40B4-BE49-F238E27FC236}">
-                <a16:creationId xmlns:a16="http://schemas.microsoft.com/office/drawing/2014/main" id="{D1A44A3C-D72B-9A49-9954-90A0C40BD451}"/>
-              </a:ext>
-            </a:extLst>
-          </p:cNvPr>
-          <p:cNvGrpSpPr/>
-          <p:nvPr/>
-        </p:nvGrpSpPr>
-        <p:grpSpPr>
-          <a:xfrm>
-            <a:off x="9066114" y="1308527"/>
-            <a:ext cx="574013" cy="694101"/>
-            <a:chOff x="3498074" y="411438"/>
-            <a:chExt cx="652500" cy="1285575"/>
-          </a:xfrm>
-        </p:grpSpPr>
-        <p:sp>
-          <p:nvSpPr>
-            <p:cNvPr id="242" name="矩形 241">
-              <a:extLst>
-                <a:ext uri="{FF2B5EF4-FFF2-40B4-BE49-F238E27FC236}">
-                  <a16:creationId xmlns:a16="http://schemas.microsoft.com/office/drawing/2014/main" id="{D3082CFC-6CB4-F246-A6FF-5C75D2A87F2F}"/>
-                </a:ext>
-              </a:extLst>
-            </p:cNvPr>
-            <p:cNvSpPr/>
-            <p:nvPr/>
-          </p:nvSpPr>
-          <p:spPr>
-            <a:xfrm>
-              <a:off x="3498075" y="606287"/>
-              <a:ext cx="652499" cy="1090726"/>
-            </a:xfrm>
-            <a:prstGeom prst="rect">
-              <a:avLst/>
-            </a:prstGeom>
-            <a:noFill/>
-            <a:ln>
-              <a:solidFill>
-                <a:schemeClr val="tx1"/>
-              </a:solidFill>
-            </a:ln>
-          </p:spPr>
-          <p:style>
-            <a:lnRef idx="2">
-              <a:schemeClr val="accent1">
-                <a:shade val="50000"/>
-              </a:schemeClr>
-            </a:lnRef>
-            <a:fillRef idx="1">
-              <a:schemeClr val="accent1"/>
-            </a:fillRef>
-            <a:effectRef idx="0">
-              <a:schemeClr val="accent1"/>
-            </a:effectRef>
-            <a:fontRef idx="minor">
-              <a:schemeClr val="lt1"/>
-            </a:fontRef>
-          </p:style>
-          <p:txBody>
-            <a:bodyPr rtlCol="0" anchor="ctr"/>
-            <a:lstStyle/>
-            <a:p>
-              <a:pPr algn="ctr"/>
-              <a:endParaRPr kumimoji="1" lang="zh-CN" altLang="en-US" sz="600">
-                <a:solidFill>
-                  <a:schemeClr val="tx1"/>
-                </a:solidFill>
-              </a:endParaRPr>
-            </a:p>
-          </p:txBody>
-        </p:sp>
-        <p:sp>
-          <p:nvSpPr>
-            <p:cNvPr id="243" name="矩形 242">
-              <a:extLst>
-                <a:ext uri="{FF2B5EF4-FFF2-40B4-BE49-F238E27FC236}">
-                  <a16:creationId xmlns:a16="http://schemas.microsoft.com/office/drawing/2014/main" id="{11912BDC-0306-E14C-9885-ADD93C0CDB36}"/>
-                </a:ext>
-              </a:extLst>
-            </p:cNvPr>
-            <p:cNvSpPr/>
-            <p:nvPr/>
-          </p:nvSpPr>
-          <p:spPr>
-            <a:xfrm>
-              <a:off x="3498074" y="756933"/>
-              <a:ext cx="652499" cy="352298"/>
-            </a:xfrm>
-            <a:prstGeom prst="rect">
-              <a:avLst/>
-            </a:prstGeom>
-            <a:solidFill>
-              <a:schemeClr val="accent4">
-                <a:lumMod val="20000"/>
-                <a:lumOff val="80000"/>
-              </a:schemeClr>
-            </a:solidFill>
-            <a:ln>
-              <a:solidFill>
-                <a:schemeClr val="tx1"/>
-              </a:solidFill>
-            </a:ln>
-          </p:spPr>
-          <p:style>
-            <a:lnRef idx="2">
-              <a:schemeClr val="accent1">
-                <a:shade val="50000"/>
-              </a:schemeClr>
-            </a:lnRef>
-            <a:fillRef idx="1">
-              <a:schemeClr val="accent1"/>
-            </a:fillRef>
-            <a:effectRef idx="0">
-              <a:schemeClr val="accent1"/>
-            </a:effectRef>
-            <a:fontRef idx="minor">
-              <a:schemeClr val="lt1"/>
-            </a:fontRef>
-          </p:style>
-          <p:txBody>
-            <a:bodyPr rtlCol="0" anchor="ctr"/>
-            <a:lstStyle/>
-            <a:p>
-              <a:pPr algn="ctr"/>
-              <a:r>
-                <a:rPr lang="en-US" altLang="zh-CN" sz="600">
-                  <a:solidFill>
-                    <a:schemeClr val="tx1"/>
-                  </a:solidFill>
-                </a:rPr>
-                <a:t>sfs_inode</a:t>
-              </a:r>
-            </a:p>
-          </p:txBody>
-        </p:sp>
-        <p:sp>
-          <p:nvSpPr>
-            <p:cNvPr id="244" name="矩形 243">
-              <a:extLst>
-                <a:ext uri="{FF2B5EF4-FFF2-40B4-BE49-F238E27FC236}">
-                  <a16:creationId xmlns:a16="http://schemas.microsoft.com/office/drawing/2014/main" id="{DDCD1710-6C73-D844-BDB1-745972C2195C}"/>
-                </a:ext>
-              </a:extLst>
-            </p:cNvPr>
-            <p:cNvSpPr/>
-            <p:nvPr/>
-          </p:nvSpPr>
-          <p:spPr>
-            <a:xfrm>
-              <a:off x="3498074" y="1269262"/>
-              <a:ext cx="652499" cy="352298"/>
-            </a:xfrm>
-            <a:prstGeom prst="rect">
-              <a:avLst/>
-            </a:prstGeom>
-            <a:noFill/>
-            <a:ln>
-              <a:solidFill>
-                <a:schemeClr val="tx1"/>
-              </a:solidFill>
-            </a:ln>
-          </p:spPr>
-          <p:style>
-            <a:lnRef idx="2">
-              <a:schemeClr val="accent1">
-                <a:shade val="50000"/>
-              </a:schemeClr>
-            </a:lnRef>
-            <a:fillRef idx="1">
-              <a:schemeClr val="accent1"/>
-            </a:fillRef>
-            <a:effectRef idx="0">
-              <a:schemeClr val="accent1"/>
-            </a:effectRef>
-            <a:fontRef idx="minor">
-              <a:schemeClr val="lt1"/>
-            </a:fontRef>
-          </p:style>
-          <p:txBody>
-            <a:bodyPr rtlCol="0" anchor="ctr"/>
-            <a:lstStyle/>
-            <a:p>
-              <a:pPr algn="ctr"/>
-              <a:r>
-                <a:rPr lang="en-US" altLang="zh-CN" sz="600">
-                  <a:solidFill>
-                    <a:schemeClr val="tx1"/>
-                  </a:solidFill>
-                </a:rPr>
-                <a:t>fs</a:t>
-              </a:r>
-              <a:r>
-                <a:rPr lang="zh-CN" altLang="en-US" sz="600">
-                  <a:solidFill>
-                    <a:schemeClr val="tx1"/>
-                  </a:solidFill>
-                </a:rPr>
-                <a:t> *</a:t>
-              </a:r>
-              <a:r>
-                <a:rPr lang="en-US" altLang="zh-CN" sz="600">
-                  <a:solidFill>
-                    <a:schemeClr val="tx1"/>
-                  </a:solidFill>
-                </a:rPr>
-                <a:t>in_fs</a:t>
-              </a:r>
-            </a:p>
-          </p:txBody>
-        </p:sp>
-        <p:sp>
-          <p:nvSpPr>
-            <p:cNvPr id="245" name="同侧圆角矩形 244">
-              <a:extLst>
-                <a:ext uri="{FF2B5EF4-FFF2-40B4-BE49-F238E27FC236}">
-                  <a16:creationId xmlns:a16="http://schemas.microsoft.com/office/drawing/2014/main" id="{502BF768-161E-054D-99FE-CCC90CD3FE8B}"/>
-                </a:ext>
-              </a:extLst>
-            </p:cNvPr>
-            <p:cNvSpPr/>
-            <p:nvPr/>
-          </p:nvSpPr>
-          <p:spPr>
-            <a:xfrm>
-              <a:off x="3498074" y="411438"/>
-              <a:ext cx="652499" cy="194849"/>
-            </a:xfrm>
-            <a:prstGeom prst="round2SameRect">
-              <a:avLst/>
-            </a:prstGeom>
-            <a:solidFill>
-              <a:schemeClr val="accent6">
-                <a:lumMod val="20000"/>
-                <a:lumOff val="80000"/>
-              </a:schemeClr>
-            </a:solidFill>
-            <a:ln>
-              <a:solidFill>
-                <a:schemeClr val="tx1"/>
-              </a:solidFill>
-            </a:ln>
-          </p:spPr>
-          <p:style>
-            <a:lnRef idx="2">
-              <a:schemeClr val="accent1">
-                <a:shade val="50000"/>
-              </a:schemeClr>
-            </a:lnRef>
-            <a:fillRef idx="1">
-              <a:schemeClr val="accent1"/>
-            </a:fillRef>
-            <a:effectRef idx="0">
-              <a:schemeClr val="accent1"/>
-            </a:effectRef>
-            <a:fontRef idx="minor">
-              <a:schemeClr val="lt1"/>
-            </a:fontRef>
-          </p:style>
-          <p:txBody>
-            <a:bodyPr rot="0" spcFirstLastPara="0" vertOverflow="overflow" horzOverflow="overflow" vert="horz" wrap="square" lIns="91440" tIns="45720" rIns="91440" bIns="45720" numCol="1" spcCol="0" rtlCol="0" fromWordArt="0" anchor="ctr" anchorCtr="0" forceAA="0" compatLnSpc="1">
-              <a:prstTxWarp prst="textNoShape">
-                <a:avLst/>
-              </a:prstTxWarp>
-              <a:noAutofit/>
-            </a:bodyPr>
-            <a:lstStyle/>
-            <a:p>
-              <a:pPr algn="ctr"/>
-              <a:r>
-                <a:rPr kumimoji="1" lang="en-US" altLang="zh-CN" sz="800">
-                  <a:solidFill>
-                    <a:schemeClr val="tx1"/>
-                  </a:solidFill>
-                </a:rPr>
-                <a:t>inode</a:t>
-              </a:r>
-              <a:endParaRPr kumimoji="1" lang="zh-CN" altLang="en-US" sz="800">
-                <a:solidFill>
-                  <a:schemeClr val="tx1"/>
-                </a:solidFill>
-              </a:endParaRPr>
-            </a:p>
-          </p:txBody>
-        </p:sp>
-      </p:grpSp>
-      <p:grpSp>
-        <p:nvGrpSpPr>
-          <p:cNvPr id="246" name="组合 245">
-            <a:extLst>
-              <a:ext uri="{FF2B5EF4-FFF2-40B4-BE49-F238E27FC236}">
-                <a16:creationId xmlns:a16="http://schemas.microsoft.com/office/drawing/2014/main" id="{C4243096-9C02-FC48-954D-C97952BDE4AC}"/>
-              </a:ext>
-            </a:extLst>
-          </p:cNvPr>
-          <p:cNvGrpSpPr/>
-          <p:nvPr/>
-        </p:nvGrpSpPr>
-        <p:grpSpPr>
-          <a:xfrm>
-            <a:off x="10697911" y="1296512"/>
-            <a:ext cx="574013" cy="694101"/>
-            <a:chOff x="3498074" y="411438"/>
-            <a:chExt cx="652500" cy="1285575"/>
-          </a:xfrm>
-        </p:grpSpPr>
-        <p:sp>
-          <p:nvSpPr>
-            <p:cNvPr id="247" name="矩形 246">
-              <a:extLst>
-                <a:ext uri="{FF2B5EF4-FFF2-40B4-BE49-F238E27FC236}">
-                  <a16:creationId xmlns:a16="http://schemas.microsoft.com/office/drawing/2014/main" id="{30348E17-6310-D94E-9CC3-B044D83475B3}"/>
-                </a:ext>
-              </a:extLst>
-            </p:cNvPr>
-            <p:cNvSpPr/>
-            <p:nvPr/>
-          </p:nvSpPr>
-          <p:spPr>
-            <a:xfrm>
-              <a:off x="3498075" y="606287"/>
-              <a:ext cx="652499" cy="1090726"/>
-            </a:xfrm>
-            <a:prstGeom prst="rect">
-              <a:avLst/>
-            </a:prstGeom>
-            <a:noFill/>
-            <a:ln>
-              <a:solidFill>
-                <a:schemeClr val="tx1"/>
-              </a:solidFill>
-            </a:ln>
-          </p:spPr>
-          <p:style>
-            <a:lnRef idx="2">
-              <a:schemeClr val="accent1">
-                <a:shade val="50000"/>
-              </a:schemeClr>
-            </a:lnRef>
-            <a:fillRef idx="1">
-              <a:schemeClr val="accent1"/>
-            </a:fillRef>
-            <a:effectRef idx="0">
-              <a:schemeClr val="accent1"/>
-            </a:effectRef>
-            <a:fontRef idx="minor">
-              <a:schemeClr val="lt1"/>
-            </a:fontRef>
-          </p:style>
-          <p:txBody>
-            <a:bodyPr rtlCol="0" anchor="ctr"/>
-            <a:lstStyle/>
-            <a:p>
-              <a:pPr algn="ctr"/>
-              <a:endParaRPr kumimoji="1" lang="zh-CN" altLang="en-US" sz="600">
-                <a:solidFill>
-                  <a:schemeClr val="tx1"/>
-                </a:solidFill>
-              </a:endParaRPr>
-            </a:p>
-          </p:txBody>
-        </p:sp>
-        <p:sp>
-          <p:nvSpPr>
-            <p:cNvPr id="248" name="矩形 247">
-              <a:extLst>
-                <a:ext uri="{FF2B5EF4-FFF2-40B4-BE49-F238E27FC236}">
-                  <a16:creationId xmlns:a16="http://schemas.microsoft.com/office/drawing/2014/main" id="{38BCDB01-73DA-454E-A983-ABB20F7716CE}"/>
-                </a:ext>
-              </a:extLst>
-            </p:cNvPr>
-            <p:cNvSpPr/>
-            <p:nvPr/>
-          </p:nvSpPr>
-          <p:spPr>
-            <a:xfrm>
-              <a:off x="3498074" y="756933"/>
-              <a:ext cx="652499" cy="352298"/>
-            </a:xfrm>
-            <a:prstGeom prst="rect">
-              <a:avLst/>
-            </a:prstGeom>
-            <a:solidFill>
-              <a:schemeClr val="accent4">
-                <a:lumMod val="20000"/>
-                <a:lumOff val="80000"/>
-              </a:schemeClr>
-            </a:solidFill>
-            <a:ln>
-              <a:solidFill>
-                <a:schemeClr val="tx1"/>
-              </a:solidFill>
-            </a:ln>
-          </p:spPr>
-          <p:style>
-            <a:lnRef idx="2">
-              <a:schemeClr val="accent1">
-                <a:shade val="50000"/>
-              </a:schemeClr>
-            </a:lnRef>
-            <a:fillRef idx="1">
-              <a:schemeClr val="accent1"/>
-            </a:fillRef>
-            <a:effectRef idx="0">
-              <a:schemeClr val="accent1"/>
-            </a:effectRef>
-            <a:fontRef idx="minor">
-              <a:schemeClr val="lt1"/>
-            </a:fontRef>
-          </p:style>
-          <p:txBody>
-            <a:bodyPr rtlCol="0" anchor="ctr"/>
-            <a:lstStyle/>
-            <a:p>
-              <a:pPr algn="ctr"/>
-              <a:r>
-                <a:rPr lang="en-US" altLang="zh-CN" sz="600">
-                  <a:solidFill>
-                    <a:schemeClr val="tx1"/>
-                  </a:solidFill>
-                </a:rPr>
-                <a:t>sfs_inode</a:t>
-              </a:r>
-            </a:p>
-          </p:txBody>
-        </p:sp>
-        <p:sp>
-          <p:nvSpPr>
-            <p:cNvPr id="249" name="矩形 248">
-              <a:extLst>
-                <a:ext uri="{FF2B5EF4-FFF2-40B4-BE49-F238E27FC236}">
-                  <a16:creationId xmlns:a16="http://schemas.microsoft.com/office/drawing/2014/main" id="{98054057-BBE3-B549-B913-675DD5CA3BC2}"/>
-                </a:ext>
-              </a:extLst>
-            </p:cNvPr>
-            <p:cNvSpPr/>
-            <p:nvPr/>
-          </p:nvSpPr>
-          <p:spPr>
-            <a:xfrm>
-              <a:off x="3498074" y="1269262"/>
-              <a:ext cx="652499" cy="352298"/>
-            </a:xfrm>
-            <a:prstGeom prst="rect">
-              <a:avLst/>
-            </a:prstGeom>
-            <a:noFill/>
-            <a:ln>
-              <a:solidFill>
-                <a:schemeClr val="tx1"/>
-              </a:solidFill>
-            </a:ln>
-          </p:spPr>
-          <p:style>
-            <a:lnRef idx="2">
-              <a:schemeClr val="accent1">
-                <a:shade val="50000"/>
-              </a:schemeClr>
-            </a:lnRef>
-            <a:fillRef idx="1">
-              <a:schemeClr val="accent1"/>
-            </a:fillRef>
-            <a:effectRef idx="0">
-              <a:schemeClr val="accent1"/>
-            </a:effectRef>
-            <a:fontRef idx="minor">
-              <a:schemeClr val="lt1"/>
-            </a:fontRef>
-          </p:style>
-          <p:txBody>
-            <a:bodyPr rtlCol="0" anchor="ctr"/>
-            <a:lstStyle/>
-            <a:p>
-              <a:pPr algn="ctr"/>
-              <a:r>
-                <a:rPr lang="en-US" altLang="zh-CN" sz="600">
-                  <a:solidFill>
-                    <a:schemeClr val="tx1"/>
-                  </a:solidFill>
-                </a:rPr>
-                <a:t>fs</a:t>
-              </a:r>
-              <a:r>
-                <a:rPr lang="zh-CN" altLang="en-US" sz="600">
-                  <a:solidFill>
-                    <a:schemeClr val="tx1"/>
-                  </a:solidFill>
-                </a:rPr>
-                <a:t> *</a:t>
-              </a:r>
-              <a:r>
-                <a:rPr lang="en-US" altLang="zh-CN" sz="600">
-                  <a:solidFill>
-                    <a:schemeClr val="tx1"/>
-                  </a:solidFill>
-                </a:rPr>
-                <a:t>in_fs</a:t>
-              </a:r>
-            </a:p>
-          </p:txBody>
-        </p:sp>
-        <p:sp>
-          <p:nvSpPr>
-            <p:cNvPr id="250" name="同侧圆角矩形 249">
-              <a:extLst>
-                <a:ext uri="{FF2B5EF4-FFF2-40B4-BE49-F238E27FC236}">
-                  <a16:creationId xmlns:a16="http://schemas.microsoft.com/office/drawing/2014/main" id="{85B77223-4D56-EC49-A6F1-915868449227}"/>
-                </a:ext>
-              </a:extLst>
-            </p:cNvPr>
-            <p:cNvSpPr/>
-            <p:nvPr/>
-          </p:nvSpPr>
-          <p:spPr>
-            <a:xfrm>
-              <a:off x="3498074" y="411438"/>
-              <a:ext cx="652499" cy="194849"/>
-            </a:xfrm>
-            <a:prstGeom prst="round2SameRect">
-              <a:avLst/>
-            </a:prstGeom>
-            <a:solidFill>
-              <a:schemeClr val="accent6">
-                <a:lumMod val="20000"/>
-                <a:lumOff val="80000"/>
-              </a:schemeClr>
-            </a:solidFill>
-            <a:ln>
-              <a:solidFill>
-                <a:schemeClr val="tx1"/>
-              </a:solidFill>
-            </a:ln>
-          </p:spPr>
-          <p:style>
-            <a:lnRef idx="2">
-              <a:schemeClr val="accent1">
-                <a:shade val="50000"/>
-              </a:schemeClr>
-            </a:lnRef>
-            <a:fillRef idx="1">
-              <a:schemeClr val="accent1"/>
-            </a:fillRef>
-            <a:effectRef idx="0">
-              <a:schemeClr val="accent1"/>
-            </a:effectRef>
-            <a:fontRef idx="minor">
-              <a:schemeClr val="lt1"/>
-            </a:fontRef>
-          </p:style>
-          <p:txBody>
-            <a:bodyPr rot="0" spcFirstLastPara="0" vertOverflow="overflow" horzOverflow="overflow" vert="horz" wrap="square" lIns="91440" tIns="45720" rIns="91440" bIns="45720" numCol="1" spcCol="0" rtlCol="0" fromWordArt="0" anchor="ctr" anchorCtr="0" forceAA="0" compatLnSpc="1">
-              <a:prstTxWarp prst="textNoShape">
-                <a:avLst/>
-              </a:prstTxWarp>
-              <a:noAutofit/>
-            </a:bodyPr>
-            <a:lstStyle/>
-            <a:p>
-              <a:pPr algn="ctr"/>
-              <a:r>
-                <a:rPr kumimoji="1" lang="en-US" altLang="zh-CN" sz="800">
-                  <a:solidFill>
-                    <a:schemeClr val="tx1"/>
-                  </a:solidFill>
-                </a:rPr>
-                <a:t>inode</a:t>
-              </a:r>
-              <a:endParaRPr kumimoji="1" lang="zh-CN" altLang="en-US" sz="800">
-                <a:solidFill>
-                  <a:schemeClr val="tx1"/>
-                </a:solidFill>
-              </a:endParaRPr>
-            </a:p>
-          </p:txBody>
-        </p:sp>
-      </p:grpSp>
-      <p:grpSp>
-        <p:nvGrpSpPr>
-          <p:cNvPr id="256" name="组合 255">
-            <a:extLst>
-              <a:ext uri="{FF2B5EF4-FFF2-40B4-BE49-F238E27FC236}">
-                <a16:creationId xmlns:a16="http://schemas.microsoft.com/office/drawing/2014/main" id="{F2A13F8C-4081-894D-8BC3-BD50471BFBEF}"/>
-              </a:ext>
-            </a:extLst>
-          </p:cNvPr>
-          <p:cNvGrpSpPr/>
-          <p:nvPr/>
-        </p:nvGrpSpPr>
-        <p:grpSpPr>
-          <a:xfrm>
-            <a:off x="3231028" y="3522143"/>
-            <a:ext cx="1354723" cy="785269"/>
-            <a:chOff x="2813139" y="1790140"/>
-            <a:chExt cx="1539959" cy="1454431"/>
-          </a:xfrm>
-        </p:grpSpPr>
-        <p:sp>
-          <p:nvSpPr>
-            <p:cNvPr id="257" name="矩形 256">
-              <a:extLst>
-                <a:ext uri="{FF2B5EF4-FFF2-40B4-BE49-F238E27FC236}">
-                  <a16:creationId xmlns:a16="http://schemas.microsoft.com/office/drawing/2014/main" id="{61BAADB9-33DA-0D46-B425-741606752F83}"/>
-                </a:ext>
-              </a:extLst>
-            </p:cNvPr>
-            <p:cNvSpPr/>
-            <p:nvPr/>
-          </p:nvSpPr>
-          <p:spPr>
-            <a:xfrm>
-              <a:off x="2814722" y="2044252"/>
-              <a:ext cx="1538376" cy="1200319"/>
-            </a:xfrm>
-            <a:prstGeom prst="rect">
-              <a:avLst/>
-            </a:prstGeom>
-            <a:noFill/>
-            <a:ln>
-              <a:solidFill>
-                <a:schemeClr val="tx1"/>
-              </a:solidFill>
-            </a:ln>
-          </p:spPr>
-          <p:style>
-            <a:lnRef idx="2">
-              <a:schemeClr val="accent1">
-                <a:shade val="50000"/>
-              </a:schemeClr>
-            </a:lnRef>
-            <a:fillRef idx="1">
-              <a:schemeClr val="accent1"/>
-            </a:fillRef>
-            <a:effectRef idx="0">
-              <a:schemeClr val="accent1"/>
-            </a:effectRef>
-            <a:fontRef idx="minor">
-              <a:schemeClr val="lt1"/>
-            </a:fontRef>
-          </p:style>
-          <p:txBody>
-            <a:bodyPr rtlCol="0" anchor="ctr"/>
-            <a:lstStyle/>
-            <a:p>
-              <a:pPr algn="ctr"/>
-              <a:endParaRPr kumimoji="1" lang="zh-CN" altLang="en-US" sz="800">
-                <a:solidFill>
-                  <a:schemeClr val="tx1"/>
-                </a:solidFill>
-              </a:endParaRPr>
-            </a:p>
-          </p:txBody>
-        </p:sp>
-        <p:sp>
-          <p:nvSpPr>
-            <p:cNvPr id="258" name="同侧圆角矩形 257">
-              <a:extLst>
-                <a:ext uri="{FF2B5EF4-FFF2-40B4-BE49-F238E27FC236}">
-                  <a16:creationId xmlns:a16="http://schemas.microsoft.com/office/drawing/2014/main" id="{29F23EE8-5B1E-9648-804C-DC5D3E63399D}"/>
-                </a:ext>
-              </a:extLst>
-            </p:cNvPr>
-            <p:cNvSpPr/>
-            <p:nvPr/>
-          </p:nvSpPr>
-          <p:spPr>
-            <a:xfrm>
-              <a:off x="2814722" y="1790140"/>
-              <a:ext cx="1538376" cy="254113"/>
-            </a:xfrm>
-            <a:prstGeom prst="round2SameRect">
-              <a:avLst/>
-            </a:prstGeom>
-            <a:solidFill>
-              <a:schemeClr val="accent5">
-                <a:lumMod val="40000"/>
-                <a:lumOff val="60000"/>
-              </a:schemeClr>
-            </a:solidFill>
-            <a:ln>
-              <a:solidFill>
-                <a:schemeClr val="tx1"/>
-              </a:solidFill>
-            </a:ln>
-          </p:spPr>
-          <p:style>
-            <a:lnRef idx="2">
-              <a:schemeClr val="accent1">
-                <a:shade val="50000"/>
-              </a:schemeClr>
-            </a:lnRef>
-            <a:fillRef idx="1">
-              <a:schemeClr val="accent1"/>
-            </a:fillRef>
-            <a:effectRef idx="0">
-              <a:schemeClr val="accent1"/>
-            </a:effectRef>
-            <a:fontRef idx="minor">
-              <a:schemeClr val="lt1"/>
-            </a:fontRef>
-          </p:style>
-          <p:txBody>
-            <a:bodyPr rot="0" spcFirstLastPara="0" vertOverflow="overflow" horzOverflow="overflow" vert="horz" wrap="square" lIns="91440" tIns="45720" rIns="91440" bIns="45720" numCol="1" spcCol="0" rtlCol="0" fromWordArt="0" anchor="ctr" anchorCtr="0" forceAA="0" compatLnSpc="1">
-              <a:prstTxWarp prst="textNoShape">
-                <a:avLst/>
-              </a:prstTxWarp>
-              <a:noAutofit/>
-            </a:bodyPr>
-            <a:lstStyle/>
-            <a:p>
-              <a:pPr algn="ctr"/>
-              <a:r>
-                <a:rPr kumimoji="1" lang="en-US" altLang="zh-CN" sz="800">
-                  <a:solidFill>
-                    <a:schemeClr val="tx1"/>
-                  </a:solidFill>
-                </a:rPr>
-                <a:t>fs</a:t>
-              </a:r>
-              <a:endParaRPr kumimoji="1" lang="zh-CN" altLang="en-US" sz="800">
-                <a:solidFill>
-                  <a:schemeClr val="tx1"/>
-                </a:solidFill>
-              </a:endParaRPr>
-            </a:p>
-          </p:txBody>
-        </p:sp>
-        <p:sp>
-          <p:nvSpPr>
-            <p:cNvPr id="259" name="矩形 258">
-              <a:extLst>
-                <a:ext uri="{FF2B5EF4-FFF2-40B4-BE49-F238E27FC236}">
-                  <a16:creationId xmlns:a16="http://schemas.microsoft.com/office/drawing/2014/main" id="{7350C50E-A3B4-704C-AF75-BB54863D24BA}"/>
-                </a:ext>
-              </a:extLst>
-            </p:cNvPr>
-            <p:cNvSpPr/>
-            <p:nvPr/>
-          </p:nvSpPr>
-          <p:spPr>
-            <a:xfrm>
-              <a:off x="2813139" y="2235020"/>
-              <a:ext cx="1538375" cy="227336"/>
-            </a:xfrm>
-            <a:prstGeom prst="rect">
-              <a:avLst/>
-            </a:prstGeom>
-            <a:solidFill>
-              <a:schemeClr val="accent4">
-                <a:lumMod val="60000"/>
-                <a:lumOff val="40000"/>
-              </a:schemeClr>
-            </a:solidFill>
-            <a:ln>
-              <a:solidFill>
-                <a:schemeClr val="tx1"/>
-              </a:solidFill>
-            </a:ln>
-          </p:spPr>
-          <p:style>
-            <a:lnRef idx="2">
-              <a:schemeClr val="accent1">
-                <a:shade val="50000"/>
-              </a:schemeClr>
-            </a:lnRef>
-            <a:fillRef idx="1">
-              <a:schemeClr val="accent1"/>
-            </a:fillRef>
-            <a:effectRef idx="0">
-              <a:schemeClr val="accent1"/>
-            </a:effectRef>
-            <a:fontRef idx="minor">
-              <a:schemeClr val="lt1"/>
-            </a:fontRef>
-          </p:style>
-          <p:txBody>
-            <a:bodyPr rtlCol="0" anchor="ctr"/>
-            <a:lstStyle/>
-            <a:p>
-              <a:pPr algn="ctr"/>
-              <a:r>
-                <a:rPr lang="en-US" altLang="zh-CN" sz="600">
-                  <a:solidFill>
-                    <a:schemeClr val="tx1"/>
-                  </a:solidFill>
-                </a:rPr>
-                <a:t>fs</a:t>
-              </a:r>
-            </a:p>
-          </p:txBody>
-        </p:sp>
-      </p:grpSp>
-      <p:cxnSp>
-        <p:nvCxnSpPr>
-          <p:cNvPr id="261" name="曲线连接符 260">
-            <a:extLst>
-              <a:ext uri="{FF2B5EF4-FFF2-40B4-BE49-F238E27FC236}">
-                <a16:creationId xmlns:a16="http://schemas.microsoft.com/office/drawing/2014/main" id="{D556B5D0-CD4B-6A4A-BFD2-3603818BFCF1}"/>
-              </a:ext>
-            </a:extLst>
-          </p:cNvPr>
-          <p:cNvCxnSpPr>
-            <a:stCxn id="232" idx="2"/>
-            <a:endCxn id="258" idx="3"/>
-          </p:cNvCxnSpPr>
-          <p:nvPr/>
-        </p:nvCxnSpPr>
-        <p:spPr>
-          <a:xfrm rot="5400000">
-            <a:off x="4318486" y="1572224"/>
-            <a:ext cx="1540520" cy="2359319"/>
-          </a:xfrm>
-          <a:prstGeom prst="curvedConnector3">
-            <a:avLst/>
-          </a:prstGeom>
-          <a:ln>
-            <a:tailEnd type="triangle"/>
-          </a:ln>
-        </p:spPr>
-        <p:style>
-          <a:lnRef idx="1">
-            <a:schemeClr val="accent1"/>
-          </a:lnRef>
-          <a:fillRef idx="0">
-            <a:schemeClr val="accent1"/>
-          </a:fillRef>
-          <a:effectRef idx="0">
-            <a:schemeClr val="accent1"/>
-          </a:effectRef>
-          <a:fontRef idx="minor">
-            <a:schemeClr val="tx1"/>
-          </a:fontRef>
-        </p:style>
-      </p:cxnSp>
-      <p:cxnSp>
-        <p:nvCxnSpPr>
-          <p:cNvPr id="263" name="曲线连接符 262">
-            <a:extLst>
-              <a:ext uri="{FF2B5EF4-FFF2-40B4-BE49-F238E27FC236}">
-                <a16:creationId xmlns:a16="http://schemas.microsoft.com/office/drawing/2014/main" id="{B8FE37FA-DAEC-2E4F-93D3-4CBF69239C28}"/>
-              </a:ext>
-            </a:extLst>
-          </p:cNvPr>
-          <p:cNvCxnSpPr>
-            <a:stCxn id="211" idx="2"/>
-            <a:endCxn id="258" idx="3"/>
-          </p:cNvCxnSpPr>
-          <p:nvPr/>
-        </p:nvCxnSpPr>
-        <p:spPr>
-          <a:xfrm rot="5400000">
-            <a:off x="3552287" y="2377318"/>
-            <a:ext cx="1501624" cy="788026"/>
-          </a:xfrm>
-          <a:prstGeom prst="curvedConnector3">
-            <a:avLst/>
-          </a:prstGeom>
-          <a:ln>
-            <a:tailEnd type="triangle"/>
-          </a:ln>
-        </p:spPr>
-        <p:style>
-          <a:lnRef idx="1">
-            <a:schemeClr val="accent1"/>
-          </a:lnRef>
-          <a:fillRef idx="0">
-            <a:schemeClr val="accent1"/>
-          </a:fillRef>
-          <a:effectRef idx="0">
-            <a:schemeClr val="accent1"/>
-          </a:effectRef>
-          <a:fontRef idx="minor">
-            <a:schemeClr val="tx1"/>
-          </a:fontRef>
-        </p:style>
-      </p:cxnSp>
-      <p:grpSp>
-        <p:nvGrpSpPr>
-          <p:cNvPr id="264" name="组合 263">
-            <a:extLst>
-              <a:ext uri="{FF2B5EF4-FFF2-40B4-BE49-F238E27FC236}">
-                <a16:creationId xmlns:a16="http://schemas.microsoft.com/office/drawing/2014/main" id="{3AF4D503-FDD5-C64B-BF24-80EA82C8ED65}"/>
-              </a:ext>
-            </a:extLst>
-          </p:cNvPr>
-          <p:cNvGrpSpPr/>
-          <p:nvPr/>
-        </p:nvGrpSpPr>
-        <p:grpSpPr>
-          <a:xfrm>
-            <a:off x="1944409" y="3627383"/>
-            <a:ext cx="1091820" cy="510731"/>
-            <a:chOff x="1162289" y="4731100"/>
-            <a:chExt cx="1697421" cy="1485379"/>
-          </a:xfrm>
-        </p:grpSpPr>
-        <p:sp>
-          <p:nvSpPr>
-            <p:cNvPr id="265" name="矩形 264">
-              <a:extLst>
-                <a:ext uri="{FF2B5EF4-FFF2-40B4-BE49-F238E27FC236}">
-                  <a16:creationId xmlns:a16="http://schemas.microsoft.com/office/drawing/2014/main" id="{F4E92611-43FA-FF40-9C5B-C92C17CBB00F}"/>
-                </a:ext>
-              </a:extLst>
-            </p:cNvPr>
-            <p:cNvSpPr/>
-            <p:nvPr/>
-          </p:nvSpPr>
-          <p:spPr>
-            <a:xfrm>
-              <a:off x="1162291" y="5040243"/>
-              <a:ext cx="1697419" cy="1176236"/>
-            </a:xfrm>
-            <a:prstGeom prst="rect">
-              <a:avLst/>
-            </a:prstGeom>
-            <a:noFill/>
-            <a:ln>
-              <a:solidFill>
-                <a:schemeClr val="tx1"/>
-              </a:solidFill>
-            </a:ln>
-          </p:spPr>
-          <p:style>
-            <a:lnRef idx="2">
-              <a:schemeClr val="accent1">
-                <a:shade val="50000"/>
-              </a:schemeClr>
-            </a:lnRef>
-            <a:fillRef idx="1">
-              <a:schemeClr val="accent1"/>
-            </a:fillRef>
-            <a:effectRef idx="0">
-              <a:schemeClr val="accent1"/>
-            </a:effectRef>
-            <a:fontRef idx="minor">
-              <a:schemeClr val="lt1"/>
-            </a:fontRef>
-          </p:style>
-          <p:txBody>
-            <a:bodyPr rtlCol="0" anchor="ctr"/>
-            <a:lstStyle/>
-            <a:p>
-              <a:pPr algn="ctr"/>
-              <a:endParaRPr kumimoji="1" lang="zh-CN" altLang="en-US" sz="600">
-                <a:solidFill>
-                  <a:schemeClr val="tx1"/>
-                </a:solidFill>
-              </a:endParaRPr>
-            </a:p>
-          </p:txBody>
-        </p:sp>
-        <p:sp>
-          <p:nvSpPr>
-            <p:cNvPr id="266" name="矩形 265">
-              <a:extLst>
-                <a:ext uri="{FF2B5EF4-FFF2-40B4-BE49-F238E27FC236}">
-                  <a16:creationId xmlns:a16="http://schemas.microsoft.com/office/drawing/2014/main" id="{55B1EE72-0DF8-2D44-8B88-A1AF6DD81F74}"/>
-                </a:ext>
-              </a:extLst>
-            </p:cNvPr>
-            <p:cNvSpPr/>
-            <p:nvPr/>
-          </p:nvSpPr>
-          <p:spPr>
-            <a:xfrm>
-              <a:off x="1162289" y="5177313"/>
-              <a:ext cx="1697419" cy="240664"/>
-            </a:xfrm>
-            <a:prstGeom prst="rect">
-              <a:avLst/>
-            </a:prstGeom>
-            <a:noFill/>
-            <a:ln>
-              <a:solidFill>
-                <a:schemeClr val="tx1"/>
-              </a:solidFill>
-            </a:ln>
-          </p:spPr>
-          <p:style>
-            <a:lnRef idx="2">
-              <a:schemeClr val="accent1">
-                <a:shade val="50000"/>
-              </a:schemeClr>
-            </a:lnRef>
-            <a:fillRef idx="1">
-              <a:schemeClr val="accent1"/>
-            </a:fillRef>
-            <a:effectRef idx="0">
-              <a:schemeClr val="accent1"/>
-            </a:effectRef>
-            <a:fontRef idx="minor">
-              <a:schemeClr val="lt1"/>
-            </a:fontRef>
-          </p:style>
-          <p:txBody>
-            <a:bodyPr rtlCol="0" anchor="ctr"/>
-            <a:lstStyle/>
-            <a:p>
-              <a:pPr algn="ctr"/>
-              <a:r>
-                <a:rPr lang="en-US" altLang="zh-CN" sz="600">
-                  <a:solidFill>
-                    <a:schemeClr val="tx1"/>
-                  </a:solidFill>
-                </a:rPr>
-                <a:t>sfs_super</a:t>
-              </a:r>
-            </a:p>
-          </p:txBody>
-        </p:sp>
-        <p:sp>
-          <p:nvSpPr>
-            <p:cNvPr id="267" name="矩形 266">
-              <a:extLst>
-                <a:ext uri="{FF2B5EF4-FFF2-40B4-BE49-F238E27FC236}">
-                  <a16:creationId xmlns:a16="http://schemas.microsoft.com/office/drawing/2014/main" id="{57B4164F-ACDE-B747-8042-3C72F56DD6F9}"/>
-                </a:ext>
-              </a:extLst>
-            </p:cNvPr>
-            <p:cNvSpPr/>
-            <p:nvPr/>
-          </p:nvSpPr>
-          <p:spPr>
-            <a:xfrm>
-              <a:off x="1162289" y="5542334"/>
-              <a:ext cx="1697420" cy="240664"/>
-            </a:xfrm>
-            <a:prstGeom prst="rect">
-              <a:avLst/>
-            </a:prstGeom>
-            <a:noFill/>
-            <a:ln>
-              <a:solidFill>
-                <a:schemeClr val="tx1"/>
-              </a:solidFill>
-            </a:ln>
-          </p:spPr>
-          <p:style>
-            <a:lnRef idx="2">
-              <a:schemeClr val="accent1">
-                <a:shade val="50000"/>
-              </a:schemeClr>
-            </a:lnRef>
-            <a:fillRef idx="1">
-              <a:schemeClr val="accent1"/>
-            </a:fillRef>
-            <a:effectRef idx="0">
-              <a:schemeClr val="accent1"/>
-            </a:effectRef>
-            <a:fontRef idx="minor">
-              <a:schemeClr val="lt1"/>
-            </a:fontRef>
-          </p:style>
-          <p:txBody>
-            <a:bodyPr rtlCol="0" anchor="ctr"/>
-            <a:lstStyle/>
-            <a:p>
-              <a:pPr algn="ctr"/>
-              <a:r>
-                <a:rPr lang="en-US" altLang="zh-CN" sz="600">
-                  <a:solidFill>
-                    <a:schemeClr val="tx1"/>
-                  </a:solidFill>
-                </a:rPr>
-                <a:t>device</a:t>
-              </a:r>
-              <a:r>
-                <a:rPr lang="zh-CN" altLang="en-US" sz="600">
-                  <a:solidFill>
-                    <a:schemeClr val="tx1"/>
-                  </a:solidFill>
-                </a:rPr>
-                <a:t> *</a:t>
-              </a:r>
-              <a:endParaRPr lang="en-US" altLang="zh-CN" sz="600">
-                <a:solidFill>
-                  <a:schemeClr val="tx1"/>
-                </a:solidFill>
-              </a:endParaRPr>
-            </a:p>
-          </p:txBody>
-        </p:sp>
-        <p:sp>
-          <p:nvSpPr>
-            <p:cNvPr id="268" name="矩形 267">
-              <a:extLst>
-                <a:ext uri="{FF2B5EF4-FFF2-40B4-BE49-F238E27FC236}">
-                  <a16:creationId xmlns:a16="http://schemas.microsoft.com/office/drawing/2014/main" id="{1C5F7CB3-B0CA-F941-B923-CB90C2232527}"/>
-                </a:ext>
-              </a:extLst>
-            </p:cNvPr>
-            <p:cNvSpPr/>
-            <p:nvPr/>
-          </p:nvSpPr>
-          <p:spPr>
-            <a:xfrm>
-              <a:off x="1162289" y="5875873"/>
-              <a:ext cx="1697420" cy="240664"/>
-            </a:xfrm>
-            <a:prstGeom prst="rect">
-              <a:avLst/>
-            </a:prstGeom>
-            <a:noFill/>
-            <a:ln>
-              <a:solidFill>
-                <a:schemeClr val="tx1"/>
-              </a:solidFill>
-            </a:ln>
-          </p:spPr>
-          <p:style>
-            <a:lnRef idx="2">
-              <a:schemeClr val="accent1">
-                <a:shade val="50000"/>
-              </a:schemeClr>
-            </a:lnRef>
-            <a:fillRef idx="1">
-              <a:schemeClr val="accent1"/>
-            </a:fillRef>
-            <a:effectRef idx="0">
-              <a:schemeClr val="accent1"/>
-            </a:effectRef>
-            <a:fontRef idx="minor">
-              <a:schemeClr val="lt1"/>
-            </a:fontRef>
-          </p:style>
-          <p:txBody>
-            <a:bodyPr rtlCol="0" anchor="ctr"/>
-            <a:lstStyle/>
-            <a:p>
-              <a:pPr algn="ctr"/>
-              <a:r>
-                <a:rPr lang="en-US" altLang="zh-CN" sz="600">
-                  <a:solidFill>
-                    <a:schemeClr val="tx1"/>
-                  </a:solidFill>
-                </a:rPr>
-                <a:t>bitmap</a:t>
-              </a:r>
-              <a:r>
-                <a:rPr lang="zh-CN" altLang="en-US" sz="600">
-                  <a:solidFill>
-                    <a:schemeClr val="tx1"/>
-                  </a:solidFill>
-                </a:rPr>
-                <a:t> *</a:t>
-              </a:r>
-              <a:r>
-                <a:rPr lang="en-US" altLang="zh-CN" sz="600">
-                  <a:solidFill>
-                    <a:schemeClr val="tx1"/>
-                  </a:solidFill>
-                </a:rPr>
-                <a:t>freemap</a:t>
-              </a:r>
-            </a:p>
-          </p:txBody>
-        </p:sp>
-        <p:sp>
-          <p:nvSpPr>
-            <p:cNvPr id="269" name="同侧圆角矩形 268">
-              <a:extLst>
-                <a:ext uri="{FF2B5EF4-FFF2-40B4-BE49-F238E27FC236}">
-                  <a16:creationId xmlns:a16="http://schemas.microsoft.com/office/drawing/2014/main" id="{5533F440-9F1C-6C45-9815-120580355DC8}"/>
-                </a:ext>
-              </a:extLst>
-            </p:cNvPr>
-            <p:cNvSpPr/>
-            <p:nvPr/>
-          </p:nvSpPr>
-          <p:spPr>
-            <a:xfrm>
-              <a:off x="1162289" y="4731100"/>
-              <a:ext cx="1697419" cy="305963"/>
-            </a:xfrm>
-            <a:prstGeom prst="round2SameRect">
-              <a:avLst/>
-            </a:prstGeom>
-            <a:noFill/>
-            <a:ln>
-              <a:solidFill>
-                <a:schemeClr val="tx1"/>
-              </a:solidFill>
-            </a:ln>
-          </p:spPr>
-          <p:style>
-            <a:lnRef idx="2">
-              <a:schemeClr val="accent1">
-                <a:shade val="50000"/>
-              </a:schemeClr>
-            </a:lnRef>
-            <a:fillRef idx="1">
-              <a:schemeClr val="accent1"/>
-            </a:fillRef>
-            <a:effectRef idx="0">
-              <a:schemeClr val="accent1"/>
-            </a:effectRef>
-            <a:fontRef idx="minor">
-              <a:schemeClr val="lt1"/>
-            </a:fontRef>
-          </p:style>
-          <p:txBody>
-            <a:bodyPr rot="0" spcFirstLastPara="0" vertOverflow="overflow" horzOverflow="overflow" vert="horz" wrap="square" lIns="91440" tIns="45720" rIns="91440" bIns="45720" numCol="1" spcCol="0" rtlCol="0" fromWordArt="0" anchor="ctr" anchorCtr="0" forceAA="0" compatLnSpc="1">
-              <a:prstTxWarp prst="textNoShape">
-                <a:avLst/>
-              </a:prstTxWarp>
-              <a:noAutofit/>
-            </a:bodyPr>
-            <a:lstStyle/>
-            <a:p>
-              <a:pPr algn="ctr"/>
-              <a:r>
-                <a:rPr kumimoji="1" lang="en-US" altLang="zh-CN" sz="800">
-                  <a:solidFill>
-                    <a:schemeClr val="tx1"/>
-                  </a:solidFill>
-                </a:rPr>
-                <a:t>xfs_fs</a:t>
-              </a:r>
-              <a:endParaRPr kumimoji="1" lang="zh-CN" altLang="en-US" sz="800">
-                <a:solidFill>
-                  <a:schemeClr val="tx1"/>
-                </a:solidFill>
-              </a:endParaRPr>
-            </a:p>
-          </p:txBody>
-        </p:sp>
-      </p:grpSp>
-      <p:cxnSp>
-        <p:nvCxnSpPr>
-          <p:cNvPr id="275" name="曲线连接符 274">
-            <a:extLst>
-              <a:ext uri="{FF2B5EF4-FFF2-40B4-BE49-F238E27FC236}">
-                <a16:creationId xmlns:a16="http://schemas.microsoft.com/office/drawing/2014/main" id="{A3D61BAA-9558-0744-A6CE-118A8042A559}"/>
-              </a:ext>
-            </a:extLst>
-          </p:cNvPr>
-          <p:cNvCxnSpPr>
-            <a:stCxn id="237" idx="2"/>
-            <a:endCxn id="93" idx="3"/>
-          </p:cNvCxnSpPr>
-          <p:nvPr/>
-        </p:nvCxnSpPr>
-        <p:spPr>
-          <a:xfrm rot="5400000">
-            <a:off x="6017195" y="1855228"/>
-            <a:ext cx="1672067" cy="1938680"/>
-          </a:xfrm>
-          <a:prstGeom prst="curvedConnector3">
-            <a:avLst/>
-          </a:prstGeom>
-          <a:ln>
-            <a:tailEnd type="triangle"/>
-          </a:ln>
-        </p:spPr>
-        <p:style>
-          <a:lnRef idx="1">
-            <a:schemeClr val="accent1"/>
-          </a:lnRef>
-          <a:fillRef idx="0">
-            <a:schemeClr val="accent1"/>
-          </a:fillRef>
-          <a:effectRef idx="0">
-            <a:schemeClr val="accent1"/>
-          </a:effectRef>
-          <a:fontRef idx="minor">
-            <a:schemeClr val="tx1"/>
-          </a:fontRef>
-        </p:style>
-      </p:cxnSp>
-      <p:cxnSp>
-        <p:nvCxnSpPr>
-          <p:cNvPr id="276" name="曲线连接符 275">
-            <a:extLst>
-              <a:ext uri="{FF2B5EF4-FFF2-40B4-BE49-F238E27FC236}">
-                <a16:creationId xmlns:a16="http://schemas.microsoft.com/office/drawing/2014/main" id="{9FF20360-22DC-5048-8613-C49A670BE0CD}"/>
-              </a:ext>
-            </a:extLst>
-          </p:cNvPr>
-          <p:cNvCxnSpPr>
-            <a:cxnSpLocks/>
-            <a:stCxn id="249" idx="2"/>
-            <a:endCxn id="93" idx="3"/>
-          </p:cNvCxnSpPr>
-          <p:nvPr/>
-        </p:nvCxnSpPr>
-        <p:spPr>
-          <a:xfrm rot="5400000">
-            <a:off x="7579040" y="254724"/>
-            <a:ext cx="1710727" cy="5101029"/>
-          </a:xfrm>
-          <a:prstGeom prst="curvedConnector3">
-            <a:avLst>
-              <a:gd name="adj1" fmla="val 50000"/>
-            </a:avLst>
-          </a:prstGeom>
-          <a:ln>
-            <a:tailEnd type="triangle"/>
-          </a:ln>
-        </p:spPr>
-        <p:style>
-          <a:lnRef idx="1">
-            <a:schemeClr val="accent1"/>
-          </a:lnRef>
-          <a:fillRef idx="0">
-            <a:schemeClr val="accent1"/>
-          </a:fillRef>
-          <a:effectRef idx="0">
-            <a:schemeClr val="accent1"/>
-          </a:effectRef>
-          <a:fontRef idx="minor">
-            <a:schemeClr val="tx1"/>
-          </a:fontRef>
-        </p:style>
-      </p:cxnSp>
-      <p:cxnSp>
-        <p:nvCxnSpPr>
-          <p:cNvPr id="277" name="曲线连接符 276">
-            <a:extLst>
-              <a:ext uri="{FF2B5EF4-FFF2-40B4-BE49-F238E27FC236}">
-                <a16:creationId xmlns:a16="http://schemas.microsoft.com/office/drawing/2014/main" id="{D5A2DAF3-38DF-AB48-8E91-1CADBE50AD36}"/>
-              </a:ext>
-            </a:extLst>
-          </p:cNvPr>
-          <p:cNvCxnSpPr>
-            <a:cxnSpLocks/>
-            <a:stCxn id="244" idx="2"/>
-            <a:endCxn id="93" idx="3"/>
-          </p:cNvCxnSpPr>
-          <p:nvPr/>
-        </p:nvCxnSpPr>
-        <p:spPr>
-          <a:xfrm rot="5400000">
-            <a:off x="6769148" y="1076630"/>
-            <a:ext cx="1698712" cy="3469232"/>
-          </a:xfrm>
-          <a:prstGeom prst="curvedConnector3">
-            <a:avLst>
-              <a:gd name="adj1" fmla="val 50000"/>
-            </a:avLst>
-          </a:prstGeom>
-          <a:ln>
-            <a:tailEnd type="triangle"/>
-          </a:ln>
-        </p:spPr>
-        <p:style>
-          <a:lnRef idx="1">
-            <a:schemeClr val="accent1"/>
-          </a:lnRef>
-          <a:fillRef idx="0">
-            <a:schemeClr val="accent1"/>
-          </a:fillRef>
-          <a:effectRef idx="0">
-            <a:schemeClr val="accent1"/>
-          </a:effectRef>
-          <a:fontRef idx="minor">
-            <a:schemeClr val="tx1"/>
-          </a:fontRef>
-        </p:style>
-      </p:cxnSp>
-    </p:spTree>
-    <p:extLst>
-      <p:ext uri="{BB962C8B-B14F-4D97-AF65-F5344CB8AC3E}">
-        <p14:creationId xmlns:p14="http://schemas.microsoft.com/office/powerpoint/2010/main" val="3248728256"/>
-      </p:ext>
-    </p:extLst>
-  </p:cSld>
-  <p:clrMapOvr>
-    <a:masterClrMapping/>
-  </p:clrMapOvr>
-</p:sld>
-</file>
-
-<file path=ppt/slides/slide7.xml><?xml version="1.0" encoding="utf-8"?>
-<p:sld xmlns:a="http://schemas.openxmlformats.org/drawingml/2006/main" xmlns:r="http://schemas.openxmlformats.org/officeDocument/2006/relationships" xmlns:p="http://schemas.openxmlformats.org/presentationml/2006/main">
-  <p:cSld>
-    <p:spTree>
-      <p:nvGrpSpPr>
-        <p:cNvPr id="1" name=""/>
-        <p:cNvGrpSpPr/>
-        <p:nvPr/>
-      </p:nvGrpSpPr>
-      <p:grpSpPr>
-        <a:xfrm>
-          <a:off x="0" y="0"/>
-          <a:ext cx="0" cy="0"/>
-          <a:chOff x="0" y="0"/>
-          <a:chExt cx="0" cy="0"/>
-        </a:xfrm>
-      </p:grpSpPr>
-      <p:grpSp>
-        <p:nvGrpSpPr>
-          <p:cNvPr id="107" name="组合 106">
-            <a:extLst>
-              <a:ext uri="{FF2B5EF4-FFF2-40B4-BE49-F238E27FC236}">
-                <a16:creationId xmlns:a16="http://schemas.microsoft.com/office/drawing/2014/main" id="{FFB08B19-F451-7245-BB7E-502EB80DE3DC}"/>
-              </a:ext>
-            </a:extLst>
-          </p:cNvPr>
-          <p:cNvGrpSpPr/>
-          <p:nvPr/>
-        </p:nvGrpSpPr>
-        <p:grpSpPr>
-          <a:xfrm>
-            <a:off x="6224414" y="659572"/>
-            <a:ext cx="574013" cy="884312"/>
-            <a:chOff x="3498074" y="411438"/>
-            <a:chExt cx="652500" cy="1637873"/>
-          </a:xfrm>
-        </p:grpSpPr>
-        <p:sp>
-          <p:nvSpPr>
-            <p:cNvPr id="108" name="矩形 107">
-              <a:extLst>
-                <a:ext uri="{FF2B5EF4-FFF2-40B4-BE49-F238E27FC236}">
-                  <a16:creationId xmlns:a16="http://schemas.microsoft.com/office/drawing/2014/main" id="{7EE19100-6B3E-F34E-A1A6-088F142F5032}"/>
-                </a:ext>
-              </a:extLst>
-            </p:cNvPr>
-            <p:cNvSpPr/>
-            <p:nvPr/>
-          </p:nvSpPr>
-          <p:spPr>
-            <a:xfrm>
-              <a:off x="3498075" y="606287"/>
-              <a:ext cx="652499" cy="1090726"/>
-            </a:xfrm>
-            <a:prstGeom prst="rect">
-              <a:avLst/>
-            </a:prstGeom>
-            <a:noFill/>
-            <a:ln>
-              <a:solidFill>
-                <a:schemeClr val="tx1"/>
-              </a:solidFill>
-            </a:ln>
-          </p:spPr>
-          <p:style>
-            <a:lnRef idx="2">
-              <a:schemeClr val="accent1">
-                <a:shade val="50000"/>
-              </a:schemeClr>
-            </a:lnRef>
-            <a:fillRef idx="1">
-              <a:schemeClr val="accent1"/>
-            </a:fillRef>
-            <a:effectRef idx="0">
-              <a:schemeClr val="accent1"/>
-            </a:effectRef>
-            <a:fontRef idx="minor">
-              <a:schemeClr val="lt1"/>
-            </a:fontRef>
-          </p:style>
-          <p:txBody>
-            <a:bodyPr rtlCol="0" anchor="ctr"/>
-            <a:lstStyle/>
-            <a:p>
-              <a:pPr algn="ctr"/>
-              <a:endParaRPr kumimoji="1" lang="zh-CN" altLang="en-US" sz="600">
-                <a:solidFill>
-                  <a:schemeClr val="tx1"/>
-                </a:solidFill>
-              </a:endParaRPr>
-            </a:p>
-          </p:txBody>
-        </p:sp>
-        <p:sp>
-          <p:nvSpPr>
-            <p:cNvPr id="109" name="矩形 108">
-              <a:extLst>
-                <a:ext uri="{FF2B5EF4-FFF2-40B4-BE49-F238E27FC236}">
-                  <a16:creationId xmlns:a16="http://schemas.microsoft.com/office/drawing/2014/main" id="{0A7126B2-857C-1A48-8297-36A109098AEE}"/>
-                </a:ext>
-              </a:extLst>
-            </p:cNvPr>
-            <p:cNvSpPr/>
-            <p:nvPr/>
-          </p:nvSpPr>
-          <p:spPr>
-            <a:xfrm>
-              <a:off x="3498074" y="1697013"/>
-              <a:ext cx="652499" cy="352298"/>
-            </a:xfrm>
-            <a:prstGeom prst="rect">
-              <a:avLst/>
-            </a:prstGeom>
-            <a:solidFill>
-              <a:schemeClr val="accent2">
-                <a:lumMod val="40000"/>
-                <a:lumOff val="60000"/>
-              </a:schemeClr>
-            </a:solidFill>
-            <a:ln>
-              <a:solidFill>
-                <a:schemeClr val="tx1"/>
-              </a:solidFill>
-            </a:ln>
-          </p:spPr>
-          <p:style>
-            <a:lnRef idx="2">
-              <a:schemeClr val="accent1">
-                <a:shade val="50000"/>
-              </a:schemeClr>
-            </a:lnRef>
-            <a:fillRef idx="1">
-              <a:schemeClr val="accent1"/>
-            </a:fillRef>
-            <a:effectRef idx="0">
-              <a:schemeClr val="accent1"/>
-            </a:effectRef>
-            <a:fontRef idx="minor">
-              <a:schemeClr val="lt1"/>
-            </a:fontRef>
-          </p:style>
-          <p:txBody>
-            <a:bodyPr rtlCol="0" anchor="ctr"/>
-            <a:lstStyle/>
-            <a:p>
-              <a:pPr algn="ctr"/>
-              <a:r>
-                <a:rPr lang="en-US" altLang="zh-CN" sz="600">
-                  <a:solidFill>
-                    <a:schemeClr val="tx1"/>
-                  </a:solidFill>
-                </a:rPr>
-                <a:t>xfs_inode</a:t>
-              </a:r>
-            </a:p>
-          </p:txBody>
-        </p:sp>
-        <p:sp>
-          <p:nvSpPr>
-            <p:cNvPr id="110" name="矩形 109">
-              <a:extLst>
-                <a:ext uri="{FF2B5EF4-FFF2-40B4-BE49-F238E27FC236}">
-                  <a16:creationId xmlns:a16="http://schemas.microsoft.com/office/drawing/2014/main" id="{3982A733-9DD4-FB45-A0E9-18E07DBFD385}"/>
-                </a:ext>
-              </a:extLst>
-            </p:cNvPr>
-            <p:cNvSpPr/>
-            <p:nvPr/>
-          </p:nvSpPr>
-          <p:spPr>
-            <a:xfrm>
-              <a:off x="3498074" y="1269262"/>
-              <a:ext cx="652499" cy="352298"/>
-            </a:xfrm>
-            <a:prstGeom prst="rect">
-              <a:avLst/>
-            </a:prstGeom>
-            <a:noFill/>
-            <a:ln>
-              <a:solidFill>
-                <a:schemeClr val="tx1"/>
-              </a:solidFill>
-            </a:ln>
-          </p:spPr>
-          <p:style>
-            <a:lnRef idx="2">
-              <a:schemeClr val="accent1">
-                <a:shade val="50000"/>
-              </a:schemeClr>
-            </a:lnRef>
-            <a:fillRef idx="1">
-              <a:schemeClr val="accent1"/>
-            </a:fillRef>
-            <a:effectRef idx="0">
-              <a:schemeClr val="accent1"/>
-            </a:effectRef>
-            <a:fontRef idx="minor">
-              <a:schemeClr val="lt1"/>
-            </a:fontRef>
-          </p:style>
-          <p:txBody>
-            <a:bodyPr rtlCol="0" anchor="ctr"/>
-            <a:lstStyle/>
-            <a:p>
-              <a:pPr algn="ctr"/>
-              <a:r>
-                <a:rPr lang="en-US" altLang="zh-CN" sz="600">
-                  <a:solidFill>
-                    <a:schemeClr val="tx1"/>
-                  </a:solidFill>
-                </a:rPr>
-                <a:t>fs</a:t>
-              </a:r>
-              <a:r>
-                <a:rPr lang="zh-CN" altLang="en-US" sz="600">
-                  <a:solidFill>
-                    <a:schemeClr val="tx1"/>
-                  </a:solidFill>
-                </a:rPr>
-                <a:t> *</a:t>
-              </a:r>
-              <a:r>
-                <a:rPr lang="en-US" altLang="zh-CN" sz="600">
-                  <a:solidFill>
-                    <a:schemeClr val="tx1"/>
-                  </a:solidFill>
-                </a:rPr>
-                <a:t>in_fs</a:t>
-              </a:r>
-            </a:p>
-          </p:txBody>
-        </p:sp>
-        <p:sp>
-          <p:nvSpPr>
-            <p:cNvPr id="111" name="同侧圆角矩形 110">
-              <a:extLst>
-                <a:ext uri="{FF2B5EF4-FFF2-40B4-BE49-F238E27FC236}">
-                  <a16:creationId xmlns:a16="http://schemas.microsoft.com/office/drawing/2014/main" id="{7AB4F274-A690-304A-B775-09ABA1F50A7D}"/>
-                </a:ext>
-              </a:extLst>
-            </p:cNvPr>
-            <p:cNvSpPr/>
-            <p:nvPr/>
-          </p:nvSpPr>
-          <p:spPr>
-            <a:xfrm>
-              <a:off x="3498074" y="411438"/>
-              <a:ext cx="652499" cy="194849"/>
-            </a:xfrm>
-            <a:prstGeom prst="round2SameRect">
-              <a:avLst/>
-            </a:prstGeom>
-            <a:solidFill>
-              <a:schemeClr val="accent6">
-                <a:lumMod val="20000"/>
-                <a:lumOff val="80000"/>
-              </a:schemeClr>
-            </a:solidFill>
-            <a:ln>
-              <a:solidFill>
-                <a:schemeClr val="tx1"/>
-              </a:solidFill>
-            </a:ln>
-          </p:spPr>
-          <p:style>
-            <a:lnRef idx="2">
-              <a:schemeClr val="accent1">
-                <a:shade val="50000"/>
-              </a:schemeClr>
-            </a:lnRef>
-            <a:fillRef idx="1">
-              <a:schemeClr val="accent1"/>
-            </a:fillRef>
-            <a:effectRef idx="0">
-              <a:schemeClr val="accent1"/>
-            </a:effectRef>
-            <a:fontRef idx="minor">
-              <a:schemeClr val="lt1"/>
-            </a:fontRef>
-          </p:style>
-          <p:txBody>
-            <a:bodyPr rot="0" spcFirstLastPara="0" vertOverflow="overflow" horzOverflow="overflow" vert="horz" wrap="square" lIns="91440" tIns="45720" rIns="91440" bIns="45720" numCol="1" spcCol="0" rtlCol="0" fromWordArt="0" anchor="ctr" anchorCtr="0" forceAA="0" compatLnSpc="1">
-              <a:prstTxWarp prst="textNoShape">
-                <a:avLst/>
-              </a:prstTxWarp>
-              <a:noAutofit/>
-            </a:bodyPr>
-            <a:lstStyle/>
-            <a:p>
-              <a:pPr algn="ctr"/>
-              <a:r>
-                <a:rPr kumimoji="1" lang="en-US" altLang="zh-CN" sz="800">
-                  <a:solidFill>
-                    <a:schemeClr val="tx1"/>
-                  </a:solidFill>
-                </a:rPr>
-                <a:t>inode</a:t>
-              </a:r>
-              <a:endParaRPr kumimoji="1" lang="zh-CN" altLang="en-US" sz="800">
-                <a:solidFill>
-                  <a:schemeClr val="tx1"/>
-                </a:solidFill>
-              </a:endParaRPr>
-            </a:p>
-          </p:txBody>
-        </p:sp>
-      </p:grpSp>
-      <p:grpSp>
-        <p:nvGrpSpPr>
-          <p:cNvPr id="112" name="组合 111">
-            <a:extLst>
-              <a:ext uri="{FF2B5EF4-FFF2-40B4-BE49-F238E27FC236}">
-                <a16:creationId xmlns:a16="http://schemas.microsoft.com/office/drawing/2014/main" id="{30A77A46-05B3-9147-A217-D7BA2A9A5B2B}"/>
-              </a:ext>
-            </a:extLst>
-          </p:cNvPr>
-          <p:cNvGrpSpPr/>
-          <p:nvPr/>
-        </p:nvGrpSpPr>
-        <p:grpSpPr>
-          <a:xfrm>
-            <a:off x="7042581" y="660493"/>
-            <a:ext cx="574013" cy="882470"/>
-            <a:chOff x="3498074" y="411438"/>
-            <a:chExt cx="652500" cy="1634461"/>
-          </a:xfrm>
-        </p:grpSpPr>
-        <p:sp>
-          <p:nvSpPr>
-            <p:cNvPr id="113" name="矩形 112">
-              <a:extLst>
-                <a:ext uri="{FF2B5EF4-FFF2-40B4-BE49-F238E27FC236}">
-                  <a16:creationId xmlns:a16="http://schemas.microsoft.com/office/drawing/2014/main" id="{0E1D6FE3-F083-DE4C-8ED1-E9CB834AB429}"/>
-                </a:ext>
-              </a:extLst>
-            </p:cNvPr>
-            <p:cNvSpPr/>
-            <p:nvPr/>
-          </p:nvSpPr>
-          <p:spPr>
-            <a:xfrm>
-              <a:off x="3498075" y="606287"/>
-              <a:ext cx="652499" cy="1090726"/>
-            </a:xfrm>
-            <a:prstGeom prst="rect">
-              <a:avLst/>
-            </a:prstGeom>
-            <a:noFill/>
-            <a:ln>
-              <a:solidFill>
-                <a:schemeClr val="tx1"/>
-              </a:solidFill>
-            </a:ln>
-          </p:spPr>
-          <p:style>
-            <a:lnRef idx="2">
-              <a:schemeClr val="accent1">
-                <a:shade val="50000"/>
-              </a:schemeClr>
-            </a:lnRef>
-            <a:fillRef idx="1">
-              <a:schemeClr val="accent1"/>
-            </a:fillRef>
-            <a:effectRef idx="0">
-              <a:schemeClr val="accent1"/>
-            </a:effectRef>
-            <a:fontRef idx="minor">
-              <a:schemeClr val="lt1"/>
-            </a:fontRef>
-          </p:style>
-          <p:txBody>
-            <a:bodyPr rtlCol="0" anchor="ctr"/>
-            <a:lstStyle/>
-            <a:p>
-              <a:pPr algn="ctr"/>
-              <a:endParaRPr kumimoji="1" lang="zh-CN" altLang="en-US" sz="600">
-                <a:solidFill>
-                  <a:schemeClr val="tx1"/>
-                </a:solidFill>
-              </a:endParaRPr>
-            </a:p>
-          </p:txBody>
-        </p:sp>
-        <p:sp>
-          <p:nvSpPr>
-            <p:cNvPr id="114" name="矩形 113">
-              <a:extLst>
-                <a:ext uri="{FF2B5EF4-FFF2-40B4-BE49-F238E27FC236}">
-                  <a16:creationId xmlns:a16="http://schemas.microsoft.com/office/drawing/2014/main" id="{377199E8-1C62-C545-8DB1-A6162E3F4555}"/>
-                </a:ext>
-              </a:extLst>
-            </p:cNvPr>
-            <p:cNvSpPr/>
-            <p:nvPr/>
-          </p:nvSpPr>
-          <p:spPr>
-            <a:xfrm>
-              <a:off x="3498074" y="1693601"/>
-              <a:ext cx="652499" cy="352298"/>
-            </a:xfrm>
-            <a:prstGeom prst="rect">
-              <a:avLst/>
-            </a:prstGeom>
-            <a:solidFill>
-              <a:schemeClr val="accent2">
-                <a:lumMod val="40000"/>
-                <a:lumOff val="60000"/>
-              </a:schemeClr>
-            </a:solidFill>
-            <a:ln>
-              <a:solidFill>
-                <a:schemeClr val="tx1"/>
-              </a:solidFill>
-            </a:ln>
-          </p:spPr>
-          <p:style>
-            <a:lnRef idx="2">
-              <a:schemeClr val="accent1">
-                <a:shade val="50000"/>
-              </a:schemeClr>
-            </a:lnRef>
-            <a:fillRef idx="1">
-              <a:schemeClr val="accent1"/>
-            </a:fillRef>
-            <a:effectRef idx="0">
-              <a:schemeClr val="accent1"/>
-            </a:effectRef>
-            <a:fontRef idx="minor">
-              <a:schemeClr val="lt1"/>
-            </a:fontRef>
-          </p:style>
-          <p:txBody>
-            <a:bodyPr rtlCol="0" anchor="ctr"/>
-            <a:lstStyle/>
-            <a:p>
-              <a:pPr algn="ctr"/>
-              <a:r>
-                <a:rPr lang="en-US" altLang="zh-CN" sz="600">
-                  <a:solidFill>
-                    <a:schemeClr val="tx1"/>
-                  </a:solidFill>
-                </a:rPr>
-                <a:t>xfs_inode</a:t>
-              </a:r>
-            </a:p>
-          </p:txBody>
-        </p:sp>
-        <p:sp>
-          <p:nvSpPr>
-            <p:cNvPr id="115" name="矩形 114">
-              <a:extLst>
-                <a:ext uri="{FF2B5EF4-FFF2-40B4-BE49-F238E27FC236}">
-                  <a16:creationId xmlns:a16="http://schemas.microsoft.com/office/drawing/2014/main" id="{87F6EE5A-FFB8-FA49-9F1A-959E18FF006D}"/>
-                </a:ext>
-              </a:extLst>
-            </p:cNvPr>
-            <p:cNvSpPr/>
-            <p:nvPr/>
-          </p:nvSpPr>
-          <p:spPr>
-            <a:xfrm>
-              <a:off x="3498074" y="1269262"/>
-              <a:ext cx="652499" cy="352298"/>
-            </a:xfrm>
-            <a:prstGeom prst="rect">
-              <a:avLst/>
-            </a:prstGeom>
-            <a:noFill/>
-            <a:ln>
-              <a:solidFill>
-                <a:schemeClr val="tx1"/>
-              </a:solidFill>
-            </a:ln>
-          </p:spPr>
-          <p:style>
-            <a:lnRef idx="2">
-              <a:schemeClr val="accent1">
-                <a:shade val="50000"/>
-              </a:schemeClr>
-            </a:lnRef>
-            <a:fillRef idx="1">
-              <a:schemeClr val="accent1"/>
-            </a:fillRef>
-            <a:effectRef idx="0">
-              <a:schemeClr val="accent1"/>
-            </a:effectRef>
-            <a:fontRef idx="minor">
-              <a:schemeClr val="lt1"/>
-            </a:fontRef>
-          </p:style>
-          <p:txBody>
-            <a:bodyPr rtlCol="0" anchor="ctr"/>
-            <a:lstStyle/>
-            <a:p>
-              <a:pPr algn="ctr"/>
-              <a:r>
-                <a:rPr lang="en-US" altLang="zh-CN" sz="600">
-                  <a:solidFill>
-                    <a:schemeClr val="tx1"/>
-                  </a:solidFill>
-                </a:rPr>
-                <a:t>fs</a:t>
-              </a:r>
-              <a:r>
-                <a:rPr lang="zh-CN" altLang="en-US" sz="600">
-                  <a:solidFill>
-                    <a:schemeClr val="tx1"/>
-                  </a:solidFill>
-                </a:rPr>
-                <a:t> *</a:t>
-              </a:r>
-              <a:r>
-                <a:rPr lang="en-US" altLang="zh-CN" sz="600">
-                  <a:solidFill>
-                    <a:schemeClr val="tx1"/>
-                  </a:solidFill>
-                </a:rPr>
-                <a:t>in_fs</a:t>
-              </a:r>
-            </a:p>
-          </p:txBody>
-        </p:sp>
-        <p:sp>
-          <p:nvSpPr>
-            <p:cNvPr id="116" name="同侧圆角矩形 115">
-              <a:extLst>
-                <a:ext uri="{FF2B5EF4-FFF2-40B4-BE49-F238E27FC236}">
-                  <a16:creationId xmlns:a16="http://schemas.microsoft.com/office/drawing/2014/main" id="{569C69BD-1E47-2C43-9164-8C0AB54C332C}"/>
-                </a:ext>
-              </a:extLst>
-            </p:cNvPr>
-            <p:cNvSpPr/>
-            <p:nvPr/>
-          </p:nvSpPr>
-          <p:spPr>
-            <a:xfrm>
-              <a:off x="3498074" y="411438"/>
-              <a:ext cx="652499" cy="194849"/>
-            </a:xfrm>
-            <a:prstGeom prst="round2SameRect">
-              <a:avLst/>
-            </a:prstGeom>
-            <a:solidFill>
-              <a:schemeClr val="accent6">
-                <a:lumMod val="20000"/>
-                <a:lumOff val="80000"/>
-              </a:schemeClr>
-            </a:solidFill>
-            <a:ln>
-              <a:solidFill>
-                <a:schemeClr val="tx1"/>
-              </a:solidFill>
-            </a:ln>
-          </p:spPr>
-          <p:style>
-            <a:lnRef idx="2">
-              <a:schemeClr val="accent1">
-                <a:shade val="50000"/>
-              </a:schemeClr>
-            </a:lnRef>
-            <a:fillRef idx="1">
-              <a:schemeClr val="accent1"/>
-            </a:fillRef>
-            <a:effectRef idx="0">
-              <a:schemeClr val="accent1"/>
-            </a:effectRef>
-            <a:fontRef idx="minor">
-              <a:schemeClr val="lt1"/>
-            </a:fontRef>
-          </p:style>
-          <p:txBody>
-            <a:bodyPr rot="0" spcFirstLastPara="0" vertOverflow="overflow" horzOverflow="overflow" vert="horz" wrap="square" lIns="91440" tIns="45720" rIns="91440" bIns="45720" numCol="1" spcCol="0" rtlCol="0" fromWordArt="0" anchor="ctr" anchorCtr="0" forceAA="0" compatLnSpc="1">
-              <a:prstTxWarp prst="textNoShape">
-                <a:avLst/>
-              </a:prstTxWarp>
-              <a:noAutofit/>
-            </a:bodyPr>
-            <a:lstStyle/>
-            <a:p>
-              <a:pPr algn="ctr"/>
-              <a:r>
-                <a:rPr kumimoji="1" lang="en-US" altLang="zh-CN" sz="800">
-                  <a:solidFill>
-                    <a:schemeClr val="tx1"/>
-                  </a:solidFill>
-                </a:rPr>
-                <a:t>inode</a:t>
-              </a:r>
-              <a:endParaRPr kumimoji="1" lang="zh-CN" altLang="en-US" sz="800">
-                <a:solidFill>
-                  <a:schemeClr val="tx1"/>
-                </a:solidFill>
-              </a:endParaRPr>
-            </a:p>
-          </p:txBody>
-        </p:sp>
-      </p:grpSp>
-      <p:grpSp>
-        <p:nvGrpSpPr>
-          <p:cNvPr id="117" name="组合 116">
-            <a:extLst>
-              <a:ext uri="{FF2B5EF4-FFF2-40B4-BE49-F238E27FC236}">
-                <a16:creationId xmlns:a16="http://schemas.microsoft.com/office/drawing/2014/main" id="{D9BEBD01-836F-E948-8DF2-237E7FB72835}"/>
-              </a:ext>
-            </a:extLst>
-          </p:cNvPr>
-          <p:cNvGrpSpPr/>
-          <p:nvPr/>
-        </p:nvGrpSpPr>
-        <p:grpSpPr>
-          <a:xfrm>
-            <a:off x="7860748" y="662575"/>
-            <a:ext cx="574013" cy="878307"/>
-            <a:chOff x="3498074" y="411438"/>
-            <a:chExt cx="652500" cy="1626751"/>
-          </a:xfrm>
-        </p:grpSpPr>
-        <p:sp>
-          <p:nvSpPr>
-            <p:cNvPr id="118" name="矩形 117">
-              <a:extLst>
-                <a:ext uri="{FF2B5EF4-FFF2-40B4-BE49-F238E27FC236}">
-                  <a16:creationId xmlns:a16="http://schemas.microsoft.com/office/drawing/2014/main" id="{2C4FF401-8B16-6B4B-9D15-4FDC090F169B}"/>
-                </a:ext>
-              </a:extLst>
-            </p:cNvPr>
-            <p:cNvSpPr/>
-            <p:nvPr/>
-          </p:nvSpPr>
-          <p:spPr>
-            <a:xfrm>
-              <a:off x="3498075" y="606287"/>
-              <a:ext cx="652499" cy="1090726"/>
-            </a:xfrm>
-            <a:prstGeom prst="rect">
-              <a:avLst/>
-            </a:prstGeom>
-            <a:noFill/>
-            <a:ln>
-              <a:solidFill>
-                <a:schemeClr val="tx1"/>
-              </a:solidFill>
-            </a:ln>
-          </p:spPr>
-          <p:style>
-            <a:lnRef idx="2">
-              <a:schemeClr val="accent1">
-                <a:shade val="50000"/>
-              </a:schemeClr>
-            </a:lnRef>
-            <a:fillRef idx="1">
-              <a:schemeClr val="accent1"/>
-            </a:fillRef>
-            <a:effectRef idx="0">
-              <a:schemeClr val="accent1"/>
-            </a:effectRef>
-            <a:fontRef idx="minor">
-              <a:schemeClr val="lt1"/>
-            </a:fontRef>
-          </p:style>
-          <p:txBody>
-            <a:bodyPr rtlCol="0" anchor="ctr"/>
-            <a:lstStyle/>
-            <a:p>
-              <a:pPr algn="ctr"/>
-              <a:endParaRPr kumimoji="1" lang="zh-CN" altLang="en-US" sz="600">
-                <a:solidFill>
-                  <a:schemeClr val="tx1"/>
-                </a:solidFill>
-              </a:endParaRPr>
-            </a:p>
-          </p:txBody>
-        </p:sp>
-        <p:sp>
-          <p:nvSpPr>
-            <p:cNvPr id="119" name="矩形 118">
-              <a:extLst>
-                <a:ext uri="{FF2B5EF4-FFF2-40B4-BE49-F238E27FC236}">
-                  <a16:creationId xmlns:a16="http://schemas.microsoft.com/office/drawing/2014/main" id="{26540274-796C-4C4B-96AF-D66FD7837C28}"/>
-                </a:ext>
-              </a:extLst>
-            </p:cNvPr>
-            <p:cNvSpPr/>
-            <p:nvPr/>
-          </p:nvSpPr>
-          <p:spPr>
-            <a:xfrm>
-              <a:off x="3498074" y="1685891"/>
-              <a:ext cx="652499" cy="352298"/>
-            </a:xfrm>
-            <a:prstGeom prst="rect">
-              <a:avLst/>
-            </a:prstGeom>
-            <a:solidFill>
-              <a:schemeClr val="accent4">
-                <a:lumMod val="20000"/>
-                <a:lumOff val="80000"/>
-              </a:schemeClr>
-            </a:solidFill>
-            <a:ln>
-              <a:solidFill>
-                <a:schemeClr val="tx1"/>
-              </a:solidFill>
-            </a:ln>
-          </p:spPr>
-          <p:style>
-            <a:lnRef idx="2">
-              <a:schemeClr val="accent1">
-                <a:shade val="50000"/>
-              </a:schemeClr>
-            </a:lnRef>
-            <a:fillRef idx="1">
-              <a:schemeClr val="accent1"/>
-            </a:fillRef>
-            <a:effectRef idx="0">
-              <a:schemeClr val="accent1"/>
-            </a:effectRef>
-            <a:fontRef idx="minor">
-              <a:schemeClr val="lt1"/>
-            </a:fontRef>
-          </p:style>
-          <p:txBody>
-            <a:bodyPr rtlCol="0" anchor="ctr"/>
-            <a:lstStyle/>
-            <a:p>
-              <a:pPr algn="ctr"/>
-              <a:r>
-                <a:rPr lang="en-US" altLang="zh-CN" sz="600">
-                  <a:solidFill>
-                    <a:schemeClr val="tx1"/>
-                  </a:solidFill>
-                </a:rPr>
-                <a:t>sfs_inode</a:t>
-              </a:r>
-            </a:p>
-          </p:txBody>
-        </p:sp>
-        <p:sp>
-          <p:nvSpPr>
-            <p:cNvPr id="120" name="矩形 119">
-              <a:extLst>
-                <a:ext uri="{FF2B5EF4-FFF2-40B4-BE49-F238E27FC236}">
-                  <a16:creationId xmlns:a16="http://schemas.microsoft.com/office/drawing/2014/main" id="{4F3B40CC-9C1B-A549-B586-5621F2A6C537}"/>
-                </a:ext>
-              </a:extLst>
-            </p:cNvPr>
-            <p:cNvSpPr/>
-            <p:nvPr/>
-          </p:nvSpPr>
-          <p:spPr>
-            <a:xfrm>
-              <a:off x="3498074" y="1269262"/>
-              <a:ext cx="652499" cy="352298"/>
-            </a:xfrm>
-            <a:prstGeom prst="rect">
-              <a:avLst/>
-            </a:prstGeom>
-            <a:noFill/>
-            <a:ln>
-              <a:solidFill>
-                <a:schemeClr val="tx1"/>
-              </a:solidFill>
-            </a:ln>
-          </p:spPr>
-          <p:style>
-            <a:lnRef idx="2">
-              <a:schemeClr val="accent1">
-                <a:shade val="50000"/>
-              </a:schemeClr>
-            </a:lnRef>
-            <a:fillRef idx="1">
-              <a:schemeClr val="accent1"/>
-            </a:fillRef>
-            <a:effectRef idx="0">
-              <a:schemeClr val="accent1"/>
-            </a:effectRef>
-            <a:fontRef idx="minor">
-              <a:schemeClr val="lt1"/>
-            </a:fontRef>
-          </p:style>
-          <p:txBody>
-            <a:bodyPr rtlCol="0" anchor="ctr"/>
-            <a:lstStyle/>
-            <a:p>
-              <a:pPr algn="ctr"/>
-              <a:r>
-                <a:rPr lang="en-US" altLang="zh-CN" sz="600">
-                  <a:solidFill>
-                    <a:schemeClr val="tx1"/>
-                  </a:solidFill>
-                </a:rPr>
-                <a:t>fs</a:t>
-              </a:r>
-              <a:r>
-                <a:rPr lang="zh-CN" altLang="en-US" sz="600">
-                  <a:solidFill>
-                    <a:schemeClr val="tx1"/>
-                  </a:solidFill>
-                </a:rPr>
-                <a:t> *</a:t>
-              </a:r>
-              <a:r>
-                <a:rPr lang="en-US" altLang="zh-CN" sz="600">
-                  <a:solidFill>
-                    <a:schemeClr val="tx1"/>
-                  </a:solidFill>
-                </a:rPr>
-                <a:t>in_fs</a:t>
-              </a:r>
-            </a:p>
-          </p:txBody>
-        </p:sp>
-        <p:sp>
-          <p:nvSpPr>
-            <p:cNvPr id="121" name="同侧圆角矩形 120">
-              <a:extLst>
-                <a:ext uri="{FF2B5EF4-FFF2-40B4-BE49-F238E27FC236}">
-                  <a16:creationId xmlns:a16="http://schemas.microsoft.com/office/drawing/2014/main" id="{87B76D7F-C6A1-424C-A96E-2AF846F35C61}"/>
-                </a:ext>
-              </a:extLst>
-            </p:cNvPr>
-            <p:cNvSpPr/>
-            <p:nvPr/>
-          </p:nvSpPr>
-          <p:spPr>
-            <a:xfrm>
-              <a:off x="3498074" y="411438"/>
-              <a:ext cx="652499" cy="194849"/>
-            </a:xfrm>
-            <a:prstGeom prst="round2SameRect">
-              <a:avLst/>
-            </a:prstGeom>
-            <a:solidFill>
-              <a:schemeClr val="accent6">
-                <a:lumMod val="20000"/>
-                <a:lumOff val="80000"/>
-              </a:schemeClr>
-            </a:solidFill>
-            <a:ln>
-              <a:solidFill>
-                <a:schemeClr val="tx1"/>
-              </a:solidFill>
-            </a:ln>
-          </p:spPr>
-          <p:style>
-            <a:lnRef idx="2">
-              <a:schemeClr val="accent1">
-                <a:shade val="50000"/>
-              </a:schemeClr>
-            </a:lnRef>
-            <a:fillRef idx="1">
-              <a:schemeClr val="accent1"/>
-            </a:fillRef>
-            <a:effectRef idx="0">
-              <a:schemeClr val="accent1"/>
-            </a:effectRef>
-            <a:fontRef idx="minor">
-              <a:schemeClr val="lt1"/>
-            </a:fontRef>
-          </p:style>
-          <p:txBody>
-            <a:bodyPr rot="0" spcFirstLastPara="0" vertOverflow="overflow" horzOverflow="overflow" vert="horz" wrap="square" lIns="91440" tIns="45720" rIns="91440" bIns="45720" numCol="1" spcCol="0" rtlCol="0" fromWordArt="0" anchor="ctr" anchorCtr="0" forceAA="0" compatLnSpc="1">
-              <a:prstTxWarp prst="textNoShape">
-                <a:avLst/>
-              </a:prstTxWarp>
-              <a:noAutofit/>
-            </a:bodyPr>
-            <a:lstStyle/>
-            <a:p>
-              <a:pPr algn="ctr"/>
-              <a:r>
-                <a:rPr kumimoji="1" lang="en-US" altLang="zh-CN" sz="800">
-                  <a:solidFill>
-                    <a:schemeClr val="tx1"/>
-                  </a:solidFill>
-                </a:rPr>
-                <a:t>inode</a:t>
-              </a:r>
-              <a:endParaRPr kumimoji="1" lang="zh-CN" altLang="en-US" sz="800">
-                <a:solidFill>
-                  <a:schemeClr val="tx1"/>
-                </a:solidFill>
-              </a:endParaRPr>
-            </a:p>
-          </p:txBody>
-        </p:sp>
-      </p:grpSp>
-      <p:grpSp>
-        <p:nvGrpSpPr>
-          <p:cNvPr id="122" name="组合 121">
-            <a:extLst>
-              <a:ext uri="{FF2B5EF4-FFF2-40B4-BE49-F238E27FC236}">
-                <a16:creationId xmlns:a16="http://schemas.microsoft.com/office/drawing/2014/main" id="{04BF7849-CCA7-4442-BDF8-2197A2A74836}"/>
-              </a:ext>
-            </a:extLst>
-          </p:cNvPr>
-          <p:cNvGrpSpPr/>
-          <p:nvPr/>
-        </p:nvGrpSpPr>
-        <p:grpSpPr>
-          <a:xfrm>
-            <a:off x="8678915" y="659572"/>
-            <a:ext cx="574013" cy="884312"/>
-            <a:chOff x="3498074" y="411438"/>
-            <a:chExt cx="652500" cy="1637873"/>
-          </a:xfrm>
-        </p:grpSpPr>
-        <p:sp>
-          <p:nvSpPr>
-            <p:cNvPr id="124" name="矩形 123">
-              <a:extLst>
-                <a:ext uri="{FF2B5EF4-FFF2-40B4-BE49-F238E27FC236}">
-                  <a16:creationId xmlns:a16="http://schemas.microsoft.com/office/drawing/2014/main" id="{AB736099-5DF1-384F-8376-F7C735CEE2E2}"/>
-                </a:ext>
-              </a:extLst>
-            </p:cNvPr>
-            <p:cNvSpPr/>
-            <p:nvPr/>
-          </p:nvSpPr>
-          <p:spPr>
-            <a:xfrm>
-              <a:off x="3498075" y="606287"/>
-              <a:ext cx="652499" cy="1090726"/>
-            </a:xfrm>
-            <a:prstGeom prst="rect">
-              <a:avLst/>
-            </a:prstGeom>
-            <a:noFill/>
-            <a:ln>
-              <a:solidFill>
-                <a:schemeClr val="tx1"/>
-              </a:solidFill>
-            </a:ln>
-          </p:spPr>
-          <p:style>
-            <a:lnRef idx="2">
-              <a:schemeClr val="accent1">
-                <a:shade val="50000"/>
-              </a:schemeClr>
-            </a:lnRef>
-            <a:fillRef idx="1">
-              <a:schemeClr val="accent1"/>
-            </a:fillRef>
-            <a:effectRef idx="0">
-              <a:schemeClr val="accent1"/>
-            </a:effectRef>
-            <a:fontRef idx="minor">
-              <a:schemeClr val="lt1"/>
-            </a:fontRef>
-          </p:style>
-          <p:txBody>
-            <a:bodyPr rtlCol="0" anchor="ctr"/>
-            <a:lstStyle/>
-            <a:p>
-              <a:pPr algn="ctr"/>
-              <a:endParaRPr kumimoji="1" lang="zh-CN" altLang="en-US" sz="600">
-                <a:solidFill>
-                  <a:schemeClr val="tx1"/>
-                </a:solidFill>
-              </a:endParaRPr>
-            </a:p>
-          </p:txBody>
-        </p:sp>
-        <p:sp>
-          <p:nvSpPr>
-            <p:cNvPr id="125" name="矩形 124">
-              <a:extLst>
-                <a:ext uri="{FF2B5EF4-FFF2-40B4-BE49-F238E27FC236}">
-                  <a16:creationId xmlns:a16="http://schemas.microsoft.com/office/drawing/2014/main" id="{4A25FBAE-DEC8-B241-A689-46DA8BEBBB1C}"/>
-                </a:ext>
-              </a:extLst>
-            </p:cNvPr>
-            <p:cNvSpPr/>
-            <p:nvPr/>
-          </p:nvSpPr>
-          <p:spPr>
-            <a:xfrm>
-              <a:off x="3498074" y="1697013"/>
-              <a:ext cx="652499" cy="352298"/>
-            </a:xfrm>
-            <a:prstGeom prst="rect">
-              <a:avLst/>
-            </a:prstGeom>
-            <a:solidFill>
-              <a:schemeClr val="accent4">
-                <a:lumMod val="20000"/>
-                <a:lumOff val="80000"/>
-              </a:schemeClr>
-            </a:solidFill>
-            <a:ln>
-              <a:solidFill>
-                <a:schemeClr val="tx1"/>
-              </a:solidFill>
-            </a:ln>
-          </p:spPr>
-          <p:style>
-            <a:lnRef idx="2">
-              <a:schemeClr val="accent1">
-                <a:shade val="50000"/>
-              </a:schemeClr>
-            </a:lnRef>
-            <a:fillRef idx="1">
-              <a:schemeClr val="accent1"/>
-            </a:fillRef>
-            <a:effectRef idx="0">
-              <a:schemeClr val="accent1"/>
-            </a:effectRef>
-            <a:fontRef idx="minor">
-              <a:schemeClr val="lt1"/>
-            </a:fontRef>
-          </p:style>
-          <p:txBody>
-            <a:bodyPr rtlCol="0" anchor="ctr"/>
-            <a:lstStyle/>
-            <a:p>
-              <a:pPr algn="ctr"/>
-              <a:r>
-                <a:rPr lang="en-US" altLang="zh-CN" sz="600">
-                  <a:solidFill>
-                    <a:schemeClr val="tx1"/>
-                  </a:solidFill>
-                </a:rPr>
-                <a:t>sfs_inode</a:t>
-              </a:r>
-            </a:p>
-          </p:txBody>
-        </p:sp>
-        <p:sp>
-          <p:nvSpPr>
-            <p:cNvPr id="126" name="矩形 125">
-              <a:extLst>
-                <a:ext uri="{FF2B5EF4-FFF2-40B4-BE49-F238E27FC236}">
-                  <a16:creationId xmlns:a16="http://schemas.microsoft.com/office/drawing/2014/main" id="{6AFF168E-5957-0446-9CAC-E489017AE944}"/>
-                </a:ext>
-              </a:extLst>
-            </p:cNvPr>
-            <p:cNvSpPr/>
-            <p:nvPr/>
-          </p:nvSpPr>
-          <p:spPr>
-            <a:xfrm>
-              <a:off x="3498074" y="1269262"/>
-              <a:ext cx="652499" cy="352298"/>
-            </a:xfrm>
-            <a:prstGeom prst="rect">
-              <a:avLst/>
-            </a:prstGeom>
-            <a:noFill/>
-            <a:ln>
-              <a:solidFill>
-                <a:schemeClr val="tx1"/>
-              </a:solidFill>
-            </a:ln>
-          </p:spPr>
-          <p:style>
-            <a:lnRef idx="2">
-              <a:schemeClr val="accent1">
-                <a:shade val="50000"/>
-              </a:schemeClr>
-            </a:lnRef>
-            <a:fillRef idx="1">
-              <a:schemeClr val="accent1"/>
-            </a:fillRef>
-            <a:effectRef idx="0">
-              <a:schemeClr val="accent1"/>
-            </a:effectRef>
-            <a:fontRef idx="minor">
-              <a:schemeClr val="lt1"/>
-            </a:fontRef>
-          </p:style>
-          <p:txBody>
-            <a:bodyPr rtlCol="0" anchor="ctr"/>
-            <a:lstStyle/>
-            <a:p>
-              <a:pPr algn="ctr"/>
-              <a:r>
-                <a:rPr lang="en-US" altLang="zh-CN" sz="600">
-                  <a:solidFill>
-                    <a:schemeClr val="tx1"/>
-                  </a:solidFill>
-                </a:rPr>
-                <a:t>fs</a:t>
-              </a:r>
-              <a:r>
-                <a:rPr lang="zh-CN" altLang="en-US" sz="600">
-                  <a:solidFill>
-                    <a:schemeClr val="tx1"/>
-                  </a:solidFill>
-                </a:rPr>
-                <a:t> *</a:t>
-              </a:r>
-              <a:r>
-                <a:rPr lang="en-US" altLang="zh-CN" sz="600">
-                  <a:solidFill>
-                    <a:schemeClr val="tx1"/>
-                  </a:solidFill>
-                </a:rPr>
-                <a:t>in_fs</a:t>
-              </a:r>
-            </a:p>
-          </p:txBody>
-        </p:sp>
-        <p:sp>
-          <p:nvSpPr>
-            <p:cNvPr id="127" name="同侧圆角矩形 126">
-              <a:extLst>
-                <a:ext uri="{FF2B5EF4-FFF2-40B4-BE49-F238E27FC236}">
-                  <a16:creationId xmlns:a16="http://schemas.microsoft.com/office/drawing/2014/main" id="{24E06D68-4192-FF4F-BA05-75EAADB5CAFB}"/>
-                </a:ext>
-              </a:extLst>
-            </p:cNvPr>
-            <p:cNvSpPr/>
-            <p:nvPr/>
-          </p:nvSpPr>
-          <p:spPr>
-            <a:xfrm>
-              <a:off x="3498074" y="411438"/>
-              <a:ext cx="652499" cy="194849"/>
-            </a:xfrm>
-            <a:prstGeom prst="round2SameRect">
-              <a:avLst/>
-            </a:prstGeom>
-            <a:solidFill>
-              <a:schemeClr val="accent6">
-                <a:lumMod val="20000"/>
-                <a:lumOff val="80000"/>
-              </a:schemeClr>
-            </a:solidFill>
-            <a:ln>
-              <a:solidFill>
-                <a:schemeClr val="tx1"/>
-              </a:solidFill>
-            </a:ln>
-          </p:spPr>
-          <p:style>
-            <a:lnRef idx="2">
-              <a:schemeClr val="accent1">
-                <a:shade val="50000"/>
-              </a:schemeClr>
-            </a:lnRef>
-            <a:fillRef idx="1">
-              <a:schemeClr val="accent1"/>
-            </a:fillRef>
-            <a:effectRef idx="0">
-              <a:schemeClr val="accent1"/>
-            </a:effectRef>
-            <a:fontRef idx="minor">
-              <a:schemeClr val="lt1"/>
-            </a:fontRef>
-          </p:style>
-          <p:txBody>
-            <a:bodyPr rot="0" spcFirstLastPara="0" vertOverflow="overflow" horzOverflow="overflow" vert="horz" wrap="square" lIns="91440" tIns="45720" rIns="91440" bIns="45720" numCol="1" spcCol="0" rtlCol="0" fromWordArt="0" anchor="ctr" anchorCtr="0" forceAA="0" compatLnSpc="1">
-              <a:prstTxWarp prst="textNoShape">
-                <a:avLst/>
-              </a:prstTxWarp>
-              <a:noAutofit/>
-            </a:bodyPr>
-            <a:lstStyle/>
-            <a:p>
-              <a:pPr algn="ctr"/>
-              <a:r>
-                <a:rPr kumimoji="1" lang="en-US" altLang="zh-CN" sz="800">
-                  <a:solidFill>
-                    <a:schemeClr val="tx1"/>
-                  </a:solidFill>
-                </a:rPr>
-                <a:t>inode</a:t>
-              </a:r>
-              <a:endParaRPr kumimoji="1" lang="zh-CN" altLang="en-US" sz="800">
-                <a:solidFill>
-                  <a:schemeClr val="tx1"/>
-                </a:solidFill>
-              </a:endParaRPr>
-            </a:p>
-          </p:txBody>
-        </p:sp>
-      </p:grpSp>
-      <p:grpSp>
-        <p:nvGrpSpPr>
-          <p:cNvPr id="128" name="组合 127">
-            <a:extLst>
-              <a:ext uri="{FF2B5EF4-FFF2-40B4-BE49-F238E27FC236}">
-                <a16:creationId xmlns:a16="http://schemas.microsoft.com/office/drawing/2014/main" id="{2B433FAC-5C1E-784F-8093-6B775578BD34}"/>
-              </a:ext>
-            </a:extLst>
-          </p:cNvPr>
-          <p:cNvGrpSpPr/>
-          <p:nvPr/>
-        </p:nvGrpSpPr>
-        <p:grpSpPr>
-          <a:xfrm>
-            <a:off x="9497079" y="660611"/>
-            <a:ext cx="574013" cy="882234"/>
-            <a:chOff x="3498074" y="411438"/>
-            <a:chExt cx="652500" cy="1634024"/>
-          </a:xfrm>
-        </p:grpSpPr>
-        <p:sp>
-          <p:nvSpPr>
-            <p:cNvPr id="129" name="矩形 128">
-              <a:extLst>
-                <a:ext uri="{FF2B5EF4-FFF2-40B4-BE49-F238E27FC236}">
-                  <a16:creationId xmlns:a16="http://schemas.microsoft.com/office/drawing/2014/main" id="{A90106DF-F2D3-6B45-9644-A50145148F1B}"/>
-                </a:ext>
-              </a:extLst>
-            </p:cNvPr>
-            <p:cNvSpPr/>
-            <p:nvPr/>
-          </p:nvSpPr>
-          <p:spPr>
-            <a:xfrm>
-              <a:off x="3498075" y="606287"/>
-              <a:ext cx="652499" cy="1090726"/>
-            </a:xfrm>
-            <a:prstGeom prst="rect">
-              <a:avLst/>
-            </a:prstGeom>
-            <a:noFill/>
-            <a:ln>
-              <a:solidFill>
-                <a:schemeClr val="tx1"/>
-              </a:solidFill>
-            </a:ln>
-          </p:spPr>
-          <p:style>
-            <a:lnRef idx="2">
-              <a:schemeClr val="accent1">
-                <a:shade val="50000"/>
-              </a:schemeClr>
-            </a:lnRef>
-            <a:fillRef idx="1">
-              <a:schemeClr val="accent1"/>
-            </a:fillRef>
-            <a:effectRef idx="0">
-              <a:schemeClr val="accent1"/>
-            </a:effectRef>
-            <a:fontRef idx="minor">
-              <a:schemeClr val="lt1"/>
-            </a:fontRef>
-          </p:style>
-          <p:txBody>
-            <a:bodyPr rtlCol="0" anchor="ctr"/>
-            <a:lstStyle/>
-            <a:p>
-              <a:pPr algn="ctr"/>
-              <a:endParaRPr kumimoji="1" lang="zh-CN" altLang="en-US" sz="600">
-                <a:solidFill>
-                  <a:schemeClr val="tx1"/>
-                </a:solidFill>
-              </a:endParaRPr>
-            </a:p>
-          </p:txBody>
-        </p:sp>
-        <p:sp>
-          <p:nvSpPr>
-            <p:cNvPr id="130" name="矩形 129">
-              <a:extLst>
-                <a:ext uri="{FF2B5EF4-FFF2-40B4-BE49-F238E27FC236}">
-                  <a16:creationId xmlns:a16="http://schemas.microsoft.com/office/drawing/2014/main" id="{1089CC3D-0C12-444F-B64D-DE088F120EE1}"/>
-                </a:ext>
-              </a:extLst>
-            </p:cNvPr>
-            <p:cNvSpPr/>
-            <p:nvPr/>
-          </p:nvSpPr>
-          <p:spPr>
-            <a:xfrm>
-              <a:off x="3498074" y="1693164"/>
-              <a:ext cx="652499" cy="352298"/>
-            </a:xfrm>
-            <a:prstGeom prst="rect">
-              <a:avLst/>
-            </a:prstGeom>
-            <a:solidFill>
-              <a:schemeClr val="accent4">
-                <a:lumMod val="20000"/>
-                <a:lumOff val="80000"/>
-              </a:schemeClr>
-            </a:solidFill>
-            <a:ln>
-              <a:solidFill>
-                <a:schemeClr val="tx1"/>
-              </a:solidFill>
-            </a:ln>
-          </p:spPr>
-          <p:style>
-            <a:lnRef idx="2">
-              <a:schemeClr val="accent1">
-                <a:shade val="50000"/>
-              </a:schemeClr>
-            </a:lnRef>
-            <a:fillRef idx="1">
-              <a:schemeClr val="accent1"/>
-            </a:fillRef>
-            <a:effectRef idx="0">
-              <a:schemeClr val="accent1"/>
-            </a:effectRef>
-            <a:fontRef idx="minor">
-              <a:schemeClr val="lt1"/>
-            </a:fontRef>
-          </p:style>
-          <p:txBody>
-            <a:bodyPr rtlCol="0" anchor="ctr"/>
-            <a:lstStyle/>
-            <a:p>
-              <a:pPr algn="ctr"/>
-              <a:r>
-                <a:rPr lang="en-US" altLang="zh-CN" sz="600">
-                  <a:solidFill>
-                    <a:schemeClr val="tx1"/>
-                  </a:solidFill>
-                </a:rPr>
-                <a:t>sfs_inode</a:t>
-              </a:r>
-            </a:p>
-          </p:txBody>
-        </p:sp>
-        <p:sp>
-          <p:nvSpPr>
-            <p:cNvPr id="131" name="矩形 130">
-              <a:extLst>
-                <a:ext uri="{FF2B5EF4-FFF2-40B4-BE49-F238E27FC236}">
-                  <a16:creationId xmlns:a16="http://schemas.microsoft.com/office/drawing/2014/main" id="{2185FAE0-BF63-CF49-AB89-9A9068D0263D}"/>
-                </a:ext>
-              </a:extLst>
-            </p:cNvPr>
-            <p:cNvSpPr/>
-            <p:nvPr/>
-          </p:nvSpPr>
-          <p:spPr>
-            <a:xfrm>
-              <a:off x="3498074" y="1269262"/>
-              <a:ext cx="652499" cy="352298"/>
-            </a:xfrm>
-            <a:prstGeom prst="rect">
-              <a:avLst/>
-            </a:prstGeom>
-            <a:noFill/>
-            <a:ln>
-              <a:solidFill>
-                <a:schemeClr val="tx1"/>
-              </a:solidFill>
-            </a:ln>
-          </p:spPr>
-          <p:style>
-            <a:lnRef idx="2">
-              <a:schemeClr val="accent1">
-                <a:shade val="50000"/>
-              </a:schemeClr>
-            </a:lnRef>
-            <a:fillRef idx="1">
-              <a:schemeClr val="accent1"/>
-            </a:fillRef>
-            <a:effectRef idx="0">
-              <a:schemeClr val="accent1"/>
-            </a:effectRef>
-            <a:fontRef idx="minor">
-              <a:schemeClr val="lt1"/>
-            </a:fontRef>
-          </p:style>
-          <p:txBody>
-            <a:bodyPr rtlCol="0" anchor="ctr"/>
-            <a:lstStyle/>
-            <a:p>
-              <a:pPr algn="ctr"/>
-              <a:r>
-                <a:rPr lang="en-US" altLang="zh-CN" sz="600">
-                  <a:solidFill>
-                    <a:schemeClr val="tx1"/>
-                  </a:solidFill>
-                </a:rPr>
-                <a:t>fs</a:t>
-              </a:r>
-              <a:r>
-                <a:rPr lang="zh-CN" altLang="en-US" sz="600">
-                  <a:solidFill>
-                    <a:schemeClr val="tx1"/>
-                  </a:solidFill>
-                </a:rPr>
-                <a:t> *</a:t>
-              </a:r>
-              <a:r>
-                <a:rPr lang="en-US" altLang="zh-CN" sz="600">
-                  <a:solidFill>
-                    <a:schemeClr val="tx1"/>
-                  </a:solidFill>
-                </a:rPr>
-                <a:t>in_fs</a:t>
-              </a:r>
-            </a:p>
-          </p:txBody>
-        </p:sp>
-        <p:sp>
-          <p:nvSpPr>
-            <p:cNvPr id="132" name="同侧圆角矩形 131">
-              <a:extLst>
-                <a:ext uri="{FF2B5EF4-FFF2-40B4-BE49-F238E27FC236}">
-                  <a16:creationId xmlns:a16="http://schemas.microsoft.com/office/drawing/2014/main" id="{7EF02794-B63F-8340-8CE1-2CF0A2BB63D4}"/>
-                </a:ext>
-              </a:extLst>
-            </p:cNvPr>
-            <p:cNvSpPr/>
-            <p:nvPr/>
-          </p:nvSpPr>
-          <p:spPr>
-            <a:xfrm>
-              <a:off x="3498074" y="411438"/>
-              <a:ext cx="652499" cy="194849"/>
-            </a:xfrm>
-            <a:prstGeom prst="round2SameRect">
-              <a:avLst/>
-            </a:prstGeom>
-            <a:solidFill>
-              <a:schemeClr val="accent6">
-                <a:lumMod val="20000"/>
-                <a:lumOff val="80000"/>
-              </a:schemeClr>
-            </a:solidFill>
-            <a:ln>
-              <a:solidFill>
-                <a:schemeClr val="tx1"/>
-              </a:solidFill>
-            </a:ln>
-          </p:spPr>
-          <p:style>
-            <a:lnRef idx="2">
-              <a:schemeClr val="accent1">
-                <a:shade val="50000"/>
-              </a:schemeClr>
-            </a:lnRef>
-            <a:fillRef idx="1">
-              <a:schemeClr val="accent1"/>
-            </a:fillRef>
-            <a:effectRef idx="0">
-              <a:schemeClr val="accent1"/>
-            </a:effectRef>
-            <a:fontRef idx="minor">
-              <a:schemeClr val="lt1"/>
-            </a:fontRef>
-          </p:style>
-          <p:txBody>
-            <a:bodyPr rot="0" spcFirstLastPara="0" vertOverflow="overflow" horzOverflow="overflow" vert="horz" wrap="square" lIns="91440" tIns="45720" rIns="91440" bIns="45720" numCol="1" spcCol="0" rtlCol="0" fromWordArt="0" anchor="ctr" anchorCtr="0" forceAA="0" compatLnSpc="1">
-              <a:prstTxWarp prst="textNoShape">
-                <a:avLst/>
-              </a:prstTxWarp>
-              <a:noAutofit/>
-            </a:bodyPr>
-            <a:lstStyle/>
-            <a:p>
-              <a:pPr algn="ctr"/>
-              <a:r>
-                <a:rPr kumimoji="1" lang="en-US" altLang="zh-CN" sz="800">
-                  <a:solidFill>
-                    <a:schemeClr val="tx1"/>
-                  </a:solidFill>
-                </a:rPr>
-                <a:t>inode</a:t>
-              </a:r>
-              <a:endParaRPr kumimoji="1" lang="zh-CN" altLang="en-US" sz="800">
-                <a:solidFill>
-                  <a:schemeClr val="tx1"/>
-                </a:solidFill>
-              </a:endParaRPr>
-            </a:p>
-          </p:txBody>
-        </p:sp>
-      </p:grpSp>
-      <p:grpSp>
-        <p:nvGrpSpPr>
-          <p:cNvPr id="133" name="组合 132">
-            <a:extLst>
-              <a:ext uri="{FF2B5EF4-FFF2-40B4-BE49-F238E27FC236}">
-                <a16:creationId xmlns:a16="http://schemas.microsoft.com/office/drawing/2014/main" id="{B5F6458C-5B00-B544-8431-EB49F7A1BA60}"/>
-              </a:ext>
-            </a:extLst>
-          </p:cNvPr>
-          <p:cNvGrpSpPr/>
-          <p:nvPr/>
-        </p:nvGrpSpPr>
-        <p:grpSpPr>
-          <a:xfrm>
-            <a:off x="5406247" y="659572"/>
-            <a:ext cx="574013" cy="884312"/>
-            <a:chOff x="3498074" y="411438"/>
-            <a:chExt cx="652500" cy="1637873"/>
-          </a:xfrm>
-        </p:grpSpPr>
-        <p:sp>
-          <p:nvSpPr>
-            <p:cNvPr id="134" name="矩形 133">
-              <a:extLst>
-                <a:ext uri="{FF2B5EF4-FFF2-40B4-BE49-F238E27FC236}">
-                  <a16:creationId xmlns:a16="http://schemas.microsoft.com/office/drawing/2014/main" id="{BDE93B13-0E3F-EB41-8E06-68BC3507BB9C}"/>
-                </a:ext>
-              </a:extLst>
-            </p:cNvPr>
-            <p:cNvSpPr/>
-            <p:nvPr/>
-          </p:nvSpPr>
-          <p:spPr>
-            <a:xfrm>
-              <a:off x="3498075" y="606287"/>
-              <a:ext cx="652499" cy="1090726"/>
-            </a:xfrm>
-            <a:prstGeom prst="rect">
-              <a:avLst/>
-            </a:prstGeom>
-            <a:noFill/>
-            <a:ln>
-              <a:solidFill>
-                <a:schemeClr val="tx1"/>
-              </a:solidFill>
-            </a:ln>
-          </p:spPr>
-          <p:style>
-            <a:lnRef idx="2">
-              <a:schemeClr val="accent1">
-                <a:shade val="50000"/>
-              </a:schemeClr>
-            </a:lnRef>
-            <a:fillRef idx="1">
-              <a:schemeClr val="accent1"/>
-            </a:fillRef>
-            <a:effectRef idx="0">
-              <a:schemeClr val="accent1"/>
-            </a:effectRef>
-            <a:fontRef idx="minor">
-              <a:schemeClr val="lt1"/>
-            </a:fontRef>
-          </p:style>
-          <p:txBody>
-            <a:bodyPr rtlCol="0" anchor="ctr"/>
-            <a:lstStyle/>
-            <a:p>
-              <a:pPr algn="ctr"/>
-              <a:endParaRPr kumimoji="1" lang="zh-CN" altLang="en-US" sz="600">
-                <a:solidFill>
-                  <a:schemeClr val="tx1"/>
-                </a:solidFill>
-              </a:endParaRPr>
-            </a:p>
-          </p:txBody>
-        </p:sp>
-        <p:sp>
-          <p:nvSpPr>
-            <p:cNvPr id="135" name="矩形 134">
-              <a:extLst>
-                <a:ext uri="{FF2B5EF4-FFF2-40B4-BE49-F238E27FC236}">
-                  <a16:creationId xmlns:a16="http://schemas.microsoft.com/office/drawing/2014/main" id="{13A4023F-8D6D-6C43-A0D8-C7E000D91C76}"/>
-                </a:ext>
-              </a:extLst>
-            </p:cNvPr>
-            <p:cNvSpPr/>
-            <p:nvPr/>
-          </p:nvSpPr>
-          <p:spPr>
-            <a:xfrm>
-              <a:off x="3498074" y="1697013"/>
-              <a:ext cx="652499" cy="352298"/>
-            </a:xfrm>
-            <a:prstGeom prst="rect">
-              <a:avLst/>
-            </a:prstGeom>
-            <a:solidFill>
-              <a:schemeClr val="accent1">
-                <a:lumMod val="60000"/>
-                <a:lumOff val="40000"/>
-              </a:schemeClr>
-            </a:solidFill>
-            <a:ln>
-              <a:solidFill>
-                <a:schemeClr val="tx1"/>
-              </a:solidFill>
-            </a:ln>
-          </p:spPr>
-          <p:style>
-            <a:lnRef idx="2">
-              <a:schemeClr val="accent1">
-                <a:shade val="50000"/>
-              </a:schemeClr>
-            </a:lnRef>
-            <a:fillRef idx="1">
-              <a:schemeClr val="accent1"/>
-            </a:fillRef>
-            <a:effectRef idx="0">
-              <a:schemeClr val="accent1"/>
-            </a:effectRef>
-            <a:fontRef idx="minor">
-              <a:schemeClr val="lt1"/>
-            </a:fontRef>
-          </p:style>
-          <p:txBody>
-            <a:bodyPr rtlCol="0" anchor="ctr"/>
-            <a:lstStyle/>
-            <a:p>
-              <a:pPr algn="ctr"/>
-              <a:r>
-                <a:rPr lang="en-US" altLang="zh-CN" sz="600">
-                  <a:solidFill>
-                    <a:schemeClr val="tx1"/>
-                  </a:solidFill>
-                </a:rPr>
-                <a:t>device</a:t>
-              </a:r>
-            </a:p>
-          </p:txBody>
-        </p:sp>
-        <p:sp>
-          <p:nvSpPr>
-            <p:cNvPr id="136" name="矩形 135">
-              <a:extLst>
-                <a:ext uri="{FF2B5EF4-FFF2-40B4-BE49-F238E27FC236}">
-                  <a16:creationId xmlns:a16="http://schemas.microsoft.com/office/drawing/2014/main" id="{01D8357E-9EDA-0740-BA1D-33042AB65900}"/>
-                </a:ext>
-              </a:extLst>
-            </p:cNvPr>
-            <p:cNvSpPr/>
-            <p:nvPr/>
-          </p:nvSpPr>
-          <p:spPr>
-            <a:xfrm>
-              <a:off x="3498074" y="1269262"/>
-              <a:ext cx="652499" cy="352298"/>
-            </a:xfrm>
-            <a:prstGeom prst="rect">
-              <a:avLst/>
-            </a:prstGeom>
-            <a:noFill/>
-            <a:ln>
-              <a:solidFill>
-                <a:schemeClr val="tx1"/>
-              </a:solidFill>
-            </a:ln>
-          </p:spPr>
-          <p:style>
-            <a:lnRef idx="2">
-              <a:schemeClr val="accent1">
-                <a:shade val="50000"/>
-              </a:schemeClr>
-            </a:lnRef>
-            <a:fillRef idx="1">
-              <a:schemeClr val="accent1"/>
-            </a:fillRef>
-            <a:effectRef idx="0">
-              <a:schemeClr val="accent1"/>
-            </a:effectRef>
-            <a:fontRef idx="minor">
-              <a:schemeClr val="lt1"/>
-            </a:fontRef>
-          </p:style>
-          <p:txBody>
-            <a:bodyPr rtlCol="0" anchor="ctr"/>
-            <a:lstStyle/>
-            <a:p>
-              <a:pPr algn="ctr"/>
-              <a:r>
-                <a:rPr lang="en-US" altLang="zh-CN" sz="600">
-                  <a:solidFill>
-                    <a:schemeClr val="tx1"/>
-                  </a:solidFill>
-                </a:rPr>
-                <a:t>fs</a:t>
-              </a:r>
-              <a:r>
-                <a:rPr lang="zh-CN" altLang="en-US" sz="600">
-                  <a:solidFill>
-                    <a:schemeClr val="tx1"/>
-                  </a:solidFill>
-                </a:rPr>
-                <a:t> *</a:t>
-              </a:r>
-              <a:r>
-                <a:rPr lang="en-US" altLang="zh-CN" sz="600">
-                  <a:solidFill>
-                    <a:schemeClr val="tx1"/>
-                  </a:solidFill>
-                </a:rPr>
-                <a:t>in_fs</a:t>
-              </a:r>
-            </a:p>
-          </p:txBody>
-        </p:sp>
-        <p:sp>
-          <p:nvSpPr>
-            <p:cNvPr id="137" name="同侧圆角矩形 136">
-              <a:extLst>
-                <a:ext uri="{FF2B5EF4-FFF2-40B4-BE49-F238E27FC236}">
-                  <a16:creationId xmlns:a16="http://schemas.microsoft.com/office/drawing/2014/main" id="{757FE02D-1B99-494C-9F23-AB5209AD16B3}"/>
-                </a:ext>
-              </a:extLst>
-            </p:cNvPr>
-            <p:cNvSpPr/>
-            <p:nvPr/>
-          </p:nvSpPr>
-          <p:spPr>
-            <a:xfrm>
-              <a:off x="3498074" y="411438"/>
-              <a:ext cx="652499" cy="194849"/>
-            </a:xfrm>
-            <a:prstGeom prst="round2SameRect">
-              <a:avLst/>
-            </a:prstGeom>
-            <a:solidFill>
-              <a:schemeClr val="accent6">
-                <a:lumMod val="20000"/>
-                <a:lumOff val="80000"/>
-              </a:schemeClr>
-            </a:solidFill>
-            <a:ln>
-              <a:solidFill>
-                <a:schemeClr val="tx1"/>
-              </a:solidFill>
-            </a:ln>
-          </p:spPr>
-          <p:style>
-            <a:lnRef idx="2">
-              <a:schemeClr val="accent1">
-                <a:shade val="50000"/>
-              </a:schemeClr>
-            </a:lnRef>
-            <a:fillRef idx="1">
-              <a:schemeClr val="accent1"/>
-            </a:fillRef>
-            <a:effectRef idx="0">
-              <a:schemeClr val="accent1"/>
-            </a:effectRef>
-            <a:fontRef idx="minor">
-              <a:schemeClr val="lt1"/>
-            </a:fontRef>
-          </p:style>
-          <p:txBody>
-            <a:bodyPr rot="0" spcFirstLastPara="0" vertOverflow="overflow" horzOverflow="overflow" vert="horz" wrap="square" lIns="91440" tIns="45720" rIns="91440" bIns="45720" numCol="1" spcCol="0" rtlCol="0" fromWordArt="0" anchor="ctr" anchorCtr="0" forceAA="0" compatLnSpc="1">
-              <a:prstTxWarp prst="textNoShape">
-                <a:avLst/>
-              </a:prstTxWarp>
-              <a:noAutofit/>
-            </a:bodyPr>
-            <a:lstStyle/>
-            <a:p>
-              <a:pPr algn="ctr"/>
-              <a:r>
-                <a:rPr kumimoji="1" lang="en-US" altLang="zh-CN" sz="800">
-                  <a:solidFill>
-                    <a:schemeClr val="tx1"/>
-                  </a:solidFill>
-                </a:rPr>
-                <a:t>inode</a:t>
-              </a:r>
-              <a:endParaRPr kumimoji="1" lang="zh-CN" altLang="en-US" sz="800">
-                <a:solidFill>
-                  <a:schemeClr val="tx1"/>
-                </a:solidFill>
-              </a:endParaRPr>
-            </a:p>
-          </p:txBody>
-        </p:sp>
-      </p:grpSp>
-      <p:grpSp>
-        <p:nvGrpSpPr>
-          <p:cNvPr id="138" name="组合 137">
-            <a:extLst>
-              <a:ext uri="{FF2B5EF4-FFF2-40B4-BE49-F238E27FC236}">
-                <a16:creationId xmlns:a16="http://schemas.microsoft.com/office/drawing/2014/main" id="{371BE8E6-2270-9E47-99B4-F74CB90917D3}"/>
-              </a:ext>
-            </a:extLst>
-          </p:cNvPr>
-          <p:cNvGrpSpPr/>
-          <p:nvPr/>
-        </p:nvGrpSpPr>
-        <p:grpSpPr>
-          <a:xfrm>
-            <a:off x="4588080" y="659572"/>
-            <a:ext cx="574013" cy="884312"/>
-            <a:chOff x="3498074" y="411438"/>
-            <a:chExt cx="652500" cy="1637873"/>
-          </a:xfrm>
-        </p:grpSpPr>
-        <p:sp>
-          <p:nvSpPr>
-            <p:cNvPr id="139" name="矩形 138">
-              <a:extLst>
-                <a:ext uri="{FF2B5EF4-FFF2-40B4-BE49-F238E27FC236}">
-                  <a16:creationId xmlns:a16="http://schemas.microsoft.com/office/drawing/2014/main" id="{B617EABD-8961-5E45-9762-14C314D1B229}"/>
-                </a:ext>
-              </a:extLst>
-            </p:cNvPr>
-            <p:cNvSpPr/>
-            <p:nvPr/>
-          </p:nvSpPr>
-          <p:spPr>
-            <a:xfrm>
-              <a:off x="3498075" y="606287"/>
-              <a:ext cx="652499" cy="1090726"/>
-            </a:xfrm>
-            <a:prstGeom prst="rect">
-              <a:avLst/>
-            </a:prstGeom>
-            <a:noFill/>
-            <a:ln>
-              <a:solidFill>
-                <a:schemeClr val="tx1"/>
-              </a:solidFill>
-            </a:ln>
-          </p:spPr>
-          <p:style>
-            <a:lnRef idx="2">
-              <a:schemeClr val="accent1">
-                <a:shade val="50000"/>
-              </a:schemeClr>
-            </a:lnRef>
-            <a:fillRef idx="1">
-              <a:schemeClr val="accent1"/>
-            </a:fillRef>
-            <a:effectRef idx="0">
-              <a:schemeClr val="accent1"/>
-            </a:effectRef>
-            <a:fontRef idx="minor">
-              <a:schemeClr val="lt1"/>
-            </a:fontRef>
-          </p:style>
-          <p:txBody>
-            <a:bodyPr rtlCol="0" anchor="ctr"/>
-            <a:lstStyle/>
-            <a:p>
-              <a:pPr algn="ctr"/>
-              <a:endParaRPr kumimoji="1" lang="zh-CN" altLang="en-US" sz="600">
-                <a:solidFill>
-                  <a:schemeClr val="tx1"/>
-                </a:solidFill>
-              </a:endParaRPr>
-            </a:p>
-          </p:txBody>
-        </p:sp>
-        <p:sp>
-          <p:nvSpPr>
-            <p:cNvPr id="140" name="矩形 139">
-              <a:extLst>
-                <a:ext uri="{FF2B5EF4-FFF2-40B4-BE49-F238E27FC236}">
-                  <a16:creationId xmlns:a16="http://schemas.microsoft.com/office/drawing/2014/main" id="{053A6B59-AC78-5947-A2F4-8E4EA1E0DA2E}"/>
-                </a:ext>
-              </a:extLst>
-            </p:cNvPr>
-            <p:cNvSpPr/>
-            <p:nvPr/>
-          </p:nvSpPr>
-          <p:spPr>
-            <a:xfrm>
-              <a:off x="3498074" y="1697013"/>
-              <a:ext cx="652499" cy="352298"/>
-            </a:xfrm>
-            <a:prstGeom prst="rect">
-              <a:avLst/>
-            </a:prstGeom>
-            <a:solidFill>
-              <a:schemeClr val="accent1">
-                <a:lumMod val="60000"/>
-                <a:lumOff val="40000"/>
-              </a:schemeClr>
-            </a:solidFill>
-            <a:ln>
-              <a:solidFill>
-                <a:schemeClr val="tx1"/>
-              </a:solidFill>
-            </a:ln>
-          </p:spPr>
-          <p:style>
-            <a:lnRef idx="2">
-              <a:schemeClr val="accent1">
-                <a:shade val="50000"/>
-              </a:schemeClr>
-            </a:lnRef>
-            <a:fillRef idx="1">
-              <a:schemeClr val="accent1"/>
-            </a:fillRef>
-            <a:effectRef idx="0">
-              <a:schemeClr val="accent1"/>
-            </a:effectRef>
-            <a:fontRef idx="minor">
-              <a:schemeClr val="lt1"/>
-            </a:fontRef>
-          </p:style>
-          <p:txBody>
-            <a:bodyPr rtlCol="0" anchor="ctr"/>
-            <a:lstStyle/>
-            <a:p>
-              <a:pPr algn="ctr"/>
-              <a:r>
-                <a:rPr lang="en-US" altLang="zh-CN" sz="600">
-                  <a:solidFill>
-                    <a:schemeClr val="tx1"/>
-                  </a:solidFill>
-                </a:rPr>
-                <a:t>device</a:t>
-              </a:r>
-            </a:p>
-          </p:txBody>
-        </p:sp>
-        <p:sp>
-          <p:nvSpPr>
-            <p:cNvPr id="141" name="矩形 140">
-              <a:extLst>
-                <a:ext uri="{FF2B5EF4-FFF2-40B4-BE49-F238E27FC236}">
-                  <a16:creationId xmlns:a16="http://schemas.microsoft.com/office/drawing/2014/main" id="{88FE1C6A-2A49-4C4B-B97E-836B25B8BF01}"/>
-                </a:ext>
-              </a:extLst>
-            </p:cNvPr>
-            <p:cNvSpPr/>
-            <p:nvPr/>
-          </p:nvSpPr>
-          <p:spPr>
-            <a:xfrm>
-              <a:off x="3498074" y="1269262"/>
-              <a:ext cx="652499" cy="352298"/>
-            </a:xfrm>
-            <a:prstGeom prst="rect">
-              <a:avLst/>
-            </a:prstGeom>
-            <a:noFill/>
-            <a:ln>
-              <a:solidFill>
-                <a:schemeClr val="tx1"/>
-              </a:solidFill>
-            </a:ln>
-          </p:spPr>
-          <p:style>
-            <a:lnRef idx="2">
-              <a:schemeClr val="accent1">
-                <a:shade val="50000"/>
-              </a:schemeClr>
-            </a:lnRef>
-            <a:fillRef idx="1">
-              <a:schemeClr val="accent1"/>
-            </a:fillRef>
-            <a:effectRef idx="0">
-              <a:schemeClr val="accent1"/>
-            </a:effectRef>
-            <a:fontRef idx="minor">
-              <a:schemeClr val="lt1"/>
-            </a:fontRef>
-          </p:style>
-          <p:txBody>
-            <a:bodyPr rtlCol="0" anchor="ctr"/>
-            <a:lstStyle/>
-            <a:p>
-              <a:pPr algn="ctr"/>
-              <a:r>
-                <a:rPr lang="en-US" altLang="zh-CN" sz="600">
-                  <a:solidFill>
-                    <a:schemeClr val="tx1"/>
-                  </a:solidFill>
-                </a:rPr>
-                <a:t>fs</a:t>
-              </a:r>
-              <a:r>
-                <a:rPr lang="zh-CN" altLang="en-US" sz="600">
-                  <a:solidFill>
-                    <a:schemeClr val="tx1"/>
-                  </a:solidFill>
-                </a:rPr>
-                <a:t> *</a:t>
-              </a:r>
-              <a:r>
-                <a:rPr lang="en-US" altLang="zh-CN" sz="600">
-                  <a:solidFill>
-                    <a:schemeClr val="tx1"/>
-                  </a:solidFill>
-                </a:rPr>
-                <a:t>in_fs</a:t>
-              </a:r>
-            </a:p>
-          </p:txBody>
-        </p:sp>
-        <p:sp>
-          <p:nvSpPr>
-            <p:cNvPr id="142" name="同侧圆角矩形 141">
-              <a:extLst>
-                <a:ext uri="{FF2B5EF4-FFF2-40B4-BE49-F238E27FC236}">
-                  <a16:creationId xmlns:a16="http://schemas.microsoft.com/office/drawing/2014/main" id="{4EF5B4BA-7422-5940-A1F5-84FCF5B51B58}"/>
-                </a:ext>
-              </a:extLst>
-            </p:cNvPr>
-            <p:cNvSpPr/>
-            <p:nvPr/>
-          </p:nvSpPr>
-          <p:spPr>
-            <a:xfrm>
-              <a:off x="3498074" y="411438"/>
-              <a:ext cx="652499" cy="194849"/>
-            </a:xfrm>
-            <a:prstGeom prst="round2SameRect">
-              <a:avLst/>
-            </a:prstGeom>
-            <a:solidFill>
-              <a:schemeClr val="accent6">
-                <a:lumMod val="20000"/>
-                <a:lumOff val="80000"/>
-              </a:schemeClr>
-            </a:solidFill>
-            <a:ln>
-              <a:solidFill>
-                <a:schemeClr val="tx1"/>
-              </a:solidFill>
-            </a:ln>
-          </p:spPr>
-          <p:style>
-            <a:lnRef idx="2">
-              <a:schemeClr val="accent1">
-                <a:shade val="50000"/>
-              </a:schemeClr>
-            </a:lnRef>
-            <a:fillRef idx="1">
-              <a:schemeClr val="accent1"/>
-            </a:fillRef>
-            <a:effectRef idx="0">
-              <a:schemeClr val="accent1"/>
-            </a:effectRef>
-            <a:fontRef idx="minor">
-              <a:schemeClr val="lt1"/>
-            </a:fontRef>
-          </p:style>
-          <p:txBody>
-            <a:bodyPr rot="0" spcFirstLastPara="0" vertOverflow="overflow" horzOverflow="overflow" vert="horz" wrap="square" lIns="91440" tIns="45720" rIns="91440" bIns="45720" numCol="1" spcCol="0" rtlCol="0" fromWordArt="0" anchor="ctr" anchorCtr="0" forceAA="0" compatLnSpc="1">
-              <a:prstTxWarp prst="textNoShape">
-                <a:avLst/>
-              </a:prstTxWarp>
-              <a:noAutofit/>
-            </a:bodyPr>
-            <a:lstStyle/>
-            <a:p>
-              <a:pPr algn="ctr"/>
-              <a:r>
-                <a:rPr kumimoji="1" lang="en-US" altLang="zh-CN" sz="800">
-                  <a:solidFill>
-                    <a:schemeClr val="tx1"/>
-                  </a:solidFill>
-                </a:rPr>
-                <a:t>inode</a:t>
-              </a:r>
-              <a:endParaRPr kumimoji="1" lang="zh-CN" altLang="en-US" sz="800">
-                <a:solidFill>
-                  <a:schemeClr val="tx1"/>
-                </a:solidFill>
-              </a:endParaRPr>
-            </a:p>
-          </p:txBody>
-        </p:sp>
-      </p:grpSp>
-      <p:grpSp>
-        <p:nvGrpSpPr>
-          <p:cNvPr id="143" name="组合 142">
-            <a:extLst>
-              <a:ext uri="{FF2B5EF4-FFF2-40B4-BE49-F238E27FC236}">
-                <a16:creationId xmlns:a16="http://schemas.microsoft.com/office/drawing/2014/main" id="{33E47EBA-6194-FF4A-8BD2-0E3B31B3DF8B}"/>
-              </a:ext>
-            </a:extLst>
-          </p:cNvPr>
-          <p:cNvGrpSpPr/>
-          <p:nvPr/>
-        </p:nvGrpSpPr>
-        <p:grpSpPr>
-          <a:xfrm>
-            <a:off x="8717761" y="2111203"/>
-            <a:ext cx="1353330" cy="1280446"/>
-            <a:chOff x="2814722" y="1591950"/>
-            <a:chExt cx="1538376" cy="2371569"/>
-          </a:xfrm>
-        </p:grpSpPr>
-        <p:sp>
-          <p:nvSpPr>
-            <p:cNvPr id="144" name="矩形 143">
-              <a:extLst>
-                <a:ext uri="{FF2B5EF4-FFF2-40B4-BE49-F238E27FC236}">
-                  <a16:creationId xmlns:a16="http://schemas.microsoft.com/office/drawing/2014/main" id="{3DA91048-6D07-8C45-AE17-489045DF374D}"/>
-                </a:ext>
-              </a:extLst>
-            </p:cNvPr>
-            <p:cNvSpPr/>
-            <p:nvPr/>
-          </p:nvSpPr>
-          <p:spPr>
-            <a:xfrm>
-              <a:off x="2814722" y="2044252"/>
-              <a:ext cx="1538376" cy="1260619"/>
-            </a:xfrm>
-            <a:prstGeom prst="rect">
-              <a:avLst/>
-            </a:prstGeom>
-            <a:noFill/>
-            <a:ln>
-              <a:solidFill>
-                <a:schemeClr val="tx1"/>
-              </a:solidFill>
-            </a:ln>
-          </p:spPr>
-          <p:style>
-            <a:lnRef idx="2">
-              <a:schemeClr val="accent1">
-                <a:shade val="50000"/>
-              </a:schemeClr>
-            </a:lnRef>
-            <a:fillRef idx="1">
-              <a:schemeClr val="accent1"/>
-            </a:fillRef>
-            <a:effectRef idx="0">
-              <a:schemeClr val="accent1"/>
-            </a:effectRef>
-            <a:fontRef idx="minor">
-              <a:schemeClr val="lt1"/>
-            </a:fontRef>
-          </p:style>
-          <p:txBody>
-            <a:bodyPr rtlCol="0" anchor="ctr"/>
-            <a:lstStyle/>
-            <a:p>
-              <a:pPr algn="ctr"/>
-              <a:endParaRPr kumimoji="1" lang="zh-CN" altLang="en-US" sz="800">
-                <a:solidFill>
-                  <a:schemeClr val="tx1"/>
-                </a:solidFill>
-              </a:endParaRPr>
-            </a:p>
-          </p:txBody>
-        </p:sp>
-        <p:sp>
-          <p:nvSpPr>
-            <p:cNvPr id="145" name="同侧圆角矩形 144">
-              <a:extLst>
-                <a:ext uri="{FF2B5EF4-FFF2-40B4-BE49-F238E27FC236}">
-                  <a16:creationId xmlns:a16="http://schemas.microsoft.com/office/drawing/2014/main" id="{04D033DF-144D-254E-B924-025A0E2FE056}"/>
-                </a:ext>
-              </a:extLst>
-            </p:cNvPr>
-            <p:cNvSpPr/>
-            <p:nvPr/>
-          </p:nvSpPr>
-          <p:spPr>
-            <a:xfrm>
-              <a:off x="2814722" y="1591950"/>
-              <a:ext cx="1538376" cy="452304"/>
-            </a:xfrm>
-            <a:prstGeom prst="round2SameRect">
-              <a:avLst/>
-            </a:prstGeom>
-            <a:solidFill>
-              <a:srgbClr val="00B0F0"/>
-            </a:solidFill>
-            <a:ln>
-              <a:solidFill>
-                <a:schemeClr val="tx1"/>
-              </a:solidFill>
-            </a:ln>
-          </p:spPr>
-          <p:style>
-            <a:lnRef idx="2">
-              <a:schemeClr val="accent1">
-                <a:shade val="50000"/>
-              </a:schemeClr>
-            </a:lnRef>
-            <a:fillRef idx="1">
-              <a:schemeClr val="accent1"/>
-            </a:fillRef>
-            <a:effectRef idx="0">
-              <a:schemeClr val="accent1"/>
-            </a:effectRef>
-            <a:fontRef idx="minor">
-              <a:schemeClr val="lt1"/>
-            </a:fontRef>
-          </p:style>
-          <p:txBody>
-            <a:bodyPr rot="0" spcFirstLastPara="0" vertOverflow="overflow" horzOverflow="overflow" vert="horz" wrap="square" lIns="91440" tIns="45720" rIns="91440" bIns="45720" numCol="1" spcCol="0" rtlCol="0" fromWordArt="0" anchor="ctr" anchorCtr="0" forceAA="0" compatLnSpc="1">
-              <a:prstTxWarp prst="textNoShape">
-                <a:avLst/>
-              </a:prstTxWarp>
-              <a:noAutofit/>
-            </a:bodyPr>
-            <a:lstStyle/>
-            <a:p>
-              <a:pPr algn="ctr"/>
-              <a:r>
-                <a:rPr kumimoji="1" lang="en-US" altLang="zh-CN" sz="800">
-                  <a:solidFill>
-                    <a:schemeClr val="tx1"/>
-                  </a:solidFill>
-                </a:rPr>
-                <a:t>fs</a:t>
-              </a:r>
-              <a:endParaRPr kumimoji="1" lang="zh-CN" altLang="en-US" sz="800">
-                <a:solidFill>
-                  <a:schemeClr val="tx1"/>
-                </a:solidFill>
-              </a:endParaRPr>
-            </a:p>
-          </p:txBody>
-        </p:sp>
-        <p:sp>
-          <p:nvSpPr>
-            <p:cNvPr id="146" name="矩形 145">
-              <a:extLst>
-                <a:ext uri="{FF2B5EF4-FFF2-40B4-BE49-F238E27FC236}">
-                  <a16:creationId xmlns:a16="http://schemas.microsoft.com/office/drawing/2014/main" id="{3097348A-8331-564F-B069-2E72CDBEDAA1}"/>
-                </a:ext>
-              </a:extLst>
-            </p:cNvPr>
-            <p:cNvSpPr/>
-            <p:nvPr/>
-          </p:nvSpPr>
-          <p:spPr>
-            <a:xfrm>
-              <a:off x="2814722" y="3304871"/>
-              <a:ext cx="1538376" cy="658648"/>
-            </a:xfrm>
-            <a:prstGeom prst="rect">
-              <a:avLst/>
-            </a:prstGeom>
-            <a:solidFill>
-              <a:schemeClr val="accent4">
-                <a:lumMod val="75000"/>
-              </a:schemeClr>
-            </a:solidFill>
-            <a:ln>
-              <a:solidFill>
-                <a:schemeClr val="tx1"/>
-              </a:solidFill>
-            </a:ln>
-          </p:spPr>
-          <p:style>
-            <a:lnRef idx="2">
-              <a:schemeClr val="accent1">
-                <a:shade val="50000"/>
-              </a:schemeClr>
-            </a:lnRef>
-            <a:fillRef idx="1">
-              <a:schemeClr val="accent1"/>
-            </a:fillRef>
-            <a:effectRef idx="0">
-              <a:schemeClr val="accent1"/>
-            </a:effectRef>
-            <a:fontRef idx="minor">
-              <a:schemeClr val="lt1"/>
-            </a:fontRef>
-          </p:style>
-          <p:txBody>
-            <a:bodyPr rtlCol="0" anchor="ctr"/>
-            <a:lstStyle/>
-            <a:p>
-              <a:pPr algn="ctr"/>
-              <a:r>
-                <a:rPr lang="en-US" altLang="zh-CN" sz="600">
-                  <a:solidFill>
-                    <a:schemeClr val="tx1"/>
-                  </a:solidFill>
-                </a:rPr>
-                <a:t>fs</a:t>
-              </a:r>
-            </a:p>
-          </p:txBody>
-        </p:sp>
-      </p:grpSp>
-      <p:grpSp>
-        <p:nvGrpSpPr>
-          <p:cNvPr id="147" name="组合 146">
-            <a:extLst>
-              <a:ext uri="{FF2B5EF4-FFF2-40B4-BE49-F238E27FC236}">
-                <a16:creationId xmlns:a16="http://schemas.microsoft.com/office/drawing/2014/main" id="{1CE88348-E958-5645-99C0-EF990F9976E2}"/>
-              </a:ext>
-            </a:extLst>
-          </p:cNvPr>
-          <p:cNvGrpSpPr/>
-          <p:nvPr/>
-        </p:nvGrpSpPr>
-        <p:grpSpPr>
-          <a:xfrm>
-            <a:off x="6381336" y="1989100"/>
-            <a:ext cx="1353330" cy="1280403"/>
-            <a:chOff x="2814722" y="1591949"/>
-            <a:chExt cx="1538376" cy="2371489"/>
-          </a:xfrm>
-        </p:grpSpPr>
-        <p:sp>
-          <p:nvSpPr>
-            <p:cNvPr id="148" name="矩形 147">
-              <a:extLst>
-                <a:ext uri="{FF2B5EF4-FFF2-40B4-BE49-F238E27FC236}">
-                  <a16:creationId xmlns:a16="http://schemas.microsoft.com/office/drawing/2014/main" id="{865839FD-05C0-1F42-ABEC-33404C7D2814}"/>
-                </a:ext>
-              </a:extLst>
-            </p:cNvPr>
-            <p:cNvSpPr/>
-            <p:nvPr/>
-          </p:nvSpPr>
-          <p:spPr>
-            <a:xfrm>
-              <a:off x="2814722" y="2044252"/>
-              <a:ext cx="1538376" cy="1260617"/>
-            </a:xfrm>
-            <a:prstGeom prst="rect">
-              <a:avLst/>
-            </a:prstGeom>
-            <a:noFill/>
-            <a:ln>
-              <a:solidFill>
-                <a:schemeClr val="tx1"/>
-              </a:solidFill>
-            </a:ln>
-          </p:spPr>
-          <p:style>
-            <a:lnRef idx="2">
-              <a:schemeClr val="accent1">
-                <a:shade val="50000"/>
-              </a:schemeClr>
-            </a:lnRef>
-            <a:fillRef idx="1">
-              <a:schemeClr val="accent1"/>
-            </a:fillRef>
-            <a:effectRef idx="0">
-              <a:schemeClr val="accent1"/>
-            </a:effectRef>
-            <a:fontRef idx="minor">
-              <a:schemeClr val="lt1"/>
-            </a:fontRef>
-          </p:style>
-          <p:txBody>
-            <a:bodyPr rtlCol="0" anchor="ctr"/>
-            <a:lstStyle/>
-            <a:p>
-              <a:pPr algn="ctr"/>
-              <a:endParaRPr kumimoji="1" lang="zh-CN" altLang="en-US" sz="800">
-                <a:solidFill>
-                  <a:schemeClr val="tx1"/>
-                </a:solidFill>
-              </a:endParaRPr>
-            </a:p>
-          </p:txBody>
-        </p:sp>
-        <p:sp>
-          <p:nvSpPr>
-            <p:cNvPr id="149" name="同侧圆角矩形 148">
-              <a:extLst>
-                <a:ext uri="{FF2B5EF4-FFF2-40B4-BE49-F238E27FC236}">
-                  <a16:creationId xmlns:a16="http://schemas.microsoft.com/office/drawing/2014/main" id="{C2C3A1B3-A2A0-F543-AA85-F1B2806ACBA0}"/>
-                </a:ext>
-              </a:extLst>
-            </p:cNvPr>
-            <p:cNvSpPr/>
-            <p:nvPr/>
-          </p:nvSpPr>
-          <p:spPr>
-            <a:xfrm>
-              <a:off x="2814722" y="1591949"/>
-              <a:ext cx="1538376" cy="452305"/>
-            </a:xfrm>
-            <a:prstGeom prst="round2SameRect">
-              <a:avLst/>
-            </a:prstGeom>
-            <a:solidFill>
-              <a:srgbClr val="00B0F0"/>
-            </a:solidFill>
-            <a:ln>
-              <a:solidFill>
-                <a:schemeClr val="tx1"/>
-              </a:solidFill>
-            </a:ln>
-          </p:spPr>
-          <p:style>
-            <a:lnRef idx="2">
-              <a:schemeClr val="accent1">
-                <a:shade val="50000"/>
-              </a:schemeClr>
-            </a:lnRef>
-            <a:fillRef idx="1">
-              <a:schemeClr val="accent1"/>
-            </a:fillRef>
-            <a:effectRef idx="0">
-              <a:schemeClr val="accent1"/>
-            </a:effectRef>
-            <a:fontRef idx="minor">
-              <a:schemeClr val="lt1"/>
-            </a:fontRef>
-          </p:style>
-          <p:txBody>
-            <a:bodyPr rot="0" spcFirstLastPara="0" vertOverflow="overflow" horzOverflow="overflow" vert="horz" wrap="square" lIns="91440" tIns="45720" rIns="91440" bIns="45720" numCol="1" spcCol="0" rtlCol="0" fromWordArt="0" anchor="ctr" anchorCtr="0" forceAA="0" compatLnSpc="1">
-              <a:prstTxWarp prst="textNoShape">
-                <a:avLst/>
-              </a:prstTxWarp>
-              <a:noAutofit/>
-            </a:bodyPr>
-            <a:lstStyle/>
-            <a:p>
-              <a:pPr algn="ctr"/>
-              <a:r>
-                <a:rPr kumimoji="1" lang="en-US" altLang="zh-CN" sz="800">
-                  <a:solidFill>
-                    <a:schemeClr val="tx1"/>
-                  </a:solidFill>
-                </a:rPr>
-                <a:t>fs</a:t>
-              </a:r>
-              <a:endParaRPr kumimoji="1" lang="zh-CN" altLang="en-US" sz="800">
-                <a:solidFill>
-                  <a:schemeClr val="tx1"/>
-                </a:solidFill>
-              </a:endParaRPr>
-            </a:p>
-          </p:txBody>
-        </p:sp>
-        <p:sp>
-          <p:nvSpPr>
-            <p:cNvPr id="150" name="矩形 149">
-              <a:extLst>
-                <a:ext uri="{FF2B5EF4-FFF2-40B4-BE49-F238E27FC236}">
-                  <a16:creationId xmlns:a16="http://schemas.microsoft.com/office/drawing/2014/main" id="{FCFDC8B6-CA9C-BF48-9E52-810842C61FCC}"/>
-                </a:ext>
-              </a:extLst>
-            </p:cNvPr>
-            <p:cNvSpPr/>
-            <p:nvPr/>
-          </p:nvSpPr>
-          <p:spPr>
-            <a:xfrm>
-              <a:off x="2814722" y="3304790"/>
-              <a:ext cx="1538376" cy="658648"/>
-            </a:xfrm>
-            <a:prstGeom prst="rect">
-              <a:avLst/>
-            </a:prstGeom>
-            <a:solidFill>
-              <a:schemeClr val="accent4">
-                <a:lumMod val="60000"/>
-                <a:lumOff val="40000"/>
-              </a:schemeClr>
-            </a:solidFill>
-            <a:ln>
-              <a:solidFill>
-                <a:schemeClr val="tx1"/>
-              </a:solidFill>
-            </a:ln>
-          </p:spPr>
-          <p:style>
-            <a:lnRef idx="2">
-              <a:schemeClr val="accent1">
-                <a:shade val="50000"/>
-              </a:schemeClr>
-            </a:lnRef>
-            <a:fillRef idx="1">
-              <a:schemeClr val="accent1"/>
-            </a:fillRef>
-            <a:effectRef idx="0">
-              <a:schemeClr val="accent1"/>
-            </a:effectRef>
-            <a:fontRef idx="minor">
-              <a:schemeClr val="lt1"/>
-            </a:fontRef>
-          </p:style>
-          <p:txBody>
-            <a:bodyPr rtlCol="0" anchor="ctr"/>
-            <a:lstStyle/>
-            <a:p>
-              <a:pPr algn="ctr"/>
-              <a:r>
-                <a:rPr lang="en-US" altLang="zh-CN" sz="600">
-                  <a:solidFill>
-                    <a:schemeClr val="tx1"/>
-                  </a:solidFill>
-                </a:rPr>
-                <a:t>fs</a:t>
-              </a:r>
-            </a:p>
-          </p:txBody>
-        </p:sp>
-      </p:grpSp>
-      <p:cxnSp>
-        <p:nvCxnSpPr>
-          <p:cNvPr id="3" name="曲线连接符 2">
-            <a:extLst>
-              <a:ext uri="{FF2B5EF4-FFF2-40B4-BE49-F238E27FC236}">
-                <a16:creationId xmlns:a16="http://schemas.microsoft.com/office/drawing/2014/main" id="{F49E4F43-24C3-164A-8990-F9E054FCB75D}"/>
-              </a:ext>
-            </a:extLst>
-          </p:cNvPr>
-          <p:cNvCxnSpPr>
-            <a:stCxn id="131" idx="3"/>
-            <a:endCxn id="145" idx="3"/>
-          </p:cNvCxnSpPr>
-          <p:nvPr/>
-        </p:nvCxnSpPr>
-        <p:spPr>
-          <a:xfrm flipH="1">
-            <a:off x="9394426" y="1218869"/>
-            <a:ext cx="676665" cy="892334"/>
-          </a:xfrm>
-          <a:prstGeom prst="curvedConnector4">
-            <a:avLst>
-              <a:gd name="adj1" fmla="val -33783"/>
-              <a:gd name="adj2" fmla="val 55329"/>
-            </a:avLst>
-          </a:prstGeom>
-          <a:ln>
-            <a:tailEnd type="triangle"/>
-          </a:ln>
-        </p:spPr>
-        <p:style>
-          <a:lnRef idx="1">
-            <a:schemeClr val="accent1"/>
-          </a:lnRef>
-          <a:fillRef idx="0">
-            <a:schemeClr val="accent1"/>
-          </a:fillRef>
-          <a:effectRef idx="0">
-            <a:schemeClr val="accent1"/>
-          </a:effectRef>
-          <a:fontRef idx="minor">
-            <a:schemeClr val="tx1"/>
-          </a:fontRef>
-        </p:style>
-      </p:cxnSp>
-      <p:cxnSp>
-        <p:nvCxnSpPr>
-          <p:cNvPr id="5" name="曲线连接符 4">
-            <a:extLst>
-              <a:ext uri="{FF2B5EF4-FFF2-40B4-BE49-F238E27FC236}">
-                <a16:creationId xmlns:a16="http://schemas.microsoft.com/office/drawing/2014/main" id="{D760A1F4-70CB-984D-A5D0-A827118A13B7}"/>
-              </a:ext>
-            </a:extLst>
-          </p:cNvPr>
-          <p:cNvCxnSpPr>
-            <a:stCxn id="126" idx="3"/>
-            <a:endCxn id="145" idx="3"/>
-          </p:cNvCxnSpPr>
-          <p:nvPr/>
-        </p:nvCxnSpPr>
-        <p:spPr>
-          <a:xfrm>
-            <a:off x="9252927" y="1217830"/>
-            <a:ext cx="141499" cy="893373"/>
-          </a:xfrm>
-          <a:prstGeom prst="curvedConnector2">
-            <a:avLst/>
-          </a:prstGeom>
-          <a:ln>
-            <a:tailEnd type="triangle"/>
-          </a:ln>
-        </p:spPr>
-        <p:style>
-          <a:lnRef idx="1">
-            <a:schemeClr val="accent1"/>
-          </a:lnRef>
-          <a:fillRef idx="0">
-            <a:schemeClr val="accent1"/>
-          </a:fillRef>
-          <a:effectRef idx="0">
-            <a:schemeClr val="accent1"/>
-          </a:effectRef>
-          <a:fontRef idx="minor">
-            <a:schemeClr val="tx1"/>
-          </a:fontRef>
-        </p:style>
-      </p:cxnSp>
-      <p:cxnSp>
-        <p:nvCxnSpPr>
-          <p:cNvPr id="7" name="曲线连接符 6">
-            <a:extLst>
-              <a:ext uri="{FF2B5EF4-FFF2-40B4-BE49-F238E27FC236}">
-                <a16:creationId xmlns:a16="http://schemas.microsoft.com/office/drawing/2014/main" id="{AD3DB90A-BE23-2341-8FC3-1C6C9E1AE8C4}"/>
-              </a:ext>
-            </a:extLst>
-          </p:cNvPr>
-          <p:cNvCxnSpPr>
-            <a:stCxn id="120" idx="3"/>
-            <a:endCxn id="145" idx="3"/>
-          </p:cNvCxnSpPr>
-          <p:nvPr/>
-        </p:nvCxnSpPr>
-        <p:spPr>
-          <a:xfrm>
-            <a:off x="8434760" y="1220833"/>
-            <a:ext cx="959666" cy="890370"/>
-          </a:xfrm>
-          <a:prstGeom prst="curvedConnector2">
-            <a:avLst/>
-          </a:prstGeom>
-          <a:ln>
-            <a:tailEnd type="triangle"/>
-          </a:ln>
-        </p:spPr>
-        <p:style>
-          <a:lnRef idx="1">
-            <a:schemeClr val="accent1"/>
-          </a:lnRef>
-          <a:fillRef idx="0">
-            <a:schemeClr val="accent1"/>
-          </a:fillRef>
-          <a:effectRef idx="0">
-            <a:schemeClr val="accent1"/>
-          </a:effectRef>
-          <a:fontRef idx="minor">
-            <a:schemeClr val="tx1"/>
-          </a:fontRef>
-        </p:style>
-      </p:cxnSp>
-      <p:cxnSp>
-        <p:nvCxnSpPr>
-          <p:cNvPr id="9" name="曲线连接符 8">
-            <a:extLst>
-              <a:ext uri="{FF2B5EF4-FFF2-40B4-BE49-F238E27FC236}">
-                <a16:creationId xmlns:a16="http://schemas.microsoft.com/office/drawing/2014/main" id="{3EA9E51E-4466-7E40-BFF3-EE61754C9E4D}"/>
-              </a:ext>
-            </a:extLst>
-          </p:cNvPr>
-          <p:cNvCxnSpPr>
-            <a:stCxn id="115" idx="3"/>
-            <a:endCxn id="149" idx="3"/>
-          </p:cNvCxnSpPr>
-          <p:nvPr/>
-        </p:nvCxnSpPr>
-        <p:spPr>
-          <a:xfrm flipH="1">
-            <a:off x="7058001" y="1218751"/>
-            <a:ext cx="558592" cy="770349"/>
-          </a:xfrm>
-          <a:prstGeom prst="curvedConnector4">
-            <a:avLst>
-              <a:gd name="adj1" fmla="val -40924"/>
-              <a:gd name="adj2" fmla="val 56173"/>
-            </a:avLst>
-          </a:prstGeom>
-          <a:ln>
-            <a:tailEnd type="triangle"/>
-          </a:ln>
-        </p:spPr>
-        <p:style>
-          <a:lnRef idx="1">
-            <a:schemeClr val="accent1"/>
-          </a:lnRef>
-          <a:fillRef idx="0">
-            <a:schemeClr val="accent1"/>
-          </a:fillRef>
-          <a:effectRef idx="0">
-            <a:schemeClr val="accent1"/>
-          </a:effectRef>
-          <a:fontRef idx="minor">
-            <a:schemeClr val="tx1"/>
-          </a:fontRef>
-        </p:style>
-      </p:cxnSp>
-      <p:cxnSp>
-        <p:nvCxnSpPr>
-          <p:cNvPr id="179" name="曲线连接符 178">
-            <a:extLst>
-              <a:ext uri="{FF2B5EF4-FFF2-40B4-BE49-F238E27FC236}">
-                <a16:creationId xmlns:a16="http://schemas.microsoft.com/office/drawing/2014/main" id="{7EC9754F-E8C0-6E40-92B6-C39EDA4C49B7}"/>
-              </a:ext>
-            </a:extLst>
-          </p:cNvPr>
-          <p:cNvCxnSpPr>
-            <a:cxnSpLocks/>
-            <a:stCxn id="110" idx="3"/>
-            <a:endCxn id="149" idx="3"/>
-          </p:cNvCxnSpPr>
-          <p:nvPr/>
-        </p:nvCxnSpPr>
-        <p:spPr>
-          <a:xfrm>
-            <a:off x="6798426" y="1217830"/>
-            <a:ext cx="259575" cy="771270"/>
-          </a:xfrm>
-          <a:prstGeom prst="curvedConnector2">
-            <a:avLst/>
-          </a:prstGeom>
-          <a:ln>
-            <a:tailEnd type="triangle"/>
-          </a:ln>
-        </p:spPr>
-        <p:style>
-          <a:lnRef idx="1">
-            <a:schemeClr val="accent1"/>
-          </a:lnRef>
-          <a:fillRef idx="0">
-            <a:schemeClr val="accent1"/>
-          </a:fillRef>
-          <a:effectRef idx="0">
-            <a:schemeClr val="accent1"/>
-          </a:effectRef>
-          <a:fontRef idx="minor">
-            <a:schemeClr val="tx1"/>
-          </a:fontRef>
-        </p:style>
-      </p:cxnSp>
-    </p:spTree>
-    <p:extLst>
-      <p:ext uri="{BB962C8B-B14F-4D97-AF65-F5344CB8AC3E}">
-        <p14:creationId xmlns:p14="http://schemas.microsoft.com/office/powerpoint/2010/main" val="3946958250"/>
-      </p:ext>
-    </p:extLst>
-  </p:cSld>
-  <p:clrMapOvr>
-    <a:masterClrMapping/>
-  </p:clrMapOvr>
-</p:sld>
-</file>
-
-<file path=ppt/slides/slide8.xml><?xml version="1.0" encoding="utf-8"?>
 <p:sld xmlns:a="http://schemas.openxmlformats.org/drawingml/2006/main" xmlns:r="http://schemas.openxmlformats.org/officeDocument/2006/relationships" xmlns:p="http://schemas.openxmlformats.org/presentationml/2006/main">
   <p:cSld>
     <p:spTree>

--- a/文件系统.pptx
+++ b/文件系统.pptx
@@ -266,7 +266,7 @@
           <a:p>
             <a:fld id="{3D71AFD6-832F-764F-A8C5-443411455556}" type="datetimeFigureOut">
               <a:rPr kumimoji="1" lang="zh-CN" altLang="en-US" smtClean="0"/>
-              <a:t>2019/9/20</a:t>
+              <a:t>2019/9/30</a:t>
             </a:fld>
             <a:endParaRPr kumimoji="1" lang="zh-CN" altLang="en-US"/>
           </a:p>
@@ -464,7 +464,7 @@
           <a:p>
             <a:fld id="{3D71AFD6-832F-764F-A8C5-443411455556}" type="datetimeFigureOut">
               <a:rPr kumimoji="1" lang="zh-CN" altLang="en-US" smtClean="0"/>
-              <a:t>2019/9/20</a:t>
+              <a:t>2019/9/30</a:t>
             </a:fld>
             <a:endParaRPr kumimoji="1" lang="zh-CN" altLang="en-US"/>
           </a:p>
@@ -672,7 +672,7 @@
           <a:p>
             <a:fld id="{3D71AFD6-832F-764F-A8C5-443411455556}" type="datetimeFigureOut">
               <a:rPr kumimoji="1" lang="zh-CN" altLang="en-US" smtClean="0"/>
-              <a:t>2019/9/20</a:t>
+              <a:t>2019/9/30</a:t>
             </a:fld>
             <a:endParaRPr kumimoji="1" lang="zh-CN" altLang="en-US"/>
           </a:p>
@@ -870,7 +870,7 @@
           <a:p>
             <a:fld id="{3D71AFD6-832F-764F-A8C5-443411455556}" type="datetimeFigureOut">
               <a:rPr kumimoji="1" lang="zh-CN" altLang="en-US" smtClean="0"/>
-              <a:t>2019/9/20</a:t>
+              <a:t>2019/9/30</a:t>
             </a:fld>
             <a:endParaRPr kumimoji="1" lang="zh-CN" altLang="en-US"/>
           </a:p>
@@ -1145,7 +1145,7 @@
           <a:p>
             <a:fld id="{3D71AFD6-832F-764F-A8C5-443411455556}" type="datetimeFigureOut">
               <a:rPr kumimoji="1" lang="zh-CN" altLang="en-US" smtClean="0"/>
-              <a:t>2019/9/20</a:t>
+              <a:t>2019/9/30</a:t>
             </a:fld>
             <a:endParaRPr kumimoji="1" lang="zh-CN" altLang="en-US"/>
           </a:p>
@@ -1410,7 +1410,7 @@
           <a:p>
             <a:fld id="{3D71AFD6-832F-764F-A8C5-443411455556}" type="datetimeFigureOut">
               <a:rPr kumimoji="1" lang="zh-CN" altLang="en-US" smtClean="0"/>
-              <a:t>2019/9/20</a:t>
+              <a:t>2019/9/30</a:t>
             </a:fld>
             <a:endParaRPr kumimoji="1" lang="zh-CN" altLang="en-US"/>
           </a:p>
@@ -1822,7 +1822,7 @@
           <a:p>
             <a:fld id="{3D71AFD6-832F-764F-A8C5-443411455556}" type="datetimeFigureOut">
               <a:rPr kumimoji="1" lang="zh-CN" altLang="en-US" smtClean="0"/>
-              <a:t>2019/9/20</a:t>
+              <a:t>2019/9/30</a:t>
             </a:fld>
             <a:endParaRPr kumimoji="1" lang="zh-CN" altLang="en-US"/>
           </a:p>
@@ -1963,7 +1963,7 @@
           <a:p>
             <a:fld id="{3D71AFD6-832F-764F-A8C5-443411455556}" type="datetimeFigureOut">
               <a:rPr kumimoji="1" lang="zh-CN" altLang="en-US" smtClean="0"/>
-              <a:t>2019/9/20</a:t>
+              <a:t>2019/9/30</a:t>
             </a:fld>
             <a:endParaRPr kumimoji="1" lang="zh-CN" altLang="en-US"/>
           </a:p>
@@ -2076,7 +2076,7 @@
           <a:p>
             <a:fld id="{3D71AFD6-832F-764F-A8C5-443411455556}" type="datetimeFigureOut">
               <a:rPr kumimoji="1" lang="zh-CN" altLang="en-US" smtClean="0"/>
-              <a:t>2019/9/20</a:t>
+              <a:t>2019/9/30</a:t>
             </a:fld>
             <a:endParaRPr kumimoji="1" lang="zh-CN" altLang="en-US"/>
           </a:p>
@@ -2387,7 +2387,7 @@
           <a:p>
             <a:fld id="{3D71AFD6-832F-764F-A8C5-443411455556}" type="datetimeFigureOut">
               <a:rPr kumimoji="1" lang="zh-CN" altLang="en-US" smtClean="0"/>
-              <a:t>2019/9/20</a:t>
+              <a:t>2019/9/30</a:t>
             </a:fld>
             <a:endParaRPr kumimoji="1" lang="zh-CN" altLang="en-US"/>
           </a:p>
@@ -2675,7 +2675,7 @@
           <a:p>
             <a:fld id="{3D71AFD6-832F-764F-A8C5-443411455556}" type="datetimeFigureOut">
               <a:rPr kumimoji="1" lang="zh-CN" altLang="en-US" smtClean="0"/>
-              <a:t>2019/9/20</a:t>
+              <a:t>2019/9/30</a:t>
             </a:fld>
             <a:endParaRPr kumimoji="1" lang="zh-CN" altLang="en-US"/>
           </a:p>
@@ -2916,7 +2916,7 @@
           <a:p>
             <a:fld id="{3D71AFD6-832F-764F-A8C5-443411455556}" type="datetimeFigureOut">
               <a:rPr kumimoji="1" lang="zh-CN" altLang="en-US" smtClean="0"/>
-              <a:t>2019/9/20</a:t>
+              <a:t>2019/9/30</a:t>
             </a:fld>
             <a:endParaRPr kumimoji="1" lang="zh-CN" altLang="en-US"/>
           </a:p>
@@ -5803,225 +5803,6 @@
           <a:chExt cx="0" cy="0"/>
         </a:xfrm>
       </p:grpSpPr>
-      <p:grpSp>
-        <p:nvGrpSpPr>
-          <p:cNvPr id="13" name="组合 12">
-            <a:extLst>
-              <a:ext uri="{FF2B5EF4-FFF2-40B4-BE49-F238E27FC236}">
-                <a16:creationId xmlns:a16="http://schemas.microsoft.com/office/drawing/2014/main" id="{737ACC6D-914B-A747-8767-812D2DD1C18B}"/>
-              </a:ext>
-            </a:extLst>
-          </p:cNvPr>
-          <p:cNvGrpSpPr/>
-          <p:nvPr/>
-        </p:nvGrpSpPr>
-        <p:grpSpPr>
-          <a:xfrm>
-            <a:off x="320572" y="361462"/>
-            <a:ext cx="1213943" cy="2028498"/>
-            <a:chOff x="1135116" y="220716"/>
-            <a:chExt cx="1008994" cy="2028498"/>
-          </a:xfrm>
-        </p:grpSpPr>
-        <p:grpSp>
-          <p:nvGrpSpPr>
-            <p:cNvPr id="14" name="组合 13">
-              <a:extLst>
-                <a:ext uri="{FF2B5EF4-FFF2-40B4-BE49-F238E27FC236}">
-                  <a16:creationId xmlns:a16="http://schemas.microsoft.com/office/drawing/2014/main" id="{D402AB2F-1F71-084A-BBF1-33028C35D489}"/>
-                </a:ext>
-              </a:extLst>
-            </p:cNvPr>
-            <p:cNvGrpSpPr/>
-            <p:nvPr/>
-          </p:nvGrpSpPr>
-          <p:grpSpPr>
-            <a:xfrm>
-              <a:off x="1135117" y="557048"/>
-              <a:ext cx="1008993" cy="1692166"/>
-              <a:chOff x="1135117" y="557048"/>
-              <a:chExt cx="1008993" cy="1692166"/>
-            </a:xfrm>
-          </p:grpSpPr>
-          <p:sp>
-            <p:nvSpPr>
-              <p:cNvPr id="16" name="矩形 15">
-                <a:extLst>
-                  <a:ext uri="{FF2B5EF4-FFF2-40B4-BE49-F238E27FC236}">
-                    <a16:creationId xmlns:a16="http://schemas.microsoft.com/office/drawing/2014/main" id="{5F3F1919-773F-5446-ACDB-F922F4027B3B}"/>
-                  </a:ext>
-                </a:extLst>
-              </p:cNvPr>
-              <p:cNvSpPr/>
-              <p:nvPr/>
-            </p:nvSpPr>
-            <p:spPr>
-              <a:xfrm>
-                <a:off x="1135117" y="557048"/>
-                <a:ext cx="1008993" cy="1692166"/>
-              </a:xfrm>
-              <a:prstGeom prst="rect">
-                <a:avLst/>
-              </a:prstGeom>
-              <a:noFill/>
-              <a:ln>
-                <a:solidFill>
-                  <a:schemeClr val="tx1"/>
-                </a:solidFill>
-              </a:ln>
-            </p:spPr>
-            <p:style>
-              <a:lnRef idx="2">
-                <a:schemeClr val="accent1">
-                  <a:shade val="50000"/>
-                </a:schemeClr>
-              </a:lnRef>
-              <a:fillRef idx="1">
-                <a:schemeClr val="accent1"/>
-              </a:fillRef>
-              <a:effectRef idx="0">
-                <a:schemeClr val="accent1"/>
-              </a:effectRef>
-              <a:fontRef idx="minor">
-                <a:schemeClr val="lt1"/>
-              </a:fontRef>
-            </p:style>
-            <p:txBody>
-              <a:bodyPr rtlCol="0" anchor="ctr"/>
-              <a:lstStyle/>
-              <a:p>
-                <a:pPr algn="ctr"/>
-                <a:endParaRPr kumimoji="1" lang="zh-CN" altLang="en-US" sz="1400">
-                  <a:solidFill>
-                    <a:schemeClr val="tx1"/>
-                  </a:solidFill>
-                </a:endParaRPr>
-              </a:p>
-            </p:txBody>
-          </p:sp>
-          <p:sp>
-            <p:nvSpPr>
-              <p:cNvPr id="17" name="矩形 16">
-                <a:extLst>
-                  <a:ext uri="{FF2B5EF4-FFF2-40B4-BE49-F238E27FC236}">
-                    <a16:creationId xmlns:a16="http://schemas.microsoft.com/office/drawing/2014/main" id="{3DDE1312-1BB7-5948-9E5A-01E1599F96DC}"/>
-                  </a:ext>
-                </a:extLst>
-              </p:cNvPr>
-              <p:cNvSpPr/>
-              <p:nvPr/>
-            </p:nvSpPr>
-            <p:spPr>
-              <a:xfrm>
-                <a:off x="1135117" y="1234965"/>
-                <a:ext cx="1008993" cy="336331"/>
-              </a:xfrm>
-              <a:prstGeom prst="rect">
-                <a:avLst/>
-              </a:prstGeom>
-              <a:noFill/>
-              <a:ln>
-                <a:solidFill>
-                  <a:schemeClr val="tx1"/>
-                </a:solidFill>
-              </a:ln>
-            </p:spPr>
-            <p:style>
-              <a:lnRef idx="2">
-                <a:schemeClr val="accent1">
-                  <a:shade val="50000"/>
-                </a:schemeClr>
-              </a:lnRef>
-              <a:fillRef idx="1">
-                <a:schemeClr val="accent1"/>
-              </a:fillRef>
-              <a:effectRef idx="0">
-                <a:schemeClr val="accent1"/>
-              </a:effectRef>
-              <a:fontRef idx="minor">
-                <a:schemeClr val="lt1"/>
-              </a:fontRef>
-            </p:style>
-            <p:txBody>
-              <a:bodyPr rtlCol="0" anchor="ctr"/>
-              <a:lstStyle/>
-              <a:p>
-                <a:pPr algn="ctr"/>
-                <a:r>
-                  <a:rPr lang="en-US" altLang="zh-CN" sz="1400">
-                    <a:solidFill>
-                      <a:schemeClr val="tx1"/>
-                    </a:solidFill>
-                  </a:rPr>
-                  <a:t>files_struct *</a:t>
-                </a:r>
-              </a:p>
-            </p:txBody>
-          </p:sp>
-        </p:grpSp>
-        <p:sp>
-          <p:nvSpPr>
-            <p:cNvPr id="15" name="矩形 14">
-              <a:extLst>
-                <a:ext uri="{FF2B5EF4-FFF2-40B4-BE49-F238E27FC236}">
-                  <a16:creationId xmlns:a16="http://schemas.microsoft.com/office/drawing/2014/main" id="{60D9614F-9F64-734F-B294-42BB31812767}"/>
-                </a:ext>
-              </a:extLst>
-            </p:cNvPr>
-            <p:cNvSpPr/>
-            <p:nvPr/>
-          </p:nvSpPr>
-          <p:spPr>
-            <a:xfrm>
-              <a:off x="1135116" y="220716"/>
-              <a:ext cx="1008993" cy="336331"/>
-            </a:xfrm>
-            <a:prstGeom prst="rect">
-              <a:avLst/>
-            </a:prstGeom>
-            <a:noFill/>
-            <a:ln>
-              <a:noFill/>
-            </a:ln>
-          </p:spPr>
-          <p:style>
-            <a:lnRef idx="2">
-              <a:schemeClr val="accent1">
-                <a:shade val="50000"/>
-              </a:schemeClr>
-            </a:lnRef>
-            <a:fillRef idx="1">
-              <a:schemeClr val="accent1"/>
-            </a:fillRef>
-            <a:effectRef idx="0">
-              <a:schemeClr val="accent1"/>
-            </a:effectRef>
-            <a:fontRef idx="minor">
-              <a:schemeClr val="lt1"/>
-            </a:fontRef>
-          </p:style>
-          <p:txBody>
-            <a:bodyPr rtlCol="0" anchor="ctr"/>
-            <a:lstStyle/>
-            <a:p>
-              <a:pPr algn="ctr"/>
-              <a:r>
-                <a:rPr kumimoji="1" lang="en-US" altLang="zh-CN" sz="1400">
-                  <a:solidFill>
-                    <a:schemeClr val="tx1"/>
-                  </a:solidFill>
-                </a:rPr>
-                <a:t>proc_struct</a:t>
-              </a:r>
-              <a:endParaRPr kumimoji="1" lang="zh-CN" altLang="en-US" sz="1400">
-                <a:solidFill>
-                  <a:schemeClr val="tx1"/>
-                </a:solidFill>
-              </a:endParaRPr>
-            </a:p>
-          </p:txBody>
-        </p:sp>
-      </p:grpSp>
       <p:cxnSp>
         <p:nvCxnSpPr>
           <p:cNvPr id="5" name="直线箭头连接符 4">
@@ -6040,8 +5821,8 @@
         </p:nvCxnSpPr>
         <p:spPr>
           <a:xfrm flipV="1">
-            <a:off x="1534515" y="1162374"/>
-            <a:ext cx="1066541" cy="381503"/>
+            <a:off x="6601226" y="935560"/>
+            <a:ext cx="1278009" cy="859079"/>
           </a:xfrm>
           <a:prstGeom prst="straightConnector1">
             <a:avLst/>
@@ -6083,8 +5864,8 @@
         </p:nvCxnSpPr>
         <p:spPr>
           <a:xfrm flipV="1">
-            <a:off x="5244412" y="2063813"/>
-            <a:ext cx="711054" cy="327699"/>
+            <a:off x="9997127" y="2060538"/>
+            <a:ext cx="712597" cy="104160"/>
           </a:xfrm>
           <a:prstGeom prst="straightConnector1">
             <a:avLst/>
@@ -6110,10 +5891,10 @@
       </p:cxnSp>
       <p:grpSp>
         <p:nvGrpSpPr>
-          <p:cNvPr id="78" name="组合 77">
-            <a:extLst>
-              <a:ext uri="{FF2B5EF4-FFF2-40B4-BE49-F238E27FC236}">
-                <a16:creationId xmlns:a16="http://schemas.microsoft.com/office/drawing/2014/main" id="{6ADFF687-F89E-7542-8E48-F0317EC2CF31}"/>
+          <p:cNvPr id="73" name="组合 72">
+            <a:extLst>
+              <a:ext uri="{FF2B5EF4-FFF2-40B4-BE49-F238E27FC236}">
+                <a16:creationId xmlns:a16="http://schemas.microsoft.com/office/drawing/2014/main" id="{11E11718-F873-3446-B82B-D3CE554E6752}"/>
               </a:ext>
             </a:extLst>
           </p:cNvPr>
@@ -6122,327 +5903,10 @@
         </p:nvGrpSpPr>
         <p:grpSpPr>
           <a:xfrm>
-            <a:off x="5955459" y="529627"/>
-            <a:ext cx="1660637" cy="2631980"/>
-            <a:chOff x="6442339" y="1712042"/>
-            <a:chExt cx="1660637" cy="2631980"/>
-          </a:xfrm>
-        </p:grpSpPr>
-        <p:grpSp>
-          <p:nvGrpSpPr>
-            <p:cNvPr id="32" name="组合 31">
-              <a:extLst>
-                <a:ext uri="{FF2B5EF4-FFF2-40B4-BE49-F238E27FC236}">
-                  <a16:creationId xmlns:a16="http://schemas.microsoft.com/office/drawing/2014/main" id="{7E804905-5DF5-094B-B868-6E20C1563CFA}"/>
-                </a:ext>
-              </a:extLst>
-            </p:cNvPr>
-            <p:cNvGrpSpPr/>
-            <p:nvPr/>
-          </p:nvGrpSpPr>
-          <p:grpSpPr>
-            <a:xfrm>
-              <a:off x="6442339" y="1712042"/>
-              <a:ext cx="1660637" cy="2631980"/>
-              <a:chOff x="1135113" y="220716"/>
-              <a:chExt cx="1008997" cy="2028498"/>
-            </a:xfrm>
-          </p:grpSpPr>
-          <p:grpSp>
-            <p:nvGrpSpPr>
-              <p:cNvPr id="33" name="组合 32">
-                <a:extLst>
-                  <a:ext uri="{FF2B5EF4-FFF2-40B4-BE49-F238E27FC236}">
-                    <a16:creationId xmlns:a16="http://schemas.microsoft.com/office/drawing/2014/main" id="{C343CD45-F124-8640-A88E-B6A440A021A5}"/>
-                  </a:ext>
-                </a:extLst>
-              </p:cNvPr>
-              <p:cNvGrpSpPr/>
-              <p:nvPr/>
-            </p:nvGrpSpPr>
-            <p:grpSpPr>
-              <a:xfrm>
-                <a:off x="1135113" y="557048"/>
-                <a:ext cx="1008997" cy="1692166"/>
-                <a:chOff x="1135113" y="557048"/>
-                <a:chExt cx="1008997" cy="1692166"/>
-              </a:xfrm>
-            </p:grpSpPr>
-            <p:sp>
-              <p:nvSpPr>
-                <p:cNvPr id="35" name="矩形 34">
-                  <a:extLst>
-                    <a:ext uri="{FF2B5EF4-FFF2-40B4-BE49-F238E27FC236}">
-                      <a16:creationId xmlns:a16="http://schemas.microsoft.com/office/drawing/2014/main" id="{CDC58383-E47E-9E46-B150-C00466B865A0}"/>
-                    </a:ext>
-                  </a:extLst>
-                </p:cNvPr>
-                <p:cNvSpPr/>
-                <p:nvPr/>
-              </p:nvSpPr>
-              <p:spPr>
-                <a:xfrm>
-                  <a:off x="1135117" y="557048"/>
-                  <a:ext cx="1008993" cy="1692166"/>
-                </a:xfrm>
-                <a:prstGeom prst="rect">
-                  <a:avLst/>
-                </a:prstGeom>
-                <a:solidFill>
-                  <a:schemeClr val="bg1"/>
-                </a:solidFill>
-                <a:ln>
-                  <a:solidFill>
-                    <a:schemeClr val="tx1"/>
-                  </a:solidFill>
-                </a:ln>
-              </p:spPr>
-              <p:style>
-                <a:lnRef idx="2">
-                  <a:schemeClr val="accent1">
-                    <a:shade val="50000"/>
-                  </a:schemeClr>
-                </a:lnRef>
-                <a:fillRef idx="1">
-                  <a:schemeClr val="accent1"/>
-                </a:fillRef>
-                <a:effectRef idx="0">
-                  <a:schemeClr val="accent1"/>
-                </a:effectRef>
-                <a:fontRef idx="minor">
-                  <a:schemeClr val="lt1"/>
-                </a:fontRef>
-              </p:style>
-              <p:txBody>
-                <a:bodyPr rtlCol="0" anchor="ctr"/>
-                <a:lstStyle/>
-                <a:p>
-                  <a:pPr algn="ctr"/>
-                  <a:endParaRPr kumimoji="1" lang="zh-CN" altLang="en-US" sz="1400">
-                    <a:solidFill>
-                      <a:schemeClr val="tx1"/>
-                    </a:solidFill>
-                  </a:endParaRPr>
-                </a:p>
-              </p:txBody>
-            </p:sp>
-            <p:sp>
-              <p:nvSpPr>
-                <p:cNvPr id="36" name="矩形 35">
-                  <a:extLst>
-                    <a:ext uri="{FF2B5EF4-FFF2-40B4-BE49-F238E27FC236}">
-                      <a16:creationId xmlns:a16="http://schemas.microsoft.com/office/drawing/2014/main" id="{C558548E-CA90-984D-9122-633BC8292A3A}"/>
-                    </a:ext>
-                  </a:extLst>
-                </p:cNvPr>
-                <p:cNvSpPr/>
-                <p:nvPr/>
-              </p:nvSpPr>
-              <p:spPr>
-                <a:xfrm>
-                  <a:off x="1135113" y="1910924"/>
-                  <a:ext cx="1008993" cy="336331"/>
-                </a:xfrm>
-                <a:prstGeom prst="rect">
-                  <a:avLst/>
-                </a:prstGeom>
-                <a:noFill/>
-                <a:ln>
-                  <a:solidFill>
-                    <a:schemeClr val="tx1"/>
-                  </a:solidFill>
-                </a:ln>
-              </p:spPr>
-              <p:style>
-                <a:lnRef idx="2">
-                  <a:schemeClr val="accent1">
-                    <a:shade val="50000"/>
-                  </a:schemeClr>
-                </a:lnRef>
-                <a:fillRef idx="1">
-                  <a:schemeClr val="accent1"/>
-                </a:fillRef>
-                <a:effectRef idx="0">
-                  <a:schemeClr val="accent1"/>
-                </a:effectRef>
-                <a:fontRef idx="minor">
-                  <a:schemeClr val="lt1"/>
-                </a:fontRef>
-              </p:style>
-              <p:txBody>
-                <a:bodyPr rtlCol="0" anchor="ctr"/>
-                <a:lstStyle/>
-                <a:p>
-                  <a:pPr algn="ctr"/>
-                  <a:r>
-                    <a:rPr lang="en-US" altLang="zh-CN" sz="1400" b="1">
-                      <a:solidFill>
-                        <a:schemeClr val="tx1"/>
-                      </a:solidFill>
-                    </a:rPr>
-                    <a:t>inode</a:t>
-                  </a:r>
-                  <a:r>
-                    <a:rPr lang="zh-CN" altLang="en-US" sz="1400">
-                      <a:solidFill>
-                        <a:schemeClr val="tx1"/>
-                      </a:solidFill>
-                    </a:rPr>
-                    <a:t> *</a:t>
-                  </a:r>
-                  <a:r>
-                    <a:rPr lang="en-US" altLang="zh-CN" sz="1400">
-                      <a:solidFill>
-                        <a:schemeClr val="tx1"/>
-                      </a:solidFill>
-                    </a:rPr>
-                    <a:t>node</a:t>
-                  </a:r>
-                </a:p>
-              </p:txBody>
-            </p:sp>
-          </p:grpSp>
-          <p:sp>
-            <p:nvSpPr>
-              <p:cNvPr id="34" name="矩形 33">
-                <a:extLst>
-                  <a:ext uri="{FF2B5EF4-FFF2-40B4-BE49-F238E27FC236}">
-                    <a16:creationId xmlns:a16="http://schemas.microsoft.com/office/drawing/2014/main" id="{622593B9-2391-504F-A49D-73A18F4F84A6}"/>
-                  </a:ext>
-                </a:extLst>
-              </p:cNvPr>
-              <p:cNvSpPr/>
-              <p:nvPr/>
-            </p:nvSpPr>
-            <p:spPr>
-              <a:xfrm>
-                <a:off x="1135116" y="220716"/>
-                <a:ext cx="1008993" cy="336331"/>
-              </a:xfrm>
-              <a:prstGeom prst="rect">
-                <a:avLst/>
-              </a:prstGeom>
-              <a:noFill/>
-              <a:ln>
-                <a:noFill/>
-              </a:ln>
-            </p:spPr>
-            <p:style>
-              <a:lnRef idx="2">
-                <a:schemeClr val="accent1">
-                  <a:shade val="50000"/>
-                </a:schemeClr>
-              </a:lnRef>
-              <a:fillRef idx="1">
-                <a:schemeClr val="accent1"/>
-              </a:fillRef>
-              <a:effectRef idx="0">
-                <a:schemeClr val="accent1"/>
-              </a:effectRef>
-              <a:fontRef idx="minor">
-                <a:schemeClr val="lt1"/>
-              </a:fontRef>
-            </p:style>
-            <p:txBody>
-              <a:bodyPr rtlCol="0" anchor="ctr"/>
-              <a:lstStyle/>
-              <a:p>
-                <a:pPr algn="ctr"/>
-                <a:r>
-                  <a:rPr kumimoji="1" lang="en-US" altLang="zh-CN" sz="1400">
-                    <a:solidFill>
-                      <a:schemeClr val="tx1"/>
-                    </a:solidFill>
-                  </a:rPr>
-                  <a:t>file</a:t>
-                </a:r>
-                <a:endParaRPr kumimoji="1" lang="zh-CN" altLang="en-US" sz="1400">
-                  <a:solidFill>
-                    <a:schemeClr val="tx1"/>
-                  </a:solidFill>
-                </a:endParaRPr>
-              </a:p>
-            </p:txBody>
-          </p:sp>
-        </p:grpSp>
-        <p:sp>
-          <p:nvSpPr>
-            <p:cNvPr id="51" name="矩形 50">
-              <a:extLst>
-                <a:ext uri="{FF2B5EF4-FFF2-40B4-BE49-F238E27FC236}">
-                  <a16:creationId xmlns:a16="http://schemas.microsoft.com/office/drawing/2014/main" id="{9B120BCD-7315-164F-B8A1-AD1AC6E033C9}"/>
-                </a:ext>
-              </a:extLst>
-            </p:cNvPr>
-            <p:cNvSpPr/>
-            <p:nvPr/>
-          </p:nvSpPr>
-          <p:spPr>
-            <a:xfrm>
-              <a:off x="6442342" y="2573059"/>
-              <a:ext cx="1660633" cy="336331"/>
-            </a:xfrm>
-            <a:prstGeom prst="rect">
-              <a:avLst/>
-            </a:prstGeom>
-            <a:noFill/>
-            <a:ln>
-              <a:solidFill>
-                <a:schemeClr val="tx1"/>
-              </a:solidFill>
-            </a:ln>
-          </p:spPr>
-          <p:style>
-            <a:lnRef idx="2">
-              <a:schemeClr val="accent1">
-                <a:shade val="50000"/>
-              </a:schemeClr>
-            </a:lnRef>
-            <a:fillRef idx="1">
-              <a:schemeClr val="accent1"/>
-            </a:fillRef>
-            <a:effectRef idx="0">
-              <a:schemeClr val="accent1"/>
-            </a:effectRef>
-            <a:fontRef idx="minor">
-              <a:schemeClr val="lt1"/>
-            </a:fontRef>
-          </p:style>
-          <p:txBody>
-            <a:bodyPr rtlCol="0" anchor="ctr"/>
-            <a:lstStyle/>
-            <a:p>
-              <a:pPr algn="ctr"/>
-              <a:r>
-                <a:rPr lang="en-US" altLang="zh-CN" sz="1400" b="1">
-                  <a:solidFill>
-                    <a:schemeClr val="tx1"/>
-                  </a:solidFill>
-                </a:rPr>
-                <a:t>fd</a:t>
-              </a:r>
-            </a:p>
-          </p:txBody>
-        </p:sp>
-      </p:grpSp>
-      <p:grpSp>
-        <p:nvGrpSpPr>
-          <p:cNvPr id="73" name="组合 72">
-            <a:extLst>
-              <a:ext uri="{FF2B5EF4-FFF2-40B4-BE49-F238E27FC236}">
-                <a16:creationId xmlns:a16="http://schemas.microsoft.com/office/drawing/2014/main" id="{11E11718-F873-3446-B82B-D3CE554E6752}"/>
-              </a:ext>
-            </a:extLst>
-          </p:cNvPr>
-          <p:cNvGrpSpPr/>
-          <p:nvPr/>
-        </p:nvGrpSpPr>
-        <p:grpSpPr>
-          <a:xfrm>
-            <a:off x="1645110" y="29124"/>
-            <a:ext cx="3751701" cy="3477234"/>
-            <a:chOff x="2496694" y="583529"/>
-            <a:chExt cx="3751701" cy="3477234"/>
+            <a:off x="6840187" y="-197690"/>
+            <a:ext cx="3279043" cy="3477234"/>
+            <a:chOff x="2155797" y="583529"/>
+            <a:chExt cx="4092598" cy="3477234"/>
           </a:xfrm>
         </p:grpSpPr>
         <p:sp>
@@ -6537,8 +6001,8 @@
           </p:nvSpPr>
           <p:spPr>
             <a:xfrm>
-              <a:off x="2496694" y="3014997"/>
-              <a:ext cx="748860" cy="307777"/>
+              <a:off x="2155797" y="3014997"/>
+              <a:ext cx="1089756" cy="307777"/>
             </a:xfrm>
             <a:prstGeom prst="rect">
               <a:avLst/>
@@ -7238,6 +6702,7 @@
               </a:extLst>
             </p:cNvPr>
             <p:cNvCxnSpPr>
+              <a:cxnSpLocks/>
               <a:stCxn id="43" idx="3"/>
               <a:endCxn id="23" idx="1"/>
             </p:cNvCxnSpPr>
@@ -7245,8 +6710,8 @@
           </p:nvCxnSpPr>
           <p:spPr>
             <a:xfrm flipV="1">
-              <a:off x="3245554" y="2499978"/>
-              <a:ext cx="207089" cy="668908"/>
+              <a:off x="3245553" y="2499978"/>
+              <a:ext cx="207090" cy="668908"/>
             </a:xfrm>
             <a:prstGeom prst="straightConnector1">
               <a:avLst/>
@@ -7281,6 +6746,7 @@
               </a:extLst>
             </p:cNvPr>
             <p:cNvCxnSpPr>
+              <a:cxnSpLocks/>
               <a:stCxn id="43" idx="3"/>
               <a:endCxn id="31" idx="1"/>
             </p:cNvCxnSpPr>
@@ -7288,8 +6754,8 @@
           </p:nvCxnSpPr>
           <p:spPr>
             <a:xfrm>
-              <a:off x="3245554" y="3168886"/>
-              <a:ext cx="207086" cy="668908"/>
+              <a:off x="3245553" y="3168886"/>
+              <a:ext cx="207087" cy="668908"/>
             </a:xfrm>
             <a:prstGeom prst="straightConnector1">
               <a:avLst/>
@@ -7315,12 +6781,346 @@
           </p:style>
         </p:cxnSp>
       </p:grpSp>
+      <p:grpSp>
+        <p:nvGrpSpPr>
+          <p:cNvPr id="75" name="组合 74">
+            <a:extLst>
+              <a:ext uri="{FF2B5EF4-FFF2-40B4-BE49-F238E27FC236}">
+                <a16:creationId xmlns:a16="http://schemas.microsoft.com/office/drawing/2014/main" id="{B62016A8-6E13-C147-8812-76B4F99005DC}"/>
+              </a:ext>
+            </a:extLst>
+          </p:cNvPr>
+          <p:cNvGrpSpPr/>
+          <p:nvPr/>
+        </p:nvGrpSpPr>
+        <p:grpSpPr>
+          <a:xfrm>
+            <a:off x="10709718" y="526352"/>
+            <a:ext cx="1405298" cy="2631980"/>
+            <a:chOff x="10373080" y="909637"/>
+            <a:chExt cx="1660637" cy="2631980"/>
+          </a:xfrm>
+        </p:grpSpPr>
+        <p:sp>
+          <p:nvSpPr>
+            <p:cNvPr id="34" name="矩形 33">
+              <a:extLst>
+                <a:ext uri="{FF2B5EF4-FFF2-40B4-BE49-F238E27FC236}">
+                  <a16:creationId xmlns:a16="http://schemas.microsoft.com/office/drawing/2014/main" id="{622593B9-2391-504F-A49D-73A18F4F84A6}"/>
+                </a:ext>
+              </a:extLst>
+            </p:cNvPr>
+            <p:cNvSpPr/>
+            <p:nvPr/>
+          </p:nvSpPr>
+          <p:spPr>
+            <a:xfrm>
+              <a:off x="10373085" y="909637"/>
+              <a:ext cx="1660630" cy="436390"/>
+            </a:xfrm>
+            <a:prstGeom prst="rect">
+              <a:avLst/>
+            </a:prstGeom>
+            <a:noFill/>
+            <a:ln>
+              <a:noFill/>
+            </a:ln>
+          </p:spPr>
+          <p:style>
+            <a:lnRef idx="2">
+              <a:schemeClr val="accent1">
+                <a:shade val="50000"/>
+              </a:schemeClr>
+            </a:lnRef>
+            <a:fillRef idx="1">
+              <a:schemeClr val="accent1"/>
+            </a:fillRef>
+            <a:effectRef idx="0">
+              <a:schemeClr val="accent1"/>
+            </a:effectRef>
+            <a:fontRef idx="minor">
+              <a:schemeClr val="lt1"/>
+            </a:fontRef>
+          </p:style>
+          <p:txBody>
+            <a:bodyPr rtlCol="0" anchor="ctr"/>
+            <a:lstStyle/>
+            <a:p>
+              <a:pPr algn="ctr"/>
+              <a:r>
+                <a:rPr kumimoji="1" lang="en-US" altLang="zh-CN" sz="1400">
+                  <a:solidFill>
+                    <a:schemeClr val="tx1"/>
+                  </a:solidFill>
+                </a:rPr>
+                <a:t>file</a:t>
+              </a:r>
+              <a:endParaRPr kumimoji="1" lang="zh-CN" altLang="en-US" sz="1400">
+                <a:solidFill>
+                  <a:schemeClr val="tx1"/>
+                </a:solidFill>
+              </a:endParaRPr>
+            </a:p>
+          </p:txBody>
+        </p:sp>
+        <p:sp>
+          <p:nvSpPr>
+            <p:cNvPr id="35" name="矩形 34">
+              <a:extLst>
+                <a:ext uri="{FF2B5EF4-FFF2-40B4-BE49-F238E27FC236}">
+                  <a16:creationId xmlns:a16="http://schemas.microsoft.com/office/drawing/2014/main" id="{CDC58383-E47E-9E46-B150-C00466B865A0}"/>
+                </a:ext>
+              </a:extLst>
+            </p:cNvPr>
+            <p:cNvSpPr/>
+            <p:nvPr/>
+          </p:nvSpPr>
+          <p:spPr>
+            <a:xfrm>
+              <a:off x="10373087" y="1346028"/>
+              <a:ext cx="1660630" cy="2195589"/>
+            </a:xfrm>
+            <a:prstGeom prst="rect">
+              <a:avLst/>
+            </a:prstGeom>
+            <a:solidFill>
+              <a:schemeClr val="bg1"/>
+            </a:solidFill>
+            <a:ln>
+              <a:solidFill>
+                <a:schemeClr val="tx1"/>
+              </a:solidFill>
+            </a:ln>
+          </p:spPr>
+          <p:style>
+            <a:lnRef idx="2">
+              <a:schemeClr val="accent1">
+                <a:shade val="50000"/>
+              </a:schemeClr>
+            </a:lnRef>
+            <a:fillRef idx="1">
+              <a:schemeClr val="accent1"/>
+            </a:fillRef>
+            <a:effectRef idx="0">
+              <a:schemeClr val="accent1"/>
+            </a:effectRef>
+            <a:fontRef idx="minor">
+              <a:schemeClr val="lt1"/>
+            </a:fontRef>
+          </p:style>
+          <p:txBody>
+            <a:bodyPr rtlCol="0" anchor="ctr"/>
+            <a:lstStyle/>
+            <a:p>
+              <a:pPr algn="ctr"/>
+              <a:endParaRPr kumimoji="1" lang="zh-CN" altLang="en-US" sz="1400">
+                <a:solidFill>
+                  <a:schemeClr val="tx1"/>
+                </a:solidFill>
+              </a:endParaRPr>
+            </a:p>
+          </p:txBody>
+        </p:sp>
+        <p:sp>
+          <p:nvSpPr>
+            <p:cNvPr id="36" name="矩形 35">
+              <a:extLst>
+                <a:ext uri="{FF2B5EF4-FFF2-40B4-BE49-F238E27FC236}">
+                  <a16:creationId xmlns:a16="http://schemas.microsoft.com/office/drawing/2014/main" id="{C558548E-CA90-984D-9122-633BC8292A3A}"/>
+                </a:ext>
+              </a:extLst>
+            </p:cNvPr>
+            <p:cNvSpPr/>
+            <p:nvPr/>
+          </p:nvSpPr>
+          <p:spPr>
+            <a:xfrm>
+              <a:off x="10373080" y="3102685"/>
+              <a:ext cx="1660630" cy="436390"/>
+            </a:xfrm>
+            <a:prstGeom prst="rect">
+              <a:avLst/>
+            </a:prstGeom>
+            <a:noFill/>
+            <a:ln>
+              <a:solidFill>
+                <a:schemeClr val="tx1"/>
+              </a:solidFill>
+            </a:ln>
+          </p:spPr>
+          <p:style>
+            <a:lnRef idx="2">
+              <a:schemeClr val="accent1">
+                <a:shade val="50000"/>
+              </a:schemeClr>
+            </a:lnRef>
+            <a:fillRef idx="1">
+              <a:schemeClr val="accent1"/>
+            </a:fillRef>
+            <a:effectRef idx="0">
+              <a:schemeClr val="accent1"/>
+            </a:effectRef>
+            <a:fontRef idx="minor">
+              <a:schemeClr val="lt1"/>
+            </a:fontRef>
+          </p:style>
+          <p:txBody>
+            <a:bodyPr rtlCol="0" anchor="ctr"/>
+            <a:lstStyle/>
+            <a:p>
+              <a:pPr algn="ctr"/>
+              <a:r>
+                <a:rPr lang="en-US" altLang="zh-CN" sz="1400" b="1">
+                  <a:solidFill>
+                    <a:schemeClr val="tx1"/>
+                  </a:solidFill>
+                </a:rPr>
+                <a:t>inode</a:t>
+              </a:r>
+              <a:r>
+                <a:rPr lang="zh-CN" altLang="en-US" sz="1400">
+                  <a:solidFill>
+                    <a:schemeClr val="tx1"/>
+                  </a:solidFill>
+                </a:rPr>
+                <a:t> *</a:t>
+              </a:r>
+              <a:r>
+                <a:rPr lang="en-US" altLang="zh-CN" sz="1400">
+                  <a:solidFill>
+                    <a:schemeClr val="tx1"/>
+                  </a:solidFill>
+                </a:rPr>
+                <a:t>node</a:t>
+              </a:r>
+            </a:p>
+          </p:txBody>
+        </p:sp>
+        <p:sp>
+          <p:nvSpPr>
+            <p:cNvPr id="51" name="矩形 50">
+              <a:extLst>
+                <a:ext uri="{FF2B5EF4-FFF2-40B4-BE49-F238E27FC236}">
+                  <a16:creationId xmlns:a16="http://schemas.microsoft.com/office/drawing/2014/main" id="{9B120BCD-7315-164F-B8A1-AD1AC6E033C9}"/>
+                </a:ext>
+              </a:extLst>
+            </p:cNvPr>
+            <p:cNvSpPr/>
+            <p:nvPr/>
+          </p:nvSpPr>
+          <p:spPr>
+            <a:xfrm>
+              <a:off x="10373083" y="1770654"/>
+              <a:ext cx="1660633" cy="336331"/>
+            </a:xfrm>
+            <a:prstGeom prst="rect">
+              <a:avLst/>
+            </a:prstGeom>
+            <a:noFill/>
+            <a:ln>
+              <a:solidFill>
+                <a:schemeClr val="tx1"/>
+              </a:solidFill>
+            </a:ln>
+          </p:spPr>
+          <p:style>
+            <a:lnRef idx="2">
+              <a:schemeClr val="accent1">
+                <a:shade val="50000"/>
+              </a:schemeClr>
+            </a:lnRef>
+            <a:fillRef idx="1">
+              <a:schemeClr val="accent1"/>
+            </a:fillRef>
+            <a:effectRef idx="0">
+              <a:schemeClr val="accent1"/>
+            </a:effectRef>
+            <a:fontRef idx="minor">
+              <a:schemeClr val="lt1"/>
+            </a:fontRef>
+          </p:style>
+          <p:txBody>
+            <a:bodyPr rtlCol="0" anchor="ctr"/>
+            <a:lstStyle/>
+            <a:p>
+              <a:pPr algn="ctr"/>
+              <a:r>
+                <a:rPr lang="en-US" altLang="zh-CN" sz="1400" b="1">
+                  <a:solidFill>
+                    <a:schemeClr val="tx1"/>
+                  </a:solidFill>
+                </a:rPr>
+                <a:t>fd</a:t>
+              </a:r>
+            </a:p>
+          </p:txBody>
+        </p:sp>
+        <p:sp>
+          <p:nvSpPr>
+            <p:cNvPr id="106" name="矩形 105">
+              <a:extLst>
+                <a:ext uri="{FF2B5EF4-FFF2-40B4-BE49-F238E27FC236}">
+                  <a16:creationId xmlns:a16="http://schemas.microsoft.com/office/drawing/2014/main" id="{6205DB5A-51FE-954C-82F8-3CC641FECD64}"/>
+                </a:ext>
+              </a:extLst>
+            </p:cNvPr>
+            <p:cNvSpPr/>
+            <p:nvPr/>
+          </p:nvSpPr>
+          <p:spPr>
+            <a:xfrm>
+              <a:off x="10373083" y="2104949"/>
+              <a:ext cx="1660633" cy="336331"/>
+            </a:xfrm>
+            <a:prstGeom prst="rect">
+              <a:avLst/>
+            </a:prstGeom>
+            <a:noFill/>
+            <a:ln>
+              <a:solidFill>
+                <a:schemeClr val="tx1"/>
+              </a:solidFill>
+            </a:ln>
+          </p:spPr>
+          <p:style>
+            <a:lnRef idx="2">
+              <a:schemeClr val="accent1">
+                <a:shade val="50000"/>
+              </a:schemeClr>
+            </a:lnRef>
+            <a:fillRef idx="1">
+              <a:schemeClr val="accent1"/>
+            </a:fillRef>
+            <a:effectRef idx="0">
+              <a:schemeClr val="accent1"/>
+            </a:effectRef>
+            <a:fontRef idx="minor">
+              <a:schemeClr val="lt1"/>
+            </a:fontRef>
+          </p:style>
+          <p:txBody>
+            <a:bodyPr rtlCol="0" anchor="ctr"/>
+            <a:lstStyle/>
+            <a:p>
+              <a:pPr algn="ctr"/>
+              <a:r>
+                <a:rPr lang="en-US" altLang="zh-CN" sz="1400">
+                  <a:solidFill>
+                    <a:schemeClr val="tx1"/>
+                  </a:solidFill>
+                </a:rPr>
+                <a:t>r/w</a:t>
+              </a:r>
+            </a:p>
+          </p:txBody>
+        </p:sp>
+      </p:grpSp>
       <p:sp>
         <p:nvSpPr>
-          <p:cNvPr id="106" name="矩形 105">
-            <a:extLst>
-              <a:ext uri="{FF2B5EF4-FFF2-40B4-BE49-F238E27FC236}">
-                <a16:creationId xmlns:a16="http://schemas.microsoft.com/office/drawing/2014/main" id="{6205DB5A-51FE-954C-82F8-3CC641FECD64}"/>
+          <p:cNvPr id="47" name="矩形 46">
+            <a:extLst>
+              <a:ext uri="{FF2B5EF4-FFF2-40B4-BE49-F238E27FC236}">
+                <a16:creationId xmlns:a16="http://schemas.microsoft.com/office/drawing/2014/main" id="{9E59E17B-4EA7-0949-BD41-632990D93B9D}"/>
               </a:ext>
             </a:extLst>
           </p:cNvPr>
@@ -7329,8 +7129,8 @@
         </p:nvSpPr>
         <p:spPr>
           <a:xfrm>
-            <a:off x="5955462" y="1724939"/>
-            <a:ext cx="1660633" cy="336331"/>
+            <a:off x="1335762" y="1093664"/>
+            <a:ext cx="2397457" cy="3027074"/>
           </a:xfrm>
           <a:prstGeom prst="rect">
             <a:avLst/>
@@ -7363,14 +7163,1001 @@
           <a:lstStyle/>
           <a:p>
             <a:pPr algn="ctr"/>
+            <a:endParaRPr kumimoji="1" lang="zh-CN" altLang="en-US">
+              <a:solidFill>
+                <a:schemeClr val="tx1"/>
+              </a:solidFill>
+            </a:endParaRPr>
+          </a:p>
+        </p:txBody>
+      </p:sp>
+      <p:sp>
+        <p:nvSpPr>
+          <p:cNvPr id="49" name="矩形 48">
+            <a:extLst>
+              <a:ext uri="{FF2B5EF4-FFF2-40B4-BE49-F238E27FC236}">
+                <a16:creationId xmlns:a16="http://schemas.microsoft.com/office/drawing/2014/main" id="{02059DCD-DA63-EE4F-8E0C-76D84FF7B2D5}"/>
+              </a:ext>
+            </a:extLst>
+          </p:cNvPr>
+          <p:cNvSpPr/>
+          <p:nvPr/>
+        </p:nvSpPr>
+        <p:spPr>
+          <a:xfrm>
+            <a:off x="1335610" y="1087971"/>
+            <a:ext cx="1249042" cy="1336959"/>
+          </a:xfrm>
+          <a:prstGeom prst="rect">
+            <a:avLst/>
+          </a:prstGeom>
+          <a:noFill/>
+          <a:ln>
+            <a:solidFill>
+              <a:schemeClr val="tx1"/>
+            </a:solidFill>
+          </a:ln>
+        </p:spPr>
+        <p:style>
+          <a:lnRef idx="2">
+            <a:schemeClr val="accent1">
+              <a:shade val="50000"/>
+            </a:schemeClr>
+          </a:lnRef>
+          <a:fillRef idx="1">
+            <a:schemeClr val="accent1"/>
+          </a:fillRef>
+          <a:effectRef idx="0">
+            <a:schemeClr val="accent1"/>
+          </a:effectRef>
+          <a:fontRef idx="minor">
+            <a:schemeClr val="lt1"/>
+          </a:fontRef>
+        </p:style>
+        <p:txBody>
+          <a:bodyPr rtlCol="0" anchor="ctr"/>
+          <a:lstStyle/>
+          <a:p>
+            <a:pPr algn="ctr"/>
+            <a:r>
+              <a:rPr lang="en-US" altLang="zh-CN">
+                <a:solidFill>
+                  <a:schemeClr val="tx1"/>
+                </a:solidFill>
+              </a:rPr>
+              <a:t>trapframe</a:t>
+            </a:r>
+            <a:r>
+              <a:rPr lang="zh-CN" altLang="en-US">
+                <a:solidFill>
+                  <a:schemeClr val="tx1"/>
+                </a:solidFill>
+              </a:rPr>
+              <a:t>占</a:t>
+            </a:r>
+            <a:r>
+              <a:rPr lang="en-US" altLang="zh-CN">
+                <a:solidFill>
+                  <a:schemeClr val="tx1"/>
+                </a:solidFill>
+              </a:rPr>
+              <a:t>1PAGE</a:t>
+            </a:r>
+          </a:p>
+        </p:txBody>
+      </p:sp>
+      <p:sp>
+        <p:nvSpPr>
+          <p:cNvPr id="50" name="同侧圆角矩形 49">
+            <a:extLst>
+              <a:ext uri="{FF2B5EF4-FFF2-40B4-BE49-F238E27FC236}">
+                <a16:creationId xmlns:a16="http://schemas.microsoft.com/office/drawing/2014/main" id="{EAC5F005-7486-FD45-B343-62FA09201186}"/>
+              </a:ext>
+            </a:extLst>
+          </p:cNvPr>
+          <p:cNvSpPr/>
+          <p:nvPr/>
+        </p:nvSpPr>
+        <p:spPr>
+          <a:xfrm>
+            <a:off x="1335762" y="741226"/>
+            <a:ext cx="2397457" cy="352438"/>
+          </a:xfrm>
+          <a:prstGeom prst="round2SameRect">
+            <a:avLst/>
+          </a:prstGeom>
+          <a:noFill/>
+          <a:ln>
+            <a:noFill/>
+          </a:ln>
+        </p:spPr>
+        <p:style>
+          <a:lnRef idx="2">
+            <a:schemeClr val="accent1">
+              <a:shade val="50000"/>
+            </a:schemeClr>
+          </a:lnRef>
+          <a:fillRef idx="1">
+            <a:schemeClr val="accent1"/>
+          </a:fillRef>
+          <a:effectRef idx="0">
+            <a:schemeClr val="accent1"/>
+          </a:effectRef>
+          <a:fontRef idx="minor">
+            <a:schemeClr val="lt1"/>
+          </a:fontRef>
+        </p:style>
+        <p:txBody>
+          <a:bodyPr rot="0" spcFirstLastPara="0" vertOverflow="overflow" horzOverflow="overflow" vert="horz" wrap="square" lIns="91440" tIns="45720" rIns="91440" bIns="45720" numCol="1" spcCol="0" rtlCol="0" fromWordArt="0" anchor="ctr" anchorCtr="0" forceAA="0" compatLnSpc="1">
+            <a:prstTxWarp prst="textNoShape">
+              <a:avLst/>
+            </a:prstTxWarp>
+            <a:noAutofit/>
+          </a:bodyPr>
+          <a:lstStyle/>
+          <a:p>
+            <a:pPr algn="ctr"/>
+            <a:r>
+              <a:rPr kumimoji="1" lang="en-US" altLang="zh-CN">
+                <a:solidFill>
+                  <a:schemeClr val="tx1"/>
+                </a:solidFill>
+              </a:rPr>
+              <a:t>process</a:t>
+            </a:r>
+            <a:r>
+              <a:rPr kumimoji="1" lang="zh-CN" altLang="en-US">
+                <a:solidFill>
+                  <a:schemeClr val="tx1"/>
+                </a:solidFill>
+              </a:rPr>
+              <a:t> </a:t>
+            </a:r>
+            <a:r>
+              <a:rPr kumimoji="1" lang="en-US" altLang="zh-CN">
+                <a:solidFill>
+                  <a:schemeClr val="tx1"/>
+                </a:solidFill>
+              </a:rPr>
+              <a:t>kernel</a:t>
+            </a:r>
+            <a:r>
+              <a:rPr kumimoji="1" lang="zh-CN" altLang="en-US">
+                <a:solidFill>
+                  <a:schemeClr val="tx1"/>
+                </a:solidFill>
+              </a:rPr>
+              <a:t> </a:t>
+            </a:r>
+            <a:r>
+              <a:rPr kumimoji="1" lang="en-US" altLang="zh-CN">
+                <a:solidFill>
+                  <a:schemeClr val="tx1"/>
+                </a:solidFill>
+              </a:rPr>
+              <a:t>stack</a:t>
+            </a:r>
+            <a:endParaRPr kumimoji="1" lang="zh-CN" altLang="en-US">
+              <a:solidFill>
+                <a:schemeClr val="tx1"/>
+              </a:solidFill>
+            </a:endParaRPr>
+          </a:p>
+        </p:txBody>
+      </p:sp>
+      <p:sp>
+        <p:nvSpPr>
+          <p:cNvPr id="52" name="文本框 51">
+            <a:extLst>
+              <a:ext uri="{FF2B5EF4-FFF2-40B4-BE49-F238E27FC236}">
+                <a16:creationId xmlns:a16="http://schemas.microsoft.com/office/drawing/2014/main" id="{D966F4C7-E2BD-AA4D-BDA8-9E0D32B10160}"/>
+              </a:ext>
+            </a:extLst>
+          </p:cNvPr>
+          <p:cNvSpPr txBox="1"/>
+          <p:nvPr/>
+        </p:nvSpPr>
+        <p:spPr>
+          <a:xfrm>
+            <a:off x="-53724" y="2345591"/>
+            <a:ext cx="1183515" cy="523220"/>
+          </a:xfrm>
+          <a:prstGeom prst="rect">
+            <a:avLst/>
+          </a:prstGeom>
+          <a:noFill/>
+        </p:spPr>
+        <p:txBody>
+          <a:bodyPr wrap="square" rtlCol="0">
+            <a:spAutoFit/>
+          </a:bodyPr>
+          <a:lstStyle/>
+          <a:p>
+            <a:r>
+              <a:rPr lang="en-US" altLang="zh-CN" sz="1400"/>
+              <a:t>KSTACKSIZE=2PAGE</a:t>
+            </a:r>
+          </a:p>
+        </p:txBody>
+      </p:sp>
+      <p:cxnSp>
+        <p:nvCxnSpPr>
+          <p:cNvPr id="53" name="直线箭头连接符 52">
+            <a:extLst>
+              <a:ext uri="{FF2B5EF4-FFF2-40B4-BE49-F238E27FC236}">
+                <a16:creationId xmlns:a16="http://schemas.microsoft.com/office/drawing/2014/main" id="{3DA3AE54-50B9-3C4F-B8C4-43C917E50C38}"/>
+              </a:ext>
+            </a:extLst>
+          </p:cNvPr>
+          <p:cNvCxnSpPr>
+            <a:cxnSpLocks/>
+          </p:cNvCxnSpPr>
+          <p:nvPr/>
+        </p:nvCxnSpPr>
+        <p:spPr>
+          <a:xfrm flipV="1">
+            <a:off x="1117916" y="1093664"/>
+            <a:ext cx="1404700" cy="1513537"/>
+          </a:xfrm>
+          <a:prstGeom prst="straightConnector1">
+            <a:avLst/>
+          </a:prstGeom>
+          <a:ln>
+            <a:prstDash val="lgDashDotDot"/>
+            <a:tailEnd type="triangle"/>
+          </a:ln>
+        </p:spPr>
+        <p:style>
+          <a:lnRef idx="1">
+            <a:schemeClr val="accent1"/>
+          </a:lnRef>
+          <a:fillRef idx="0">
+            <a:schemeClr val="accent1"/>
+          </a:fillRef>
+          <a:effectRef idx="0">
+            <a:schemeClr val="accent1"/>
+          </a:effectRef>
+          <a:fontRef idx="minor">
+            <a:schemeClr val="tx1"/>
+          </a:fontRef>
+        </p:style>
+      </p:cxnSp>
+      <p:cxnSp>
+        <p:nvCxnSpPr>
+          <p:cNvPr id="54" name="直线箭头连接符 53">
+            <a:extLst>
+              <a:ext uri="{FF2B5EF4-FFF2-40B4-BE49-F238E27FC236}">
+                <a16:creationId xmlns:a16="http://schemas.microsoft.com/office/drawing/2014/main" id="{1A55C0C7-EBA2-D54A-A1EE-660F9106D698}"/>
+              </a:ext>
+            </a:extLst>
+          </p:cNvPr>
+          <p:cNvCxnSpPr>
+            <a:cxnSpLocks/>
+            <a:stCxn id="52" idx="3"/>
+            <a:endCxn id="47" idx="2"/>
+          </p:cNvCxnSpPr>
+          <p:nvPr/>
+        </p:nvCxnSpPr>
+        <p:spPr>
+          <a:xfrm>
+            <a:off x="1129791" y="2607201"/>
+            <a:ext cx="1404700" cy="1513537"/>
+          </a:xfrm>
+          <a:prstGeom prst="straightConnector1">
+            <a:avLst/>
+          </a:prstGeom>
+          <a:ln>
+            <a:prstDash val="lgDashDotDot"/>
+            <a:tailEnd type="triangle"/>
+          </a:ln>
+        </p:spPr>
+        <p:style>
+          <a:lnRef idx="1">
+            <a:schemeClr val="accent1"/>
+          </a:lnRef>
+          <a:fillRef idx="0">
+            <a:schemeClr val="accent1"/>
+          </a:fillRef>
+          <a:effectRef idx="0">
+            <a:schemeClr val="accent1"/>
+          </a:effectRef>
+          <a:fontRef idx="minor">
+            <a:schemeClr val="tx1"/>
+          </a:fontRef>
+        </p:style>
+      </p:cxnSp>
+      <p:sp>
+        <p:nvSpPr>
+          <p:cNvPr id="74" name="矩形 73">
+            <a:extLst>
+              <a:ext uri="{FF2B5EF4-FFF2-40B4-BE49-F238E27FC236}">
+                <a16:creationId xmlns:a16="http://schemas.microsoft.com/office/drawing/2014/main" id="{10BB697F-2EDC-5C4F-9246-3C4A8190583F}"/>
+              </a:ext>
+            </a:extLst>
+          </p:cNvPr>
+          <p:cNvSpPr/>
+          <p:nvPr/>
+        </p:nvSpPr>
+        <p:spPr>
+          <a:xfrm>
+            <a:off x="2589629" y="1087242"/>
+            <a:ext cx="1143590" cy="258786"/>
+          </a:xfrm>
+          <a:prstGeom prst="rect">
+            <a:avLst/>
+          </a:prstGeom>
+          <a:noFill/>
+          <a:ln>
+            <a:solidFill>
+              <a:schemeClr val="tx1"/>
+            </a:solidFill>
+          </a:ln>
+        </p:spPr>
+        <p:style>
+          <a:lnRef idx="2">
+            <a:schemeClr val="accent1">
+              <a:shade val="50000"/>
+            </a:schemeClr>
+          </a:lnRef>
+          <a:fillRef idx="1">
+            <a:schemeClr val="accent1"/>
+          </a:fillRef>
+          <a:effectRef idx="0">
+            <a:schemeClr val="accent1"/>
+          </a:effectRef>
+          <a:fontRef idx="minor">
+            <a:schemeClr val="lt1"/>
+          </a:fontRef>
+        </p:style>
+        <p:txBody>
+          <a:bodyPr rtlCol="0" anchor="ctr"/>
+          <a:lstStyle/>
+          <a:p>
+            <a:r>
+              <a:rPr lang="en-US" altLang="zh-CN">
+                <a:solidFill>
+                  <a:schemeClr val="tx1"/>
+                </a:solidFill>
+              </a:rPr>
+              <a:t>pushregs</a:t>
+            </a:r>
+          </a:p>
+        </p:txBody>
+      </p:sp>
+      <p:sp>
+        <p:nvSpPr>
+          <p:cNvPr id="77" name="矩形 76">
+            <a:extLst>
+              <a:ext uri="{FF2B5EF4-FFF2-40B4-BE49-F238E27FC236}">
+                <a16:creationId xmlns:a16="http://schemas.microsoft.com/office/drawing/2014/main" id="{CED9506D-27A0-9B48-81AB-AC478C86501E}"/>
+              </a:ext>
+            </a:extLst>
+          </p:cNvPr>
+          <p:cNvSpPr/>
+          <p:nvPr/>
+        </p:nvSpPr>
+        <p:spPr>
+          <a:xfrm>
+            <a:off x="2586026" y="1418646"/>
+            <a:ext cx="1143590" cy="213755"/>
+          </a:xfrm>
+          <a:prstGeom prst="rect">
+            <a:avLst/>
+          </a:prstGeom>
+          <a:noFill/>
+          <a:ln>
+            <a:solidFill>
+              <a:schemeClr val="tx1"/>
+            </a:solidFill>
+          </a:ln>
+        </p:spPr>
+        <p:style>
+          <a:lnRef idx="2">
+            <a:schemeClr val="accent1">
+              <a:shade val="50000"/>
+            </a:schemeClr>
+          </a:lnRef>
+          <a:fillRef idx="1">
+            <a:schemeClr val="accent1"/>
+          </a:fillRef>
+          <a:effectRef idx="0">
+            <a:schemeClr val="accent1"/>
+          </a:effectRef>
+          <a:fontRef idx="minor">
+            <a:schemeClr val="lt1"/>
+          </a:fontRef>
+        </p:style>
+        <p:txBody>
+          <a:bodyPr rtlCol="0" anchor="ctr"/>
+          <a:lstStyle/>
+          <a:p>
+            <a:pPr algn="ctr"/>
+            <a:r>
+              <a:rPr lang="en-US" altLang="zh-CN">
+                <a:solidFill>
+                  <a:schemeClr val="tx1"/>
+                </a:solidFill>
+              </a:rPr>
+              <a:t>esp</a:t>
+            </a:r>
+          </a:p>
+        </p:txBody>
+      </p:sp>
+      <p:sp>
+        <p:nvSpPr>
+          <p:cNvPr id="79" name="矩形 78">
+            <a:extLst>
+              <a:ext uri="{FF2B5EF4-FFF2-40B4-BE49-F238E27FC236}">
+                <a16:creationId xmlns:a16="http://schemas.microsoft.com/office/drawing/2014/main" id="{AE86C582-A393-FD46-8AAD-738BE9659A59}"/>
+              </a:ext>
+            </a:extLst>
+          </p:cNvPr>
+          <p:cNvSpPr/>
+          <p:nvPr/>
+        </p:nvSpPr>
+        <p:spPr>
+          <a:xfrm>
+            <a:off x="2450874" y="2506374"/>
+            <a:ext cx="1143590" cy="358861"/>
+          </a:xfrm>
+          <a:prstGeom prst="rect">
+            <a:avLst/>
+          </a:prstGeom>
+          <a:noFill/>
+          <a:ln>
+            <a:solidFill>
+              <a:schemeClr val="tx1"/>
+            </a:solidFill>
+          </a:ln>
+        </p:spPr>
+        <p:style>
+          <a:lnRef idx="2">
+            <a:schemeClr val="accent1">
+              <a:shade val="50000"/>
+            </a:schemeClr>
+          </a:lnRef>
+          <a:fillRef idx="1">
+            <a:schemeClr val="accent1"/>
+          </a:fillRef>
+          <a:effectRef idx="0">
+            <a:schemeClr val="accent1"/>
+          </a:effectRef>
+          <a:fontRef idx="minor">
+            <a:schemeClr val="lt1"/>
+          </a:fontRef>
+        </p:style>
+        <p:txBody>
+          <a:bodyPr rtlCol="0" anchor="ctr"/>
+          <a:lstStyle/>
+          <a:p>
+            <a:pPr algn="ctr"/>
+            <a:r>
+              <a:rPr lang="en-US" altLang="zh-CN">
+                <a:solidFill>
+                  <a:schemeClr val="tx1"/>
+                </a:solidFill>
+              </a:rPr>
+              <a:t>esp</a:t>
+            </a:r>
+          </a:p>
+        </p:txBody>
+      </p:sp>
+      <p:sp>
+        <p:nvSpPr>
+          <p:cNvPr id="80" name="矩形 79">
+            <a:extLst>
+              <a:ext uri="{FF2B5EF4-FFF2-40B4-BE49-F238E27FC236}">
+                <a16:creationId xmlns:a16="http://schemas.microsoft.com/office/drawing/2014/main" id="{5D566FBE-492C-E746-8255-5BD36CA7EA26}"/>
+              </a:ext>
+            </a:extLst>
+          </p:cNvPr>
+          <p:cNvSpPr/>
+          <p:nvPr/>
+        </p:nvSpPr>
+        <p:spPr>
+          <a:xfrm>
+            <a:off x="2584652" y="1713845"/>
+            <a:ext cx="1143590" cy="213755"/>
+          </a:xfrm>
+          <a:prstGeom prst="rect">
+            <a:avLst/>
+          </a:prstGeom>
+          <a:noFill/>
+          <a:ln>
+            <a:solidFill>
+              <a:schemeClr val="tx1"/>
+            </a:solidFill>
+          </a:ln>
+        </p:spPr>
+        <p:style>
+          <a:lnRef idx="2">
+            <a:schemeClr val="accent1">
+              <a:shade val="50000"/>
+            </a:schemeClr>
+          </a:lnRef>
+          <a:fillRef idx="1">
+            <a:schemeClr val="accent1"/>
+          </a:fillRef>
+          <a:effectRef idx="0">
+            <a:schemeClr val="accent1"/>
+          </a:effectRef>
+          <a:fontRef idx="minor">
+            <a:schemeClr val="lt1"/>
+          </a:fontRef>
+        </p:style>
+        <p:txBody>
+          <a:bodyPr rtlCol="0" anchor="ctr"/>
+          <a:lstStyle/>
+          <a:p>
+            <a:pPr algn="ctr"/>
+            <a:r>
+              <a:rPr lang="en-US" altLang="zh-CN">
+                <a:solidFill>
+                  <a:schemeClr val="tx1"/>
+                </a:solidFill>
+              </a:rPr>
+              <a:t>eflags</a:t>
+            </a:r>
+          </a:p>
+        </p:txBody>
+      </p:sp>
+      <p:grpSp>
+        <p:nvGrpSpPr>
+          <p:cNvPr id="83" name="组合 82">
+            <a:extLst>
+              <a:ext uri="{FF2B5EF4-FFF2-40B4-BE49-F238E27FC236}">
+                <a16:creationId xmlns:a16="http://schemas.microsoft.com/office/drawing/2014/main" id="{B41EA792-0D5F-D54B-BE9B-9201AC56431B}"/>
+              </a:ext>
+            </a:extLst>
+          </p:cNvPr>
+          <p:cNvGrpSpPr/>
+          <p:nvPr/>
+        </p:nvGrpSpPr>
+        <p:grpSpPr>
+          <a:xfrm>
+            <a:off x="5387283" y="612224"/>
+            <a:ext cx="1213943" cy="3194864"/>
+            <a:chOff x="4738193" y="741472"/>
+            <a:chExt cx="1213943" cy="3194864"/>
+          </a:xfrm>
+        </p:grpSpPr>
+        <p:sp>
+          <p:nvSpPr>
+            <p:cNvPr id="16" name="矩形 15">
+              <a:extLst>
+                <a:ext uri="{FF2B5EF4-FFF2-40B4-BE49-F238E27FC236}">
+                  <a16:creationId xmlns:a16="http://schemas.microsoft.com/office/drawing/2014/main" id="{5F3F1919-773F-5446-ACDB-F922F4027B3B}"/>
+                </a:ext>
+              </a:extLst>
+            </p:cNvPr>
+            <p:cNvSpPr/>
+            <p:nvPr/>
+          </p:nvSpPr>
+          <p:spPr>
+            <a:xfrm>
+              <a:off x="4738194" y="1077804"/>
+              <a:ext cx="1213942" cy="2858532"/>
+            </a:xfrm>
+            <a:prstGeom prst="rect">
+              <a:avLst/>
+            </a:prstGeom>
+            <a:noFill/>
+            <a:ln>
+              <a:solidFill>
+                <a:schemeClr val="tx1"/>
+              </a:solidFill>
+            </a:ln>
+          </p:spPr>
+          <p:style>
+            <a:lnRef idx="2">
+              <a:schemeClr val="accent1">
+                <a:shade val="50000"/>
+              </a:schemeClr>
+            </a:lnRef>
+            <a:fillRef idx="1">
+              <a:schemeClr val="accent1"/>
+            </a:fillRef>
+            <a:effectRef idx="0">
+              <a:schemeClr val="accent1"/>
+            </a:effectRef>
+            <a:fontRef idx="minor">
+              <a:schemeClr val="lt1"/>
+            </a:fontRef>
+          </p:style>
+          <p:txBody>
+            <a:bodyPr rtlCol="0" anchor="ctr"/>
+            <a:lstStyle/>
+            <a:p>
+              <a:pPr algn="ctr"/>
+              <a:endParaRPr kumimoji="1" lang="zh-CN" altLang="en-US" sz="1400">
+                <a:solidFill>
+                  <a:schemeClr val="tx1"/>
+                </a:solidFill>
+              </a:endParaRPr>
+            </a:p>
+          </p:txBody>
+        </p:sp>
+        <p:sp>
+          <p:nvSpPr>
+            <p:cNvPr id="17" name="矩形 16">
+              <a:extLst>
+                <a:ext uri="{FF2B5EF4-FFF2-40B4-BE49-F238E27FC236}">
+                  <a16:creationId xmlns:a16="http://schemas.microsoft.com/office/drawing/2014/main" id="{3DDE1312-1BB7-5948-9E5A-01E1599F96DC}"/>
+                </a:ext>
+              </a:extLst>
+            </p:cNvPr>
+            <p:cNvSpPr/>
+            <p:nvPr/>
+          </p:nvSpPr>
+          <p:spPr>
+            <a:xfrm>
+              <a:off x="4738194" y="1755721"/>
+              <a:ext cx="1213942" cy="336331"/>
+            </a:xfrm>
+            <a:prstGeom prst="rect">
+              <a:avLst/>
+            </a:prstGeom>
+            <a:noFill/>
+            <a:ln>
+              <a:solidFill>
+                <a:schemeClr val="tx1"/>
+              </a:solidFill>
+            </a:ln>
+          </p:spPr>
+          <p:style>
+            <a:lnRef idx="2">
+              <a:schemeClr val="accent1">
+                <a:shade val="50000"/>
+              </a:schemeClr>
+            </a:lnRef>
+            <a:fillRef idx="1">
+              <a:schemeClr val="accent1"/>
+            </a:fillRef>
+            <a:effectRef idx="0">
+              <a:schemeClr val="accent1"/>
+            </a:effectRef>
+            <a:fontRef idx="minor">
+              <a:schemeClr val="lt1"/>
+            </a:fontRef>
+          </p:style>
+          <p:txBody>
+            <a:bodyPr rtlCol="0" anchor="ctr"/>
+            <a:lstStyle/>
+            <a:p>
+              <a:pPr algn="ctr"/>
+              <a:r>
+                <a:rPr lang="en-US" altLang="zh-CN" sz="1400">
+                  <a:solidFill>
+                    <a:schemeClr val="tx1"/>
+                  </a:solidFill>
+                </a:rPr>
+                <a:t>files_struct *</a:t>
+              </a:r>
+            </a:p>
+          </p:txBody>
+        </p:sp>
+        <p:sp>
+          <p:nvSpPr>
+            <p:cNvPr id="15" name="矩形 14">
+              <a:extLst>
+                <a:ext uri="{FF2B5EF4-FFF2-40B4-BE49-F238E27FC236}">
+                  <a16:creationId xmlns:a16="http://schemas.microsoft.com/office/drawing/2014/main" id="{60D9614F-9F64-734F-B294-42BB31812767}"/>
+                </a:ext>
+              </a:extLst>
+            </p:cNvPr>
+            <p:cNvSpPr/>
+            <p:nvPr/>
+          </p:nvSpPr>
+          <p:spPr>
+            <a:xfrm>
+              <a:off x="4738193" y="741472"/>
+              <a:ext cx="1213942" cy="336331"/>
+            </a:xfrm>
+            <a:prstGeom prst="rect">
+              <a:avLst/>
+            </a:prstGeom>
+            <a:noFill/>
+            <a:ln>
+              <a:noFill/>
+            </a:ln>
+          </p:spPr>
+          <p:style>
+            <a:lnRef idx="2">
+              <a:schemeClr val="accent1">
+                <a:shade val="50000"/>
+              </a:schemeClr>
+            </a:lnRef>
+            <a:fillRef idx="1">
+              <a:schemeClr val="accent1"/>
+            </a:fillRef>
+            <a:effectRef idx="0">
+              <a:schemeClr val="accent1"/>
+            </a:effectRef>
+            <a:fontRef idx="minor">
+              <a:schemeClr val="lt1"/>
+            </a:fontRef>
+          </p:style>
+          <p:txBody>
+            <a:bodyPr rtlCol="0" anchor="ctr"/>
+            <a:lstStyle/>
+            <a:p>
+              <a:pPr algn="ctr"/>
+              <a:r>
+                <a:rPr kumimoji="1" lang="en-US" altLang="zh-CN" sz="1400">
+                  <a:solidFill>
+                    <a:schemeClr val="tx1"/>
+                  </a:solidFill>
+                </a:rPr>
+                <a:t>proc_struct</a:t>
+              </a:r>
+              <a:endParaRPr kumimoji="1" lang="zh-CN" altLang="en-US" sz="1400">
+                <a:solidFill>
+                  <a:schemeClr val="tx1"/>
+                </a:solidFill>
+              </a:endParaRPr>
+            </a:p>
+          </p:txBody>
+        </p:sp>
+        <p:sp>
+          <p:nvSpPr>
+            <p:cNvPr id="42" name="矩形 41">
+              <a:extLst>
+                <a:ext uri="{FF2B5EF4-FFF2-40B4-BE49-F238E27FC236}">
+                  <a16:creationId xmlns:a16="http://schemas.microsoft.com/office/drawing/2014/main" id="{D0F73BF2-51E9-AB40-B2C2-BB34E06DA6FD}"/>
+                </a:ext>
+              </a:extLst>
+            </p:cNvPr>
+            <p:cNvSpPr/>
+            <p:nvPr/>
+          </p:nvSpPr>
+          <p:spPr>
+            <a:xfrm>
+              <a:off x="4741882" y="2172156"/>
+              <a:ext cx="1206563" cy="336331"/>
+            </a:xfrm>
+            <a:prstGeom prst="rect">
+              <a:avLst/>
+            </a:prstGeom>
+            <a:noFill/>
+            <a:ln>
+              <a:solidFill>
+                <a:schemeClr val="tx1"/>
+              </a:solidFill>
+            </a:ln>
+          </p:spPr>
+          <p:style>
+            <a:lnRef idx="2">
+              <a:schemeClr val="accent1">
+                <a:shade val="50000"/>
+              </a:schemeClr>
+            </a:lnRef>
+            <a:fillRef idx="1">
+              <a:schemeClr val="accent1"/>
+            </a:fillRef>
+            <a:effectRef idx="0">
+              <a:schemeClr val="accent1"/>
+            </a:effectRef>
+            <a:fontRef idx="minor">
+              <a:schemeClr val="lt1"/>
+            </a:fontRef>
+          </p:style>
+          <p:txBody>
+            <a:bodyPr rtlCol="0" anchor="ctr"/>
+            <a:lstStyle/>
+            <a:p>
+              <a:pPr algn="ctr"/>
+              <a:r>
+                <a:rPr lang="en-US" altLang="zh-CN" sz="1400">
+                  <a:solidFill>
+                    <a:schemeClr val="tx1"/>
+                  </a:solidFill>
+                </a:rPr>
+                <a:t>kstack</a:t>
+              </a:r>
+            </a:p>
+          </p:txBody>
+        </p:sp>
+        <p:sp>
+          <p:nvSpPr>
+            <p:cNvPr id="70" name="矩形 69">
+              <a:extLst>
+                <a:ext uri="{FF2B5EF4-FFF2-40B4-BE49-F238E27FC236}">
+                  <a16:creationId xmlns:a16="http://schemas.microsoft.com/office/drawing/2014/main" id="{84B1DD10-F80F-7148-B692-7B6DE314EEEC}"/>
+                </a:ext>
+              </a:extLst>
+            </p:cNvPr>
+            <p:cNvSpPr/>
+            <p:nvPr/>
+          </p:nvSpPr>
+          <p:spPr>
+            <a:xfrm>
+              <a:off x="4741883" y="2585334"/>
+              <a:ext cx="1205384" cy="336331"/>
+            </a:xfrm>
+            <a:prstGeom prst="rect">
+              <a:avLst/>
+            </a:prstGeom>
+            <a:noFill/>
+            <a:ln>
+              <a:solidFill>
+                <a:schemeClr val="tx1"/>
+              </a:solidFill>
+            </a:ln>
+          </p:spPr>
+          <p:style>
+            <a:lnRef idx="2">
+              <a:schemeClr val="accent1">
+                <a:shade val="50000"/>
+              </a:schemeClr>
+            </a:lnRef>
+            <a:fillRef idx="1">
+              <a:schemeClr val="accent1"/>
+            </a:fillRef>
+            <a:effectRef idx="0">
+              <a:schemeClr val="accent1"/>
+            </a:effectRef>
+            <a:fontRef idx="minor">
+              <a:schemeClr val="lt1"/>
+            </a:fontRef>
+          </p:style>
+          <p:txBody>
+            <a:bodyPr rtlCol="0" anchor="ctr"/>
+            <a:lstStyle/>
+            <a:p>
+              <a:pPr algn="ctr"/>
+              <a:r>
+                <a:rPr lang="en-US" altLang="zh-CN" sz="1400">
+                  <a:solidFill>
+                    <a:schemeClr val="tx1"/>
+                  </a:solidFill>
+                </a:rPr>
+                <a:t>tf</a:t>
+              </a:r>
+              <a:r>
+                <a:rPr lang="zh-CN" altLang="en-US" sz="1400">
+                  <a:solidFill>
+                    <a:schemeClr val="tx1"/>
+                  </a:solidFill>
+                </a:rPr>
+                <a:t> *</a:t>
+              </a:r>
+              <a:endParaRPr lang="en-US" altLang="zh-CN" sz="1400">
+                <a:solidFill>
+                  <a:schemeClr val="tx1"/>
+                </a:solidFill>
+              </a:endParaRPr>
+            </a:p>
+          </p:txBody>
+        </p:sp>
+        <p:sp>
+          <p:nvSpPr>
+            <p:cNvPr id="81" name="矩形 80">
+              <a:extLst>
+                <a:ext uri="{FF2B5EF4-FFF2-40B4-BE49-F238E27FC236}">
+                  <a16:creationId xmlns:a16="http://schemas.microsoft.com/office/drawing/2014/main" id="{239D2204-D1C2-2E4A-A36E-3309C8DBC1FE}"/>
+                </a:ext>
+              </a:extLst>
+            </p:cNvPr>
+            <p:cNvSpPr/>
+            <p:nvPr/>
+          </p:nvSpPr>
+          <p:spPr>
+            <a:xfrm>
+              <a:off x="4741884" y="2998512"/>
+              <a:ext cx="1205383" cy="336331"/>
+            </a:xfrm>
+            <a:prstGeom prst="rect">
+              <a:avLst/>
+            </a:prstGeom>
+            <a:noFill/>
+            <a:ln>
+              <a:solidFill>
+                <a:schemeClr val="tx1"/>
+              </a:solidFill>
+            </a:ln>
+          </p:spPr>
+          <p:style>
+            <a:lnRef idx="2">
+              <a:schemeClr val="accent1">
+                <a:shade val="50000"/>
+              </a:schemeClr>
+            </a:lnRef>
+            <a:fillRef idx="1">
+              <a:schemeClr val="accent1"/>
+            </a:fillRef>
+            <a:effectRef idx="0">
+              <a:schemeClr val="accent1"/>
+            </a:effectRef>
+            <a:fontRef idx="minor">
+              <a:schemeClr val="lt1"/>
+            </a:fontRef>
+          </p:style>
+          <p:txBody>
+            <a:bodyPr rtlCol="0" anchor="ctr"/>
+            <a:lstStyle/>
+            <a:p>
+              <a:pPr algn="ctr"/>
+              <a:r>
+                <a:rPr lang="en-US" altLang="zh-CN" sz="1400">
+                  <a:solidFill>
+                    <a:schemeClr val="tx1"/>
+                  </a:solidFill>
+                </a:rPr>
+                <a:t>context</a:t>
+              </a:r>
+            </a:p>
+          </p:txBody>
+        </p:sp>
+      </p:grpSp>
+      <p:sp>
+        <p:nvSpPr>
+          <p:cNvPr id="85" name="矩形 84">
+            <a:extLst>
+              <a:ext uri="{FF2B5EF4-FFF2-40B4-BE49-F238E27FC236}">
+                <a16:creationId xmlns:a16="http://schemas.microsoft.com/office/drawing/2014/main" id="{CAAB44B1-2C2A-B742-A9A0-E3312836989B}"/>
+              </a:ext>
+            </a:extLst>
+          </p:cNvPr>
+          <p:cNvSpPr/>
+          <p:nvPr/>
+        </p:nvSpPr>
+        <p:spPr>
+          <a:xfrm>
+            <a:off x="5390974" y="3363969"/>
+            <a:ext cx="1205383" cy="336331"/>
+          </a:xfrm>
+          <a:prstGeom prst="rect">
+            <a:avLst/>
+          </a:prstGeom>
+          <a:noFill/>
+          <a:ln>
+            <a:solidFill>
+              <a:schemeClr val="tx1"/>
+            </a:solidFill>
+          </a:ln>
+        </p:spPr>
+        <p:style>
+          <a:lnRef idx="2">
+            <a:schemeClr val="accent1">
+              <a:shade val="50000"/>
+            </a:schemeClr>
+          </a:lnRef>
+          <a:fillRef idx="1">
+            <a:schemeClr val="accent1"/>
+          </a:fillRef>
+          <a:effectRef idx="0">
+            <a:schemeClr val="accent1"/>
+          </a:effectRef>
+          <a:fontRef idx="minor">
+            <a:schemeClr val="lt1"/>
+          </a:fontRef>
+        </p:style>
+        <p:txBody>
+          <a:bodyPr rtlCol="0" anchor="ctr"/>
+          <a:lstStyle/>
+          <a:p>
+            <a:pPr algn="ctr"/>
             <a:r>
               <a:rPr lang="en-US" altLang="zh-CN" sz="1400">
                 <a:solidFill>
                   <a:schemeClr val="tx1"/>
                 </a:solidFill>
               </a:rPr>
-              <a:t>r/w</a:t>
+              <a:t>mm</a:t>
             </a:r>
+            <a:r>
+              <a:rPr lang="zh-CN" altLang="en-US" sz="1400">
+                <a:solidFill>
+                  <a:schemeClr val="tx1"/>
+                </a:solidFill>
+              </a:rPr>
+              <a:t>*</a:t>
+            </a:r>
+            <a:endParaRPr lang="en-US" altLang="zh-CN" sz="1400">
+              <a:solidFill>
+                <a:schemeClr val="tx1"/>
+              </a:solidFill>
+            </a:endParaRPr>
           </a:p>
         </p:txBody>
       </p:sp>

--- a/文件系统.pptx
+++ b/文件系统.pptx
@@ -266,7 +266,7 @@
           <a:p>
             <a:fld id="{3D71AFD6-832F-764F-A8C5-443411455556}" type="datetimeFigureOut">
               <a:rPr kumimoji="1" lang="zh-CN" altLang="en-US" smtClean="0"/>
-              <a:t>2019/9/30</a:t>
+              <a:t>2019/10/2</a:t>
             </a:fld>
             <a:endParaRPr kumimoji="1" lang="zh-CN" altLang="en-US"/>
           </a:p>
@@ -464,7 +464,7 @@
           <a:p>
             <a:fld id="{3D71AFD6-832F-764F-A8C5-443411455556}" type="datetimeFigureOut">
               <a:rPr kumimoji="1" lang="zh-CN" altLang="en-US" smtClean="0"/>
-              <a:t>2019/9/30</a:t>
+              <a:t>2019/10/2</a:t>
             </a:fld>
             <a:endParaRPr kumimoji="1" lang="zh-CN" altLang="en-US"/>
           </a:p>
@@ -672,7 +672,7 @@
           <a:p>
             <a:fld id="{3D71AFD6-832F-764F-A8C5-443411455556}" type="datetimeFigureOut">
               <a:rPr kumimoji="1" lang="zh-CN" altLang="en-US" smtClean="0"/>
-              <a:t>2019/9/30</a:t>
+              <a:t>2019/10/2</a:t>
             </a:fld>
             <a:endParaRPr kumimoji="1" lang="zh-CN" altLang="en-US"/>
           </a:p>
@@ -870,7 +870,7 @@
           <a:p>
             <a:fld id="{3D71AFD6-832F-764F-A8C5-443411455556}" type="datetimeFigureOut">
               <a:rPr kumimoji="1" lang="zh-CN" altLang="en-US" smtClean="0"/>
-              <a:t>2019/9/30</a:t>
+              <a:t>2019/10/2</a:t>
             </a:fld>
             <a:endParaRPr kumimoji="1" lang="zh-CN" altLang="en-US"/>
           </a:p>
@@ -1145,7 +1145,7 @@
           <a:p>
             <a:fld id="{3D71AFD6-832F-764F-A8C5-443411455556}" type="datetimeFigureOut">
               <a:rPr kumimoji="1" lang="zh-CN" altLang="en-US" smtClean="0"/>
-              <a:t>2019/9/30</a:t>
+              <a:t>2019/10/2</a:t>
             </a:fld>
             <a:endParaRPr kumimoji="1" lang="zh-CN" altLang="en-US"/>
           </a:p>
@@ -1410,7 +1410,7 @@
           <a:p>
             <a:fld id="{3D71AFD6-832F-764F-A8C5-443411455556}" type="datetimeFigureOut">
               <a:rPr kumimoji="1" lang="zh-CN" altLang="en-US" smtClean="0"/>
-              <a:t>2019/9/30</a:t>
+              <a:t>2019/10/2</a:t>
             </a:fld>
             <a:endParaRPr kumimoji="1" lang="zh-CN" altLang="en-US"/>
           </a:p>
@@ -1822,7 +1822,7 @@
           <a:p>
             <a:fld id="{3D71AFD6-832F-764F-A8C5-443411455556}" type="datetimeFigureOut">
               <a:rPr kumimoji="1" lang="zh-CN" altLang="en-US" smtClean="0"/>
-              <a:t>2019/9/30</a:t>
+              <a:t>2019/10/2</a:t>
             </a:fld>
             <a:endParaRPr kumimoji="1" lang="zh-CN" altLang="en-US"/>
           </a:p>
@@ -1963,7 +1963,7 @@
           <a:p>
             <a:fld id="{3D71AFD6-832F-764F-A8C5-443411455556}" type="datetimeFigureOut">
               <a:rPr kumimoji="1" lang="zh-CN" altLang="en-US" smtClean="0"/>
-              <a:t>2019/9/30</a:t>
+              <a:t>2019/10/2</a:t>
             </a:fld>
             <a:endParaRPr kumimoji="1" lang="zh-CN" altLang="en-US"/>
           </a:p>
@@ -2076,7 +2076,7 @@
           <a:p>
             <a:fld id="{3D71AFD6-832F-764F-A8C5-443411455556}" type="datetimeFigureOut">
               <a:rPr kumimoji="1" lang="zh-CN" altLang="en-US" smtClean="0"/>
-              <a:t>2019/9/30</a:t>
+              <a:t>2019/10/2</a:t>
             </a:fld>
             <a:endParaRPr kumimoji="1" lang="zh-CN" altLang="en-US"/>
           </a:p>
@@ -2387,7 +2387,7 @@
           <a:p>
             <a:fld id="{3D71AFD6-832F-764F-A8C5-443411455556}" type="datetimeFigureOut">
               <a:rPr kumimoji="1" lang="zh-CN" altLang="en-US" smtClean="0"/>
-              <a:t>2019/9/30</a:t>
+              <a:t>2019/10/2</a:t>
             </a:fld>
             <a:endParaRPr kumimoji="1" lang="zh-CN" altLang="en-US"/>
           </a:p>
@@ -2675,7 +2675,7 @@
           <a:p>
             <a:fld id="{3D71AFD6-832F-764F-A8C5-443411455556}" type="datetimeFigureOut">
               <a:rPr kumimoji="1" lang="zh-CN" altLang="en-US" smtClean="0"/>
-              <a:t>2019/9/30</a:t>
+              <a:t>2019/10/2</a:t>
             </a:fld>
             <a:endParaRPr kumimoji="1" lang="zh-CN" altLang="en-US"/>
           </a:p>
@@ -2916,7 +2916,7 @@
           <a:p>
             <a:fld id="{3D71AFD6-832F-764F-A8C5-443411455556}" type="datetimeFigureOut">
               <a:rPr kumimoji="1" lang="zh-CN" altLang="en-US" smtClean="0"/>
-              <a:t>2019/9/30</a:t>
+              <a:t>2019/10/2</a:t>
             </a:fld>
             <a:endParaRPr kumimoji="1" lang="zh-CN" altLang="en-US"/>
           </a:p>
@@ -5821,8 +5821,8 @@
         </p:nvCxnSpPr>
         <p:spPr>
           <a:xfrm flipV="1">
-            <a:off x="6601226" y="935560"/>
-            <a:ext cx="1278009" cy="859079"/>
+            <a:off x="6601226" y="670152"/>
+            <a:ext cx="1230116" cy="1124487"/>
           </a:xfrm>
           <a:prstGeom prst="straightConnector1">
             <a:avLst/>
@@ -5858,14 +5858,14 @@
           <p:cNvCxnSpPr>
             <a:cxnSpLocks/>
             <a:stCxn id="24" idx="3"/>
-            <a:endCxn id="35" idx="1"/>
+            <a:endCxn id="34" idx="1"/>
           </p:cNvCxnSpPr>
           <p:nvPr/>
         </p:nvCxnSpPr>
         <p:spPr>
           <a:xfrm flipV="1">
-            <a:off x="9997127" y="2060538"/>
-            <a:ext cx="712597" cy="104160"/>
+            <a:off x="9851613" y="649396"/>
+            <a:ext cx="847739" cy="962030"/>
           </a:xfrm>
           <a:prstGeom prst="straightConnector1">
             <a:avLst/>
@@ -5904,7 +5904,7 @@
         <p:grpSpPr>
           <a:xfrm>
             <a:off x="6840187" y="-197690"/>
-            <a:ext cx="3279043" cy="3477234"/>
+            <a:ext cx="3127902" cy="2662866"/>
             <a:chOff x="2155797" y="583529"/>
             <a:chExt cx="4092598" cy="3477234"/>
           </a:xfrm>
@@ -5956,7 +5956,7 @@
             <a:p>
               <a:pPr algn="ctr"/>
               <a:r>
-                <a:rPr kumimoji="1" lang="en-US" altLang="zh-CN" sz="1400">
+                <a:rPr kumimoji="1" lang="en-US" altLang="zh-CN" sz="900">
                   <a:solidFill>
                     <a:schemeClr val="tx1"/>
                   </a:solidFill>
@@ -5964,7 +5964,7 @@
                 <a:t>page</a:t>
               </a:r>
               <a:r>
-                <a:rPr kumimoji="1" lang="zh-CN" altLang="en-US" sz="1400">
+                <a:rPr kumimoji="1" lang="zh-CN" altLang="en-US" sz="900">
                   <a:solidFill>
                     <a:schemeClr val="tx1"/>
                   </a:solidFill>
@@ -5972,14 +5972,14 @@
                 <a:t> </a:t>
               </a:r>
               <a:r>
-                <a:rPr kumimoji="1" lang="en-US" altLang="zh-CN" sz="1400">
+                <a:rPr kumimoji="1" lang="en-US" altLang="zh-CN" sz="900">
                   <a:solidFill>
                     <a:schemeClr val="tx1"/>
                   </a:solidFill>
                 </a:rPr>
                 <a:t>mem</a:t>
               </a:r>
-              <a:endParaRPr kumimoji="1" lang="zh-CN" altLang="en-US" sz="1400">
+              <a:endParaRPr kumimoji="1" lang="zh-CN" altLang="en-US" sz="900">
                 <a:solidFill>
                   <a:schemeClr val="tx1"/>
                 </a:solidFill>
@@ -6002,7 +6002,7 @@
           <p:spPr>
             <a:xfrm>
               <a:off x="2155797" y="3014997"/>
-              <a:ext cx="1089756" cy="307777"/>
+              <a:ext cx="1089756" cy="230832"/>
             </a:xfrm>
             <a:prstGeom prst="rect">
               <a:avLst/>
@@ -6016,10 +6016,10 @@
             <a:lstStyle/>
             <a:p>
               <a:r>
-                <a:rPr kumimoji="1" lang="en-US" altLang="zh-CN" sz="1400"/>
+                <a:rPr kumimoji="1" lang="en-US" altLang="zh-CN" sz="900"/>
                 <a:t>filemap</a:t>
               </a:r>
-              <a:endParaRPr kumimoji="1" lang="zh-CN" altLang="en-US" sz="1400"/>
+              <a:endParaRPr kumimoji="1" lang="zh-CN" altLang="en-US" sz="900"/>
             </a:p>
           </p:txBody>
         </p:sp>
@@ -6091,7 +6091,7 @@
               <a:lstStyle/>
               <a:p>
                 <a:pPr algn="ctr"/>
-                <a:endParaRPr lang="en-US" altLang="zh-CN" sz="1400">
+                <a:endParaRPr lang="en-US" altLang="zh-CN" sz="900">
                   <a:solidFill>
                     <a:schemeClr val="tx1"/>
                   </a:solidFill>
@@ -6148,7 +6148,7 @@
               <a:p>
                 <a:pPr algn="ctr"/>
                 <a:r>
-                  <a:rPr lang="en-US" altLang="zh-CN" sz="1400">
+                  <a:rPr lang="en-US" altLang="zh-CN" sz="900">
                     <a:solidFill>
                       <a:schemeClr val="tx1"/>
                     </a:solidFill>
@@ -6156,7 +6156,7 @@
                   <a:t>inode</a:t>
                 </a:r>
                 <a:r>
-                  <a:rPr lang="zh-CN" altLang="en-US" sz="1400">
+                  <a:rPr lang="zh-CN" altLang="en-US" sz="900">
                     <a:solidFill>
                       <a:schemeClr val="tx1"/>
                     </a:solidFill>
@@ -6164,7 +6164,7 @@
                   <a:t>* </a:t>
                 </a:r>
                 <a:r>
-                  <a:rPr lang="en-US" altLang="zh-CN" sz="1400">
+                  <a:rPr lang="en-US" altLang="zh-CN" sz="900">
                     <a:solidFill>
                       <a:schemeClr val="tx1"/>
                     </a:solidFill>
@@ -6223,7 +6223,7 @@
               <a:p>
                 <a:pPr algn="ctr"/>
                 <a:r>
-                  <a:rPr lang="en-US" altLang="zh-CN" sz="1400">
+                  <a:rPr lang="en-US" altLang="zh-CN" sz="900">
                     <a:solidFill>
                       <a:schemeClr val="tx1"/>
                     </a:solidFill>
@@ -6282,7 +6282,7 @@
               <a:p>
                 <a:pPr algn="ctr"/>
                 <a:r>
-                  <a:rPr lang="en-US" altLang="zh-CN" sz="1400">
+                  <a:rPr lang="en-US" altLang="zh-CN" sz="900">
                     <a:solidFill>
                       <a:schemeClr val="tx1"/>
                     </a:solidFill>
@@ -6341,7 +6341,7 @@
               <a:p>
                 <a:pPr algn="ctr"/>
                 <a:r>
-                  <a:rPr lang="en-US" altLang="zh-CN" sz="1400">
+                  <a:rPr lang="en-US" altLang="zh-CN" sz="900">
                     <a:solidFill>
                       <a:schemeClr val="tx1"/>
                     </a:solidFill>
@@ -6400,7 +6400,7 @@
               <a:p>
                 <a:pPr algn="ctr"/>
                 <a:r>
-                  <a:rPr lang="en-US" altLang="zh-CN" sz="1400">
+                  <a:rPr lang="en-US" altLang="zh-CN" sz="900">
                     <a:solidFill>
                       <a:schemeClr val="tx1"/>
                     </a:solidFill>
@@ -6459,7 +6459,7 @@
               <a:p>
                 <a:pPr algn="ctr"/>
                 <a:r>
-                  <a:rPr lang="en-US" altLang="zh-CN" sz="1400">
+                  <a:rPr lang="en-US" altLang="zh-CN" sz="900">
                     <a:solidFill>
                       <a:schemeClr val="tx1"/>
                     </a:solidFill>
@@ -6518,7 +6518,7 @@
               <a:p>
                 <a:pPr algn="ctr"/>
                 <a:r>
-                  <a:rPr lang="en-US" altLang="zh-CN" sz="1400">
+                  <a:rPr lang="en-US" altLang="zh-CN" sz="900">
                     <a:solidFill>
                       <a:schemeClr val="tx1"/>
                     </a:solidFill>
@@ -6577,7 +6577,7 @@
               <a:p>
                 <a:pPr algn="ctr"/>
                 <a:r>
-                  <a:rPr lang="en-US" altLang="zh-CN" sz="1400">
+                  <a:rPr lang="en-US" altLang="zh-CN" sz="900">
                     <a:solidFill>
                       <a:schemeClr val="tx1"/>
                     </a:solidFill>
@@ -6681,7 +6681,7 @@
               <a:p>
                 <a:pPr algn="ctr"/>
                 <a:r>
-                  <a:rPr lang="en-US" altLang="zh-CN" sz="1400" b="1">
+                  <a:rPr lang="en-US" altLang="zh-CN" sz="900" b="1">
                     <a:solidFill>
                       <a:schemeClr val="tx1"/>
                     </a:solidFill>
@@ -6711,7 +6711,7 @@
           <p:spPr>
             <a:xfrm flipV="1">
               <a:off x="3245553" y="2499978"/>
-              <a:ext cx="207090" cy="668908"/>
+              <a:ext cx="207090" cy="630435"/>
             </a:xfrm>
             <a:prstGeom prst="straightConnector1">
               <a:avLst/>
@@ -6754,8 +6754,8 @@
           </p:nvCxnSpPr>
           <p:spPr>
             <a:xfrm>
-              <a:off x="3245553" y="3168886"/>
-              <a:ext cx="207087" cy="668908"/>
+              <a:off x="3245553" y="3130413"/>
+              <a:ext cx="207087" cy="707381"/>
             </a:xfrm>
             <a:prstGeom prst="straightConnector1">
               <a:avLst/>
@@ -6795,8 +6795,8 @@
         </p:nvGrpSpPr>
         <p:grpSpPr>
           <a:xfrm>
-            <a:off x="10709718" y="526352"/>
-            <a:ext cx="1405298" cy="2631980"/>
+            <a:off x="10699349" y="530312"/>
+            <a:ext cx="1146579" cy="1436452"/>
             <a:chOff x="10373080" y="909637"/>
             <a:chExt cx="1660637" cy="2631980"/>
           </a:xfrm>
@@ -6848,14 +6848,14 @@
             <a:p>
               <a:pPr algn="ctr"/>
               <a:r>
-                <a:rPr kumimoji="1" lang="en-US" altLang="zh-CN" sz="1400">
+                <a:rPr kumimoji="1" lang="en-US" altLang="zh-CN" sz="900">
                   <a:solidFill>
                     <a:schemeClr val="tx1"/>
                   </a:solidFill>
                 </a:rPr>
                 <a:t>file</a:t>
               </a:r>
-              <a:endParaRPr kumimoji="1" lang="zh-CN" altLang="en-US" sz="1400">
+              <a:endParaRPr kumimoji="1" lang="zh-CN" altLang="en-US" sz="900">
                 <a:solidFill>
                   <a:schemeClr val="tx1"/>
                 </a:solidFill>
@@ -6913,7 +6913,7 @@
             <a:lstStyle/>
             <a:p>
               <a:pPr algn="ctr"/>
-              <a:endParaRPr kumimoji="1" lang="zh-CN" altLang="en-US" sz="1400">
+              <a:endParaRPr kumimoji="1" lang="zh-CN" altLang="en-US" sz="900">
                 <a:solidFill>
                   <a:schemeClr val="tx1"/>
                 </a:solidFill>
@@ -6970,7 +6970,7 @@
             <a:p>
               <a:pPr algn="ctr"/>
               <a:r>
-                <a:rPr lang="en-US" altLang="zh-CN" sz="1400" b="1">
+                <a:rPr lang="en-US" altLang="zh-CN" sz="900" b="1">
                   <a:solidFill>
                     <a:schemeClr val="tx1"/>
                   </a:solidFill>
@@ -6978,7 +6978,7 @@
                 <a:t>inode</a:t>
               </a:r>
               <a:r>
-                <a:rPr lang="zh-CN" altLang="en-US" sz="1400">
+                <a:rPr lang="zh-CN" altLang="en-US" sz="900">
                   <a:solidFill>
                     <a:schemeClr val="tx1"/>
                   </a:solidFill>
@@ -6986,7 +6986,7 @@
                 <a:t> *</a:t>
               </a:r>
               <a:r>
-                <a:rPr lang="en-US" altLang="zh-CN" sz="1400">
+                <a:rPr lang="en-US" altLang="zh-CN" sz="900">
                   <a:solidFill>
                     <a:schemeClr val="tx1"/>
                   </a:solidFill>
@@ -7045,7 +7045,7 @@
             <a:p>
               <a:pPr algn="ctr"/>
               <a:r>
-                <a:rPr lang="en-US" altLang="zh-CN" sz="1400" b="1">
+                <a:rPr lang="en-US" altLang="zh-CN" sz="900" b="1">
                   <a:solidFill>
                     <a:schemeClr val="tx1"/>
                   </a:solidFill>
@@ -7104,7 +7104,7 @@
             <a:p>
               <a:pPr algn="ctr"/>
               <a:r>
-                <a:rPr lang="en-US" altLang="zh-CN" sz="1400">
+                <a:rPr lang="en-US" altLang="zh-CN" sz="900">
                   <a:solidFill>
                     <a:schemeClr val="tx1"/>
                   </a:solidFill>
@@ -7115,598 +7115,12 @@
           </p:txBody>
         </p:sp>
       </p:grpSp>
-      <p:sp>
-        <p:nvSpPr>
-          <p:cNvPr id="47" name="矩形 46">
-            <a:extLst>
-              <a:ext uri="{FF2B5EF4-FFF2-40B4-BE49-F238E27FC236}">
-                <a16:creationId xmlns:a16="http://schemas.microsoft.com/office/drawing/2014/main" id="{9E59E17B-4EA7-0949-BD41-632990D93B9D}"/>
-              </a:ext>
-            </a:extLst>
-          </p:cNvPr>
-          <p:cNvSpPr/>
-          <p:nvPr/>
-        </p:nvSpPr>
-        <p:spPr>
-          <a:xfrm>
-            <a:off x="1335762" y="1093664"/>
-            <a:ext cx="2397457" cy="3027074"/>
-          </a:xfrm>
-          <a:prstGeom prst="rect">
-            <a:avLst/>
-          </a:prstGeom>
-          <a:noFill/>
-          <a:ln>
-            <a:solidFill>
-              <a:schemeClr val="tx1"/>
-            </a:solidFill>
-          </a:ln>
-        </p:spPr>
-        <p:style>
-          <a:lnRef idx="2">
-            <a:schemeClr val="accent1">
-              <a:shade val="50000"/>
-            </a:schemeClr>
-          </a:lnRef>
-          <a:fillRef idx="1">
-            <a:schemeClr val="accent1"/>
-          </a:fillRef>
-          <a:effectRef idx="0">
-            <a:schemeClr val="accent1"/>
-          </a:effectRef>
-          <a:fontRef idx="minor">
-            <a:schemeClr val="lt1"/>
-          </a:fontRef>
-        </p:style>
-        <p:txBody>
-          <a:bodyPr rtlCol="0" anchor="ctr"/>
-          <a:lstStyle/>
-          <a:p>
-            <a:pPr algn="ctr"/>
-            <a:endParaRPr kumimoji="1" lang="zh-CN" altLang="en-US">
-              <a:solidFill>
-                <a:schemeClr val="tx1"/>
-              </a:solidFill>
-            </a:endParaRPr>
-          </a:p>
-        </p:txBody>
-      </p:sp>
-      <p:sp>
-        <p:nvSpPr>
-          <p:cNvPr id="49" name="矩形 48">
-            <a:extLst>
-              <a:ext uri="{FF2B5EF4-FFF2-40B4-BE49-F238E27FC236}">
-                <a16:creationId xmlns:a16="http://schemas.microsoft.com/office/drawing/2014/main" id="{02059DCD-DA63-EE4F-8E0C-76D84FF7B2D5}"/>
-              </a:ext>
-            </a:extLst>
-          </p:cNvPr>
-          <p:cNvSpPr/>
-          <p:nvPr/>
-        </p:nvSpPr>
-        <p:spPr>
-          <a:xfrm>
-            <a:off x="1335610" y="1087971"/>
-            <a:ext cx="1249042" cy="1336959"/>
-          </a:xfrm>
-          <a:prstGeom prst="rect">
-            <a:avLst/>
-          </a:prstGeom>
-          <a:noFill/>
-          <a:ln>
-            <a:solidFill>
-              <a:schemeClr val="tx1"/>
-            </a:solidFill>
-          </a:ln>
-        </p:spPr>
-        <p:style>
-          <a:lnRef idx="2">
-            <a:schemeClr val="accent1">
-              <a:shade val="50000"/>
-            </a:schemeClr>
-          </a:lnRef>
-          <a:fillRef idx="1">
-            <a:schemeClr val="accent1"/>
-          </a:fillRef>
-          <a:effectRef idx="0">
-            <a:schemeClr val="accent1"/>
-          </a:effectRef>
-          <a:fontRef idx="minor">
-            <a:schemeClr val="lt1"/>
-          </a:fontRef>
-        </p:style>
-        <p:txBody>
-          <a:bodyPr rtlCol="0" anchor="ctr"/>
-          <a:lstStyle/>
-          <a:p>
-            <a:pPr algn="ctr"/>
-            <a:r>
-              <a:rPr lang="en-US" altLang="zh-CN">
-                <a:solidFill>
-                  <a:schemeClr val="tx1"/>
-                </a:solidFill>
-              </a:rPr>
-              <a:t>trapframe</a:t>
-            </a:r>
-            <a:r>
-              <a:rPr lang="zh-CN" altLang="en-US">
-                <a:solidFill>
-                  <a:schemeClr val="tx1"/>
-                </a:solidFill>
-              </a:rPr>
-              <a:t>占</a:t>
-            </a:r>
-            <a:r>
-              <a:rPr lang="en-US" altLang="zh-CN">
-                <a:solidFill>
-                  <a:schemeClr val="tx1"/>
-                </a:solidFill>
-              </a:rPr>
-              <a:t>1PAGE</a:t>
-            </a:r>
-          </a:p>
-        </p:txBody>
-      </p:sp>
-      <p:sp>
-        <p:nvSpPr>
-          <p:cNvPr id="50" name="同侧圆角矩形 49">
-            <a:extLst>
-              <a:ext uri="{FF2B5EF4-FFF2-40B4-BE49-F238E27FC236}">
-                <a16:creationId xmlns:a16="http://schemas.microsoft.com/office/drawing/2014/main" id="{EAC5F005-7486-FD45-B343-62FA09201186}"/>
-              </a:ext>
-            </a:extLst>
-          </p:cNvPr>
-          <p:cNvSpPr/>
-          <p:nvPr/>
-        </p:nvSpPr>
-        <p:spPr>
-          <a:xfrm>
-            <a:off x="1335762" y="741226"/>
-            <a:ext cx="2397457" cy="352438"/>
-          </a:xfrm>
-          <a:prstGeom prst="round2SameRect">
-            <a:avLst/>
-          </a:prstGeom>
-          <a:noFill/>
-          <a:ln>
-            <a:noFill/>
-          </a:ln>
-        </p:spPr>
-        <p:style>
-          <a:lnRef idx="2">
-            <a:schemeClr val="accent1">
-              <a:shade val="50000"/>
-            </a:schemeClr>
-          </a:lnRef>
-          <a:fillRef idx="1">
-            <a:schemeClr val="accent1"/>
-          </a:fillRef>
-          <a:effectRef idx="0">
-            <a:schemeClr val="accent1"/>
-          </a:effectRef>
-          <a:fontRef idx="minor">
-            <a:schemeClr val="lt1"/>
-          </a:fontRef>
-        </p:style>
-        <p:txBody>
-          <a:bodyPr rot="0" spcFirstLastPara="0" vertOverflow="overflow" horzOverflow="overflow" vert="horz" wrap="square" lIns="91440" tIns="45720" rIns="91440" bIns="45720" numCol="1" spcCol="0" rtlCol="0" fromWordArt="0" anchor="ctr" anchorCtr="0" forceAA="0" compatLnSpc="1">
-            <a:prstTxWarp prst="textNoShape">
-              <a:avLst/>
-            </a:prstTxWarp>
-            <a:noAutofit/>
-          </a:bodyPr>
-          <a:lstStyle/>
-          <a:p>
-            <a:pPr algn="ctr"/>
-            <a:r>
-              <a:rPr kumimoji="1" lang="en-US" altLang="zh-CN">
-                <a:solidFill>
-                  <a:schemeClr val="tx1"/>
-                </a:solidFill>
-              </a:rPr>
-              <a:t>process</a:t>
-            </a:r>
-            <a:r>
-              <a:rPr kumimoji="1" lang="zh-CN" altLang="en-US">
-                <a:solidFill>
-                  <a:schemeClr val="tx1"/>
-                </a:solidFill>
-              </a:rPr>
-              <a:t> </a:t>
-            </a:r>
-            <a:r>
-              <a:rPr kumimoji="1" lang="en-US" altLang="zh-CN">
-                <a:solidFill>
-                  <a:schemeClr val="tx1"/>
-                </a:solidFill>
-              </a:rPr>
-              <a:t>kernel</a:t>
-            </a:r>
-            <a:r>
-              <a:rPr kumimoji="1" lang="zh-CN" altLang="en-US">
-                <a:solidFill>
-                  <a:schemeClr val="tx1"/>
-                </a:solidFill>
-              </a:rPr>
-              <a:t> </a:t>
-            </a:r>
-            <a:r>
-              <a:rPr kumimoji="1" lang="en-US" altLang="zh-CN">
-                <a:solidFill>
-                  <a:schemeClr val="tx1"/>
-                </a:solidFill>
-              </a:rPr>
-              <a:t>stack</a:t>
-            </a:r>
-            <a:endParaRPr kumimoji="1" lang="zh-CN" altLang="en-US">
-              <a:solidFill>
-                <a:schemeClr val="tx1"/>
-              </a:solidFill>
-            </a:endParaRPr>
-          </a:p>
-        </p:txBody>
-      </p:sp>
-      <p:sp>
-        <p:nvSpPr>
-          <p:cNvPr id="52" name="文本框 51">
-            <a:extLst>
-              <a:ext uri="{FF2B5EF4-FFF2-40B4-BE49-F238E27FC236}">
-                <a16:creationId xmlns:a16="http://schemas.microsoft.com/office/drawing/2014/main" id="{D966F4C7-E2BD-AA4D-BDA8-9E0D32B10160}"/>
-              </a:ext>
-            </a:extLst>
-          </p:cNvPr>
-          <p:cNvSpPr txBox="1"/>
-          <p:nvPr/>
-        </p:nvSpPr>
-        <p:spPr>
-          <a:xfrm>
-            <a:off x="-53724" y="2345591"/>
-            <a:ext cx="1183515" cy="523220"/>
-          </a:xfrm>
-          <a:prstGeom prst="rect">
-            <a:avLst/>
-          </a:prstGeom>
-          <a:noFill/>
-        </p:spPr>
-        <p:txBody>
-          <a:bodyPr wrap="square" rtlCol="0">
-            <a:spAutoFit/>
-          </a:bodyPr>
-          <a:lstStyle/>
-          <a:p>
-            <a:r>
-              <a:rPr lang="en-US" altLang="zh-CN" sz="1400"/>
-              <a:t>KSTACKSIZE=2PAGE</a:t>
-            </a:r>
-          </a:p>
-        </p:txBody>
-      </p:sp>
-      <p:cxnSp>
-        <p:nvCxnSpPr>
-          <p:cNvPr id="53" name="直线箭头连接符 52">
-            <a:extLst>
-              <a:ext uri="{FF2B5EF4-FFF2-40B4-BE49-F238E27FC236}">
-                <a16:creationId xmlns:a16="http://schemas.microsoft.com/office/drawing/2014/main" id="{3DA3AE54-50B9-3C4F-B8C4-43C917E50C38}"/>
-              </a:ext>
-            </a:extLst>
-          </p:cNvPr>
-          <p:cNvCxnSpPr>
-            <a:cxnSpLocks/>
-          </p:cNvCxnSpPr>
-          <p:nvPr/>
-        </p:nvCxnSpPr>
-        <p:spPr>
-          <a:xfrm flipV="1">
-            <a:off x="1117916" y="1093664"/>
-            <a:ext cx="1404700" cy="1513537"/>
-          </a:xfrm>
-          <a:prstGeom prst="straightConnector1">
-            <a:avLst/>
-          </a:prstGeom>
-          <a:ln>
-            <a:prstDash val="lgDashDotDot"/>
-            <a:tailEnd type="triangle"/>
-          </a:ln>
-        </p:spPr>
-        <p:style>
-          <a:lnRef idx="1">
-            <a:schemeClr val="accent1"/>
-          </a:lnRef>
-          <a:fillRef idx="0">
-            <a:schemeClr val="accent1"/>
-          </a:fillRef>
-          <a:effectRef idx="0">
-            <a:schemeClr val="accent1"/>
-          </a:effectRef>
-          <a:fontRef idx="minor">
-            <a:schemeClr val="tx1"/>
-          </a:fontRef>
-        </p:style>
-      </p:cxnSp>
-      <p:cxnSp>
-        <p:nvCxnSpPr>
-          <p:cNvPr id="54" name="直线箭头连接符 53">
-            <a:extLst>
-              <a:ext uri="{FF2B5EF4-FFF2-40B4-BE49-F238E27FC236}">
-                <a16:creationId xmlns:a16="http://schemas.microsoft.com/office/drawing/2014/main" id="{1A55C0C7-EBA2-D54A-A1EE-660F9106D698}"/>
-              </a:ext>
-            </a:extLst>
-          </p:cNvPr>
-          <p:cNvCxnSpPr>
-            <a:cxnSpLocks/>
-            <a:stCxn id="52" idx="3"/>
-            <a:endCxn id="47" idx="2"/>
-          </p:cNvCxnSpPr>
-          <p:nvPr/>
-        </p:nvCxnSpPr>
-        <p:spPr>
-          <a:xfrm>
-            <a:off x="1129791" y="2607201"/>
-            <a:ext cx="1404700" cy="1513537"/>
-          </a:xfrm>
-          <a:prstGeom prst="straightConnector1">
-            <a:avLst/>
-          </a:prstGeom>
-          <a:ln>
-            <a:prstDash val="lgDashDotDot"/>
-            <a:tailEnd type="triangle"/>
-          </a:ln>
-        </p:spPr>
-        <p:style>
-          <a:lnRef idx="1">
-            <a:schemeClr val="accent1"/>
-          </a:lnRef>
-          <a:fillRef idx="0">
-            <a:schemeClr val="accent1"/>
-          </a:fillRef>
-          <a:effectRef idx="0">
-            <a:schemeClr val="accent1"/>
-          </a:effectRef>
-          <a:fontRef idx="minor">
-            <a:schemeClr val="tx1"/>
-          </a:fontRef>
-        </p:style>
-      </p:cxnSp>
-      <p:sp>
-        <p:nvSpPr>
-          <p:cNvPr id="74" name="矩形 73">
-            <a:extLst>
-              <a:ext uri="{FF2B5EF4-FFF2-40B4-BE49-F238E27FC236}">
-                <a16:creationId xmlns:a16="http://schemas.microsoft.com/office/drawing/2014/main" id="{10BB697F-2EDC-5C4F-9246-3C4A8190583F}"/>
-              </a:ext>
-            </a:extLst>
-          </p:cNvPr>
-          <p:cNvSpPr/>
-          <p:nvPr/>
-        </p:nvSpPr>
-        <p:spPr>
-          <a:xfrm>
-            <a:off x="2589629" y="1087242"/>
-            <a:ext cx="1143590" cy="258786"/>
-          </a:xfrm>
-          <a:prstGeom prst="rect">
-            <a:avLst/>
-          </a:prstGeom>
-          <a:noFill/>
-          <a:ln>
-            <a:solidFill>
-              <a:schemeClr val="tx1"/>
-            </a:solidFill>
-          </a:ln>
-        </p:spPr>
-        <p:style>
-          <a:lnRef idx="2">
-            <a:schemeClr val="accent1">
-              <a:shade val="50000"/>
-            </a:schemeClr>
-          </a:lnRef>
-          <a:fillRef idx="1">
-            <a:schemeClr val="accent1"/>
-          </a:fillRef>
-          <a:effectRef idx="0">
-            <a:schemeClr val="accent1"/>
-          </a:effectRef>
-          <a:fontRef idx="minor">
-            <a:schemeClr val="lt1"/>
-          </a:fontRef>
-        </p:style>
-        <p:txBody>
-          <a:bodyPr rtlCol="0" anchor="ctr"/>
-          <a:lstStyle/>
-          <a:p>
-            <a:r>
-              <a:rPr lang="en-US" altLang="zh-CN">
-                <a:solidFill>
-                  <a:schemeClr val="tx1"/>
-                </a:solidFill>
-              </a:rPr>
-              <a:t>pushregs</a:t>
-            </a:r>
-          </a:p>
-        </p:txBody>
-      </p:sp>
-      <p:sp>
-        <p:nvSpPr>
-          <p:cNvPr id="77" name="矩形 76">
-            <a:extLst>
-              <a:ext uri="{FF2B5EF4-FFF2-40B4-BE49-F238E27FC236}">
-                <a16:creationId xmlns:a16="http://schemas.microsoft.com/office/drawing/2014/main" id="{CED9506D-27A0-9B48-81AB-AC478C86501E}"/>
-              </a:ext>
-            </a:extLst>
-          </p:cNvPr>
-          <p:cNvSpPr/>
-          <p:nvPr/>
-        </p:nvSpPr>
-        <p:spPr>
-          <a:xfrm>
-            <a:off x="2586026" y="1418646"/>
-            <a:ext cx="1143590" cy="213755"/>
-          </a:xfrm>
-          <a:prstGeom prst="rect">
-            <a:avLst/>
-          </a:prstGeom>
-          <a:noFill/>
-          <a:ln>
-            <a:solidFill>
-              <a:schemeClr val="tx1"/>
-            </a:solidFill>
-          </a:ln>
-        </p:spPr>
-        <p:style>
-          <a:lnRef idx="2">
-            <a:schemeClr val="accent1">
-              <a:shade val="50000"/>
-            </a:schemeClr>
-          </a:lnRef>
-          <a:fillRef idx="1">
-            <a:schemeClr val="accent1"/>
-          </a:fillRef>
-          <a:effectRef idx="0">
-            <a:schemeClr val="accent1"/>
-          </a:effectRef>
-          <a:fontRef idx="minor">
-            <a:schemeClr val="lt1"/>
-          </a:fontRef>
-        </p:style>
-        <p:txBody>
-          <a:bodyPr rtlCol="0" anchor="ctr"/>
-          <a:lstStyle/>
-          <a:p>
-            <a:pPr algn="ctr"/>
-            <a:r>
-              <a:rPr lang="en-US" altLang="zh-CN">
-                <a:solidFill>
-                  <a:schemeClr val="tx1"/>
-                </a:solidFill>
-              </a:rPr>
-              <a:t>esp</a:t>
-            </a:r>
-          </a:p>
-        </p:txBody>
-      </p:sp>
-      <p:sp>
-        <p:nvSpPr>
-          <p:cNvPr id="79" name="矩形 78">
-            <a:extLst>
-              <a:ext uri="{FF2B5EF4-FFF2-40B4-BE49-F238E27FC236}">
-                <a16:creationId xmlns:a16="http://schemas.microsoft.com/office/drawing/2014/main" id="{AE86C582-A393-FD46-8AAD-738BE9659A59}"/>
-              </a:ext>
-            </a:extLst>
-          </p:cNvPr>
-          <p:cNvSpPr/>
-          <p:nvPr/>
-        </p:nvSpPr>
-        <p:spPr>
-          <a:xfrm>
-            <a:off x="2450874" y="2506374"/>
-            <a:ext cx="1143590" cy="358861"/>
-          </a:xfrm>
-          <a:prstGeom prst="rect">
-            <a:avLst/>
-          </a:prstGeom>
-          <a:noFill/>
-          <a:ln>
-            <a:solidFill>
-              <a:schemeClr val="tx1"/>
-            </a:solidFill>
-          </a:ln>
-        </p:spPr>
-        <p:style>
-          <a:lnRef idx="2">
-            <a:schemeClr val="accent1">
-              <a:shade val="50000"/>
-            </a:schemeClr>
-          </a:lnRef>
-          <a:fillRef idx="1">
-            <a:schemeClr val="accent1"/>
-          </a:fillRef>
-          <a:effectRef idx="0">
-            <a:schemeClr val="accent1"/>
-          </a:effectRef>
-          <a:fontRef idx="minor">
-            <a:schemeClr val="lt1"/>
-          </a:fontRef>
-        </p:style>
-        <p:txBody>
-          <a:bodyPr rtlCol="0" anchor="ctr"/>
-          <a:lstStyle/>
-          <a:p>
-            <a:pPr algn="ctr"/>
-            <a:r>
-              <a:rPr lang="en-US" altLang="zh-CN">
-                <a:solidFill>
-                  <a:schemeClr val="tx1"/>
-                </a:solidFill>
-              </a:rPr>
-              <a:t>esp</a:t>
-            </a:r>
-          </a:p>
-        </p:txBody>
-      </p:sp>
-      <p:sp>
-        <p:nvSpPr>
-          <p:cNvPr id="80" name="矩形 79">
-            <a:extLst>
-              <a:ext uri="{FF2B5EF4-FFF2-40B4-BE49-F238E27FC236}">
-                <a16:creationId xmlns:a16="http://schemas.microsoft.com/office/drawing/2014/main" id="{5D566FBE-492C-E746-8255-5BD36CA7EA26}"/>
-              </a:ext>
-            </a:extLst>
-          </p:cNvPr>
-          <p:cNvSpPr/>
-          <p:nvPr/>
-        </p:nvSpPr>
-        <p:spPr>
-          <a:xfrm>
-            <a:off x="2584652" y="1713845"/>
-            <a:ext cx="1143590" cy="213755"/>
-          </a:xfrm>
-          <a:prstGeom prst="rect">
-            <a:avLst/>
-          </a:prstGeom>
-          <a:noFill/>
-          <a:ln>
-            <a:solidFill>
-              <a:schemeClr val="tx1"/>
-            </a:solidFill>
-          </a:ln>
-        </p:spPr>
-        <p:style>
-          <a:lnRef idx="2">
-            <a:schemeClr val="accent1">
-              <a:shade val="50000"/>
-            </a:schemeClr>
-          </a:lnRef>
-          <a:fillRef idx="1">
-            <a:schemeClr val="accent1"/>
-          </a:fillRef>
-          <a:effectRef idx="0">
-            <a:schemeClr val="accent1"/>
-          </a:effectRef>
-          <a:fontRef idx="minor">
-            <a:schemeClr val="lt1"/>
-          </a:fontRef>
-        </p:style>
-        <p:txBody>
-          <a:bodyPr rtlCol="0" anchor="ctr"/>
-          <a:lstStyle/>
-          <a:p>
-            <a:pPr algn="ctr"/>
-            <a:r>
-              <a:rPr lang="en-US" altLang="zh-CN">
-                <a:solidFill>
-                  <a:schemeClr val="tx1"/>
-                </a:solidFill>
-              </a:rPr>
-              <a:t>eflags</a:t>
-            </a:r>
-          </a:p>
-        </p:txBody>
-      </p:sp>
       <p:grpSp>
         <p:nvGrpSpPr>
-          <p:cNvPr id="83" name="组合 82">
-            <a:extLst>
-              <a:ext uri="{FF2B5EF4-FFF2-40B4-BE49-F238E27FC236}">
-                <a16:creationId xmlns:a16="http://schemas.microsoft.com/office/drawing/2014/main" id="{B41EA792-0D5F-D54B-BE9B-9201AC56431B}"/>
+          <p:cNvPr id="13" name="组合 12">
+            <a:extLst>
+              <a:ext uri="{FF2B5EF4-FFF2-40B4-BE49-F238E27FC236}">
+                <a16:creationId xmlns:a16="http://schemas.microsoft.com/office/drawing/2014/main" id="{D246AF8E-4E65-A945-915D-DC3196ABE739}"/>
               </a:ext>
             </a:extLst>
           </p:cNvPr>
@@ -7715,18 +7129,18 @@
         </p:nvGrpSpPr>
         <p:grpSpPr>
           <a:xfrm>
-            <a:off x="5387283" y="612224"/>
-            <a:ext cx="1213943" cy="3194864"/>
-            <a:chOff x="4738193" y="741472"/>
-            <a:chExt cx="1213943" cy="3194864"/>
+            <a:off x="1807743" y="1019846"/>
+            <a:ext cx="2397610" cy="1892116"/>
+            <a:chOff x="1335609" y="741226"/>
+            <a:chExt cx="2397610" cy="3379512"/>
           </a:xfrm>
         </p:grpSpPr>
         <p:sp>
           <p:nvSpPr>
-            <p:cNvPr id="16" name="矩形 15">
+            <p:cNvPr id="47" name="矩形 46">
               <a:extLst>
                 <a:ext uri="{FF2B5EF4-FFF2-40B4-BE49-F238E27FC236}">
-                  <a16:creationId xmlns:a16="http://schemas.microsoft.com/office/drawing/2014/main" id="{5F3F1919-773F-5446-ACDB-F922F4027B3B}"/>
+                  <a16:creationId xmlns:a16="http://schemas.microsoft.com/office/drawing/2014/main" id="{9E59E17B-4EA7-0949-BD41-632990D93B9D}"/>
                 </a:ext>
               </a:extLst>
             </p:cNvPr>
@@ -7735,8 +7149,8 @@
           </p:nvSpPr>
           <p:spPr>
             <a:xfrm>
-              <a:off x="4738194" y="1077804"/>
-              <a:ext cx="1213942" cy="2858532"/>
+              <a:off x="1335762" y="1093664"/>
+              <a:ext cx="2397457" cy="3027074"/>
             </a:xfrm>
             <a:prstGeom prst="rect">
               <a:avLst/>
@@ -7769,7 +7183,7 @@
             <a:lstStyle/>
             <a:p>
               <a:pPr algn="ctr"/>
-              <a:endParaRPr kumimoji="1" lang="zh-CN" altLang="en-US" sz="1400">
+              <a:endParaRPr kumimoji="1" lang="zh-CN" altLang="en-US" sz="900">
                 <a:solidFill>
                   <a:schemeClr val="tx1"/>
                 </a:solidFill>
@@ -7779,10 +7193,10 @@
         </p:sp>
         <p:sp>
           <p:nvSpPr>
-            <p:cNvPr id="17" name="矩形 16">
+            <p:cNvPr id="49" name="矩形 48">
               <a:extLst>
                 <a:ext uri="{FF2B5EF4-FFF2-40B4-BE49-F238E27FC236}">
-                  <a16:creationId xmlns:a16="http://schemas.microsoft.com/office/drawing/2014/main" id="{3DDE1312-1BB7-5948-9E5A-01E1599F96DC}"/>
+                  <a16:creationId xmlns:a16="http://schemas.microsoft.com/office/drawing/2014/main" id="{02059DCD-DA63-EE4F-8E0C-76D84FF7B2D5}"/>
                 </a:ext>
               </a:extLst>
             </p:cNvPr>
@@ -7791,8 +7205,8 @@
           </p:nvSpPr>
           <p:spPr>
             <a:xfrm>
-              <a:off x="4738194" y="1755721"/>
-              <a:ext cx="1213942" cy="336331"/>
+              <a:off x="1335609" y="1098666"/>
+              <a:ext cx="2397457" cy="630788"/>
             </a:xfrm>
             <a:prstGeom prst="rect">
               <a:avLst/>
@@ -7826,7 +7240,376 @@
             <a:p>
               <a:pPr algn="ctr"/>
               <a:r>
-                <a:rPr lang="en-US" altLang="zh-CN" sz="1400">
+                <a:rPr lang="en-US" altLang="zh-CN" sz="900">
+                  <a:solidFill>
+                    <a:schemeClr val="tx1"/>
+                  </a:solidFill>
+                </a:rPr>
+                <a:t>trapframe</a:t>
+              </a:r>
+            </a:p>
+          </p:txBody>
+        </p:sp>
+        <p:sp>
+          <p:nvSpPr>
+            <p:cNvPr id="50" name="同侧圆角矩形 49">
+              <a:extLst>
+                <a:ext uri="{FF2B5EF4-FFF2-40B4-BE49-F238E27FC236}">
+                  <a16:creationId xmlns:a16="http://schemas.microsoft.com/office/drawing/2014/main" id="{EAC5F005-7486-FD45-B343-62FA09201186}"/>
+                </a:ext>
+              </a:extLst>
+            </p:cNvPr>
+            <p:cNvSpPr/>
+            <p:nvPr/>
+          </p:nvSpPr>
+          <p:spPr>
+            <a:xfrm>
+              <a:off x="1335762" y="741226"/>
+              <a:ext cx="2397457" cy="352438"/>
+            </a:xfrm>
+            <a:prstGeom prst="round2SameRect">
+              <a:avLst/>
+            </a:prstGeom>
+            <a:noFill/>
+            <a:ln>
+              <a:noFill/>
+            </a:ln>
+          </p:spPr>
+          <p:style>
+            <a:lnRef idx="2">
+              <a:schemeClr val="accent1">
+                <a:shade val="50000"/>
+              </a:schemeClr>
+            </a:lnRef>
+            <a:fillRef idx="1">
+              <a:schemeClr val="accent1"/>
+            </a:fillRef>
+            <a:effectRef idx="0">
+              <a:schemeClr val="accent1"/>
+            </a:effectRef>
+            <a:fontRef idx="minor">
+              <a:schemeClr val="lt1"/>
+            </a:fontRef>
+          </p:style>
+          <p:txBody>
+            <a:bodyPr rot="0" spcFirstLastPara="0" vertOverflow="overflow" horzOverflow="overflow" vert="horz" wrap="square" lIns="91440" tIns="45720" rIns="91440" bIns="45720" numCol="1" spcCol="0" rtlCol="0" fromWordArt="0" anchor="ctr" anchorCtr="0" forceAA="0" compatLnSpc="1">
+              <a:prstTxWarp prst="textNoShape">
+                <a:avLst/>
+              </a:prstTxWarp>
+              <a:noAutofit/>
+            </a:bodyPr>
+            <a:lstStyle/>
+            <a:p>
+              <a:pPr algn="ctr"/>
+              <a:r>
+                <a:rPr kumimoji="1" lang="en-US" altLang="zh-CN" sz="900">
+                  <a:solidFill>
+                    <a:schemeClr val="tx1"/>
+                  </a:solidFill>
+                </a:rPr>
+                <a:t>process</a:t>
+              </a:r>
+              <a:r>
+                <a:rPr kumimoji="1" lang="zh-CN" altLang="en-US" sz="900">
+                  <a:solidFill>
+                    <a:schemeClr val="tx1"/>
+                  </a:solidFill>
+                </a:rPr>
+                <a:t> </a:t>
+              </a:r>
+              <a:r>
+                <a:rPr kumimoji="1" lang="en-US" altLang="zh-CN" sz="900">
+                  <a:solidFill>
+                    <a:schemeClr val="tx1"/>
+                  </a:solidFill>
+                </a:rPr>
+                <a:t>kernel</a:t>
+              </a:r>
+              <a:r>
+                <a:rPr kumimoji="1" lang="zh-CN" altLang="en-US" sz="900">
+                  <a:solidFill>
+                    <a:schemeClr val="tx1"/>
+                  </a:solidFill>
+                </a:rPr>
+                <a:t> </a:t>
+              </a:r>
+              <a:r>
+                <a:rPr kumimoji="1" lang="en-US" altLang="zh-CN" sz="900">
+                  <a:solidFill>
+                    <a:schemeClr val="tx1"/>
+                  </a:solidFill>
+                </a:rPr>
+                <a:t>stack</a:t>
+              </a:r>
+              <a:r>
+                <a:rPr lang="zh-CN" altLang="en-US" sz="900">
+                  <a:solidFill>
+                    <a:schemeClr val="tx1"/>
+                  </a:solidFill>
+                </a:rPr>
+                <a:t>↓</a:t>
+              </a:r>
+            </a:p>
+            <a:p>
+              <a:pPr algn="ctr"/>
+              <a:endParaRPr lang="zh-CN" altLang="en-US" sz="900">
+                <a:solidFill>
+                  <a:schemeClr val="tx1"/>
+                </a:solidFill>
+              </a:endParaRPr>
+            </a:p>
+          </p:txBody>
+        </p:sp>
+      </p:grpSp>
+      <p:sp>
+        <p:nvSpPr>
+          <p:cNvPr id="52" name="文本框 51">
+            <a:extLst>
+              <a:ext uri="{FF2B5EF4-FFF2-40B4-BE49-F238E27FC236}">
+                <a16:creationId xmlns:a16="http://schemas.microsoft.com/office/drawing/2014/main" id="{D966F4C7-E2BD-AA4D-BDA8-9E0D32B10160}"/>
+              </a:ext>
+            </a:extLst>
+          </p:cNvPr>
+          <p:cNvSpPr txBox="1"/>
+          <p:nvPr/>
+        </p:nvSpPr>
+        <p:spPr>
+          <a:xfrm>
+            <a:off x="0" y="1626473"/>
+            <a:ext cx="1223563" cy="230832"/>
+          </a:xfrm>
+          <a:prstGeom prst="rect">
+            <a:avLst/>
+          </a:prstGeom>
+          <a:noFill/>
+        </p:spPr>
+        <p:txBody>
+          <a:bodyPr wrap="square" rtlCol="0">
+            <a:spAutoFit/>
+          </a:bodyPr>
+          <a:lstStyle/>
+          <a:p>
+            <a:r>
+              <a:rPr lang="en-US" altLang="zh-CN" sz="900"/>
+              <a:t>KSTACKSIZE=2PAGE</a:t>
+            </a:r>
+          </a:p>
+        </p:txBody>
+      </p:sp>
+      <p:cxnSp>
+        <p:nvCxnSpPr>
+          <p:cNvPr id="53" name="直线箭头连接符 52">
+            <a:extLst>
+              <a:ext uri="{FF2B5EF4-FFF2-40B4-BE49-F238E27FC236}">
+                <a16:creationId xmlns:a16="http://schemas.microsoft.com/office/drawing/2014/main" id="{3DA3AE54-50B9-3C4F-B8C4-43C917E50C38}"/>
+              </a:ext>
+            </a:extLst>
+          </p:cNvPr>
+          <p:cNvCxnSpPr>
+            <a:cxnSpLocks/>
+            <a:stCxn id="52" idx="3"/>
+            <a:endCxn id="50" idx="2"/>
+          </p:cNvCxnSpPr>
+          <p:nvPr/>
+        </p:nvCxnSpPr>
+        <p:spPr>
+          <a:xfrm flipV="1">
+            <a:off x="1223563" y="1118507"/>
+            <a:ext cx="584333" cy="623382"/>
+          </a:xfrm>
+          <a:prstGeom prst="straightConnector1">
+            <a:avLst/>
+          </a:prstGeom>
+          <a:ln>
+            <a:prstDash val="lgDashDotDot"/>
+            <a:tailEnd type="triangle"/>
+          </a:ln>
+        </p:spPr>
+        <p:style>
+          <a:lnRef idx="1">
+            <a:schemeClr val="accent1"/>
+          </a:lnRef>
+          <a:fillRef idx="0">
+            <a:schemeClr val="accent1"/>
+          </a:fillRef>
+          <a:effectRef idx="0">
+            <a:schemeClr val="accent1"/>
+          </a:effectRef>
+          <a:fontRef idx="minor">
+            <a:schemeClr val="tx1"/>
+          </a:fontRef>
+        </p:style>
+      </p:cxnSp>
+      <p:cxnSp>
+        <p:nvCxnSpPr>
+          <p:cNvPr id="54" name="直线箭头连接符 53">
+            <a:extLst>
+              <a:ext uri="{FF2B5EF4-FFF2-40B4-BE49-F238E27FC236}">
+                <a16:creationId xmlns:a16="http://schemas.microsoft.com/office/drawing/2014/main" id="{1A55C0C7-EBA2-D54A-A1EE-660F9106D698}"/>
+              </a:ext>
+            </a:extLst>
+          </p:cNvPr>
+          <p:cNvCxnSpPr>
+            <a:cxnSpLocks/>
+            <a:stCxn id="52" idx="3"/>
+            <a:endCxn id="47" idx="2"/>
+          </p:cNvCxnSpPr>
+          <p:nvPr/>
+        </p:nvCxnSpPr>
+        <p:spPr>
+          <a:xfrm>
+            <a:off x="1223563" y="1741889"/>
+            <a:ext cx="1783062" cy="1170073"/>
+          </a:xfrm>
+          <a:prstGeom prst="straightConnector1">
+            <a:avLst/>
+          </a:prstGeom>
+          <a:ln>
+            <a:prstDash val="lgDashDotDot"/>
+            <a:tailEnd type="triangle"/>
+          </a:ln>
+        </p:spPr>
+        <p:style>
+          <a:lnRef idx="1">
+            <a:schemeClr val="accent1"/>
+          </a:lnRef>
+          <a:fillRef idx="0">
+            <a:schemeClr val="accent1"/>
+          </a:fillRef>
+          <a:effectRef idx="0">
+            <a:schemeClr val="accent1"/>
+          </a:effectRef>
+          <a:fontRef idx="minor">
+            <a:schemeClr val="tx1"/>
+          </a:fontRef>
+        </p:style>
+      </p:cxnSp>
+      <p:grpSp>
+        <p:nvGrpSpPr>
+          <p:cNvPr id="2" name="组合 1">
+            <a:extLst>
+              <a:ext uri="{FF2B5EF4-FFF2-40B4-BE49-F238E27FC236}">
+                <a16:creationId xmlns:a16="http://schemas.microsoft.com/office/drawing/2014/main" id="{A713C5EC-8A2D-D846-AD9F-2E2C796B9892}"/>
+              </a:ext>
+            </a:extLst>
+          </p:cNvPr>
+          <p:cNvGrpSpPr/>
+          <p:nvPr/>
+        </p:nvGrpSpPr>
+        <p:grpSpPr>
+          <a:xfrm>
+            <a:off x="5386986" y="612224"/>
+            <a:ext cx="1218250" cy="3194864"/>
+            <a:chOff x="5386986" y="612224"/>
+            <a:chExt cx="1218250" cy="3194864"/>
+          </a:xfrm>
+        </p:grpSpPr>
+        <p:sp>
+          <p:nvSpPr>
+            <p:cNvPr id="16" name="矩形 15">
+              <a:extLst>
+                <a:ext uri="{FF2B5EF4-FFF2-40B4-BE49-F238E27FC236}">
+                  <a16:creationId xmlns:a16="http://schemas.microsoft.com/office/drawing/2014/main" id="{5F3F1919-773F-5446-ACDB-F922F4027B3B}"/>
+                </a:ext>
+              </a:extLst>
+            </p:cNvPr>
+            <p:cNvSpPr/>
+            <p:nvPr/>
+          </p:nvSpPr>
+          <p:spPr>
+            <a:xfrm>
+              <a:off x="5387284" y="948556"/>
+              <a:ext cx="1217926" cy="2858532"/>
+            </a:xfrm>
+            <a:prstGeom prst="rect">
+              <a:avLst/>
+            </a:prstGeom>
+            <a:noFill/>
+            <a:ln>
+              <a:solidFill>
+                <a:schemeClr val="tx1"/>
+              </a:solidFill>
+            </a:ln>
+          </p:spPr>
+          <p:style>
+            <a:lnRef idx="2">
+              <a:schemeClr val="accent1">
+                <a:shade val="50000"/>
+              </a:schemeClr>
+            </a:lnRef>
+            <a:fillRef idx="1">
+              <a:schemeClr val="accent1"/>
+            </a:fillRef>
+            <a:effectRef idx="0">
+              <a:schemeClr val="accent1"/>
+            </a:effectRef>
+            <a:fontRef idx="minor">
+              <a:schemeClr val="lt1"/>
+            </a:fontRef>
+          </p:style>
+          <p:txBody>
+            <a:bodyPr rtlCol="0" anchor="ctr"/>
+            <a:lstStyle/>
+            <a:p>
+              <a:pPr algn="ctr"/>
+              <a:endParaRPr kumimoji="1" lang="zh-CN" altLang="en-US" sz="900">
+                <a:solidFill>
+                  <a:schemeClr val="tx1"/>
+                </a:solidFill>
+              </a:endParaRPr>
+            </a:p>
+          </p:txBody>
+        </p:sp>
+        <p:sp>
+          <p:nvSpPr>
+            <p:cNvPr id="17" name="矩形 16">
+              <a:extLst>
+                <a:ext uri="{FF2B5EF4-FFF2-40B4-BE49-F238E27FC236}">
+                  <a16:creationId xmlns:a16="http://schemas.microsoft.com/office/drawing/2014/main" id="{3DDE1312-1BB7-5948-9E5A-01E1599F96DC}"/>
+                </a:ext>
+              </a:extLst>
+            </p:cNvPr>
+            <p:cNvSpPr/>
+            <p:nvPr/>
+          </p:nvSpPr>
+          <p:spPr>
+            <a:xfrm>
+              <a:off x="5387284" y="1626473"/>
+              <a:ext cx="1213942" cy="336331"/>
+            </a:xfrm>
+            <a:prstGeom prst="rect">
+              <a:avLst/>
+            </a:prstGeom>
+            <a:noFill/>
+            <a:ln>
+              <a:solidFill>
+                <a:schemeClr val="tx1"/>
+              </a:solidFill>
+            </a:ln>
+          </p:spPr>
+          <p:style>
+            <a:lnRef idx="2">
+              <a:schemeClr val="accent1">
+                <a:shade val="50000"/>
+              </a:schemeClr>
+            </a:lnRef>
+            <a:fillRef idx="1">
+              <a:schemeClr val="accent1"/>
+            </a:fillRef>
+            <a:effectRef idx="0">
+              <a:schemeClr val="accent1"/>
+            </a:effectRef>
+            <a:fontRef idx="minor">
+              <a:schemeClr val="lt1"/>
+            </a:fontRef>
+          </p:style>
+          <p:txBody>
+            <a:bodyPr rtlCol="0" anchor="ctr"/>
+            <a:lstStyle/>
+            <a:p>
+              <a:pPr algn="ctr"/>
+              <a:r>
+                <a:rPr lang="en-US" altLang="zh-CN" sz="900">
                   <a:solidFill>
                     <a:schemeClr val="tx1"/>
                   </a:solidFill>
@@ -7850,7 +7633,7 @@
           </p:nvSpPr>
           <p:spPr>
             <a:xfrm>
-              <a:off x="4738193" y="741472"/>
+              <a:off x="5387283" y="612224"/>
               <a:ext cx="1213942" cy="336331"/>
             </a:xfrm>
             <a:prstGeom prst="rect">
@@ -7883,14 +7666,14 @@
             <a:p>
               <a:pPr algn="ctr"/>
               <a:r>
-                <a:rPr kumimoji="1" lang="en-US" altLang="zh-CN" sz="1400">
+                <a:rPr kumimoji="1" lang="en-US" altLang="zh-CN" sz="900">
                   <a:solidFill>
                     <a:schemeClr val="tx1"/>
                   </a:solidFill>
                 </a:rPr>
                 <a:t>proc_struct</a:t>
               </a:r>
-              <a:endParaRPr kumimoji="1" lang="zh-CN" altLang="en-US" sz="1400">
+              <a:endParaRPr kumimoji="1" lang="zh-CN" altLang="en-US" sz="900">
                 <a:solidFill>
                   <a:schemeClr val="tx1"/>
                 </a:solidFill>
@@ -7912,8 +7695,8 @@
           </p:nvSpPr>
           <p:spPr>
             <a:xfrm>
-              <a:off x="4741882" y="2172156"/>
-              <a:ext cx="1206563" cy="336331"/>
+              <a:off x="5386987" y="2465176"/>
+              <a:ext cx="1217927" cy="336331"/>
             </a:xfrm>
             <a:prstGeom prst="rect">
               <a:avLst/>
@@ -7947,7 +7730,7 @@
             <a:p>
               <a:pPr algn="ctr"/>
               <a:r>
-                <a:rPr lang="en-US" altLang="zh-CN" sz="1400">
+                <a:rPr lang="en-US" altLang="zh-CN" sz="900">
                   <a:solidFill>
                     <a:schemeClr val="tx1"/>
                   </a:solidFill>
@@ -7971,8 +7754,8 @@
           </p:nvSpPr>
           <p:spPr>
             <a:xfrm>
-              <a:off x="4741883" y="2585334"/>
-              <a:ext cx="1205384" cy="336331"/>
+              <a:off x="5386988" y="2053686"/>
+              <a:ext cx="1217925" cy="336331"/>
             </a:xfrm>
             <a:prstGeom prst="rect">
               <a:avLst/>
@@ -8006,7 +7789,7 @@
             <a:p>
               <a:pPr algn="ctr"/>
               <a:r>
-                <a:rPr lang="en-US" altLang="zh-CN" sz="1400">
+                <a:rPr lang="en-US" altLang="zh-CN" sz="900">
                   <a:solidFill>
                     <a:schemeClr val="tx1"/>
                   </a:solidFill>
@@ -8014,14 +7797,14 @@
                 <a:t>tf</a:t>
               </a:r>
               <a:r>
-                <a:rPr lang="zh-CN" altLang="en-US" sz="1400">
+                <a:rPr lang="zh-CN" altLang="en-US" sz="900">
                   <a:solidFill>
                     <a:schemeClr val="tx1"/>
                   </a:solidFill>
                 </a:rPr>
                 <a:t> *</a:t>
               </a:r>
-              <a:endParaRPr lang="en-US" altLang="zh-CN" sz="1400">
+              <a:endParaRPr lang="en-US" altLang="zh-CN" sz="900">
                 <a:solidFill>
                   <a:schemeClr val="tx1"/>
                 </a:solidFill>
@@ -8043,8 +7826,67 @@
           </p:nvSpPr>
           <p:spPr>
             <a:xfrm>
-              <a:off x="4741884" y="2998512"/>
-              <a:ext cx="1205383" cy="336331"/>
+              <a:off x="5386986" y="2869264"/>
+              <a:ext cx="1217927" cy="336331"/>
+            </a:xfrm>
+            <a:prstGeom prst="rect">
+              <a:avLst/>
+            </a:prstGeom>
+            <a:noFill/>
+            <a:ln>
+              <a:solidFill>
+                <a:schemeClr val="tx1"/>
+              </a:solidFill>
+            </a:ln>
+          </p:spPr>
+          <p:style>
+            <a:lnRef idx="2">
+              <a:schemeClr val="accent1">
+                <a:shade val="50000"/>
+              </a:schemeClr>
+            </a:lnRef>
+            <a:fillRef idx="1">
+              <a:schemeClr val="accent1"/>
+            </a:fillRef>
+            <a:effectRef idx="0">
+              <a:schemeClr val="accent1"/>
+            </a:effectRef>
+            <a:fontRef idx="minor">
+              <a:schemeClr val="lt1"/>
+            </a:fontRef>
+          </p:style>
+          <p:txBody>
+            <a:bodyPr rtlCol="0" anchor="ctr"/>
+            <a:lstStyle/>
+            <a:p>
+              <a:pPr algn="r"/>
+              <a:r>
+                <a:rPr lang="en-US" altLang="zh-CN" sz="900">
+                  <a:solidFill>
+                    <a:schemeClr val="tx1"/>
+                  </a:solidFill>
+                </a:rPr>
+                <a:t>context</a:t>
+              </a:r>
+            </a:p>
+          </p:txBody>
+        </p:sp>
+        <p:sp>
+          <p:nvSpPr>
+            <p:cNvPr id="85" name="矩形 84">
+              <a:extLst>
+                <a:ext uri="{FF2B5EF4-FFF2-40B4-BE49-F238E27FC236}">
+                  <a16:creationId xmlns:a16="http://schemas.microsoft.com/office/drawing/2014/main" id="{CAAB44B1-2C2A-B742-A9A0-E3312836989B}"/>
+                </a:ext>
+              </a:extLst>
+            </p:cNvPr>
+            <p:cNvSpPr/>
+            <p:nvPr/>
+          </p:nvSpPr>
+          <p:spPr>
+            <a:xfrm>
+              <a:off x="5387309" y="3363969"/>
+              <a:ext cx="1217927" cy="336331"/>
             </a:xfrm>
             <a:prstGeom prst="rect">
               <a:avLst/>
@@ -8078,23 +7920,499 @@
             <a:p>
               <a:pPr algn="ctr"/>
               <a:r>
-                <a:rPr lang="en-US" altLang="zh-CN" sz="1400">
+                <a:rPr lang="en-US" altLang="zh-CN" sz="900">
                   <a:solidFill>
                     <a:schemeClr val="tx1"/>
                   </a:solidFill>
                 </a:rPr>
-                <a:t>context</a:t>
+                <a:t>mm</a:t>
+              </a:r>
+              <a:r>
+                <a:rPr lang="zh-CN" altLang="en-US" sz="900">
+                  <a:solidFill>
+                    <a:schemeClr val="tx1"/>
+                  </a:solidFill>
+                </a:rPr>
+                <a:t>*</a:t>
+              </a:r>
+              <a:endParaRPr lang="en-US" altLang="zh-CN" sz="900">
+                <a:solidFill>
+                  <a:schemeClr val="tx1"/>
+                </a:solidFill>
+              </a:endParaRPr>
+            </a:p>
+          </p:txBody>
+        </p:sp>
+      </p:grpSp>
+      <p:cxnSp>
+        <p:nvCxnSpPr>
+          <p:cNvPr id="4" name="直线箭头连接符 3">
+            <a:extLst>
+              <a:ext uri="{FF2B5EF4-FFF2-40B4-BE49-F238E27FC236}">
+                <a16:creationId xmlns:a16="http://schemas.microsoft.com/office/drawing/2014/main" id="{5534ECFC-DA58-3B46-804D-CDD492C884D4}"/>
+              </a:ext>
+            </a:extLst>
+          </p:cNvPr>
+          <p:cNvCxnSpPr>
+            <a:cxnSpLocks/>
+            <a:stCxn id="70" idx="1"/>
+            <a:endCxn id="49" idx="3"/>
+          </p:cNvCxnSpPr>
+          <p:nvPr/>
+        </p:nvCxnSpPr>
+        <p:spPr>
+          <a:xfrm flipH="1" flipV="1">
+            <a:off x="4205200" y="1396552"/>
+            <a:ext cx="1181788" cy="825300"/>
+          </a:xfrm>
+          <a:prstGeom prst="straightConnector1">
+            <a:avLst/>
+          </a:prstGeom>
+          <a:ln>
+            <a:tailEnd type="triangle"/>
+          </a:ln>
+        </p:spPr>
+        <p:style>
+          <a:lnRef idx="1">
+            <a:schemeClr val="accent1"/>
+          </a:lnRef>
+          <a:fillRef idx="0">
+            <a:schemeClr val="accent1"/>
+          </a:fillRef>
+          <a:effectRef idx="0">
+            <a:schemeClr val="accent1"/>
+          </a:effectRef>
+          <a:fontRef idx="minor">
+            <a:schemeClr val="tx1"/>
+          </a:fontRef>
+        </p:style>
+      </p:cxnSp>
+      <p:cxnSp>
+        <p:nvCxnSpPr>
+          <p:cNvPr id="7" name="直线箭头连接符 6">
+            <a:extLst>
+              <a:ext uri="{FF2B5EF4-FFF2-40B4-BE49-F238E27FC236}">
+                <a16:creationId xmlns:a16="http://schemas.microsoft.com/office/drawing/2014/main" id="{A00F76F3-9EFB-9843-BDCF-E3E9098D5FE5}"/>
+              </a:ext>
+            </a:extLst>
+          </p:cNvPr>
+          <p:cNvCxnSpPr>
+            <a:cxnSpLocks/>
+            <a:stCxn id="42" idx="1"/>
+            <a:endCxn id="47" idx="2"/>
+          </p:cNvCxnSpPr>
+          <p:nvPr/>
+        </p:nvCxnSpPr>
+        <p:spPr>
+          <a:xfrm flipH="1">
+            <a:off x="3006625" y="2633342"/>
+            <a:ext cx="2380362" cy="278620"/>
+          </a:xfrm>
+          <a:prstGeom prst="straightConnector1">
+            <a:avLst/>
+          </a:prstGeom>
+          <a:ln>
+            <a:tailEnd type="triangle"/>
+          </a:ln>
+        </p:spPr>
+        <p:style>
+          <a:lnRef idx="1">
+            <a:schemeClr val="accent1"/>
+          </a:lnRef>
+          <a:fillRef idx="0">
+            <a:schemeClr val="accent1"/>
+          </a:fillRef>
+          <a:effectRef idx="0">
+            <a:schemeClr val="accent1"/>
+          </a:effectRef>
+          <a:fontRef idx="minor">
+            <a:schemeClr val="tx1"/>
+          </a:fontRef>
+        </p:style>
+      </p:cxnSp>
+      <p:grpSp>
+        <p:nvGrpSpPr>
+          <p:cNvPr id="65" name="组合 64">
+            <a:extLst>
+              <a:ext uri="{FF2B5EF4-FFF2-40B4-BE49-F238E27FC236}">
+                <a16:creationId xmlns:a16="http://schemas.microsoft.com/office/drawing/2014/main" id="{E0BA7E4B-45B8-804C-A4EF-1668BDB835A1}"/>
+              </a:ext>
+            </a:extLst>
+          </p:cNvPr>
+          <p:cNvGrpSpPr/>
+          <p:nvPr/>
+        </p:nvGrpSpPr>
+        <p:grpSpPr>
+          <a:xfrm>
+            <a:off x="10699349" y="2167819"/>
+            <a:ext cx="1146579" cy="1436452"/>
+            <a:chOff x="10373080" y="909637"/>
+            <a:chExt cx="1660637" cy="2631980"/>
+          </a:xfrm>
+        </p:grpSpPr>
+        <p:sp>
+          <p:nvSpPr>
+            <p:cNvPr id="66" name="矩形 65">
+              <a:extLst>
+                <a:ext uri="{FF2B5EF4-FFF2-40B4-BE49-F238E27FC236}">
+                  <a16:creationId xmlns:a16="http://schemas.microsoft.com/office/drawing/2014/main" id="{7304D42A-BE8C-9D46-8665-5C9506C690F7}"/>
+                </a:ext>
+              </a:extLst>
+            </p:cNvPr>
+            <p:cNvSpPr/>
+            <p:nvPr/>
+          </p:nvSpPr>
+          <p:spPr>
+            <a:xfrm>
+              <a:off x="10373085" y="909637"/>
+              <a:ext cx="1660630" cy="436390"/>
+            </a:xfrm>
+            <a:prstGeom prst="rect">
+              <a:avLst/>
+            </a:prstGeom>
+            <a:noFill/>
+            <a:ln>
+              <a:noFill/>
+            </a:ln>
+          </p:spPr>
+          <p:style>
+            <a:lnRef idx="2">
+              <a:schemeClr val="accent1">
+                <a:shade val="50000"/>
+              </a:schemeClr>
+            </a:lnRef>
+            <a:fillRef idx="1">
+              <a:schemeClr val="accent1"/>
+            </a:fillRef>
+            <a:effectRef idx="0">
+              <a:schemeClr val="accent1"/>
+            </a:effectRef>
+            <a:fontRef idx="minor">
+              <a:schemeClr val="lt1"/>
+            </a:fontRef>
+          </p:style>
+          <p:txBody>
+            <a:bodyPr rtlCol="0" anchor="ctr"/>
+            <a:lstStyle/>
+            <a:p>
+              <a:pPr algn="ctr"/>
+              <a:r>
+                <a:rPr kumimoji="1" lang="en-US" altLang="zh-CN" sz="900">
+                  <a:solidFill>
+                    <a:schemeClr val="tx1"/>
+                  </a:solidFill>
+                </a:rPr>
+                <a:t>file</a:t>
+              </a:r>
+              <a:endParaRPr kumimoji="1" lang="zh-CN" altLang="en-US" sz="900">
+                <a:solidFill>
+                  <a:schemeClr val="tx1"/>
+                </a:solidFill>
+              </a:endParaRPr>
+            </a:p>
+          </p:txBody>
+        </p:sp>
+        <p:sp>
+          <p:nvSpPr>
+            <p:cNvPr id="68" name="矩形 67">
+              <a:extLst>
+                <a:ext uri="{FF2B5EF4-FFF2-40B4-BE49-F238E27FC236}">
+                  <a16:creationId xmlns:a16="http://schemas.microsoft.com/office/drawing/2014/main" id="{FA1DEE5C-B6B8-E14F-9A5A-0C3BA6F0179F}"/>
+                </a:ext>
+              </a:extLst>
+            </p:cNvPr>
+            <p:cNvSpPr/>
+            <p:nvPr/>
+          </p:nvSpPr>
+          <p:spPr>
+            <a:xfrm>
+              <a:off x="10373087" y="1346028"/>
+              <a:ext cx="1660630" cy="2195589"/>
+            </a:xfrm>
+            <a:prstGeom prst="rect">
+              <a:avLst/>
+            </a:prstGeom>
+            <a:solidFill>
+              <a:schemeClr val="bg1"/>
+            </a:solidFill>
+            <a:ln>
+              <a:solidFill>
+                <a:schemeClr val="tx1"/>
+              </a:solidFill>
+            </a:ln>
+          </p:spPr>
+          <p:style>
+            <a:lnRef idx="2">
+              <a:schemeClr val="accent1">
+                <a:shade val="50000"/>
+              </a:schemeClr>
+            </a:lnRef>
+            <a:fillRef idx="1">
+              <a:schemeClr val="accent1"/>
+            </a:fillRef>
+            <a:effectRef idx="0">
+              <a:schemeClr val="accent1"/>
+            </a:effectRef>
+            <a:fontRef idx="minor">
+              <a:schemeClr val="lt1"/>
+            </a:fontRef>
+          </p:style>
+          <p:txBody>
+            <a:bodyPr rtlCol="0" anchor="ctr"/>
+            <a:lstStyle/>
+            <a:p>
+              <a:pPr algn="ctr"/>
+              <a:endParaRPr kumimoji="1" lang="zh-CN" altLang="en-US" sz="900">
+                <a:solidFill>
+                  <a:schemeClr val="tx1"/>
+                </a:solidFill>
+              </a:endParaRPr>
+            </a:p>
+          </p:txBody>
+        </p:sp>
+        <p:sp>
+          <p:nvSpPr>
+            <p:cNvPr id="71" name="矩形 70">
+              <a:extLst>
+                <a:ext uri="{FF2B5EF4-FFF2-40B4-BE49-F238E27FC236}">
+                  <a16:creationId xmlns:a16="http://schemas.microsoft.com/office/drawing/2014/main" id="{612FB1BA-2A0B-0C44-B6E6-BED288C67DA9}"/>
+                </a:ext>
+              </a:extLst>
+            </p:cNvPr>
+            <p:cNvSpPr/>
+            <p:nvPr/>
+          </p:nvSpPr>
+          <p:spPr>
+            <a:xfrm>
+              <a:off x="10373080" y="3102685"/>
+              <a:ext cx="1660630" cy="436390"/>
+            </a:xfrm>
+            <a:prstGeom prst="rect">
+              <a:avLst/>
+            </a:prstGeom>
+            <a:noFill/>
+            <a:ln>
+              <a:solidFill>
+                <a:schemeClr val="tx1"/>
+              </a:solidFill>
+            </a:ln>
+          </p:spPr>
+          <p:style>
+            <a:lnRef idx="2">
+              <a:schemeClr val="accent1">
+                <a:shade val="50000"/>
+              </a:schemeClr>
+            </a:lnRef>
+            <a:fillRef idx="1">
+              <a:schemeClr val="accent1"/>
+            </a:fillRef>
+            <a:effectRef idx="0">
+              <a:schemeClr val="accent1"/>
+            </a:effectRef>
+            <a:fontRef idx="minor">
+              <a:schemeClr val="lt1"/>
+            </a:fontRef>
+          </p:style>
+          <p:txBody>
+            <a:bodyPr rtlCol="0" anchor="ctr"/>
+            <a:lstStyle/>
+            <a:p>
+              <a:pPr algn="ctr"/>
+              <a:r>
+                <a:rPr lang="en-US" altLang="zh-CN" sz="900" b="1">
+                  <a:solidFill>
+                    <a:schemeClr val="tx1"/>
+                  </a:solidFill>
+                </a:rPr>
+                <a:t>inode</a:t>
+              </a:r>
+              <a:r>
+                <a:rPr lang="zh-CN" altLang="en-US" sz="900">
+                  <a:solidFill>
+                    <a:schemeClr val="tx1"/>
+                  </a:solidFill>
+                </a:rPr>
+                <a:t> *</a:t>
+              </a:r>
+              <a:r>
+                <a:rPr lang="en-US" altLang="zh-CN" sz="900">
+                  <a:solidFill>
+                    <a:schemeClr val="tx1"/>
+                  </a:solidFill>
+                </a:rPr>
+                <a:t>node</a:t>
+              </a:r>
+            </a:p>
+          </p:txBody>
+        </p:sp>
+        <p:sp>
+          <p:nvSpPr>
+            <p:cNvPr id="72" name="矩形 71">
+              <a:extLst>
+                <a:ext uri="{FF2B5EF4-FFF2-40B4-BE49-F238E27FC236}">
+                  <a16:creationId xmlns:a16="http://schemas.microsoft.com/office/drawing/2014/main" id="{3CD51D12-B124-754B-9F3F-A4DD41C96258}"/>
+                </a:ext>
+              </a:extLst>
+            </p:cNvPr>
+            <p:cNvSpPr/>
+            <p:nvPr/>
+          </p:nvSpPr>
+          <p:spPr>
+            <a:xfrm>
+              <a:off x="10373083" y="1770654"/>
+              <a:ext cx="1660633" cy="336331"/>
+            </a:xfrm>
+            <a:prstGeom prst="rect">
+              <a:avLst/>
+            </a:prstGeom>
+            <a:noFill/>
+            <a:ln>
+              <a:solidFill>
+                <a:schemeClr val="tx1"/>
+              </a:solidFill>
+            </a:ln>
+          </p:spPr>
+          <p:style>
+            <a:lnRef idx="2">
+              <a:schemeClr val="accent1">
+                <a:shade val="50000"/>
+              </a:schemeClr>
+            </a:lnRef>
+            <a:fillRef idx="1">
+              <a:schemeClr val="accent1"/>
+            </a:fillRef>
+            <a:effectRef idx="0">
+              <a:schemeClr val="accent1"/>
+            </a:effectRef>
+            <a:fontRef idx="minor">
+              <a:schemeClr val="lt1"/>
+            </a:fontRef>
+          </p:style>
+          <p:txBody>
+            <a:bodyPr rtlCol="0" anchor="ctr"/>
+            <a:lstStyle/>
+            <a:p>
+              <a:pPr algn="ctr"/>
+              <a:r>
+                <a:rPr lang="en-US" altLang="zh-CN" sz="900" b="1">
+                  <a:solidFill>
+                    <a:schemeClr val="tx1"/>
+                  </a:solidFill>
+                </a:rPr>
+                <a:t>fd</a:t>
+              </a:r>
+            </a:p>
+          </p:txBody>
+        </p:sp>
+        <p:sp>
+          <p:nvSpPr>
+            <p:cNvPr id="76" name="矩形 75">
+              <a:extLst>
+                <a:ext uri="{FF2B5EF4-FFF2-40B4-BE49-F238E27FC236}">
+                  <a16:creationId xmlns:a16="http://schemas.microsoft.com/office/drawing/2014/main" id="{1CB98CB3-0105-204C-A046-B1BA0A803404}"/>
+                </a:ext>
+              </a:extLst>
+            </p:cNvPr>
+            <p:cNvSpPr/>
+            <p:nvPr/>
+          </p:nvSpPr>
+          <p:spPr>
+            <a:xfrm>
+              <a:off x="10373083" y="2104949"/>
+              <a:ext cx="1660633" cy="336331"/>
+            </a:xfrm>
+            <a:prstGeom prst="rect">
+              <a:avLst/>
+            </a:prstGeom>
+            <a:noFill/>
+            <a:ln>
+              <a:solidFill>
+                <a:schemeClr val="tx1"/>
+              </a:solidFill>
+            </a:ln>
+          </p:spPr>
+          <p:style>
+            <a:lnRef idx="2">
+              <a:schemeClr val="accent1">
+                <a:shade val="50000"/>
+              </a:schemeClr>
+            </a:lnRef>
+            <a:fillRef idx="1">
+              <a:schemeClr val="accent1"/>
+            </a:fillRef>
+            <a:effectRef idx="0">
+              <a:schemeClr val="accent1"/>
+            </a:effectRef>
+            <a:fontRef idx="minor">
+              <a:schemeClr val="lt1"/>
+            </a:fontRef>
+          </p:style>
+          <p:txBody>
+            <a:bodyPr rtlCol="0" anchor="ctr"/>
+            <a:lstStyle/>
+            <a:p>
+              <a:pPr algn="ctr"/>
+              <a:r>
+                <a:rPr lang="en-US" altLang="zh-CN" sz="900">
+                  <a:solidFill>
+                    <a:schemeClr val="tx1"/>
+                  </a:solidFill>
+                </a:rPr>
+                <a:t>r/w</a:t>
               </a:r>
             </a:p>
           </p:txBody>
         </p:sp>
       </p:grpSp>
+      <p:cxnSp>
+        <p:nvCxnSpPr>
+          <p:cNvPr id="78" name="直线箭头连接符 77">
+            <a:extLst>
+              <a:ext uri="{FF2B5EF4-FFF2-40B4-BE49-F238E27FC236}">
+                <a16:creationId xmlns:a16="http://schemas.microsoft.com/office/drawing/2014/main" id="{2622964F-7589-054E-ABBB-5AC464A75A71}"/>
+              </a:ext>
+            </a:extLst>
+          </p:cNvPr>
+          <p:cNvCxnSpPr>
+            <a:cxnSpLocks/>
+            <a:stCxn id="25" idx="3"/>
+            <a:endCxn id="66" idx="1"/>
+          </p:cNvCxnSpPr>
+          <p:nvPr/>
+        </p:nvCxnSpPr>
+        <p:spPr>
+          <a:xfrm>
+            <a:off x="9851613" y="1953659"/>
+            <a:ext cx="847739" cy="333244"/>
+          </a:xfrm>
+          <a:prstGeom prst="straightConnector1">
+            <a:avLst/>
+          </a:prstGeom>
+          <a:ln>
+            <a:tailEnd type="none"/>
+          </a:ln>
+        </p:spPr>
+        <p:style>
+          <a:lnRef idx="1">
+            <a:schemeClr val="accent1"/>
+          </a:lnRef>
+          <a:fillRef idx="0">
+            <a:schemeClr val="accent1"/>
+          </a:fillRef>
+          <a:effectRef idx="0">
+            <a:schemeClr val="accent1"/>
+          </a:effectRef>
+          <a:fontRef idx="minor">
+            <a:schemeClr val="tx1"/>
+          </a:fontRef>
+        </p:style>
+      </p:cxnSp>
       <p:sp>
         <p:nvSpPr>
-          <p:cNvPr id="85" name="矩形 84">
-            <a:extLst>
-              <a:ext uri="{FF2B5EF4-FFF2-40B4-BE49-F238E27FC236}">
-                <a16:creationId xmlns:a16="http://schemas.microsoft.com/office/drawing/2014/main" id="{CAAB44B1-2C2A-B742-A9A0-E3312836989B}"/>
+          <p:cNvPr id="82" name="矩形 81">
+            <a:extLst>
+              <a:ext uri="{FF2B5EF4-FFF2-40B4-BE49-F238E27FC236}">
+                <a16:creationId xmlns:a16="http://schemas.microsoft.com/office/drawing/2014/main" id="{0961EEF3-5A26-E845-BD6E-ACC37F17FB76}"/>
               </a:ext>
             </a:extLst>
           </p:cNvPr>
@@ -8103,8 +8421,8 @@
         </p:nvSpPr>
         <p:spPr>
           <a:xfrm>
-            <a:off x="5390974" y="3363969"/>
-            <a:ext cx="1205383" cy="336331"/>
+            <a:off x="5386689" y="2911962"/>
+            <a:ext cx="512890" cy="176772"/>
           </a:xfrm>
           <a:prstGeom prst="rect">
             <a:avLst/>
@@ -8138,26 +8456,13 @@
           <a:p>
             <a:pPr algn="ctr"/>
             <a:r>
-              <a:rPr lang="en-US" altLang="zh-CN" sz="1400">
+              <a:rPr lang="en-US" altLang="zh-CN" sz="900">
                 <a:solidFill>
                   <a:schemeClr val="tx1"/>
                 </a:solidFill>
               </a:rPr>
-              <a:t>mm</a:t>
+              <a:t>esp</a:t>
             </a:r>
-            <a:r>
-              <a:rPr lang="zh-CN" altLang="en-US" sz="1400">
-                <a:solidFill>
-                  <a:schemeClr val="tx1"/>
-                </a:solidFill>
-              </a:rPr>
-              <a:t>*</a:t>
-            </a:r>
-            <a:endParaRPr lang="en-US" altLang="zh-CN" sz="1400">
-              <a:solidFill>
-                <a:schemeClr val="tx1"/>
-              </a:solidFill>
-            </a:endParaRPr>
           </a:p>
         </p:txBody>
       </p:sp>
